--- a/RealOOP.pptx
+++ b/RealOOP.pptx
@@ -26,32 +26,31 @@
     <p:sldId id="277" r:id="rId20"/>
     <p:sldId id="278" r:id="rId21"/>
     <p:sldId id="279" r:id="rId22"/>
-    <p:sldId id="280" r:id="rId23"/>
-    <p:sldId id="281" r:id="rId24"/>
-    <p:sldId id="282" r:id="rId25"/>
-    <p:sldId id="283" r:id="rId26"/>
-    <p:sldId id="284" r:id="rId27"/>
-    <p:sldId id="285" r:id="rId28"/>
-    <p:sldId id="286" r:id="rId29"/>
-    <p:sldId id="287" r:id="rId30"/>
-    <p:sldId id="288" r:id="rId31"/>
-    <p:sldId id="290" r:id="rId32"/>
-    <p:sldId id="291" r:id="rId33"/>
-    <p:sldId id="292" r:id="rId34"/>
-    <p:sldId id="293" r:id="rId35"/>
-    <p:sldId id="294" r:id="rId36"/>
-    <p:sldId id="295" r:id="rId37"/>
-    <p:sldId id="296" r:id="rId38"/>
-    <p:sldId id="297" r:id="rId39"/>
-    <p:sldId id="298" r:id="rId40"/>
-    <p:sldId id="299" r:id="rId41"/>
-    <p:sldId id="302" r:id="rId42"/>
-    <p:sldId id="303" r:id="rId43"/>
-    <p:sldId id="304" r:id="rId44"/>
-    <p:sldId id="305" r:id="rId45"/>
-    <p:sldId id="306" r:id="rId46"/>
-    <p:sldId id="301" r:id="rId47"/>
-    <p:sldId id="300" r:id="rId48"/>
+    <p:sldId id="281" r:id="rId23"/>
+    <p:sldId id="282" r:id="rId24"/>
+    <p:sldId id="283" r:id="rId25"/>
+    <p:sldId id="284" r:id="rId26"/>
+    <p:sldId id="285" r:id="rId27"/>
+    <p:sldId id="286" r:id="rId28"/>
+    <p:sldId id="287" r:id="rId29"/>
+    <p:sldId id="288" r:id="rId30"/>
+    <p:sldId id="290" r:id="rId31"/>
+    <p:sldId id="291" r:id="rId32"/>
+    <p:sldId id="292" r:id="rId33"/>
+    <p:sldId id="293" r:id="rId34"/>
+    <p:sldId id="294" r:id="rId35"/>
+    <p:sldId id="295" r:id="rId36"/>
+    <p:sldId id="296" r:id="rId37"/>
+    <p:sldId id="297" r:id="rId38"/>
+    <p:sldId id="298" r:id="rId39"/>
+    <p:sldId id="299" r:id="rId40"/>
+    <p:sldId id="302" r:id="rId41"/>
+    <p:sldId id="303" r:id="rId42"/>
+    <p:sldId id="304" r:id="rId43"/>
+    <p:sldId id="305" r:id="rId44"/>
+    <p:sldId id="306" r:id="rId45"/>
+    <p:sldId id="301" r:id="rId46"/>
+    <p:sldId id="300" r:id="rId47"/>
   </p:sldIdLst>
   <p:sldSz cx="12192000" cy="6858000"/>
   <p:notesSz cx="6858000" cy="9144000"/>
@@ -5874,7 +5873,7 @@
         </p:nvSpPr>
         <p:spPr>
           <a:xfrm>
-            <a:off x="275101" y="258679"/>
+            <a:off x="4089111" y="3190473"/>
             <a:ext cx="3448673" cy="477054"/>
           </a:xfrm>
           <a:prstGeom prst="rect">
@@ -5893,14 +5892,21 @@
                 <a:latin typeface="D2Coding" panose="020B0609020101020101" pitchFamily="49" charset="-127"/>
                 <a:ea typeface="D2Coding" panose="020B0609020101020101" pitchFamily="49" charset="-127"/>
               </a:rPr>
-              <a:t>대놓고 비교해 봅시다</a:t>
+              <a:t>어떤 패턴을 </a:t>
+            </a:r>
+            <a:r>
+              <a:rPr lang="ko-KR" altLang="en-US" sz="2500" b="1" dirty="0" err="1">
+                <a:latin typeface="D2Coding" panose="020B0609020101020101" pitchFamily="49" charset="-127"/>
+                <a:ea typeface="D2Coding" panose="020B0609020101020101" pitchFamily="49" charset="-127"/>
+              </a:rPr>
+              <a:t>써야되죠</a:t>
             </a:r>
             <a:r>
               <a:rPr lang="en-US" altLang="ko-KR" sz="2500" b="1" dirty="0">
                 <a:latin typeface="D2Coding" panose="020B0609020101020101" pitchFamily="49" charset="-127"/>
                 <a:ea typeface="D2Coding" panose="020B0609020101020101" pitchFamily="49" charset="-127"/>
               </a:rPr>
-              <a:t>.</a:t>
+              <a:t>?</a:t>
             </a:r>
             <a:endParaRPr lang="ko-KR" altLang="en-US" sz="2500" b="1" dirty="0">
               <a:latin typeface="D2Coding" panose="020B0609020101020101" pitchFamily="49" charset="-127"/>
@@ -5909,258 +5915,10 @@
           </a:p>
         </p:txBody>
       </p:sp>
-      <p:pic>
-        <p:nvPicPr>
-          <p:cNvPr id="4" name="그림 3">
-            <a:extLst>
-              <a:ext uri="{FF2B5EF4-FFF2-40B4-BE49-F238E27FC236}">
-                <a16:creationId xmlns:a16="http://schemas.microsoft.com/office/drawing/2014/main" id="{E81F24A7-1CAD-26A5-5FBC-8E77A07E5F2E}"/>
-              </a:ext>
-            </a:extLst>
-          </p:cNvPr>
-          <p:cNvPicPr>
-            <a:picLocks noChangeAspect="1"/>
-          </p:cNvPicPr>
-          <p:nvPr/>
-        </p:nvPicPr>
-        <p:blipFill>
-          <a:blip r:embed="rId2"/>
-          <a:stretch>
-            <a:fillRect/>
-          </a:stretch>
-        </p:blipFill>
-        <p:spPr>
-          <a:xfrm>
-            <a:off x="5549200" y="1547800"/>
-            <a:ext cx="6366073" cy="2310332"/>
-          </a:xfrm>
-          <a:prstGeom prst="rect">
-            <a:avLst/>
-          </a:prstGeom>
-        </p:spPr>
-      </p:pic>
-      <p:sp>
-        <p:nvSpPr>
-          <p:cNvPr id="7" name="TextBox 6">
-            <a:extLst>
-              <a:ext uri="{FF2B5EF4-FFF2-40B4-BE49-F238E27FC236}">
-                <a16:creationId xmlns:a16="http://schemas.microsoft.com/office/drawing/2014/main" id="{D346771F-00C8-1DC2-9D70-DBB44A705EDE}"/>
-              </a:ext>
-            </a:extLst>
-          </p:cNvPr>
-          <p:cNvSpPr txBox="1"/>
-          <p:nvPr/>
-        </p:nvSpPr>
-        <p:spPr>
-          <a:xfrm>
-            <a:off x="7034844" y="1065333"/>
-            <a:ext cx="3534898" cy="323165"/>
-          </a:xfrm>
-          <a:prstGeom prst="rect">
-            <a:avLst/>
-          </a:prstGeom>
-          <a:noFill/>
-        </p:spPr>
-        <p:txBody>
-          <a:bodyPr wrap="square" rtlCol="0">
-            <a:spAutoFit/>
-          </a:bodyPr>
-          <a:lstStyle/>
-          <a:p>
-            <a:r>
-              <a:rPr lang="en-US" altLang="ko-KR" sz="1500" b="1" dirty="0">
-                <a:latin typeface="D2Coding" panose="020B0609020101020101" pitchFamily="49" charset="-127"/>
-                <a:ea typeface="D2Coding" panose="020B0609020101020101" pitchFamily="49" charset="-127"/>
-              </a:rPr>
-              <a:t>Domain Model Pattern (Thin Service)</a:t>
-            </a:r>
-            <a:endParaRPr lang="ko-KR" altLang="en-US" sz="1500" b="1" dirty="0">
-              <a:latin typeface="D2Coding" panose="020B0609020101020101" pitchFamily="49" charset="-127"/>
-              <a:ea typeface="D2Coding" panose="020B0609020101020101" pitchFamily="49" charset="-127"/>
-            </a:endParaRPr>
-          </a:p>
-        </p:txBody>
-      </p:sp>
-      <p:pic>
-        <p:nvPicPr>
-          <p:cNvPr id="2" name="그림 1">
-            <a:extLst>
-              <a:ext uri="{FF2B5EF4-FFF2-40B4-BE49-F238E27FC236}">
-                <a16:creationId xmlns:a16="http://schemas.microsoft.com/office/drawing/2014/main" id="{A928FF8E-1E23-F420-7F21-7C370DA4435E}"/>
-              </a:ext>
-            </a:extLst>
-          </p:cNvPr>
-          <p:cNvPicPr>
-            <a:picLocks noChangeAspect="1"/>
-          </p:cNvPicPr>
-          <p:nvPr/>
-        </p:nvPicPr>
-        <p:blipFill>
-          <a:blip r:embed="rId3"/>
-          <a:stretch>
-            <a:fillRect/>
-          </a:stretch>
-        </p:blipFill>
-        <p:spPr>
-          <a:xfrm>
-            <a:off x="186489" y="1547800"/>
-            <a:ext cx="4975058" cy="2954705"/>
-          </a:xfrm>
-          <a:prstGeom prst="rect">
-            <a:avLst/>
-          </a:prstGeom>
-        </p:spPr>
-      </p:pic>
-      <p:pic>
-        <p:nvPicPr>
-          <p:cNvPr id="6" name="그림 5">
-            <a:extLst>
-              <a:ext uri="{FF2B5EF4-FFF2-40B4-BE49-F238E27FC236}">
-                <a16:creationId xmlns:a16="http://schemas.microsoft.com/office/drawing/2014/main" id="{9BB6F08E-D1CF-8A61-4289-D6EBE8F6D4E3}"/>
-              </a:ext>
-            </a:extLst>
-          </p:cNvPr>
-          <p:cNvPicPr>
-            <a:picLocks noChangeAspect="1"/>
-          </p:cNvPicPr>
-          <p:nvPr/>
-        </p:nvPicPr>
-        <p:blipFill>
-          <a:blip r:embed="rId4"/>
-          <a:stretch>
-            <a:fillRect/>
-          </a:stretch>
-        </p:blipFill>
-        <p:spPr>
-          <a:xfrm>
-            <a:off x="186489" y="4471766"/>
-            <a:ext cx="4018548" cy="1958790"/>
-          </a:xfrm>
-          <a:prstGeom prst="rect">
-            <a:avLst/>
-          </a:prstGeom>
-        </p:spPr>
-      </p:pic>
-      <p:sp>
-        <p:nvSpPr>
-          <p:cNvPr id="9" name="TextBox 8">
-            <a:extLst>
-              <a:ext uri="{FF2B5EF4-FFF2-40B4-BE49-F238E27FC236}">
-                <a16:creationId xmlns:a16="http://schemas.microsoft.com/office/drawing/2014/main" id="{B87EFCE0-6FDE-1070-50A5-A3F95ACC4C9C}"/>
-              </a:ext>
-            </a:extLst>
-          </p:cNvPr>
-          <p:cNvSpPr txBox="1"/>
-          <p:nvPr/>
-        </p:nvSpPr>
-        <p:spPr>
-          <a:xfrm>
-            <a:off x="548797" y="1065333"/>
-            <a:ext cx="4018547" cy="323165"/>
-          </a:xfrm>
-          <a:prstGeom prst="rect">
-            <a:avLst/>
-          </a:prstGeom>
-          <a:noFill/>
-        </p:spPr>
-        <p:txBody>
-          <a:bodyPr wrap="square" rtlCol="0">
-            <a:spAutoFit/>
-          </a:bodyPr>
-          <a:lstStyle/>
-          <a:p>
-            <a:r>
-              <a:rPr lang="en-US" altLang="ko-KR" sz="1500" b="1" dirty="0">
-                <a:latin typeface="D2Coding" panose="020B0609020101020101" pitchFamily="49" charset="-127"/>
-                <a:ea typeface="D2Coding" panose="020B0609020101020101" pitchFamily="49" charset="-127"/>
-              </a:rPr>
-              <a:t>Transaction Script Pattern (Fat</a:t>
-            </a:r>
-            <a:r>
-              <a:rPr lang="ko-KR" altLang="en-US" sz="1500" b="1" dirty="0">
-                <a:latin typeface="D2Coding" panose="020B0609020101020101" pitchFamily="49" charset="-127"/>
-                <a:ea typeface="D2Coding" panose="020B0609020101020101" pitchFamily="49" charset="-127"/>
-              </a:rPr>
-              <a:t> </a:t>
-            </a:r>
-            <a:r>
-              <a:rPr lang="en-US" altLang="ko-KR" sz="1500" b="1" dirty="0">
-                <a:latin typeface="D2Coding" panose="020B0609020101020101" pitchFamily="49" charset="-127"/>
-                <a:ea typeface="D2Coding" panose="020B0609020101020101" pitchFamily="49" charset="-127"/>
-              </a:rPr>
-              <a:t>Service)</a:t>
-            </a:r>
-            <a:endParaRPr lang="ko-KR" altLang="en-US" sz="1500" b="1" dirty="0">
-              <a:latin typeface="D2Coding" panose="020B0609020101020101" pitchFamily="49" charset="-127"/>
-              <a:ea typeface="D2Coding" panose="020B0609020101020101" pitchFamily="49" charset="-127"/>
-            </a:endParaRPr>
-          </a:p>
-        </p:txBody>
-      </p:sp>
-      <p:pic>
-        <p:nvPicPr>
-          <p:cNvPr id="5" name="그림 4">
-            <a:extLst>
-              <a:ext uri="{FF2B5EF4-FFF2-40B4-BE49-F238E27FC236}">
-                <a16:creationId xmlns:a16="http://schemas.microsoft.com/office/drawing/2014/main" id="{CA68A700-59E5-5328-6F29-56840C820B5F}"/>
-              </a:ext>
-            </a:extLst>
-          </p:cNvPr>
-          <p:cNvPicPr>
-            <a:picLocks noChangeAspect="1"/>
-          </p:cNvPicPr>
-          <p:nvPr/>
-        </p:nvPicPr>
-        <p:blipFill>
-          <a:blip r:embed="rId5"/>
-          <a:stretch>
-            <a:fillRect/>
-          </a:stretch>
-        </p:blipFill>
-        <p:spPr>
-          <a:xfrm>
-            <a:off x="185199" y="4601700"/>
-            <a:ext cx="4200312" cy="2023187"/>
-          </a:xfrm>
-          <a:prstGeom prst="rect">
-            <a:avLst/>
-          </a:prstGeom>
-        </p:spPr>
-      </p:pic>
-      <p:pic>
-        <p:nvPicPr>
-          <p:cNvPr id="8" name="그림 7">
-            <a:extLst>
-              <a:ext uri="{FF2B5EF4-FFF2-40B4-BE49-F238E27FC236}">
-                <a16:creationId xmlns:a16="http://schemas.microsoft.com/office/drawing/2014/main" id="{E68AACC8-9540-541A-A838-C18F0B072E74}"/>
-              </a:ext>
-            </a:extLst>
-          </p:cNvPr>
-          <p:cNvPicPr>
-            <a:picLocks noChangeAspect="1"/>
-          </p:cNvPicPr>
-          <p:nvPr/>
-        </p:nvPicPr>
-        <p:blipFill>
-          <a:blip r:embed="rId6"/>
-          <a:stretch>
-            <a:fillRect/>
-          </a:stretch>
-        </p:blipFill>
-        <p:spPr>
-          <a:xfrm>
-            <a:off x="185198" y="4782175"/>
-            <a:ext cx="4471023" cy="1906068"/>
-          </a:xfrm>
-          <a:prstGeom prst="rect">
-            <a:avLst/>
-          </a:prstGeom>
-        </p:spPr>
-      </p:pic>
     </p:spTree>
     <p:extLst>
       <p:ext uri="{BB962C8B-B14F-4D97-AF65-F5344CB8AC3E}">
-        <p14:creationId xmlns:p14="http://schemas.microsoft.com/office/powerpoint/2010/main" val="599905126"/>
+        <p14:creationId xmlns:p14="http://schemas.microsoft.com/office/powerpoint/2010/main" val="1051455222"/>
       </p:ext>
     </p:extLst>
   </p:cSld>
@@ -6201,8 +5959,8 @@
         </p:nvSpPr>
         <p:spPr>
           <a:xfrm>
-            <a:off x="4089111" y="3190473"/>
-            <a:ext cx="3448673" cy="477054"/>
+            <a:off x="1056963" y="2649052"/>
+            <a:ext cx="10078073" cy="1338828"/>
           </a:xfrm>
           <a:prstGeom prst="rect">
             <a:avLst/>
@@ -6215,28 +5973,137 @@
           </a:bodyPr>
           <a:lstStyle/>
           <a:p>
-            <a:r>
-              <a:rPr lang="ko-KR" altLang="en-US" sz="2500" b="1" dirty="0">
-                <a:latin typeface="D2Coding" panose="020B0609020101020101" pitchFamily="49" charset="-127"/>
-                <a:ea typeface="D2Coding" panose="020B0609020101020101" pitchFamily="49" charset="-127"/>
-              </a:rPr>
-              <a:t>어떤 패턴을 </a:t>
-            </a:r>
-            <a:r>
-              <a:rPr lang="ko-KR" altLang="en-US" sz="2500" b="1" dirty="0" err="1">
-                <a:latin typeface="D2Coding" panose="020B0609020101020101" pitchFamily="49" charset="-127"/>
-                <a:ea typeface="D2Coding" panose="020B0609020101020101" pitchFamily="49" charset="-127"/>
-              </a:rPr>
-              <a:t>써야되죠</a:t>
-            </a:r>
-            <a:r>
-              <a:rPr lang="en-US" altLang="ko-KR" sz="2500" b="1" dirty="0">
-                <a:latin typeface="D2Coding" panose="020B0609020101020101" pitchFamily="49" charset="-127"/>
-                <a:ea typeface="D2Coding" panose="020B0609020101020101" pitchFamily="49" charset="-127"/>
-              </a:rPr>
-              <a:t>?</a:t>
-            </a:r>
-            <a:endParaRPr lang="ko-KR" altLang="en-US" sz="2500" b="1" dirty="0">
+            <a:pPr algn="ctr"/>
+            <a:r>
+              <a:rPr lang="ko-KR" altLang="en-US" sz="2700" b="1" dirty="0">
+                <a:latin typeface="D2Coding" panose="020B0609020101020101" pitchFamily="49" charset="-127"/>
+                <a:ea typeface="D2Coding" panose="020B0609020101020101" pitchFamily="49" charset="-127"/>
+              </a:rPr>
+              <a:t>우주에 </a:t>
+            </a:r>
+            <a:r>
+              <a:rPr lang="ko-KR" altLang="en-US" sz="2700" b="1" dirty="0">
+                <a:solidFill>
+                  <a:srgbClr val="FF0000"/>
+                </a:solidFill>
+                <a:latin typeface="D2Coding" panose="020B0609020101020101" pitchFamily="49" charset="-127"/>
+                <a:ea typeface="D2Coding" panose="020B0609020101020101" pitchFamily="49" charset="-127"/>
+              </a:rPr>
+              <a:t>변하지 않는 유일한 것</a:t>
+            </a:r>
+            <a:r>
+              <a:rPr lang="ko-KR" altLang="en-US" sz="2700" b="1" dirty="0">
+                <a:latin typeface="D2Coding" panose="020B0609020101020101" pitchFamily="49" charset="-127"/>
+                <a:ea typeface="D2Coding" panose="020B0609020101020101" pitchFamily="49" charset="-127"/>
+              </a:rPr>
+              <a:t>은 </a:t>
+            </a:r>
+            <a:r>
+              <a:rPr lang="en-US" altLang="ko-KR" sz="2700" b="1" dirty="0">
+                <a:solidFill>
+                  <a:srgbClr val="FF0000"/>
+                </a:solidFill>
+                <a:latin typeface="D2Coding" panose="020B0609020101020101" pitchFamily="49" charset="-127"/>
+                <a:ea typeface="D2Coding" panose="020B0609020101020101" pitchFamily="49" charset="-127"/>
+              </a:rPr>
+              <a:t>'</a:t>
+            </a:r>
+            <a:r>
+              <a:rPr lang="ko-KR" altLang="en-US" sz="2700" b="1" dirty="0">
+                <a:solidFill>
+                  <a:srgbClr val="FF0000"/>
+                </a:solidFill>
+                <a:latin typeface="D2Coding" panose="020B0609020101020101" pitchFamily="49" charset="-127"/>
+                <a:ea typeface="D2Coding" panose="020B0609020101020101" pitchFamily="49" charset="-127"/>
+              </a:rPr>
+              <a:t>변한다</a:t>
+            </a:r>
+            <a:r>
+              <a:rPr lang="en-US" altLang="ko-KR" sz="2700" b="1" dirty="0">
+                <a:solidFill>
+                  <a:srgbClr val="FF0000"/>
+                </a:solidFill>
+                <a:latin typeface="D2Coding" panose="020B0609020101020101" pitchFamily="49" charset="-127"/>
+                <a:ea typeface="D2Coding" panose="020B0609020101020101" pitchFamily="49" charset="-127"/>
+              </a:rPr>
+              <a:t>'</a:t>
+            </a:r>
+            <a:r>
+              <a:rPr lang="ko-KR" altLang="en-US" sz="2700" b="1" dirty="0">
+                <a:latin typeface="D2Coding" panose="020B0609020101020101" pitchFamily="49" charset="-127"/>
+                <a:ea typeface="D2Coding" panose="020B0609020101020101" pitchFamily="49" charset="-127"/>
+              </a:rPr>
+              <a:t>는 </a:t>
+            </a:r>
+            <a:r>
+              <a:rPr lang="ko-KR" altLang="en-US" sz="2700" b="1" dirty="0">
+                <a:solidFill>
+                  <a:srgbClr val="FF0000"/>
+                </a:solidFill>
+                <a:latin typeface="D2Coding" panose="020B0609020101020101" pitchFamily="49" charset="-127"/>
+                <a:ea typeface="D2Coding" panose="020B0609020101020101" pitchFamily="49" charset="-127"/>
+              </a:rPr>
+              <a:t>사실</a:t>
+            </a:r>
+            <a:r>
+              <a:rPr lang="ko-KR" altLang="en-US" sz="2700" b="1" dirty="0">
+                <a:latin typeface="D2Coding" panose="020B0609020101020101" pitchFamily="49" charset="-127"/>
+                <a:ea typeface="D2Coding" panose="020B0609020101020101" pitchFamily="49" charset="-127"/>
+              </a:rPr>
+              <a:t> </a:t>
+            </a:r>
+            <a:r>
+              <a:rPr lang="ko-KR" altLang="en-US" sz="2700" b="1" dirty="0">
+                <a:solidFill>
+                  <a:srgbClr val="FF0000"/>
+                </a:solidFill>
+                <a:latin typeface="D2Coding" panose="020B0609020101020101" pitchFamily="49" charset="-127"/>
+                <a:ea typeface="D2Coding" panose="020B0609020101020101" pitchFamily="49" charset="-127"/>
+              </a:rPr>
+              <a:t>뿐</a:t>
+            </a:r>
+            <a:r>
+              <a:rPr lang="ko-KR" altLang="en-US" sz="2700" b="1" dirty="0">
+                <a:latin typeface="D2Coding" panose="020B0609020101020101" pitchFamily="49" charset="-127"/>
+                <a:ea typeface="D2Coding" panose="020B0609020101020101" pitchFamily="49" charset="-127"/>
+              </a:rPr>
+              <a:t>이다</a:t>
+            </a:r>
+            <a:r>
+              <a:rPr lang="en-US" altLang="ko-KR" sz="2700" b="1" dirty="0">
+                <a:latin typeface="D2Coding" panose="020B0609020101020101" pitchFamily="49" charset="-127"/>
+                <a:ea typeface="D2Coding" panose="020B0609020101020101" pitchFamily="49" charset="-127"/>
+              </a:rPr>
+              <a:t>.</a:t>
+            </a:r>
+          </a:p>
+          <a:p>
+            <a:pPr algn="ctr"/>
+            <a:r>
+              <a:rPr lang="en-US" altLang="ko-KR" sz="2700" dirty="0">
+                <a:latin typeface="D2Coding" panose="020B0609020101020101" pitchFamily="49" charset="-127"/>
+                <a:ea typeface="D2Coding" panose="020B0609020101020101" pitchFamily="49" charset="-127"/>
+              </a:rPr>
+              <a:t> </a:t>
+            </a:r>
+          </a:p>
+          <a:p>
+            <a:pPr algn="ctr"/>
+            <a:r>
+              <a:rPr lang="en-US" altLang="ko-KR" sz="2700" b="1" dirty="0">
+                <a:latin typeface="D2Coding" panose="020B0609020101020101" pitchFamily="49" charset="-127"/>
+                <a:ea typeface="D2Coding" panose="020B0609020101020101" pitchFamily="49" charset="-127"/>
+              </a:rPr>
+              <a:t>– </a:t>
+            </a:r>
+            <a:r>
+              <a:rPr lang="ko-KR" altLang="en-US" sz="2700" b="1" dirty="0" err="1">
+                <a:latin typeface="D2Coding" panose="020B0609020101020101" pitchFamily="49" charset="-127"/>
+                <a:ea typeface="D2Coding" panose="020B0609020101020101" pitchFamily="49" charset="-127"/>
+              </a:rPr>
+              <a:t>헤라클레이토스</a:t>
+            </a:r>
+            <a:endParaRPr lang="ko-KR" altLang="en-US" sz="2700" b="1" dirty="0">
               <a:latin typeface="D2Coding" panose="020B0609020101020101" pitchFamily="49" charset="-127"/>
               <a:ea typeface="D2Coding" panose="020B0609020101020101" pitchFamily="49" charset="-127"/>
             </a:endParaRPr>
@@ -6246,7 +6113,7 @@
     </p:spTree>
     <p:extLst>
       <p:ext uri="{BB962C8B-B14F-4D97-AF65-F5344CB8AC3E}">
-        <p14:creationId xmlns:p14="http://schemas.microsoft.com/office/powerpoint/2010/main" val="1051455222"/>
+        <p14:creationId xmlns:p14="http://schemas.microsoft.com/office/powerpoint/2010/main" val="3384165096"/>
       </p:ext>
     </p:extLst>
   </p:cSld>
@@ -6287,8 +6154,8 @@
         </p:nvSpPr>
         <p:spPr>
           <a:xfrm>
-            <a:off x="1056963" y="2649052"/>
-            <a:ext cx="10078073" cy="1338828"/>
+            <a:off x="2103615" y="3006640"/>
+            <a:ext cx="7984769" cy="507831"/>
           </a:xfrm>
           <a:prstGeom prst="rect">
             <a:avLst/>
@@ -6307,129 +6174,14 @@
                 <a:latin typeface="D2Coding" panose="020B0609020101020101" pitchFamily="49" charset="-127"/>
                 <a:ea typeface="D2Coding" panose="020B0609020101020101" pitchFamily="49" charset="-127"/>
               </a:rPr>
-              <a:t>우주에 </a:t>
-            </a:r>
-            <a:r>
-              <a:rPr lang="ko-KR" altLang="en-US" sz="2700" b="1" dirty="0">
-                <a:solidFill>
-                  <a:srgbClr val="FF0000"/>
-                </a:solidFill>
-                <a:latin typeface="D2Coding" panose="020B0609020101020101" pitchFamily="49" charset="-127"/>
-                <a:ea typeface="D2Coding" panose="020B0609020101020101" pitchFamily="49" charset="-127"/>
-              </a:rPr>
-              <a:t>변하지 않는 유일한 것</a:t>
-            </a:r>
-            <a:r>
-              <a:rPr lang="ko-KR" altLang="en-US" sz="2700" b="1" dirty="0">
-                <a:latin typeface="D2Coding" panose="020B0609020101020101" pitchFamily="49" charset="-127"/>
-                <a:ea typeface="D2Coding" panose="020B0609020101020101" pitchFamily="49" charset="-127"/>
-              </a:rPr>
-              <a:t>은 </a:t>
+              <a:t>변화에 면역이 더 잘 되어있는 패턴이 승자다</a:t>
             </a:r>
             <a:r>
               <a:rPr lang="en-US" altLang="ko-KR" sz="2700" b="1" dirty="0">
-                <a:solidFill>
-                  <a:srgbClr val="FF0000"/>
-                </a:solidFill>
-                <a:latin typeface="D2Coding" panose="020B0609020101020101" pitchFamily="49" charset="-127"/>
-                <a:ea typeface="D2Coding" panose="020B0609020101020101" pitchFamily="49" charset="-127"/>
-              </a:rPr>
-              <a:t>'</a:t>
-            </a:r>
-            <a:r>
-              <a:rPr lang="ko-KR" altLang="en-US" sz="2700" b="1" dirty="0">
-                <a:solidFill>
-                  <a:srgbClr val="FF0000"/>
-                </a:solidFill>
-                <a:latin typeface="D2Coding" panose="020B0609020101020101" pitchFamily="49" charset="-127"/>
-                <a:ea typeface="D2Coding" panose="020B0609020101020101" pitchFamily="49" charset="-127"/>
-              </a:rPr>
-              <a:t>변한다</a:t>
-            </a:r>
-            <a:r>
-              <a:rPr lang="en-US" altLang="ko-KR" sz="2700" b="1" dirty="0">
-                <a:solidFill>
-                  <a:srgbClr val="FF0000"/>
-                </a:solidFill>
-                <a:latin typeface="D2Coding" panose="020B0609020101020101" pitchFamily="49" charset="-127"/>
-                <a:ea typeface="D2Coding" panose="020B0609020101020101" pitchFamily="49" charset="-127"/>
-              </a:rPr>
-              <a:t>'</a:t>
-            </a:r>
-            <a:r>
-              <a:rPr lang="ko-KR" altLang="en-US" sz="2700" b="1" dirty="0">
-                <a:latin typeface="D2Coding" panose="020B0609020101020101" pitchFamily="49" charset="-127"/>
-                <a:ea typeface="D2Coding" panose="020B0609020101020101" pitchFamily="49" charset="-127"/>
-              </a:rPr>
-              <a:t>는 </a:t>
-            </a:r>
-            <a:r>
-              <a:rPr lang="ko-KR" altLang="en-US" sz="2700" b="1" dirty="0">
-                <a:solidFill>
-                  <a:srgbClr val="FF0000"/>
-                </a:solidFill>
-                <a:latin typeface="D2Coding" panose="020B0609020101020101" pitchFamily="49" charset="-127"/>
-                <a:ea typeface="D2Coding" panose="020B0609020101020101" pitchFamily="49" charset="-127"/>
-              </a:rPr>
-              <a:t>사실</a:t>
-            </a:r>
-            <a:r>
-              <a:rPr lang="ko-KR" altLang="en-US" sz="2700" b="1" dirty="0">
-                <a:latin typeface="D2Coding" panose="020B0609020101020101" pitchFamily="49" charset="-127"/>
-                <a:ea typeface="D2Coding" panose="020B0609020101020101" pitchFamily="49" charset="-127"/>
-              </a:rPr>
-              <a:t> </a:t>
-            </a:r>
-            <a:r>
-              <a:rPr lang="ko-KR" altLang="en-US" sz="2700" b="1" dirty="0">
-                <a:solidFill>
-                  <a:srgbClr val="FF0000"/>
-                </a:solidFill>
-                <a:latin typeface="D2Coding" panose="020B0609020101020101" pitchFamily="49" charset="-127"/>
-                <a:ea typeface="D2Coding" panose="020B0609020101020101" pitchFamily="49" charset="-127"/>
-              </a:rPr>
-              <a:t>뿐</a:t>
-            </a:r>
-            <a:r>
-              <a:rPr lang="ko-KR" altLang="en-US" sz="2700" b="1" dirty="0">
-                <a:latin typeface="D2Coding" panose="020B0609020101020101" pitchFamily="49" charset="-127"/>
-                <a:ea typeface="D2Coding" panose="020B0609020101020101" pitchFamily="49" charset="-127"/>
-              </a:rPr>
-              <a:t>이다</a:t>
-            </a:r>
-            <a:r>
-              <a:rPr lang="en-US" altLang="ko-KR" sz="2700" b="1" dirty="0">
-                <a:latin typeface="D2Coding" panose="020B0609020101020101" pitchFamily="49" charset="-127"/>
-                <a:ea typeface="D2Coding" panose="020B0609020101020101" pitchFamily="49" charset="-127"/>
-              </a:rPr>
-              <a:t>.</a:t>
-            </a:r>
-          </a:p>
-          <a:p>
-            <a:pPr algn="ctr"/>
-            <a:r>
-              <a:rPr lang="en-US" altLang="ko-KR" sz="2700" dirty="0">
-                <a:latin typeface="D2Coding" panose="020B0609020101020101" pitchFamily="49" charset="-127"/>
-                <a:ea typeface="D2Coding" panose="020B0609020101020101" pitchFamily="49" charset="-127"/>
-              </a:rPr>
-              <a:t> </a:t>
-            </a:r>
-          </a:p>
-          <a:p>
-            <a:pPr algn="ctr"/>
-            <a:r>
-              <a:rPr lang="en-US" altLang="ko-KR" sz="2700" b="1" dirty="0">
-                <a:latin typeface="D2Coding" panose="020B0609020101020101" pitchFamily="49" charset="-127"/>
-                <a:ea typeface="D2Coding" panose="020B0609020101020101" pitchFamily="49" charset="-127"/>
-              </a:rPr>
-              <a:t>– </a:t>
-            </a:r>
-            <a:r>
-              <a:rPr lang="ko-KR" altLang="en-US" sz="2700" b="1" dirty="0" err="1">
-                <a:latin typeface="D2Coding" panose="020B0609020101020101" pitchFamily="49" charset="-127"/>
-                <a:ea typeface="D2Coding" panose="020B0609020101020101" pitchFamily="49" charset="-127"/>
-              </a:rPr>
-              <a:t>헤라클레이토스</a:t>
+                <a:latin typeface="D2Coding" panose="020B0609020101020101" pitchFamily="49" charset="-127"/>
+                <a:ea typeface="D2Coding" panose="020B0609020101020101" pitchFamily="49" charset="-127"/>
+              </a:rPr>
+              <a:t>!</a:t>
             </a:r>
             <a:endParaRPr lang="ko-KR" altLang="en-US" sz="2700" b="1" dirty="0">
               <a:latin typeface="D2Coding" panose="020B0609020101020101" pitchFamily="49" charset="-127"/>
@@ -6441,7 +6193,7 @@
     </p:spTree>
     <p:extLst>
       <p:ext uri="{BB962C8B-B14F-4D97-AF65-F5344CB8AC3E}">
-        <p14:creationId xmlns:p14="http://schemas.microsoft.com/office/powerpoint/2010/main" val="3384165096"/>
+        <p14:creationId xmlns:p14="http://schemas.microsoft.com/office/powerpoint/2010/main" val="3759636775"/>
       </p:ext>
     </p:extLst>
   </p:cSld>
@@ -6482,86 +6234,6 @@
         </p:nvSpPr>
         <p:spPr>
           <a:xfrm>
-            <a:off x="2103615" y="3006640"/>
-            <a:ext cx="7984769" cy="507831"/>
-          </a:xfrm>
-          <a:prstGeom prst="rect">
-            <a:avLst/>
-          </a:prstGeom>
-          <a:noFill/>
-        </p:spPr>
-        <p:txBody>
-          <a:bodyPr wrap="square" rtlCol="0">
-            <a:spAutoFit/>
-          </a:bodyPr>
-          <a:lstStyle/>
-          <a:p>
-            <a:pPr algn="ctr"/>
-            <a:r>
-              <a:rPr lang="ko-KR" altLang="en-US" sz="2700" b="1" dirty="0">
-                <a:latin typeface="D2Coding" panose="020B0609020101020101" pitchFamily="49" charset="-127"/>
-                <a:ea typeface="D2Coding" panose="020B0609020101020101" pitchFamily="49" charset="-127"/>
-              </a:rPr>
-              <a:t>변화에 면역이 더 잘 되어있는 패턴이 승자다</a:t>
-            </a:r>
-            <a:r>
-              <a:rPr lang="en-US" altLang="ko-KR" sz="2700" b="1" dirty="0">
-                <a:latin typeface="D2Coding" panose="020B0609020101020101" pitchFamily="49" charset="-127"/>
-                <a:ea typeface="D2Coding" panose="020B0609020101020101" pitchFamily="49" charset="-127"/>
-              </a:rPr>
-              <a:t>!</a:t>
-            </a:r>
-            <a:endParaRPr lang="ko-KR" altLang="en-US" sz="2700" b="1" dirty="0">
-              <a:latin typeface="D2Coding" panose="020B0609020101020101" pitchFamily="49" charset="-127"/>
-              <a:ea typeface="D2Coding" panose="020B0609020101020101" pitchFamily="49" charset="-127"/>
-            </a:endParaRPr>
-          </a:p>
-        </p:txBody>
-      </p:sp>
-    </p:spTree>
-    <p:extLst>
-      <p:ext uri="{BB962C8B-B14F-4D97-AF65-F5344CB8AC3E}">
-        <p14:creationId xmlns:p14="http://schemas.microsoft.com/office/powerpoint/2010/main" val="3759636775"/>
-      </p:ext>
-    </p:extLst>
-  </p:cSld>
-  <p:clrMapOvr>
-    <a:masterClrMapping/>
-  </p:clrMapOvr>
-</p:sld>
-</file>
-
-<file path=ppt/slides/slide26.xml><?xml version="1.0" encoding="utf-8"?>
-<p:sld xmlns:a="http://schemas.openxmlformats.org/drawingml/2006/main" xmlns:r="http://schemas.openxmlformats.org/officeDocument/2006/relationships" xmlns:p="http://schemas.openxmlformats.org/presentationml/2006/main">
-  <p:cSld>
-    <p:spTree>
-      <p:nvGrpSpPr>
-        <p:cNvPr id="1" name=""/>
-        <p:cNvGrpSpPr/>
-        <p:nvPr/>
-      </p:nvGrpSpPr>
-      <p:grpSpPr>
-        <a:xfrm>
-          <a:off x="0" y="0"/>
-          <a:ext cx="0" cy="0"/>
-          <a:chOff x="0" y="0"/>
-          <a:chExt cx="0" cy="0"/>
-        </a:xfrm>
-      </p:grpSpPr>
-      <p:sp>
-        <p:nvSpPr>
-          <p:cNvPr id="3" name="TextBox 2">
-            <a:extLst>
-              <a:ext uri="{FF2B5EF4-FFF2-40B4-BE49-F238E27FC236}">
-                <a16:creationId xmlns:a16="http://schemas.microsoft.com/office/drawing/2014/main" id="{AA04A1C0-37DF-D426-F3E6-56FE4CFAB354}"/>
-              </a:ext>
-            </a:extLst>
-          </p:cNvPr>
-          <p:cNvSpPr txBox="1"/>
-          <p:nvPr/>
-        </p:nvSpPr>
-        <p:spPr>
-          <a:xfrm>
             <a:off x="2290200" y="3001878"/>
             <a:ext cx="7611599" cy="477054"/>
           </a:xfrm>
@@ -6645,7 +6317,7 @@
 </p:sld>
 </file>
 
-<file path=ppt/slides/slide27.xml><?xml version="1.0" encoding="utf-8"?>
+<file path=ppt/slides/slide26.xml><?xml version="1.0" encoding="utf-8"?>
 <p:sld xmlns:a="http://schemas.openxmlformats.org/drawingml/2006/main" xmlns:r="http://schemas.openxmlformats.org/officeDocument/2006/relationships" xmlns:p="http://schemas.openxmlformats.org/presentationml/2006/main">
   <p:cSld>
     <p:spTree>
@@ -6845,7 +6517,7 @@
 </p:sld>
 </file>
 
-<file path=ppt/slides/slide28.xml><?xml version="1.0" encoding="utf-8"?>
+<file path=ppt/slides/slide27.xml><?xml version="1.0" encoding="utf-8"?>
 <p:sld xmlns:a="http://schemas.openxmlformats.org/drawingml/2006/main" xmlns:r="http://schemas.openxmlformats.org/officeDocument/2006/relationships" xmlns:p="http://schemas.openxmlformats.org/presentationml/2006/main">
   <p:cSld>
     <p:spTree>
@@ -7079,7 +6751,7 @@
 </p:sld>
 </file>
 
-<file path=ppt/slides/slide29.xml><?xml version="1.0" encoding="utf-8"?>
+<file path=ppt/slides/slide28.xml><?xml version="1.0" encoding="utf-8"?>
 <p:sld xmlns:a="http://schemas.openxmlformats.org/drawingml/2006/main" xmlns:r="http://schemas.openxmlformats.org/officeDocument/2006/relationships" xmlns:p="http://schemas.openxmlformats.org/presentationml/2006/main">
   <p:cSld>
     <p:spTree>
@@ -7245,214 +6917,7 @@
 </p:sld>
 </file>
 
-<file path=ppt/slides/slide3.xml><?xml version="1.0" encoding="utf-8"?>
-<p:sld xmlns:a="http://schemas.openxmlformats.org/drawingml/2006/main" xmlns:r="http://schemas.openxmlformats.org/officeDocument/2006/relationships" xmlns:p="http://schemas.openxmlformats.org/presentationml/2006/main">
-  <p:cSld>
-    <p:spTree>
-      <p:nvGrpSpPr>
-        <p:cNvPr id="1" name=""/>
-        <p:cNvGrpSpPr/>
-        <p:nvPr/>
-      </p:nvGrpSpPr>
-      <p:grpSpPr>
-        <a:xfrm>
-          <a:off x="0" y="0"/>
-          <a:ext cx="0" cy="0"/>
-          <a:chOff x="0" y="0"/>
-          <a:chExt cx="0" cy="0"/>
-        </a:xfrm>
-      </p:grpSpPr>
-      <p:sp>
-        <p:nvSpPr>
-          <p:cNvPr id="3" name="TextBox 2">
-            <a:extLst>
-              <a:ext uri="{FF2B5EF4-FFF2-40B4-BE49-F238E27FC236}">
-                <a16:creationId xmlns:a16="http://schemas.microsoft.com/office/drawing/2014/main" id="{AA04A1C0-37DF-D426-F3E6-56FE4CFAB354}"/>
-              </a:ext>
-            </a:extLst>
-          </p:cNvPr>
-          <p:cNvSpPr txBox="1"/>
-          <p:nvPr/>
-        </p:nvSpPr>
-        <p:spPr>
-          <a:xfrm>
-            <a:off x="473623" y="391027"/>
-            <a:ext cx="5229346" cy="477054"/>
-          </a:xfrm>
-          <a:prstGeom prst="rect">
-            <a:avLst/>
-          </a:prstGeom>
-          <a:noFill/>
-        </p:spPr>
-        <p:txBody>
-          <a:bodyPr wrap="square" rtlCol="0">
-            <a:spAutoFit/>
-          </a:bodyPr>
-          <a:lstStyle/>
-          <a:p>
-            <a:r>
-              <a:rPr lang="ko-KR" altLang="en-US" sz="2500" b="1" dirty="0">
-                <a:latin typeface="D2Coding" panose="020B0609020101020101" pitchFamily="49" charset="-127"/>
-                <a:ea typeface="D2Coding" panose="020B0609020101020101" pitchFamily="49" charset="-127"/>
-              </a:rPr>
-              <a:t>객체지향이 </a:t>
-            </a:r>
-            <a:r>
-              <a:rPr lang="ko-KR" altLang="en-US" sz="2500" b="1" dirty="0" err="1">
-                <a:latin typeface="D2Coding" panose="020B0609020101020101" pitchFamily="49" charset="-127"/>
-                <a:ea typeface="D2Coding" panose="020B0609020101020101" pitchFamily="49" charset="-127"/>
-              </a:rPr>
-              <a:t>뭔데</a:t>
-            </a:r>
-            <a:r>
-              <a:rPr lang="en-US" altLang="ko-KR" sz="2500" b="1" dirty="0">
-                <a:latin typeface="D2Coding" panose="020B0609020101020101" pitchFamily="49" charset="-127"/>
-                <a:ea typeface="D2Coding" panose="020B0609020101020101" pitchFamily="49" charset="-127"/>
-              </a:rPr>
-              <a:t>?</a:t>
-            </a:r>
-            <a:endParaRPr lang="ko-KR" altLang="en-US" sz="2500" b="1" dirty="0">
-              <a:latin typeface="D2Coding" panose="020B0609020101020101" pitchFamily="49" charset="-127"/>
-              <a:ea typeface="D2Coding" panose="020B0609020101020101" pitchFamily="49" charset="-127"/>
-            </a:endParaRPr>
-          </a:p>
-        </p:txBody>
-      </p:sp>
-      <p:sp>
-        <p:nvSpPr>
-          <p:cNvPr id="4" name="TextBox 3">
-            <a:extLst>
-              <a:ext uri="{FF2B5EF4-FFF2-40B4-BE49-F238E27FC236}">
-                <a16:creationId xmlns:a16="http://schemas.microsoft.com/office/drawing/2014/main" id="{1FA8B3A5-A8C3-47ED-FAFB-7F1BDC571465}"/>
-              </a:ext>
-            </a:extLst>
-          </p:cNvPr>
-          <p:cNvSpPr txBox="1"/>
-          <p:nvPr/>
-        </p:nvSpPr>
-        <p:spPr>
-          <a:xfrm>
-            <a:off x="2954945" y="2805752"/>
-            <a:ext cx="6282110" cy="1246495"/>
-          </a:xfrm>
-          <a:prstGeom prst="rect">
-            <a:avLst/>
-          </a:prstGeom>
-          <a:noFill/>
-        </p:spPr>
-        <p:txBody>
-          <a:bodyPr wrap="square" rtlCol="0">
-            <a:spAutoFit/>
-          </a:bodyPr>
-          <a:lstStyle/>
-          <a:p>
-            <a:r>
-              <a:rPr lang="ko-KR" altLang="en-US" sz="2500" dirty="0">
-                <a:latin typeface="D2Coding" panose="020B0609020101020101" pitchFamily="49" charset="-127"/>
-                <a:ea typeface="D2Coding" panose="020B0609020101020101" pitchFamily="49" charset="-127"/>
-              </a:rPr>
-              <a:t>서로 다른 </a:t>
-            </a:r>
-            <a:r>
-              <a:rPr lang="ko-KR" altLang="en-US" sz="2500" dirty="0">
-                <a:solidFill>
-                  <a:srgbClr val="FF0000"/>
-                </a:solidFill>
-                <a:latin typeface="D2Coding" panose="020B0609020101020101" pitchFamily="49" charset="-127"/>
-                <a:ea typeface="D2Coding" panose="020B0609020101020101" pitchFamily="49" charset="-127"/>
-              </a:rPr>
-              <a:t>역할</a:t>
-            </a:r>
-            <a:r>
-              <a:rPr lang="en-US" altLang="ko-KR" sz="2500" dirty="0">
-                <a:solidFill>
-                  <a:srgbClr val="FF0000"/>
-                </a:solidFill>
-                <a:latin typeface="D2Coding" panose="020B0609020101020101" pitchFamily="49" charset="-127"/>
-                <a:ea typeface="D2Coding" panose="020B0609020101020101" pitchFamily="49" charset="-127"/>
-              </a:rPr>
-              <a:t>/</a:t>
-            </a:r>
-            <a:r>
-              <a:rPr lang="ko-KR" altLang="en-US" sz="2500" dirty="0">
-                <a:solidFill>
-                  <a:srgbClr val="FF0000"/>
-                </a:solidFill>
-                <a:latin typeface="D2Coding" panose="020B0609020101020101" pitchFamily="49" charset="-127"/>
-                <a:ea typeface="D2Coding" panose="020B0609020101020101" pitchFamily="49" charset="-127"/>
-              </a:rPr>
-              <a:t>책임</a:t>
-            </a:r>
-            <a:r>
-              <a:rPr lang="ko-KR" altLang="en-US" sz="2500" dirty="0">
-                <a:latin typeface="D2Coding" panose="020B0609020101020101" pitchFamily="49" charset="-127"/>
-                <a:ea typeface="D2Coding" panose="020B0609020101020101" pitchFamily="49" charset="-127"/>
-              </a:rPr>
-              <a:t>을 가진 객체 간에</a:t>
-            </a:r>
-            <a:endParaRPr lang="en-US" altLang="ko-KR" sz="2500" dirty="0">
-              <a:latin typeface="D2Coding" panose="020B0609020101020101" pitchFamily="49" charset="-127"/>
-              <a:ea typeface="D2Coding" panose="020B0609020101020101" pitchFamily="49" charset="-127"/>
-            </a:endParaRPr>
-          </a:p>
-          <a:p>
-            <a:endParaRPr lang="en-US" altLang="ko-KR" sz="2500" dirty="0">
-              <a:latin typeface="D2Coding" panose="020B0609020101020101" pitchFamily="49" charset="-127"/>
-              <a:ea typeface="D2Coding" panose="020B0609020101020101" pitchFamily="49" charset="-127"/>
-            </a:endParaRPr>
-          </a:p>
-          <a:p>
-            <a:r>
-              <a:rPr lang="ko-KR" altLang="en-US" sz="2500" dirty="0">
-                <a:solidFill>
-                  <a:srgbClr val="FF0000"/>
-                </a:solidFill>
-                <a:latin typeface="D2Coding" panose="020B0609020101020101" pitchFamily="49" charset="-127"/>
-                <a:ea typeface="D2Coding" panose="020B0609020101020101" pitchFamily="49" charset="-127"/>
-              </a:rPr>
-              <a:t>메시지</a:t>
-            </a:r>
-            <a:r>
-              <a:rPr lang="ko-KR" altLang="en-US" sz="2500" dirty="0">
-                <a:latin typeface="D2Coding" panose="020B0609020101020101" pitchFamily="49" charset="-127"/>
-                <a:ea typeface="D2Coding" panose="020B0609020101020101" pitchFamily="49" charset="-127"/>
-              </a:rPr>
-              <a:t>를 통해 </a:t>
-            </a:r>
-            <a:r>
-              <a:rPr lang="ko-KR" altLang="en-US" sz="2500" dirty="0">
-                <a:solidFill>
-                  <a:srgbClr val="FF0000"/>
-                </a:solidFill>
-                <a:latin typeface="D2Coding" panose="020B0609020101020101" pitchFamily="49" charset="-127"/>
-                <a:ea typeface="D2Coding" panose="020B0609020101020101" pitchFamily="49" charset="-127"/>
-              </a:rPr>
-              <a:t>협력관계</a:t>
-            </a:r>
-            <a:r>
-              <a:rPr lang="ko-KR" altLang="en-US" sz="2500" dirty="0">
-                <a:latin typeface="D2Coding" panose="020B0609020101020101" pitchFamily="49" charset="-127"/>
-                <a:ea typeface="D2Coding" panose="020B0609020101020101" pitchFamily="49" charset="-127"/>
-              </a:rPr>
-              <a:t>를 구축하는 것</a:t>
-            </a:r>
-          </a:p>
-        </p:txBody>
-      </p:sp>
-    </p:spTree>
-    <p:extLst>
-      <p:ext uri="{BB962C8B-B14F-4D97-AF65-F5344CB8AC3E}">
-        <p14:creationId xmlns:p14="http://schemas.microsoft.com/office/powerpoint/2010/main" val="3104962618"/>
-      </p:ext>
-    </p:extLst>
-  </p:cSld>
-  <p:clrMapOvr>
-    <a:masterClrMapping/>
-  </p:clrMapOvr>
-</p:sld>
-</file>
-
-<file path=ppt/slides/slide30.xml><?xml version="1.0" encoding="utf-8"?>
+<file path=ppt/slides/slide29.xml><?xml version="1.0" encoding="utf-8"?>
 <p:sld xmlns:a="http://schemas.openxmlformats.org/drawingml/2006/main" xmlns:r="http://schemas.openxmlformats.org/officeDocument/2006/relationships" xmlns:p="http://schemas.openxmlformats.org/presentationml/2006/main">
   <p:cSld>
     <p:spTree>
@@ -7749,6 +7214,518 @@
 </p:sld>
 </file>
 
+<file path=ppt/slides/slide3.xml><?xml version="1.0" encoding="utf-8"?>
+<p:sld xmlns:a="http://schemas.openxmlformats.org/drawingml/2006/main" xmlns:r="http://schemas.openxmlformats.org/officeDocument/2006/relationships" xmlns:p="http://schemas.openxmlformats.org/presentationml/2006/main">
+  <p:cSld>
+    <p:spTree>
+      <p:nvGrpSpPr>
+        <p:cNvPr id="1" name=""/>
+        <p:cNvGrpSpPr/>
+        <p:nvPr/>
+      </p:nvGrpSpPr>
+      <p:grpSpPr>
+        <a:xfrm>
+          <a:off x="0" y="0"/>
+          <a:ext cx="0" cy="0"/>
+          <a:chOff x="0" y="0"/>
+          <a:chExt cx="0" cy="0"/>
+        </a:xfrm>
+      </p:grpSpPr>
+      <p:sp>
+        <p:nvSpPr>
+          <p:cNvPr id="3" name="TextBox 2">
+            <a:extLst>
+              <a:ext uri="{FF2B5EF4-FFF2-40B4-BE49-F238E27FC236}">
+                <a16:creationId xmlns:a16="http://schemas.microsoft.com/office/drawing/2014/main" id="{AA04A1C0-37DF-D426-F3E6-56FE4CFAB354}"/>
+              </a:ext>
+            </a:extLst>
+          </p:cNvPr>
+          <p:cNvSpPr txBox="1"/>
+          <p:nvPr/>
+        </p:nvSpPr>
+        <p:spPr>
+          <a:xfrm>
+            <a:off x="473623" y="391027"/>
+            <a:ext cx="5229346" cy="477054"/>
+          </a:xfrm>
+          <a:prstGeom prst="rect">
+            <a:avLst/>
+          </a:prstGeom>
+          <a:noFill/>
+        </p:spPr>
+        <p:txBody>
+          <a:bodyPr wrap="square" rtlCol="0">
+            <a:spAutoFit/>
+          </a:bodyPr>
+          <a:lstStyle/>
+          <a:p>
+            <a:r>
+              <a:rPr lang="ko-KR" altLang="en-US" sz="2500" b="1" dirty="0">
+                <a:latin typeface="D2Coding" panose="020B0609020101020101" pitchFamily="49" charset="-127"/>
+                <a:ea typeface="D2Coding" panose="020B0609020101020101" pitchFamily="49" charset="-127"/>
+              </a:rPr>
+              <a:t>객체지향이 </a:t>
+            </a:r>
+            <a:r>
+              <a:rPr lang="ko-KR" altLang="en-US" sz="2500" b="1" dirty="0" err="1">
+                <a:latin typeface="D2Coding" panose="020B0609020101020101" pitchFamily="49" charset="-127"/>
+                <a:ea typeface="D2Coding" panose="020B0609020101020101" pitchFamily="49" charset="-127"/>
+              </a:rPr>
+              <a:t>뭔데</a:t>
+            </a:r>
+            <a:r>
+              <a:rPr lang="en-US" altLang="ko-KR" sz="2500" b="1" dirty="0">
+                <a:latin typeface="D2Coding" panose="020B0609020101020101" pitchFamily="49" charset="-127"/>
+                <a:ea typeface="D2Coding" panose="020B0609020101020101" pitchFamily="49" charset="-127"/>
+              </a:rPr>
+              <a:t>?</a:t>
+            </a:r>
+            <a:endParaRPr lang="ko-KR" altLang="en-US" sz="2500" b="1" dirty="0">
+              <a:latin typeface="D2Coding" panose="020B0609020101020101" pitchFamily="49" charset="-127"/>
+              <a:ea typeface="D2Coding" panose="020B0609020101020101" pitchFamily="49" charset="-127"/>
+            </a:endParaRPr>
+          </a:p>
+        </p:txBody>
+      </p:sp>
+      <p:sp>
+        <p:nvSpPr>
+          <p:cNvPr id="4" name="TextBox 3">
+            <a:extLst>
+              <a:ext uri="{FF2B5EF4-FFF2-40B4-BE49-F238E27FC236}">
+                <a16:creationId xmlns:a16="http://schemas.microsoft.com/office/drawing/2014/main" id="{1FA8B3A5-A8C3-47ED-FAFB-7F1BDC571465}"/>
+              </a:ext>
+            </a:extLst>
+          </p:cNvPr>
+          <p:cNvSpPr txBox="1"/>
+          <p:nvPr/>
+        </p:nvSpPr>
+        <p:spPr>
+          <a:xfrm>
+            <a:off x="2954945" y="2805752"/>
+            <a:ext cx="6282110" cy="1246495"/>
+          </a:xfrm>
+          <a:prstGeom prst="rect">
+            <a:avLst/>
+          </a:prstGeom>
+          <a:noFill/>
+        </p:spPr>
+        <p:txBody>
+          <a:bodyPr wrap="square" rtlCol="0">
+            <a:spAutoFit/>
+          </a:bodyPr>
+          <a:lstStyle/>
+          <a:p>
+            <a:r>
+              <a:rPr lang="ko-KR" altLang="en-US" sz="2500" dirty="0">
+                <a:latin typeface="D2Coding" panose="020B0609020101020101" pitchFamily="49" charset="-127"/>
+                <a:ea typeface="D2Coding" panose="020B0609020101020101" pitchFamily="49" charset="-127"/>
+              </a:rPr>
+              <a:t>서로 다른 </a:t>
+            </a:r>
+            <a:r>
+              <a:rPr lang="ko-KR" altLang="en-US" sz="2500" dirty="0">
+                <a:solidFill>
+                  <a:srgbClr val="FF0000"/>
+                </a:solidFill>
+                <a:latin typeface="D2Coding" panose="020B0609020101020101" pitchFamily="49" charset="-127"/>
+                <a:ea typeface="D2Coding" panose="020B0609020101020101" pitchFamily="49" charset="-127"/>
+              </a:rPr>
+              <a:t>역할</a:t>
+            </a:r>
+            <a:r>
+              <a:rPr lang="en-US" altLang="ko-KR" sz="2500" dirty="0">
+                <a:solidFill>
+                  <a:srgbClr val="FF0000"/>
+                </a:solidFill>
+                <a:latin typeface="D2Coding" panose="020B0609020101020101" pitchFamily="49" charset="-127"/>
+                <a:ea typeface="D2Coding" panose="020B0609020101020101" pitchFamily="49" charset="-127"/>
+              </a:rPr>
+              <a:t>/</a:t>
+            </a:r>
+            <a:r>
+              <a:rPr lang="ko-KR" altLang="en-US" sz="2500" dirty="0">
+                <a:solidFill>
+                  <a:srgbClr val="FF0000"/>
+                </a:solidFill>
+                <a:latin typeface="D2Coding" panose="020B0609020101020101" pitchFamily="49" charset="-127"/>
+                <a:ea typeface="D2Coding" panose="020B0609020101020101" pitchFamily="49" charset="-127"/>
+              </a:rPr>
+              <a:t>책임</a:t>
+            </a:r>
+            <a:r>
+              <a:rPr lang="ko-KR" altLang="en-US" sz="2500" dirty="0">
+                <a:latin typeface="D2Coding" panose="020B0609020101020101" pitchFamily="49" charset="-127"/>
+                <a:ea typeface="D2Coding" panose="020B0609020101020101" pitchFamily="49" charset="-127"/>
+              </a:rPr>
+              <a:t>을 가진 객체 간에</a:t>
+            </a:r>
+            <a:endParaRPr lang="en-US" altLang="ko-KR" sz="2500" dirty="0">
+              <a:latin typeface="D2Coding" panose="020B0609020101020101" pitchFamily="49" charset="-127"/>
+              <a:ea typeface="D2Coding" panose="020B0609020101020101" pitchFamily="49" charset="-127"/>
+            </a:endParaRPr>
+          </a:p>
+          <a:p>
+            <a:endParaRPr lang="en-US" altLang="ko-KR" sz="2500" dirty="0">
+              <a:latin typeface="D2Coding" panose="020B0609020101020101" pitchFamily="49" charset="-127"/>
+              <a:ea typeface="D2Coding" panose="020B0609020101020101" pitchFamily="49" charset="-127"/>
+            </a:endParaRPr>
+          </a:p>
+          <a:p>
+            <a:r>
+              <a:rPr lang="ko-KR" altLang="en-US" sz="2500" dirty="0">
+                <a:solidFill>
+                  <a:srgbClr val="FF0000"/>
+                </a:solidFill>
+                <a:latin typeface="D2Coding" panose="020B0609020101020101" pitchFamily="49" charset="-127"/>
+                <a:ea typeface="D2Coding" panose="020B0609020101020101" pitchFamily="49" charset="-127"/>
+              </a:rPr>
+              <a:t>메시지</a:t>
+            </a:r>
+            <a:r>
+              <a:rPr lang="ko-KR" altLang="en-US" sz="2500" dirty="0">
+                <a:latin typeface="D2Coding" panose="020B0609020101020101" pitchFamily="49" charset="-127"/>
+                <a:ea typeface="D2Coding" panose="020B0609020101020101" pitchFamily="49" charset="-127"/>
+              </a:rPr>
+              <a:t>를 통해 </a:t>
+            </a:r>
+            <a:r>
+              <a:rPr lang="ko-KR" altLang="en-US" sz="2500" dirty="0">
+                <a:solidFill>
+                  <a:srgbClr val="FF0000"/>
+                </a:solidFill>
+                <a:latin typeface="D2Coding" panose="020B0609020101020101" pitchFamily="49" charset="-127"/>
+                <a:ea typeface="D2Coding" panose="020B0609020101020101" pitchFamily="49" charset="-127"/>
+              </a:rPr>
+              <a:t>협력관계</a:t>
+            </a:r>
+            <a:r>
+              <a:rPr lang="ko-KR" altLang="en-US" sz="2500" dirty="0">
+                <a:latin typeface="D2Coding" panose="020B0609020101020101" pitchFamily="49" charset="-127"/>
+                <a:ea typeface="D2Coding" panose="020B0609020101020101" pitchFamily="49" charset="-127"/>
+              </a:rPr>
+              <a:t>를 구축하는 것</a:t>
+            </a:r>
+          </a:p>
+        </p:txBody>
+      </p:sp>
+    </p:spTree>
+    <p:extLst>
+      <p:ext uri="{BB962C8B-B14F-4D97-AF65-F5344CB8AC3E}">
+        <p14:creationId xmlns:p14="http://schemas.microsoft.com/office/powerpoint/2010/main" val="3104962618"/>
+      </p:ext>
+    </p:extLst>
+  </p:cSld>
+  <p:clrMapOvr>
+    <a:masterClrMapping/>
+  </p:clrMapOvr>
+</p:sld>
+</file>
+
+<file path=ppt/slides/slide30.xml><?xml version="1.0" encoding="utf-8"?>
+<p:sld xmlns:a="http://schemas.openxmlformats.org/drawingml/2006/main" xmlns:r="http://schemas.openxmlformats.org/officeDocument/2006/relationships" xmlns:p="http://schemas.openxmlformats.org/presentationml/2006/main">
+  <p:cSld>
+    <p:spTree>
+      <p:nvGrpSpPr>
+        <p:cNvPr id="1" name=""/>
+        <p:cNvGrpSpPr/>
+        <p:nvPr/>
+      </p:nvGrpSpPr>
+      <p:grpSpPr>
+        <a:xfrm>
+          <a:off x="0" y="0"/>
+          <a:ext cx="0" cy="0"/>
+          <a:chOff x="0" y="0"/>
+          <a:chExt cx="0" cy="0"/>
+        </a:xfrm>
+      </p:grpSpPr>
+      <p:sp>
+        <p:nvSpPr>
+          <p:cNvPr id="3" name="TextBox 2">
+            <a:extLst>
+              <a:ext uri="{FF2B5EF4-FFF2-40B4-BE49-F238E27FC236}">
+                <a16:creationId xmlns:a16="http://schemas.microsoft.com/office/drawing/2014/main" id="{AA04A1C0-37DF-D426-F3E6-56FE4CFAB354}"/>
+              </a:ext>
+            </a:extLst>
+          </p:cNvPr>
+          <p:cNvSpPr txBox="1"/>
+          <p:nvPr/>
+        </p:nvSpPr>
+        <p:spPr>
+          <a:xfrm>
+            <a:off x="413464" y="385010"/>
+            <a:ext cx="7834183" cy="477054"/>
+          </a:xfrm>
+          <a:prstGeom prst="rect">
+            <a:avLst/>
+          </a:prstGeom>
+          <a:noFill/>
+        </p:spPr>
+        <p:txBody>
+          <a:bodyPr wrap="square" rtlCol="0">
+            <a:spAutoFit/>
+          </a:bodyPr>
+          <a:lstStyle/>
+          <a:p>
+            <a:r>
+              <a:rPr lang="en-US" altLang="ko-KR" sz="2500" b="1" dirty="0">
+                <a:latin typeface="D2Coding" panose="020B0609020101020101" pitchFamily="49" charset="-127"/>
+                <a:ea typeface="D2Coding" panose="020B0609020101020101" pitchFamily="49" charset="-127"/>
+              </a:rPr>
+              <a:t>Domain Model Pattern </a:t>
+            </a:r>
+            <a:r>
+              <a:rPr lang="ko-KR" altLang="en-US" sz="2500" b="1" dirty="0">
+                <a:latin typeface="D2Coding" panose="020B0609020101020101" pitchFamily="49" charset="-127"/>
+                <a:ea typeface="D2Coding" panose="020B0609020101020101" pitchFamily="49" charset="-127"/>
+              </a:rPr>
+              <a:t>에</a:t>
+            </a:r>
+            <a:r>
+              <a:rPr lang="en-US" altLang="ko-KR" sz="2500" b="1" dirty="0">
+                <a:latin typeface="D2Coding" panose="020B0609020101020101" pitchFamily="49" charset="-127"/>
+                <a:ea typeface="D2Coding" panose="020B0609020101020101" pitchFamily="49" charset="-127"/>
+              </a:rPr>
+              <a:t> </a:t>
+            </a:r>
+            <a:r>
+              <a:rPr lang="ko-KR" altLang="en-US" sz="2500" b="1" dirty="0">
+                <a:latin typeface="D2Coding" panose="020B0609020101020101" pitchFamily="49" charset="-127"/>
+                <a:ea typeface="D2Coding" panose="020B0609020101020101" pitchFamily="49" charset="-127"/>
+              </a:rPr>
+              <a:t>변화를 적용한다면</a:t>
+            </a:r>
+            <a:r>
+              <a:rPr lang="en-US" altLang="ko-KR" sz="2500" b="1" dirty="0">
+                <a:latin typeface="D2Coding" panose="020B0609020101020101" pitchFamily="49" charset="-127"/>
+                <a:ea typeface="D2Coding" panose="020B0609020101020101" pitchFamily="49" charset="-127"/>
+              </a:rPr>
+              <a:t>…</a:t>
+            </a:r>
+          </a:p>
+        </p:txBody>
+      </p:sp>
+      <p:sp>
+        <p:nvSpPr>
+          <p:cNvPr id="2" name="TextBox 1">
+            <a:extLst>
+              <a:ext uri="{FF2B5EF4-FFF2-40B4-BE49-F238E27FC236}">
+                <a16:creationId xmlns:a16="http://schemas.microsoft.com/office/drawing/2014/main" id="{09B513B5-1CCF-6830-69A6-1FCAF718EC75}"/>
+              </a:ext>
+            </a:extLst>
+          </p:cNvPr>
+          <p:cNvSpPr txBox="1"/>
+          <p:nvPr/>
+        </p:nvSpPr>
+        <p:spPr>
+          <a:xfrm>
+            <a:off x="371068" y="1382376"/>
+            <a:ext cx="10776190" cy="2308324"/>
+          </a:xfrm>
+          <a:prstGeom prst="rect">
+            <a:avLst/>
+          </a:prstGeom>
+          <a:noFill/>
+        </p:spPr>
+        <p:txBody>
+          <a:bodyPr wrap="square" rtlCol="0">
+            <a:spAutoFit/>
+          </a:bodyPr>
+          <a:lstStyle/>
+          <a:p>
+            <a:pPr marL="457200" indent="-457200">
+              <a:buFont typeface="Arial" panose="020B0604020202020204" pitchFamily="34" charset="0"/>
+              <a:buChar char="•"/>
+            </a:pPr>
+            <a:r>
+              <a:rPr lang="ko-KR" altLang="en-US" dirty="0">
+                <a:latin typeface="D2Coding" panose="020B0609020101020101" pitchFamily="49" charset="-127"/>
+                <a:ea typeface="D2Coding" panose="020B0609020101020101" pitchFamily="49" charset="-127"/>
+              </a:rPr>
+              <a:t>구현체를 바꿔 </a:t>
+            </a:r>
+            <a:r>
+              <a:rPr lang="ko-KR" altLang="en-US" dirty="0" err="1">
+                <a:latin typeface="D2Coding" panose="020B0609020101020101" pitchFamily="49" charset="-127"/>
+                <a:ea typeface="D2Coding" panose="020B0609020101020101" pitchFamily="49" charset="-127"/>
+              </a:rPr>
+              <a:t>끼워주기만</a:t>
+            </a:r>
+            <a:r>
+              <a:rPr lang="ko-KR" altLang="en-US" dirty="0">
+                <a:latin typeface="D2Coding" panose="020B0609020101020101" pitchFamily="49" charset="-127"/>
+                <a:ea typeface="D2Coding" panose="020B0609020101020101" pitchFamily="49" charset="-127"/>
+              </a:rPr>
+              <a:t> 하면 된다</a:t>
+            </a:r>
+            <a:r>
+              <a:rPr lang="en-US" altLang="ko-KR" dirty="0">
+                <a:latin typeface="D2Coding" panose="020B0609020101020101" pitchFamily="49" charset="-127"/>
+                <a:ea typeface="D2Coding" panose="020B0609020101020101" pitchFamily="49" charset="-127"/>
+              </a:rPr>
+              <a:t>! </a:t>
+            </a:r>
+            <a:r>
+              <a:rPr lang="ko-KR" altLang="en-US" dirty="0">
+                <a:latin typeface="D2Coding" panose="020B0609020101020101" pitchFamily="49" charset="-127"/>
+                <a:ea typeface="D2Coding" panose="020B0609020101020101" pitchFamily="49" charset="-127"/>
+              </a:rPr>
+              <a:t>기존 코드를 수정하지 않고 </a:t>
+            </a:r>
+            <a:r>
+              <a:rPr lang="en-US" altLang="ko-KR" dirty="0" err="1">
+                <a:latin typeface="D2Coding" panose="020B0609020101020101" pitchFamily="49" charset="-127"/>
+                <a:ea typeface="D2Coding" panose="020B0609020101020101" pitchFamily="49" charset="-127"/>
+              </a:rPr>
+              <a:t>DiscountStrategy</a:t>
+            </a:r>
+            <a:r>
+              <a:rPr lang="ko-KR" altLang="en-US" dirty="0">
+                <a:latin typeface="D2Coding" panose="020B0609020101020101" pitchFamily="49" charset="-127"/>
+                <a:ea typeface="D2Coding" panose="020B0609020101020101" pitchFamily="49" charset="-127"/>
+              </a:rPr>
+              <a:t>를 확장한 서브 클래스를 하나 더 만든 것 뿐이다</a:t>
+            </a:r>
+            <a:r>
+              <a:rPr lang="en-US" altLang="ko-KR" dirty="0">
+                <a:latin typeface="D2Coding" panose="020B0609020101020101" pitchFamily="49" charset="-127"/>
+                <a:ea typeface="D2Coding" panose="020B0609020101020101" pitchFamily="49" charset="-127"/>
+              </a:rPr>
+              <a:t>.</a:t>
+            </a:r>
+          </a:p>
+          <a:p>
+            <a:pPr marL="457200" indent="-457200">
+              <a:buFont typeface="Arial" panose="020B0604020202020204" pitchFamily="34" charset="0"/>
+              <a:buChar char="•"/>
+            </a:pPr>
+            <a:endParaRPr lang="en-US" altLang="ko-KR" dirty="0">
+              <a:latin typeface="D2Coding" panose="020B0609020101020101" pitchFamily="49" charset="-127"/>
+              <a:ea typeface="D2Coding" panose="020B0609020101020101" pitchFamily="49" charset="-127"/>
+            </a:endParaRPr>
+          </a:p>
+          <a:p>
+            <a:pPr marL="457200" indent="-457200">
+              <a:buFont typeface="Arial" panose="020B0604020202020204" pitchFamily="34" charset="0"/>
+              <a:buChar char="•"/>
+            </a:pPr>
+            <a:r>
+              <a:rPr lang="ko-KR" altLang="en-US" dirty="0">
+                <a:latin typeface="D2Coding" panose="020B0609020101020101" pitchFamily="49" charset="-127"/>
+                <a:ea typeface="D2Coding" panose="020B0609020101020101" pitchFamily="49" charset="-127"/>
+              </a:rPr>
+              <a:t>기존 코드의 변경을 닫은 채 확장에는 열어놓은 </a:t>
+            </a:r>
+            <a:r>
+              <a:rPr lang="en-US" altLang="ko-KR" dirty="0">
+                <a:latin typeface="D2Coding" panose="020B0609020101020101" pitchFamily="49" charset="-127"/>
+                <a:ea typeface="D2Coding" panose="020B0609020101020101" pitchFamily="49" charset="-127"/>
+              </a:rPr>
+              <a:t>OCP </a:t>
+            </a:r>
+            <a:r>
+              <a:rPr lang="ko-KR" altLang="en-US" dirty="0">
+                <a:latin typeface="D2Coding" panose="020B0609020101020101" pitchFamily="49" charset="-127"/>
+                <a:ea typeface="D2Coding" panose="020B0609020101020101" pitchFamily="49" charset="-127"/>
+              </a:rPr>
+              <a:t>원칙이 적용된 것이다</a:t>
+            </a:r>
+            <a:r>
+              <a:rPr lang="en-US" altLang="ko-KR" dirty="0">
+                <a:latin typeface="D2Coding" panose="020B0609020101020101" pitchFamily="49" charset="-127"/>
+                <a:ea typeface="D2Coding" panose="020B0609020101020101" pitchFamily="49" charset="-127"/>
+              </a:rPr>
+              <a:t>.</a:t>
+            </a:r>
+          </a:p>
+          <a:p>
+            <a:pPr marL="457200" indent="-457200">
+              <a:buFont typeface="Arial" panose="020B0604020202020204" pitchFamily="34" charset="0"/>
+              <a:buChar char="•"/>
+            </a:pPr>
+            <a:endParaRPr lang="en-US" altLang="ko-KR" dirty="0">
+              <a:latin typeface="D2Coding" panose="020B0609020101020101" pitchFamily="49" charset="-127"/>
+              <a:ea typeface="D2Coding" panose="020B0609020101020101" pitchFamily="49" charset="-127"/>
+            </a:endParaRPr>
+          </a:p>
+          <a:p>
+            <a:pPr marL="457200" indent="-457200">
+              <a:buFont typeface="Arial" panose="020B0604020202020204" pitchFamily="34" charset="0"/>
+              <a:buChar char="•"/>
+            </a:pPr>
+            <a:r>
+              <a:rPr lang="ko-KR" altLang="en-US" dirty="0">
+                <a:latin typeface="D2Coding" panose="020B0609020101020101" pitchFamily="49" charset="-127"/>
+                <a:ea typeface="D2Coding" panose="020B0609020101020101" pitchFamily="49" charset="-127"/>
+              </a:rPr>
+              <a:t>이는 의존성의 방향이 추상화로 향하는 </a:t>
+            </a:r>
+            <a:r>
+              <a:rPr lang="en-US" altLang="ko-KR" dirty="0">
+                <a:latin typeface="D2Coding" panose="020B0609020101020101" pitchFamily="49" charset="-127"/>
+                <a:ea typeface="D2Coding" panose="020B0609020101020101" pitchFamily="49" charset="-127"/>
+              </a:rPr>
+              <a:t>DIP</a:t>
+            </a:r>
+            <a:r>
+              <a:rPr lang="ko-KR" altLang="en-US" dirty="0">
+                <a:latin typeface="D2Coding" panose="020B0609020101020101" pitchFamily="49" charset="-127"/>
+                <a:ea typeface="D2Coding" panose="020B0609020101020101" pitchFamily="49" charset="-127"/>
+              </a:rPr>
+              <a:t>의 원칙에 맞게 설계해 놓은 덕이다</a:t>
+            </a:r>
+            <a:r>
+              <a:rPr lang="en-US" altLang="ko-KR" dirty="0">
+                <a:latin typeface="D2Coding" panose="020B0609020101020101" pitchFamily="49" charset="-127"/>
+                <a:ea typeface="D2Coding" panose="020B0609020101020101" pitchFamily="49" charset="-127"/>
+              </a:rPr>
+              <a:t>.</a:t>
+            </a:r>
+          </a:p>
+          <a:p>
+            <a:pPr marL="457200" indent="-457200">
+              <a:buFont typeface="Arial" panose="020B0604020202020204" pitchFamily="34" charset="0"/>
+              <a:buChar char="•"/>
+            </a:pPr>
+            <a:endParaRPr lang="en-US" altLang="ko-KR" dirty="0">
+              <a:latin typeface="D2Coding" panose="020B0609020101020101" pitchFamily="49" charset="-127"/>
+              <a:ea typeface="D2Coding" panose="020B0609020101020101" pitchFamily="49" charset="-127"/>
+            </a:endParaRPr>
+          </a:p>
+          <a:p>
+            <a:pPr marL="457200" indent="-457200">
+              <a:buFont typeface="Arial" panose="020B0604020202020204" pitchFamily="34" charset="0"/>
+              <a:buChar char="•"/>
+            </a:pPr>
+            <a:r>
+              <a:rPr lang="ko-KR" altLang="en-US" dirty="0">
+                <a:latin typeface="D2Coding" panose="020B0609020101020101" pitchFamily="49" charset="-127"/>
+                <a:ea typeface="D2Coding" panose="020B0609020101020101" pitchFamily="49" charset="-127"/>
+              </a:rPr>
+              <a:t>추상화에만 의존하고 있다면 사용하는 클라이언트 측은 구현체가 어떻게 바뀌던지 상관없다</a:t>
+            </a:r>
+            <a:r>
+              <a:rPr lang="en-US" altLang="ko-KR" dirty="0">
+                <a:latin typeface="D2Coding" panose="020B0609020101020101" pitchFamily="49" charset="-127"/>
+                <a:ea typeface="D2Coding" panose="020B0609020101020101" pitchFamily="49" charset="-127"/>
+              </a:rPr>
+              <a:t>.</a:t>
+            </a:r>
+          </a:p>
+        </p:txBody>
+      </p:sp>
+    </p:spTree>
+    <p:extLst>
+      <p:ext uri="{BB962C8B-B14F-4D97-AF65-F5344CB8AC3E}">
+        <p14:creationId xmlns:p14="http://schemas.microsoft.com/office/powerpoint/2010/main" val="4143691762"/>
+      </p:ext>
+    </p:extLst>
+  </p:cSld>
+  <p:clrMapOvr>
+    <a:masterClrMapping/>
+  </p:clrMapOvr>
+</p:sld>
+</file>
+
 <file path=ppt/slides/slide31.xml><?xml version="1.0" encoding="utf-8"?>
 <p:sld xmlns:a="http://schemas.openxmlformats.org/drawingml/2006/main" xmlns:r="http://schemas.openxmlformats.org/officeDocument/2006/relationships" xmlns:p="http://schemas.openxmlformats.org/presentationml/2006/main">
   <p:cSld>
@@ -7795,39 +7772,18 @@
           <a:lstStyle/>
           <a:p>
             <a:r>
+              <a:rPr lang="ko-KR" altLang="en-US" sz="2500" b="1" dirty="0">
+                <a:latin typeface="D2Coding" panose="020B0609020101020101" pitchFamily="49" charset="-127"/>
+                <a:ea typeface="D2Coding" panose="020B0609020101020101" pitchFamily="49" charset="-127"/>
+              </a:rPr>
+              <a:t>어떤 것을 추상화 하면 좋을까</a:t>
+            </a:r>
+            <a:r>
               <a:rPr lang="en-US" altLang="ko-KR" sz="2500" b="1" dirty="0">
                 <a:latin typeface="D2Coding" panose="020B0609020101020101" pitchFamily="49" charset="-127"/>
                 <a:ea typeface="D2Coding" panose="020B0609020101020101" pitchFamily="49" charset="-127"/>
               </a:rPr>
-              <a:t>Domain Model Pattern </a:t>
-            </a:r>
-            <a:r>
-              <a:rPr lang="ko-KR" altLang="en-US" sz="2500" b="1" dirty="0">
-                <a:latin typeface="D2Coding" panose="020B0609020101020101" pitchFamily="49" charset="-127"/>
-                <a:ea typeface="D2Coding" panose="020B0609020101020101" pitchFamily="49" charset="-127"/>
-              </a:rPr>
-              <a:t>에</a:t>
-            </a:r>
-            <a:r>
-              <a:rPr lang="en-US" altLang="ko-KR" sz="2500" b="1" dirty="0">
-                <a:latin typeface="D2Coding" panose="020B0609020101020101" pitchFamily="49" charset="-127"/>
-                <a:ea typeface="D2Coding" panose="020B0609020101020101" pitchFamily="49" charset="-127"/>
-              </a:rPr>
-              <a:t> </a:t>
-            </a:r>
-            <a:r>
-              <a:rPr lang="ko-KR" altLang="en-US" sz="2500" b="1" dirty="0">
-                <a:latin typeface="D2Coding" panose="020B0609020101020101" pitchFamily="49" charset="-127"/>
-                <a:ea typeface="D2Coding" panose="020B0609020101020101" pitchFamily="49" charset="-127"/>
-              </a:rPr>
-              <a:t>변화를 적용한다면</a:t>
-            </a:r>
-            <a:r>
-              <a:rPr lang="en-US" altLang="ko-KR" sz="2500" b="1" dirty="0">
-                <a:latin typeface="D2Coding" panose="020B0609020101020101" pitchFamily="49" charset="-127"/>
-                <a:ea typeface="D2Coding" panose="020B0609020101020101" pitchFamily="49" charset="-127"/>
-              </a:rPr>
-              <a:t>…</a:t>
+              <a:t>?</a:t>
             </a:r>
           </a:p>
         </p:txBody>
@@ -7847,7 +7803,7 @@
         <p:spPr>
           <a:xfrm>
             <a:off x="371068" y="1382376"/>
-            <a:ext cx="10776190" cy="2308324"/>
+            <a:ext cx="10776190" cy="923330"/>
           </a:xfrm>
           <a:prstGeom prst="rect">
             <a:avLst/>
@@ -7869,57 +7825,12 @@
                 <a:latin typeface="D2Coding" panose="020B0609020101020101" pitchFamily="49" charset="-127"/>
                 <a:ea typeface="D2Coding" panose="020B0609020101020101" pitchFamily="49" charset="-127"/>
               </a:rPr>
-              <a:t>구현체를 바꿔 </a:t>
-            </a:r>
-            <a:r>
-              <a:rPr lang="ko-KR" altLang="en-US" dirty="0" err="1">
-                <a:latin typeface="D2Coding" panose="020B0609020101020101" pitchFamily="49" charset="-127"/>
-                <a:ea typeface="D2Coding" panose="020B0609020101020101" pitchFamily="49" charset="-127"/>
-              </a:rPr>
-              <a:t>끼워주기만</a:t>
-            </a:r>
-            <a:r>
-              <a:rPr lang="ko-KR" altLang="en-US" dirty="0">
-                <a:latin typeface="D2Coding" panose="020B0609020101020101" pitchFamily="49" charset="-127"/>
-                <a:ea typeface="D2Coding" panose="020B0609020101020101" pitchFamily="49" charset="-127"/>
-              </a:rPr>
-              <a:t> 하면 된다</a:t>
-            </a:r>
-            <a:r>
-              <a:rPr lang="en-US" altLang="ko-KR" dirty="0">
-                <a:latin typeface="D2Coding" panose="020B0609020101020101" pitchFamily="49" charset="-127"/>
-                <a:ea typeface="D2Coding" panose="020B0609020101020101" pitchFamily="49" charset="-127"/>
-              </a:rPr>
-              <a:t>! </a:t>
-            </a:r>
-            <a:r>
-              <a:rPr lang="ko-KR" altLang="en-US" dirty="0">
-                <a:latin typeface="D2Coding" panose="020B0609020101020101" pitchFamily="49" charset="-127"/>
-                <a:ea typeface="D2Coding" panose="020B0609020101020101" pitchFamily="49" charset="-127"/>
-              </a:rPr>
-              <a:t>기존 코드를 수정하지 않고 </a:t>
-            </a:r>
-            <a:r>
-              <a:rPr lang="en-US" altLang="ko-KR" dirty="0" err="1">
-                <a:latin typeface="D2Coding" panose="020B0609020101020101" pitchFamily="49" charset="-127"/>
-                <a:ea typeface="D2Coding" panose="020B0609020101020101" pitchFamily="49" charset="-127"/>
-              </a:rPr>
-              <a:t>DiscountStrategy</a:t>
-            </a:r>
-            <a:r>
-              <a:rPr lang="ko-KR" altLang="en-US" dirty="0">
-                <a:latin typeface="D2Coding" panose="020B0609020101020101" pitchFamily="49" charset="-127"/>
-                <a:ea typeface="D2Coding" panose="020B0609020101020101" pitchFamily="49" charset="-127"/>
-              </a:rPr>
-              <a:t>를 확장한 서브 클래스를 하나 더 만든 것 뿐이다</a:t>
-            </a:r>
-            <a:r>
-              <a:rPr lang="en-US" altLang="ko-KR" dirty="0">
-                <a:latin typeface="D2Coding" panose="020B0609020101020101" pitchFamily="49" charset="-127"/>
-                <a:ea typeface="D2Coding" panose="020B0609020101020101" pitchFamily="49" charset="-127"/>
-              </a:rPr>
-              <a:t>.</a:t>
-            </a:r>
+              <a:t>변경 가능성이 적은 것</a:t>
+            </a:r>
+            <a:endParaRPr lang="en-US" altLang="ko-KR" dirty="0">
+              <a:latin typeface="D2Coding" panose="020B0609020101020101" pitchFamily="49" charset="-127"/>
+              <a:ea typeface="D2Coding" panose="020B0609020101020101" pitchFamily="49" charset="-127"/>
+            </a:endParaRPr>
           </a:p>
           <a:p>
             <a:pPr marL="457200" indent="-457200">
@@ -7941,110 +7852,33 @@
                 <a:latin typeface="D2Coding" panose="020B0609020101020101" pitchFamily="49" charset="-127"/>
                 <a:ea typeface="D2Coding" panose="020B0609020101020101" pitchFamily="49" charset="-127"/>
               </a:rPr>
-              <a:t>기존 코드의 변경을 닫은 채 확장에는 열어놓은 </a:t>
+              <a:t>일찍</a:t>
             </a:r>
             <a:r>
               <a:rPr lang="en-US" altLang="ko-KR" dirty="0">
                 <a:latin typeface="D2Coding" panose="020B0609020101020101" pitchFamily="49" charset="-127"/>
                 <a:ea typeface="D2Coding" panose="020B0609020101020101" pitchFamily="49" charset="-127"/>
               </a:rPr>
-              <a:t>OCP </a:t>
+              <a:t>, </a:t>
             </a:r>
             <a:r>
               <a:rPr lang="ko-KR" altLang="en-US" dirty="0">
                 <a:latin typeface="D2Coding" panose="020B0609020101020101" pitchFamily="49" charset="-127"/>
                 <a:ea typeface="D2Coding" panose="020B0609020101020101" pitchFamily="49" charset="-127"/>
               </a:rPr>
-              <a:t>원칙이 적용된 것이다</a:t>
-            </a:r>
-            <a:r>
-              <a:rPr lang="en-US" altLang="ko-KR" dirty="0">
-                <a:latin typeface="D2Coding" panose="020B0609020101020101" pitchFamily="49" charset="-127"/>
-                <a:ea typeface="D2Coding" panose="020B0609020101020101" pitchFamily="49" charset="-127"/>
-              </a:rPr>
-              <a:t>.</a:t>
-            </a:r>
-          </a:p>
-          <a:p>
-            <a:pPr marL="457200" indent="-457200">
-              <a:buFont typeface="Arial" panose="020B0604020202020204" pitchFamily="34" charset="0"/>
-              <a:buChar char="•"/>
-            </a:pPr>
+              <a:t>올바르게 결정하고 싶은 것</a:t>
+            </a:r>
             <a:endParaRPr lang="en-US" altLang="ko-KR" dirty="0">
               <a:latin typeface="D2Coding" panose="020B0609020101020101" pitchFamily="49" charset="-127"/>
               <a:ea typeface="D2Coding" panose="020B0609020101020101" pitchFamily="49" charset="-127"/>
             </a:endParaRPr>
           </a:p>
-          <a:p>
-            <a:pPr marL="457200" indent="-457200">
-              <a:buFont typeface="Arial" panose="020B0604020202020204" pitchFamily="34" charset="0"/>
-              <a:buChar char="•"/>
-            </a:pPr>
-            <a:r>
-              <a:rPr lang="ko-KR" altLang="en-US" dirty="0">
-                <a:latin typeface="D2Coding" panose="020B0609020101020101" pitchFamily="49" charset="-127"/>
-                <a:ea typeface="D2Coding" panose="020B0609020101020101" pitchFamily="49" charset="-127"/>
-              </a:rPr>
-              <a:t>이는 의존성의 방향이 추상화로 향하는 </a:t>
-            </a:r>
-            <a:r>
-              <a:rPr lang="en-US" altLang="ko-KR" dirty="0">
-                <a:latin typeface="D2Coding" panose="020B0609020101020101" pitchFamily="49" charset="-127"/>
-                <a:ea typeface="D2Coding" panose="020B0609020101020101" pitchFamily="49" charset="-127"/>
-              </a:rPr>
-              <a:t>DIP</a:t>
-            </a:r>
-            <a:r>
-              <a:rPr lang="ko-KR" altLang="en-US" dirty="0">
-                <a:latin typeface="D2Coding" panose="020B0609020101020101" pitchFamily="49" charset="-127"/>
-                <a:ea typeface="D2Coding" panose="020B0609020101020101" pitchFamily="49" charset="-127"/>
-              </a:rPr>
-              <a:t>의 원칙에 맞게 설계해 놓은 덕이다</a:t>
-            </a:r>
-            <a:r>
-              <a:rPr lang="en-US" altLang="ko-KR" dirty="0">
-                <a:latin typeface="D2Coding" panose="020B0609020101020101" pitchFamily="49" charset="-127"/>
-                <a:ea typeface="D2Coding" panose="020B0609020101020101" pitchFamily="49" charset="-127"/>
-              </a:rPr>
-              <a:t>.</a:t>
-            </a:r>
-          </a:p>
-          <a:p>
-            <a:pPr marL="457200" indent="-457200">
-              <a:buFont typeface="Arial" panose="020B0604020202020204" pitchFamily="34" charset="0"/>
-              <a:buChar char="•"/>
-            </a:pPr>
-            <a:endParaRPr lang="en-US" altLang="ko-KR" dirty="0">
-              <a:latin typeface="D2Coding" panose="020B0609020101020101" pitchFamily="49" charset="-127"/>
-              <a:ea typeface="D2Coding" panose="020B0609020101020101" pitchFamily="49" charset="-127"/>
-            </a:endParaRPr>
-          </a:p>
-          <a:p>
-            <a:pPr marL="457200" indent="-457200">
-              <a:buFont typeface="Arial" panose="020B0604020202020204" pitchFamily="34" charset="0"/>
-              <a:buChar char="•"/>
-            </a:pPr>
-            <a:r>
-              <a:rPr lang="ko-KR" altLang="en-US" dirty="0">
-                <a:latin typeface="D2Coding" panose="020B0609020101020101" pitchFamily="49" charset="-127"/>
-                <a:ea typeface="D2Coding" panose="020B0609020101020101" pitchFamily="49" charset="-127"/>
-              </a:rPr>
-              <a:t>추상화에만 의존하고 있다면 사용하는 클라이언트 측은 구현체가 어떻게 바뀌던지 상관없다</a:t>
-            </a:r>
-            <a:r>
-              <a:rPr lang="en-US" altLang="ko-KR" dirty="0">
-                <a:latin typeface="D2Coding" panose="020B0609020101020101" pitchFamily="49" charset="-127"/>
-                <a:ea typeface="D2Coding" panose="020B0609020101020101" pitchFamily="49" charset="-127"/>
-              </a:rPr>
-              <a:t>.</a:t>
-            </a:r>
-          </a:p>
         </p:txBody>
       </p:sp>
     </p:spTree>
     <p:extLst>
       <p:ext uri="{BB962C8B-B14F-4D97-AF65-F5344CB8AC3E}">
-        <p14:creationId xmlns:p14="http://schemas.microsoft.com/office/powerpoint/2010/main" val="4143691762"/>
+        <p14:creationId xmlns:p14="http://schemas.microsoft.com/office/powerpoint/2010/main" val="754713030"/>
       </p:ext>
     </p:extLst>
   </p:cSld>
@@ -8104,7 +7938,28 @@
                 <a:latin typeface="D2Coding" panose="020B0609020101020101" pitchFamily="49" charset="-127"/>
                 <a:ea typeface="D2Coding" panose="020B0609020101020101" pitchFamily="49" charset="-127"/>
               </a:rPr>
-              <a:t>어떤 것을 추상화 하면 좋을까</a:t>
+              <a:t>추상화를 꼭 </a:t>
+            </a:r>
+            <a:r>
+              <a:rPr lang="ko-KR" altLang="en-US" sz="2500" b="1" dirty="0" err="1">
+                <a:latin typeface="D2Coding" panose="020B0609020101020101" pitchFamily="49" charset="-127"/>
+                <a:ea typeface="D2Coding" panose="020B0609020101020101" pitchFamily="49" charset="-127"/>
+              </a:rPr>
+              <a:t>해야하나</a:t>
+            </a:r>
+            <a:r>
+              <a:rPr lang="en-US" altLang="ko-KR" sz="2500" b="1" dirty="0">
+                <a:latin typeface="D2Coding" panose="020B0609020101020101" pitchFamily="49" charset="-127"/>
+                <a:ea typeface="D2Coding" panose="020B0609020101020101" pitchFamily="49" charset="-127"/>
+              </a:rPr>
+              <a:t>? </a:t>
+            </a:r>
+            <a:r>
+              <a:rPr lang="ko-KR" altLang="en-US" sz="2500" b="1" dirty="0">
+                <a:latin typeface="D2Coding" panose="020B0609020101020101" pitchFamily="49" charset="-127"/>
+                <a:ea typeface="D2Coding" panose="020B0609020101020101" pitchFamily="49" charset="-127"/>
+              </a:rPr>
+              <a:t>어떤 장점이 있을까</a:t>
             </a:r>
             <a:r>
               <a:rPr lang="en-US" altLang="ko-KR" sz="2500" b="1" dirty="0">
@@ -8131,7 +7986,7 @@
         <p:spPr>
           <a:xfrm>
             <a:off x="371068" y="1382376"/>
-            <a:ext cx="10776190" cy="923330"/>
+            <a:ext cx="7834183" cy="646331"/>
           </a:xfrm>
           <a:prstGeom prst="rect">
             <a:avLst/>
@@ -8149,64 +8004,68 @@
               <a:buChar char="•"/>
             </a:pPr>
             <a:r>
+              <a:rPr lang="en-US" altLang="ko-KR" dirty="0">
+                <a:latin typeface="D2Coding" panose="020B0609020101020101" pitchFamily="49" charset="-127"/>
+                <a:ea typeface="D2Coding" panose="020B0609020101020101" pitchFamily="49" charset="-127"/>
+              </a:rPr>
+              <a:t>Domain Model Pattern</a:t>
+            </a:r>
+            <a:r>
               <a:rPr lang="ko-KR" altLang="en-US" dirty="0">
                 <a:latin typeface="D2Coding" panose="020B0609020101020101" pitchFamily="49" charset="-127"/>
                 <a:ea typeface="D2Coding" panose="020B0609020101020101" pitchFamily="49" charset="-127"/>
               </a:rPr>
-              <a:t>변경 가능성이 적은 것</a:t>
-            </a:r>
-            <a:endParaRPr lang="en-US" altLang="ko-KR" dirty="0">
-              <a:latin typeface="D2Coding" panose="020B0609020101020101" pitchFamily="49" charset="-127"/>
-              <a:ea typeface="D2Coding" panose="020B0609020101020101" pitchFamily="49" charset="-127"/>
-            </a:endParaRPr>
-          </a:p>
-          <a:p>
-            <a:pPr marL="457200" indent="-457200">
-              <a:buFont typeface="Arial" panose="020B0604020202020204" pitchFamily="34" charset="0"/>
-              <a:buChar char="•"/>
-            </a:pPr>
-            <a:endParaRPr lang="en-US" altLang="ko-KR" dirty="0">
-              <a:latin typeface="D2Coding" panose="020B0609020101020101" pitchFamily="49" charset="-127"/>
-              <a:ea typeface="D2Coding" panose="020B0609020101020101" pitchFamily="49" charset="-127"/>
-            </a:endParaRPr>
-          </a:p>
-          <a:p>
-            <a:pPr marL="457200" indent="-457200">
-              <a:buFont typeface="Arial" panose="020B0604020202020204" pitchFamily="34" charset="0"/>
-              <a:buChar char="•"/>
-            </a:pPr>
+              <a:t>에서 </a:t>
+            </a:r>
+            <a:r>
+              <a:rPr lang="en-US" altLang="ko-KR" dirty="0">
+                <a:latin typeface="D2Coding" panose="020B0609020101020101" pitchFamily="49" charset="-127"/>
+                <a:ea typeface="D2Coding" panose="020B0609020101020101" pitchFamily="49" charset="-127"/>
+              </a:rPr>
+              <a:t>Domain</a:t>
+            </a:r>
             <a:r>
               <a:rPr lang="ko-KR" altLang="en-US" dirty="0">
                 <a:latin typeface="D2Coding" panose="020B0609020101020101" pitchFamily="49" charset="-127"/>
                 <a:ea typeface="D2Coding" panose="020B0609020101020101" pitchFamily="49" charset="-127"/>
               </a:rPr>
-              <a:t>일찍</a:t>
+              <a:t>과 관련된 추상화를 </a:t>
+            </a:r>
+            <a:r>
+              <a:rPr lang="ko-KR" altLang="en-US" dirty="0" err="1">
+                <a:latin typeface="D2Coding" panose="020B0609020101020101" pitchFamily="49" charset="-127"/>
+                <a:ea typeface="D2Coding" panose="020B0609020101020101" pitchFamily="49" charset="-127"/>
+              </a:rPr>
+              <a:t>뽑아내다보면</a:t>
             </a:r>
             <a:r>
               <a:rPr lang="en-US" altLang="ko-KR" dirty="0">
                 <a:latin typeface="D2Coding" panose="020B0609020101020101" pitchFamily="49" charset="-127"/>
                 <a:ea typeface="D2Coding" panose="020B0609020101020101" pitchFamily="49" charset="-127"/>
               </a:rPr>
-              <a:t>, </a:t>
+              <a:t> </a:t>
             </a:r>
             <a:r>
               <a:rPr lang="ko-KR" altLang="en-US" dirty="0">
                 <a:latin typeface="D2Coding" panose="020B0609020101020101" pitchFamily="49" charset="-127"/>
                 <a:ea typeface="D2Coding" panose="020B0609020101020101" pitchFamily="49" charset="-127"/>
               </a:rPr>
-              <a:t>올바르게 결정하고 싶은 것</a:t>
-            </a:r>
-            <a:endParaRPr lang="en-US" altLang="ko-KR" dirty="0">
-              <a:latin typeface="D2Coding" panose="020B0609020101020101" pitchFamily="49" charset="-127"/>
-              <a:ea typeface="D2Coding" panose="020B0609020101020101" pitchFamily="49" charset="-127"/>
-            </a:endParaRPr>
+              <a:t>객체 간의 협력 관계를 자연스럽게 구축하게 된다</a:t>
+            </a:r>
+            <a:r>
+              <a:rPr lang="en-US" altLang="ko-KR" dirty="0">
+                <a:latin typeface="D2Coding" panose="020B0609020101020101" pitchFamily="49" charset="-127"/>
+                <a:ea typeface="D2Coding" panose="020B0609020101020101" pitchFamily="49" charset="-127"/>
+              </a:rPr>
+              <a:t>.</a:t>
+            </a:r>
           </a:p>
         </p:txBody>
       </p:sp>
     </p:spTree>
     <p:extLst>
       <p:ext uri="{BB962C8B-B14F-4D97-AF65-F5344CB8AC3E}">
-        <p14:creationId xmlns:p14="http://schemas.microsoft.com/office/powerpoint/2010/main" val="754713030"/>
+        <p14:creationId xmlns:p14="http://schemas.microsoft.com/office/powerpoint/2010/main" val="22118097"/>
       </p:ext>
     </p:extLst>
   </p:cSld>
@@ -8248,7 +8107,7 @@
         <p:spPr>
           <a:xfrm>
             <a:off x="413464" y="385010"/>
-            <a:ext cx="7834183" cy="477054"/>
+            <a:ext cx="8977183" cy="477054"/>
           </a:xfrm>
           <a:prstGeom prst="rect">
             <a:avLst/>
@@ -8266,28 +8125,21 @@
                 <a:latin typeface="D2Coding" panose="020B0609020101020101" pitchFamily="49" charset="-127"/>
                 <a:ea typeface="D2Coding" panose="020B0609020101020101" pitchFamily="49" charset="-127"/>
               </a:rPr>
-              <a:t>추상화를 꼭 </a:t>
+              <a:t>어떻게 진짜 개발 </a:t>
             </a:r>
             <a:r>
               <a:rPr lang="ko-KR" altLang="en-US" sz="2500" b="1" dirty="0" err="1">
                 <a:latin typeface="D2Coding" panose="020B0609020101020101" pitchFamily="49" charset="-127"/>
                 <a:ea typeface="D2Coding" panose="020B0609020101020101" pitchFamily="49" charset="-127"/>
               </a:rPr>
-              <a:t>해야하나</a:t>
-            </a:r>
-            <a:r>
-              <a:rPr lang="en-US" altLang="ko-KR" sz="2500" b="1" dirty="0">
-                <a:latin typeface="D2Coding" panose="020B0609020101020101" pitchFamily="49" charset="-127"/>
-                <a:ea typeface="D2Coding" panose="020B0609020101020101" pitchFamily="49" charset="-127"/>
-              </a:rPr>
-              <a:t>? </a:t>
+              <a:t>하는데에</a:t>
             </a:r>
             <a:r>
               <a:rPr lang="ko-KR" altLang="en-US" sz="2500" b="1" dirty="0">
                 <a:latin typeface="D2Coding" panose="020B0609020101020101" pitchFamily="49" charset="-127"/>
                 <a:ea typeface="D2Coding" panose="020B0609020101020101" pitchFamily="49" charset="-127"/>
               </a:rPr>
-              <a:t>어떤 장점이 있을까</a:t>
+              <a:t> 적용할 수 있을까</a:t>
             </a:r>
             <a:r>
               <a:rPr lang="en-US" altLang="ko-KR" sz="2500" b="1" dirty="0">
@@ -8314,7 +8166,7 @@
         <p:spPr>
           <a:xfrm>
             <a:off x="371068" y="1382376"/>
-            <a:ext cx="7834183" cy="646331"/>
+            <a:ext cx="7834183" cy="923330"/>
           </a:xfrm>
           <a:prstGeom prst="rect">
             <a:avLst/>
@@ -8332,60 +8184,62 @@
               <a:buChar char="•"/>
             </a:pPr>
             <a:r>
+              <a:rPr lang="ko-KR" altLang="en-US" dirty="0">
+                <a:latin typeface="D2Coding" panose="020B0609020101020101" pitchFamily="49" charset="-127"/>
+                <a:ea typeface="D2Coding" panose="020B0609020101020101" pitchFamily="49" charset="-127"/>
+              </a:rPr>
+              <a:t>테이블 주도 개발 </a:t>
+            </a:r>
+            <a:r>
               <a:rPr lang="en-US" altLang="ko-KR" dirty="0">
                 <a:latin typeface="D2Coding" panose="020B0609020101020101" pitchFamily="49" charset="-127"/>
                 <a:ea typeface="D2Coding" panose="020B0609020101020101" pitchFamily="49" charset="-127"/>
               </a:rPr>
-              <a:t>Domain Model Pattern</a:t>
+              <a:t>(</a:t>
             </a:r>
             <a:r>
               <a:rPr lang="ko-KR" altLang="en-US" dirty="0">
                 <a:latin typeface="D2Coding" panose="020B0609020101020101" pitchFamily="49" charset="-127"/>
                 <a:ea typeface="D2Coding" panose="020B0609020101020101" pitchFamily="49" charset="-127"/>
               </a:rPr>
-              <a:t>에서 </a:t>
+              <a:t>뒤틀린 </a:t>
             </a:r>
             <a:r>
               <a:rPr lang="en-US" altLang="ko-KR" dirty="0">
                 <a:latin typeface="D2Coding" panose="020B0609020101020101" pitchFamily="49" charset="-127"/>
                 <a:ea typeface="D2Coding" panose="020B0609020101020101" pitchFamily="49" charset="-127"/>
               </a:rPr>
-              <a:t>Domain</a:t>
-            </a:r>
+              <a:t>TDD)</a:t>
+            </a:r>
+          </a:p>
+          <a:p>
+            <a:pPr marL="457200" indent="-457200">
+              <a:buFont typeface="Arial" panose="020B0604020202020204" pitchFamily="34" charset="0"/>
+              <a:buChar char="•"/>
+            </a:pPr>
+            <a:endParaRPr lang="en-US" altLang="ko-KR" dirty="0">
+              <a:latin typeface="D2Coding" panose="020B0609020101020101" pitchFamily="49" charset="-127"/>
+              <a:ea typeface="D2Coding" panose="020B0609020101020101" pitchFamily="49" charset="-127"/>
+            </a:endParaRPr>
+          </a:p>
+          <a:p>
+            <a:pPr marL="457200" indent="-457200">
+              <a:buFont typeface="Arial" panose="020B0604020202020204" pitchFamily="34" charset="0"/>
+              <a:buChar char="•"/>
+            </a:pPr>
             <a:r>
               <a:rPr lang="ko-KR" altLang="en-US" dirty="0">
                 <a:latin typeface="D2Coding" panose="020B0609020101020101" pitchFamily="49" charset="-127"/>
                 <a:ea typeface="D2Coding" panose="020B0609020101020101" pitchFamily="49" charset="-127"/>
               </a:rPr>
-              <a:t>과 관련된 추상화를 </a:t>
-            </a:r>
-            <a:r>
-              <a:rPr lang="ko-KR" altLang="en-US" dirty="0" err="1">
-                <a:latin typeface="D2Coding" panose="020B0609020101020101" pitchFamily="49" charset="-127"/>
-                <a:ea typeface="D2Coding" panose="020B0609020101020101" pitchFamily="49" charset="-127"/>
-              </a:rPr>
-              <a:t>뽑아내다보면</a:t>
+              <a:t>도메인 주도 개발 </a:t>
             </a:r>
             <a:r>
               <a:rPr lang="en-US" altLang="ko-KR" dirty="0">
                 <a:latin typeface="D2Coding" panose="020B0609020101020101" pitchFamily="49" charset="-127"/>
                 <a:ea typeface="D2Coding" panose="020B0609020101020101" pitchFamily="49" charset="-127"/>
               </a:rPr>
-              <a:t> </a:t>
-            </a:r>
-            <a:r>
-              <a:rPr lang="ko-KR" altLang="en-US" dirty="0">
-                <a:latin typeface="D2Coding" panose="020B0609020101020101" pitchFamily="49" charset="-127"/>
-                <a:ea typeface="D2Coding" panose="020B0609020101020101" pitchFamily="49" charset="-127"/>
-              </a:rPr>
-              <a:t>객체 간의 협력 관계를 자연스럽게 구축하게 된다</a:t>
-            </a:r>
-            <a:r>
-              <a:rPr lang="en-US" altLang="ko-KR" dirty="0">
-                <a:latin typeface="D2Coding" panose="020B0609020101020101" pitchFamily="49" charset="-127"/>
-                <a:ea typeface="D2Coding" panose="020B0609020101020101" pitchFamily="49" charset="-127"/>
-              </a:rPr>
-              <a:t>.</a:t>
+              <a:t>(DDD)</a:t>
             </a:r>
           </a:p>
         </p:txBody>
@@ -8393,7 +8247,7 @@
     </p:spTree>
     <p:extLst>
       <p:ext uri="{BB962C8B-B14F-4D97-AF65-F5344CB8AC3E}">
-        <p14:creationId xmlns:p14="http://schemas.microsoft.com/office/powerpoint/2010/main" val="22118097"/>
+        <p14:creationId xmlns:p14="http://schemas.microsoft.com/office/powerpoint/2010/main" val="4063658403"/>
       </p:ext>
     </p:extLst>
   </p:cSld>
@@ -8453,29 +8307,12 @@
                 <a:latin typeface="D2Coding" panose="020B0609020101020101" pitchFamily="49" charset="-127"/>
                 <a:ea typeface="D2Coding" panose="020B0609020101020101" pitchFamily="49" charset="-127"/>
               </a:rPr>
-              <a:t>어떻게 진짜 개발 </a:t>
-            </a:r>
-            <a:r>
-              <a:rPr lang="ko-KR" altLang="en-US" sz="2500" b="1" dirty="0" err="1">
-                <a:latin typeface="D2Coding" panose="020B0609020101020101" pitchFamily="49" charset="-127"/>
-                <a:ea typeface="D2Coding" panose="020B0609020101020101" pitchFamily="49" charset="-127"/>
-              </a:rPr>
-              <a:t>하는데에</a:t>
-            </a:r>
-            <a:r>
-              <a:rPr lang="ko-KR" altLang="en-US" sz="2500" b="1" dirty="0">
-                <a:latin typeface="D2Coding" panose="020B0609020101020101" pitchFamily="49" charset="-127"/>
-                <a:ea typeface="D2Coding" panose="020B0609020101020101" pitchFamily="49" charset="-127"/>
-              </a:rPr>
-              <a:t> 적용할 수 있을까</a:t>
-            </a:r>
-            <a:r>
-              <a:rPr lang="en-US" altLang="ko-KR" sz="2500" b="1" dirty="0">
-                <a:latin typeface="D2Coding" panose="020B0609020101020101" pitchFamily="49" charset="-127"/>
-                <a:ea typeface="D2Coding" panose="020B0609020101020101" pitchFamily="49" charset="-127"/>
-              </a:rPr>
-              <a:t>?</a:t>
-            </a:r>
+              <a:t>테이블 주도 개발</a:t>
+            </a:r>
+            <a:endParaRPr lang="en-US" altLang="ko-KR" sz="2500" b="1" dirty="0">
+              <a:latin typeface="D2Coding" panose="020B0609020101020101" pitchFamily="49" charset="-127"/>
+              <a:ea typeface="D2Coding" panose="020B0609020101020101" pitchFamily="49" charset="-127"/>
+            </a:endParaRPr>
           </a:p>
         </p:txBody>
       </p:sp>
@@ -8494,7 +8331,7 @@
         <p:spPr>
           <a:xfrm>
             <a:off x="371068" y="1382376"/>
-            <a:ext cx="7834183" cy="923330"/>
+            <a:ext cx="7834183" cy="2031325"/>
           </a:xfrm>
           <a:prstGeom prst="rect">
             <a:avLst/>
@@ -8508,42 +8345,28 @@
           <a:lstStyle/>
           <a:p>
             <a:pPr marL="457200" indent="-457200">
-              <a:buFont typeface="Arial" panose="020B0604020202020204" pitchFamily="34" charset="0"/>
-              <a:buChar char="•"/>
+              <a:buFont typeface="+mj-lt"/>
+              <a:buAutoNum type="arabicPeriod"/>
             </a:pPr>
             <a:r>
               <a:rPr lang="ko-KR" altLang="en-US" dirty="0">
                 <a:latin typeface="D2Coding" panose="020B0609020101020101" pitchFamily="49" charset="-127"/>
                 <a:ea typeface="D2Coding" panose="020B0609020101020101" pitchFamily="49" charset="-127"/>
               </a:rPr>
-              <a:t>테이블 주도 개발 </a:t>
+              <a:t>테이블을 설계한다</a:t>
             </a:r>
             <a:r>
               <a:rPr lang="en-US" altLang="ko-KR" dirty="0">
                 <a:latin typeface="D2Coding" panose="020B0609020101020101" pitchFamily="49" charset="-127"/>
                 <a:ea typeface="D2Coding" panose="020B0609020101020101" pitchFamily="49" charset="-127"/>
               </a:rPr>
-              <a:t>(</a:t>
-            </a:r>
-            <a:r>
-              <a:rPr lang="ko-KR" altLang="en-US" dirty="0">
-                <a:latin typeface="D2Coding" panose="020B0609020101020101" pitchFamily="49" charset="-127"/>
-                <a:ea typeface="D2Coding" panose="020B0609020101020101" pitchFamily="49" charset="-127"/>
-              </a:rPr>
-              <a:t>뒤틀린 </a:t>
-            </a:r>
-            <a:r>
-              <a:rPr lang="en-US" altLang="ko-KR" dirty="0">
-                <a:latin typeface="D2Coding" panose="020B0609020101020101" pitchFamily="49" charset="-127"/>
-                <a:ea typeface="D2Coding" panose="020B0609020101020101" pitchFamily="49" charset="-127"/>
-              </a:rPr>
-              <a:t>TDD)</a:t>
+              <a:t>.</a:t>
             </a:r>
           </a:p>
           <a:p>
             <a:pPr marL="457200" indent="-457200">
-              <a:buFont typeface="Arial" panose="020B0604020202020204" pitchFamily="34" charset="0"/>
-              <a:buChar char="•"/>
+              <a:buFont typeface="+mj-lt"/>
+              <a:buAutoNum type="arabicPeriod"/>
             </a:pPr>
             <a:endParaRPr lang="en-US" altLang="ko-KR" dirty="0">
               <a:latin typeface="D2Coding" panose="020B0609020101020101" pitchFamily="49" charset="-127"/>
@@ -8552,22 +8375,110 @@
           </a:p>
           <a:p>
             <a:pPr marL="457200" indent="-457200">
-              <a:buFont typeface="Arial" panose="020B0604020202020204" pitchFamily="34" charset="0"/>
-              <a:buChar char="•"/>
+              <a:buFont typeface="+mj-lt"/>
+              <a:buAutoNum type="arabicPeriod"/>
             </a:pPr>
             <a:r>
               <a:rPr lang="ko-KR" altLang="en-US" dirty="0">
                 <a:latin typeface="D2Coding" panose="020B0609020101020101" pitchFamily="49" charset="-127"/>
                 <a:ea typeface="D2Coding" panose="020B0609020101020101" pitchFamily="49" charset="-127"/>
               </a:rPr>
-              <a:t>도메인 주도 개발 </a:t>
+              <a:t>객체와 테이블을 매핑한다</a:t>
             </a:r>
             <a:r>
               <a:rPr lang="en-US" altLang="ko-KR" dirty="0">
                 <a:latin typeface="D2Coding" panose="020B0609020101020101" pitchFamily="49" charset="-127"/>
                 <a:ea typeface="D2Coding" panose="020B0609020101020101" pitchFamily="49" charset="-127"/>
               </a:rPr>
-              <a:t>(DDD)</a:t>
+              <a:t>.</a:t>
+            </a:r>
+          </a:p>
+          <a:p>
+            <a:pPr marL="457200" indent="-457200">
+              <a:buFont typeface="+mj-lt"/>
+              <a:buAutoNum type="arabicPeriod"/>
+            </a:pPr>
+            <a:endParaRPr lang="en-US" altLang="ko-KR" dirty="0">
+              <a:latin typeface="D2Coding" panose="020B0609020101020101" pitchFamily="49" charset="-127"/>
+              <a:ea typeface="D2Coding" panose="020B0609020101020101" pitchFamily="49" charset="-127"/>
+            </a:endParaRPr>
+          </a:p>
+          <a:p>
+            <a:pPr marL="457200" indent="-457200">
+              <a:buFont typeface="+mj-lt"/>
+              <a:buAutoNum type="arabicPeriod"/>
+            </a:pPr>
+            <a:r>
+              <a:rPr lang="ko-KR" altLang="en-US" dirty="0">
+                <a:latin typeface="D2Coding" panose="020B0609020101020101" pitchFamily="49" charset="-127"/>
+                <a:ea typeface="D2Coding" panose="020B0609020101020101" pitchFamily="49" charset="-127"/>
+              </a:rPr>
+              <a:t>해당 테이블에서 수행할 수 있는 </a:t>
+            </a:r>
+            <a:r>
+              <a:rPr lang="en-US" altLang="ko-KR" dirty="0">
+                <a:latin typeface="D2Coding" panose="020B0609020101020101" pitchFamily="49" charset="-127"/>
+                <a:ea typeface="D2Coding" panose="020B0609020101020101" pitchFamily="49" charset="-127"/>
+              </a:rPr>
+              <a:t>CRUD </a:t>
+            </a:r>
+            <a:r>
+              <a:rPr lang="ko-KR" altLang="en-US" dirty="0">
+                <a:latin typeface="D2Coding" panose="020B0609020101020101" pitchFamily="49" charset="-127"/>
+                <a:ea typeface="D2Coding" panose="020B0609020101020101" pitchFamily="49" charset="-127"/>
+              </a:rPr>
+              <a:t>및 기타 </a:t>
+            </a:r>
+            <a:r>
+              <a:rPr lang="en-US" altLang="ko-KR" dirty="0">
+                <a:latin typeface="D2Coding" panose="020B0609020101020101" pitchFamily="49" charset="-127"/>
+                <a:ea typeface="D2Coding" panose="020B0609020101020101" pitchFamily="49" charset="-127"/>
+              </a:rPr>
+              <a:t>Query</a:t>
+            </a:r>
+            <a:r>
+              <a:rPr lang="ko-KR" altLang="en-US" dirty="0">
+                <a:latin typeface="D2Coding" panose="020B0609020101020101" pitchFamily="49" charset="-127"/>
+                <a:ea typeface="D2Coding" panose="020B0609020101020101" pitchFamily="49" charset="-127"/>
+              </a:rPr>
+              <a:t>를 작성한다</a:t>
+            </a:r>
+            <a:r>
+              <a:rPr lang="en-US" altLang="ko-KR" dirty="0">
+                <a:latin typeface="D2Coding" panose="020B0609020101020101" pitchFamily="49" charset="-127"/>
+                <a:ea typeface="D2Coding" panose="020B0609020101020101" pitchFamily="49" charset="-127"/>
+              </a:rPr>
+              <a:t>.</a:t>
+            </a:r>
+          </a:p>
+          <a:p>
+            <a:pPr marL="457200" indent="-457200">
+              <a:buFont typeface="+mj-lt"/>
+              <a:buAutoNum type="arabicPeriod"/>
+            </a:pPr>
+            <a:endParaRPr lang="en-US" altLang="ko-KR" dirty="0">
+              <a:latin typeface="D2Coding" panose="020B0609020101020101" pitchFamily="49" charset="-127"/>
+              <a:ea typeface="D2Coding" panose="020B0609020101020101" pitchFamily="49" charset="-127"/>
+            </a:endParaRPr>
+          </a:p>
+          <a:p>
+            <a:pPr marL="457200" indent="-457200">
+              <a:buFont typeface="+mj-lt"/>
+              <a:buAutoNum type="arabicPeriod"/>
+            </a:pPr>
+            <a:r>
+              <a:rPr lang="ko-KR" altLang="en-US" dirty="0">
+                <a:latin typeface="D2Coding" panose="020B0609020101020101" pitchFamily="49" charset="-127"/>
+                <a:ea typeface="D2Coding" panose="020B0609020101020101" pitchFamily="49" charset="-127"/>
+              </a:rPr>
+              <a:t>비즈니스 로직을 작성한다</a:t>
+            </a:r>
+            <a:r>
+              <a:rPr lang="en-US" altLang="ko-KR" dirty="0">
+                <a:latin typeface="D2Coding" panose="020B0609020101020101" pitchFamily="49" charset="-127"/>
+                <a:ea typeface="D2Coding" panose="020B0609020101020101" pitchFamily="49" charset="-127"/>
+              </a:rPr>
+              <a:t>.</a:t>
             </a:r>
           </a:p>
         </p:txBody>
@@ -8575,7 +8486,7 @@
     </p:spTree>
     <p:extLst>
       <p:ext uri="{BB962C8B-B14F-4D97-AF65-F5344CB8AC3E}">
-        <p14:creationId xmlns:p14="http://schemas.microsoft.com/office/powerpoint/2010/main" val="4063658403"/>
+        <p14:creationId xmlns:p14="http://schemas.microsoft.com/office/powerpoint/2010/main" val="3453796301"/>
       </p:ext>
     </p:extLst>
   </p:cSld>
@@ -8635,12 +8546,36 @@
                 <a:latin typeface="D2Coding" panose="020B0609020101020101" pitchFamily="49" charset="-127"/>
                 <a:ea typeface="D2Coding" panose="020B0609020101020101" pitchFamily="49" charset="-127"/>
               </a:rPr>
-              <a:t>테이블 주도 개발</a:t>
-            </a:r>
-            <a:endParaRPr lang="en-US" altLang="ko-KR" sz="2500" b="1" dirty="0">
-              <a:latin typeface="D2Coding" panose="020B0609020101020101" pitchFamily="49" charset="-127"/>
-              <a:ea typeface="D2Coding" panose="020B0609020101020101" pitchFamily="49" charset="-127"/>
-            </a:endParaRPr>
+              <a:t>테이블 주도 개발은 </a:t>
+            </a:r>
+            <a:r>
+              <a:rPr lang="ko-KR" altLang="en-US" sz="2500" b="1" dirty="0" err="1">
+                <a:latin typeface="D2Coding" panose="020B0609020101020101" pitchFamily="49" charset="-127"/>
+                <a:ea typeface="D2Coding" panose="020B0609020101020101" pitchFamily="49" charset="-127"/>
+              </a:rPr>
+              <a:t>쪼끔</a:t>
+            </a:r>
+            <a:r>
+              <a:rPr lang="en-US" altLang="ko-KR" sz="2500" b="1" dirty="0">
+                <a:latin typeface="D2Coding" panose="020B0609020101020101" pitchFamily="49" charset="-127"/>
+                <a:ea typeface="D2Coding" panose="020B0609020101020101" pitchFamily="49" charset="-127"/>
+              </a:rPr>
+              <a:t>! </a:t>
+            </a:r>
+            <a:r>
+              <a:rPr lang="ko-KR" altLang="en-US" sz="2500" b="1" dirty="0">
+                <a:latin typeface="D2Coding" panose="020B0609020101020101" pitchFamily="49" charset="-127"/>
+                <a:ea typeface="D2Coding" panose="020B0609020101020101" pitchFamily="49" charset="-127"/>
+              </a:rPr>
+              <a:t>아쉬운 점이 있다</a:t>
+            </a:r>
+            <a:r>
+              <a:rPr lang="en-US" altLang="ko-KR" sz="2500" b="1" dirty="0">
+                <a:latin typeface="D2Coding" panose="020B0609020101020101" pitchFamily="49" charset="-127"/>
+                <a:ea typeface="D2Coding" panose="020B0609020101020101" pitchFamily="49" charset="-127"/>
+              </a:rPr>
+              <a:t>.</a:t>
+            </a:r>
           </a:p>
         </p:txBody>
       </p:sp>
@@ -8659,7 +8594,7 @@
         <p:spPr>
           <a:xfrm>
             <a:off x="371068" y="1382376"/>
-            <a:ext cx="7834183" cy="2031325"/>
+            <a:ext cx="7834183" cy="1477328"/>
           </a:xfrm>
           <a:prstGeom prst="rect">
             <a:avLst/>
@@ -8673,15 +8608,22 @@
           <a:lstStyle/>
           <a:p>
             <a:pPr marL="457200" indent="-457200">
-              <a:buFont typeface="+mj-lt"/>
-              <a:buAutoNum type="arabicPeriod"/>
+              <a:buFont typeface="Arial" panose="020B0604020202020204" pitchFamily="34" charset="0"/>
+              <a:buChar char="•"/>
             </a:pPr>
             <a:r>
+              <a:rPr lang="en-US" altLang="ko-KR" dirty="0">
+                <a:latin typeface="D2Coding" panose="020B0609020101020101" pitchFamily="49" charset="-127"/>
+                <a:ea typeface="D2Coding" panose="020B0609020101020101" pitchFamily="49" charset="-127"/>
+              </a:rPr>
+              <a:t>Entity </a:t>
+            </a:r>
+            <a:r>
               <a:rPr lang="ko-KR" altLang="en-US" dirty="0">
                 <a:latin typeface="D2Coding" panose="020B0609020101020101" pitchFamily="49" charset="-127"/>
                 <a:ea typeface="D2Coding" panose="020B0609020101020101" pitchFamily="49" charset="-127"/>
               </a:rPr>
-              <a:t>테이블을 설계한다</a:t>
+              <a:t>클래스를 테이블과 매핑하기 위해서만 사용하게 된다</a:t>
             </a:r>
             <a:r>
               <a:rPr lang="en-US" altLang="ko-KR" dirty="0">
@@ -8693,8 +8635,8 @@
           </a:p>
           <a:p>
             <a:pPr marL="457200" indent="-457200">
-              <a:buFont typeface="+mj-lt"/>
-              <a:buAutoNum type="arabicPeriod"/>
+              <a:buFont typeface="Arial" panose="020B0604020202020204" pitchFamily="34" charset="0"/>
+              <a:buChar char="•"/>
             </a:pPr>
             <a:endParaRPr lang="en-US" altLang="ko-KR" dirty="0">
               <a:latin typeface="D2Coding" panose="020B0609020101020101" pitchFamily="49" charset="-127"/>
@@ -8703,28 +8645,42 @@
           </a:p>
           <a:p>
             <a:pPr marL="457200" indent="-457200">
-              <a:buFont typeface="+mj-lt"/>
-              <a:buAutoNum type="arabicPeriod"/>
+              <a:buFont typeface="Arial" panose="020B0604020202020204" pitchFamily="34" charset="0"/>
+              <a:buChar char="•"/>
             </a:pPr>
             <a:r>
               <a:rPr lang="ko-KR" altLang="en-US" dirty="0">
                 <a:latin typeface="D2Coding" panose="020B0609020101020101" pitchFamily="49" charset="-127"/>
                 <a:ea typeface="D2Coding" panose="020B0609020101020101" pitchFamily="49" charset="-127"/>
               </a:rPr>
-              <a:t>객체와 테이블을 매핑한다</a:t>
+              <a:t>비즈니스 로직보다 </a:t>
             </a:r>
             <a:r>
               <a:rPr lang="en-US" altLang="ko-KR" dirty="0">
                 <a:latin typeface="D2Coding" panose="020B0609020101020101" pitchFamily="49" charset="-127"/>
                 <a:ea typeface="D2Coding" panose="020B0609020101020101" pitchFamily="49" charset="-127"/>
               </a:rPr>
+              <a:t>DB </a:t>
+            </a:r>
+            <a:r>
+              <a:rPr lang="ko-KR" altLang="en-US" dirty="0">
+                <a:latin typeface="D2Coding" panose="020B0609020101020101" pitchFamily="49" charset="-127"/>
+                <a:ea typeface="D2Coding" panose="020B0609020101020101" pitchFamily="49" charset="-127"/>
+              </a:rPr>
+              <a:t>접근로직에 우선하여 개발을 진행하게 된다</a:t>
+            </a:r>
+            <a:r>
+              <a:rPr lang="en-US" altLang="ko-KR" dirty="0">
+                <a:latin typeface="D2Coding" panose="020B0609020101020101" pitchFamily="49" charset="-127"/>
+                <a:ea typeface="D2Coding" panose="020B0609020101020101" pitchFamily="49" charset="-127"/>
+              </a:rPr>
               <a:t>.</a:t>
             </a:r>
           </a:p>
           <a:p>
             <a:pPr marL="457200" indent="-457200">
-              <a:buFont typeface="+mj-lt"/>
-              <a:buAutoNum type="arabicPeriod"/>
+              <a:buFont typeface="Arial" panose="020B0604020202020204" pitchFamily="34" charset="0"/>
+              <a:buChar char="•"/>
             </a:pPr>
             <a:endParaRPr lang="en-US" altLang="ko-KR" dirty="0">
               <a:latin typeface="D2Coding" panose="020B0609020101020101" pitchFamily="49" charset="-127"/>
@@ -8733,73 +8689,22 @@
           </a:p>
           <a:p>
             <a:pPr marL="457200" indent="-457200">
-              <a:buFont typeface="+mj-lt"/>
-              <a:buAutoNum type="arabicPeriod"/>
+              <a:buFont typeface="Arial" panose="020B0604020202020204" pitchFamily="34" charset="0"/>
+              <a:buChar char="•"/>
             </a:pPr>
             <a:r>
               <a:rPr lang="ko-KR" altLang="en-US" dirty="0">
                 <a:latin typeface="D2Coding" panose="020B0609020101020101" pitchFamily="49" charset="-127"/>
                 <a:ea typeface="D2Coding" panose="020B0609020101020101" pitchFamily="49" charset="-127"/>
               </a:rPr>
-              <a:t>해당 테이블에서 수행할 수 있는 </a:t>
-            </a:r>
-            <a:r>
-              <a:rPr lang="en-US" altLang="ko-KR" dirty="0">
-                <a:latin typeface="D2Coding" panose="020B0609020101020101" pitchFamily="49" charset="-127"/>
-                <a:ea typeface="D2Coding" panose="020B0609020101020101" pitchFamily="49" charset="-127"/>
-              </a:rPr>
-              <a:t>CRUD </a:t>
-            </a:r>
-            <a:r>
-              <a:rPr lang="ko-KR" altLang="en-US" dirty="0">
-                <a:latin typeface="D2Coding" panose="020B0609020101020101" pitchFamily="49" charset="-127"/>
-                <a:ea typeface="D2Coding" panose="020B0609020101020101" pitchFamily="49" charset="-127"/>
-              </a:rPr>
-              <a:t>및 기타 </a:t>
-            </a:r>
-            <a:r>
-              <a:rPr lang="en-US" altLang="ko-KR" dirty="0">
-                <a:latin typeface="D2Coding" panose="020B0609020101020101" pitchFamily="49" charset="-127"/>
-                <a:ea typeface="D2Coding" panose="020B0609020101020101" pitchFamily="49" charset="-127"/>
-              </a:rPr>
-              <a:t>Query</a:t>
-            </a:r>
-            <a:r>
-              <a:rPr lang="ko-KR" altLang="en-US" dirty="0">
-                <a:latin typeface="D2Coding" panose="020B0609020101020101" pitchFamily="49" charset="-127"/>
-                <a:ea typeface="D2Coding" panose="020B0609020101020101" pitchFamily="49" charset="-127"/>
-              </a:rPr>
-              <a:t>를 작성한다</a:t>
-            </a:r>
-            <a:r>
-              <a:rPr lang="en-US" altLang="ko-KR" dirty="0">
-                <a:latin typeface="D2Coding" panose="020B0609020101020101" pitchFamily="49" charset="-127"/>
-                <a:ea typeface="D2Coding" panose="020B0609020101020101" pitchFamily="49" charset="-127"/>
-              </a:rPr>
-              <a:t>.</a:t>
-            </a:r>
-          </a:p>
-          <a:p>
-            <a:pPr marL="457200" indent="-457200">
-              <a:buFont typeface="+mj-lt"/>
-              <a:buAutoNum type="arabicPeriod"/>
-            </a:pPr>
-            <a:endParaRPr lang="en-US" altLang="ko-KR" dirty="0">
-              <a:latin typeface="D2Coding" panose="020B0609020101020101" pitchFamily="49" charset="-127"/>
-              <a:ea typeface="D2Coding" panose="020B0609020101020101" pitchFamily="49" charset="-127"/>
-            </a:endParaRPr>
-          </a:p>
-          <a:p>
-            <a:pPr marL="457200" indent="-457200">
-              <a:buFont typeface="+mj-lt"/>
-              <a:buAutoNum type="arabicPeriod"/>
-            </a:pPr>
-            <a:r>
-              <a:rPr lang="ko-KR" altLang="en-US" dirty="0">
-                <a:latin typeface="D2Coding" panose="020B0609020101020101" pitchFamily="49" charset="-127"/>
-                <a:ea typeface="D2Coding" panose="020B0609020101020101" pitchFamily="49" charset="-127"/>
-              </a:rPr>
-              <a:t>비즈니스 로직을 작성한다</a:t>
+              <a:t>객체 간의 관계가 </a:t>
+            </a:r>
+            <a:r>
+              <a:rPr lang="ko-KR" altLang="en-US" dirty="0" err="1">
+                <a:latin typeface="D2Coding" panose="020B0609020101020101" pitchFamily="49" charset="-127"/>
+                <a:ea typeface="D2Coding" panose="020B0609020101020101" pitchFamily="49" charset="-127"/>
+              </a:rPr>
+              <a:t>희미해진다</a:t>
             </a:r>
             <a:r>
               <a:rPr lang="en-US" altLang="ko-KR" dirty="0">
@@ -8814,7 +8719,7 @@
     </p:spTree>
     <p:extLst>
       <p:ext uri="{BB962C8B-B14F-4D97-AF65-F5344CB8AC3E}">
-        <p14:creationId xmlns:p14="http://schemas.microsoft.com/office/powerpoint/2010/main" val="3453796301"/>
+        <p14:creationId xmlns:p14="http://schemas.microsoft.com/office/powerpoint/2010/main" val="1477164456"/>
       </p:ext>
     </p:extLst>
   </p:cSld>
@@ -8874,36 +8779,12 @@
                 <a:latin typeface="D2Coding" panose="020B0609020101020101" pitchFamily="49" charset="-127"/>
                 <a:ea typeface="D2Coding" panose="020B0609020101020101" pitchFamily="49" charset="-127"/>
               </a:rPr>
-              <a:t>테이블 주도 개발은 </a:t>
-            </a:r>
-            <a:r>
-              <a:rPr lang="ko-KR" altLang="en-US" sz="2500" b="1" dirty="0" err="1">
-                <a:latin typeface="D2Coding" panose="020B0609020101020101" pitchFamily="49" charset="-127"/>
-                <a:ea typeface="D2Coding" panose="020B0609020101020101" pitchFamily="49" charset="-127"/>
-              </a:rPr>
-              <a:t>쪼끔</a:t>
-            </a:r>
-            <a:r>
-              <a:rPr lang="en-US" altLang="ko-KR" sz="2500" b="1" dirty="0">
-                <a:latin typeface="D2Coding" panose="020B0609020101020101" pitchFamily="49" charset="-127"/>
-                <a:ea typeface="D2Coding" panose="020B0609020101020101" pitchFamily="49" charset="-127"/>
-              </a:rPr>
-              <a:t>! </a:t>
-            </a:r>
-            <a:r>
-              <a:rPr lang="ko-KR" altLang="en-US" sz="2500" b="1" dirty="0">
-                <a:latin typeface="D2Coding" panose="020B0609020101020101" pitchFamily="49" charset="-127"/>
-                <a:ea typeface="D2Coding" panose="020B0609020101020101" pitchFamily="49" charset="-127"/>
-              </a:rPr>
-              <a:t>아쉬운 점이 있다</a:t>
-            </a:r>
-            <a:r>
-              <a:rPr lang="en-US" altLang="ko-KR" sz="2500" b="1" dirty="0">
-                <a:latin typeface="D2Coding" panose="020B0609020101020101" pitchFamily="49" charset="-127"/>
-                <a:ea typeface="D2Coding" panose="020B0609020101020101" pitchFamily="49" charset="-127"/>
-              </a:rPr>
-              <a:t>.</a:t>
-            </a:r>
+              <a:t>도메인 주도 개발</a:t>
+            </a:r>
+            <a:endParaRPr lang="en-US" altLang="ko-KR" sz="2500" b="1" dirty="0">
+              <a:latin typeface="D2Coding" panose="020B0609020101020101" pitchFamily="49" charset="-127"/>
+              <a:ea typeface="D2Coding" panose="020B0609020101020101" pitchFamily="49" charset="-127"/>
+            </a:endParaRPr>
           </a:p>
         </p:txBody>
       </p:sp>
@@ -8922,7 +8803,7 @@
         <p:spPr>
           <a:xfrm>
             <a:off x="371068" y="1382376"/>
-            <a:ext cx="7834183" cy="1477328"/>
+            <a:ext cx="10102421" cy="1477328"/>
           </a:xfrm>
           <a:prstGeom prst="rect">
             <a:avLst/>
@@ -8936,35 +8817,28 @@
           <a:lstStyle/>
           <a:p>
             <a:pPr marL="457200" indent="-457200">
-              <a:buFont typeface="Arial" panose="020B0604020202020204" pitchFamily="34" charset="0"/>
-              <a:buChar char="•"/>
+              <a:buFont typeface="+mj-lt"/>
+              <a:buAutoNum type="arabicPeriod"/>
             </a:pPr>
             <a:r>
+              <a:rPr lang="ko-KR" altLang="en-US" dirty="0">
+                <a:latin typeface="D2Coding" panose="020B0609020101020101" pitchFamily="49" charset="-127"/>
+                <a:ea typeface="D2Coding" panose="020B0609020101020101" pitchFamily="49" charset="-127"/>
+              </a:rPr>
+              <a:t>테이블 구조는 딱히 의식하지 않고 비즈니스 로직을 개발한다</a:t>
+            </a:r>
+            <a:r>
               <a:rPr lang="en-US" altLang="ko-KR" dirty="0">
                 <a:latin typeface="D2Coding" panose="020B0609020101020101" pitchFamily="49" charset="-127"/>
                 <a:ea typeface="D2Coding" panose="020B0609020101020101" pitchFamily="49" charset="-127"/>
               </a:rPr>
-              <a:t>Entity </a:t>
-            </a:r>
-            <a:r>
-              <a:rPr lang="ko-KR" altLang="en-US" dirty="0">
-                <a:latin typeface="D2Coding" panose="020B0609020101020101" pitchFamily="49" charset="-127"/>
-                <a:ea typeface="D2Coding" panose="020B0609020101020101" pitchFamily="49" charset="-127"/>
-              </a:rPr>
-              <a:t>클래스를 테이블과 매핑하기 위해서만 사용하게 된다</a:t>
-            </a:r>
-            <a:r>
-              <a:rPr lang="en-US" altLang="ko-KR" dirty="0">
-                <a:latin typeface="D2Coding" panose="020B0609020101020101" pitchFamily="49" charset="-127"/>
-                <a:ea typeface="D2Coding" panose="020B0609020101020101" pitchFamily="49" charset="-127"/>
-              </a:rPr>
               <a:t>.</a:t>
             </a:r>
           </a:p>
           <a:p>
             <a:pPr marL="457200" indent="-457200">
-              <a:buFont typeface="Arial" panose="020B0604020202020204" pitchFamily="34" charset="0"/>
-              <a:buChar char="•"/>
+              <a:buFont typeface="+mj-lt"/>
+              <a:buAutoNum type="arabicPeriod"/>
             </a:pPr>
             <a:endParaRPr lang="en-US" altLang="ko-KR" dirty="0">
               <a:latin typeface="D2Coding" panose="020B0609020101020101" pitchFamily="49" charset="-127"/>
@@ -8973,42 +8847,35 @@
           </a:p>
           <a:p>
             <a:pPr marL="457200" indent="-457200">
-              <a:buFont typeface="Arial" panose="020B0604020202020204" pitchFamily="34" charset="0"/>
-              <a:buChar char="•"/>
+              <a:buFont typeface="+mj-lt"/>
+              <a:buAutoNum type="arabicPeriod"/>
             </a:pPr>
             <a:r>
+              <a:rPr lang="en-US" altLang="ko-KR" dirty="0">
+                <a:latin typeface="D2Coding" panose="020B0609020101020101" pitchFamily="49" charset="-127"/>
+                <a:ea typeface="D2Coding" panose="020B0609020101020101" pitchFamily="49" charset="-127"/>
+              </a:rPr>
+              <a:t>DB</a:t>
+            </a:r>
+            <a:r>
               <a:rPr lang="ko-KR" altLang="en-US" dirty="0">
                 <a:latin typeface="D2Coding" panose="020B0609020101020101" pitchFamily="49" charset="-127"/>
                 <a:ea typeface="D2Coding" panose="020B0609020101020101" pitchFamily="49" charset="-127"/>
               </a:rPr>
-              <a:t>비즈니스 로직보다 </a:t>
+              <a:t>에 의존하지 않고 테스트 코드를 활용하여 비즈니스 로직을 작성하고 검증해도 좋다</a:t>
             </a:r>
             <a:r>
               <a:rPr lang="en-US" altLang="ko-KR" dirty="0">
                 <a:latin typeface="D2Coding" panose="020B0609020101020101" pitchFamily="49" charset="-127"/>
                 <a:ea typeface="D2Coding" panose="020B0609020101020101" pitchFamily="49" charset="-127"/>
               </a:rPr>
-              <a:t>DB </a:t>
-            </a:r>
-            <a:r>
-              <a:rPr lang="ko-KR" altLang="en-US" dirty="0">
-                <a:latin typeface="D2Coding" panose="020B0609020101020101" pitchFamily="49" charset="-127"/>
-                <a:ea typeface="D2Coding" panose="020B0609020101020101" pitchFamily="49" charset="-127"/>
-              </a:rPr>
-              <a:t>접근로직에 우선하여 개발을 진행하게 된다</a:t>
-            </a:r>
-            <a:r>
-              <a:rPr lang="en-US" altLang="ko-KR" dirty="0">
-                <a:latin typeface="D2Coding" panose="020B0609020101020101" pitchFamily="49" charset="-127"/>
-                <a:ea typeface="D2Coding" panose="020B0609020101020101" pitchFamily="49" charset="-127"/>
-              </a:rPr>
               <a:t>.</a:t>
             </a:r>
           </a:p>
           <a:p>
             <a:pPr marL="457200" indent="-457200">
-              <a:buFont typeface="Arial" panose="020B0604020202020204" pitchFamily="34" charset="0"/>
-              <a:buChar char="•"/>
+              <a:buFont typeface="+mj-lt"/>
+              <a:buAutoNum type="arabicPeriod"/>
             </a:pPr>
             <a:endParaRPr lang="en-US" altLang="ko-KR" dirty="0">
               <a:latin typeface="D2Coding" panose="020B0609020101020101" pitchFamily="49" charset="-127"/>
@@ -9017,22 +8884,15 @@
           </a:p>
           <a:p>
             <a:pPr marL="457200" indent="-457200">
-              <a:buFont typeface="Arial" panose="020B0604020202020204" pitchFamily="34" charset="0"/>
-              <a:buChar char="•"/>
+              <a:buFont typeface="+mj-lt"/>
+              <a:buAutoNum type="arabicPeriod"/>
             </a:pPr>
             <a:r>
               <a:rPr lang="ko-KR" altLang="en-US" dirty="0">
                 <a:latin typeface="D2Coding" panose="020B0609020101020101" pitchFamily="49" charset="-127"/>
                 <a:ea typeface="D2Coding" panose="020B0609020101020101" pitchFamily="49" charset="-127"/>
               </a:rPr>
-              <a:t>객체 간의 관계가 </a:t>
-            </a:r>
-            <a:r>
-              <a:rPr lang="ko-KR" altLang="en-US" dirty="0" err="1">
-                <a:latin typeface="D2Coding" panose="020B0609020101020101" pitchFamily="49" charset="-127"/>
-                <a:ea typeface="D2Coding" panose="020B0609020101020101" pitchFamily="49" charset="-127"/>
-              </a:rPr>
-              <a:t>희미해진다</a:t>
+              <a:t>비즈니스 로직에 확신이 생길 때 객체와 테이블을 매핑한다</a:t>
             </a:r>
             <a:r>
               <a:rPr lang="en-US" altLang="ko-KR" dirty="0">
@@ -9047,7 +8907,7 @@
     </p:spTree>
     <p:extLst>
       <p:ext uri="{BB962C8B-B14F-4D97-AF65-F5344CB8AC3E}">
-        <p14:creationId xmlns:p14="http://schemas.microsoft.com/office/powerpoint/2010/main" val="1477164456"/>
+        <p14:creationId xmlns:p14="http://schemas.microsoft.com/office/powerpoint/2010/main" val="2267749635"/>
       </p:ext>
     </p:extLst>
   </p:cSld>
@@ -9107,21 +8967,24 @@
                 <a:latin typeface="D2Coding" panose="020B0609020101020101" pitchFamily="49" charset="-127"/>
                 <a:ea typeface="D2Coding" panose="020B0609020101020101" pitchFamily="49" charset="-127"/>
               </a:rPr>
-              <a:t>도메인 주도 개발</a:t>
-            </a:r>
-            <a:endParaRPr lang="en-US" altLang="ko-KR" sz="2500" b="1" dirty="0">
-              <a:latin typeface="D2Coding" panose="020B0609020101020101" pitchFamily="49" charset="-127"/>
-              <a:ea typeface="D2Coding" panose="020B0609020101020101" pitchFamily="49" charset="-127"/>
-            </a:endParaRPr>
-          </a:p>
-        </p:txBody>
-      </p:sp>
-      <p:sp>
-        <p:nvSpPr>
-          <p:cNvPr id="2" name="TextBox 1">
-            <a:extLst>
-              <a:ext uri="{FF2B5EF4-FFF2-40B4-BE49-F238E27FC236}">
-                <a16:creationId xmlns:a16="http://schemas.microsoft.com/office/drawing/2014/main" id="{09B513B5-1CCF-6830-69A6-1FCAF718EC75}"/>
+              <a:t>도메인 주도 개발은 뭐가 더 좋을까</a:t>
+            </a:r>
+            <a:r>
+              <a:rPr lang="en-US" altLang="ko-KR" sz="2500" b="1" dirty="0">
+                <a:latin typeface="D2Coding" panose="020B0609020101020101" pitchFamily="49" charset="-127"/>
+                <a:ea typeface="D2Coding" panose="020B0609020101020101" pitchFamily="49" charset="-127"/>
+              </a:rPr>
+              <a:t>?</a:t>
+            </a:r>
+          </a:p>
+        </p:txBody>
+      </p:sp>
+      <p:sp>
+        <p:nvSpPr>
+          <p:cNvPr id="4" name="TextBox 3">
+            <a:extLst>
+              <a:ext uri="{FF2B5EF4-FFF2-40B4-BE49-F238E27FC236}">
+                <a16:creationId xmlns:a16="http://schemas.microsoft.com/office/drawing/2014/main" id="{947FB7A1-E56C-C1F7-F10F-6E149546F35A}"/>
               </a:ext>
             </a:extLst>
           </p:cNvPr>
@@ -9130,8 +8993,8 @@
         </p:nvSpPr>
         <p:spPr>
           <a:xfrm>
-            <a:off x="371068" y="1382376"/>
-            <a:ext cx="10102421" cy="1477328"/>
+            <a:off x="371067" y="1382376"/>
+            <a:ext cx="9019579" cy="1200329"/>
           </a:xfrm>
           <a:prstGeom prst="rect">
             <a:avLst/>
@@ -9144,16 +9007,40 @@
           </a:bodyPr>
           <a:lstStyle/>
           <a:p>
-            <a:pPr marL="457200" indent="-457200">
-              <a:buFont typeface="+mj-lt"/>
-              <a:buAutoNum type="arabicPeriod"/>
+            <a:pPr marL="285750" indent="-285750">
+              <a:buFont typeface="Arial" panose="020B0604020202020204" pitchFamily="34" charset="0"/>
+              <a:buChar char="•"/>
             </a:pPr>
             <a:r>
+              <a:rPr lang="ko-KR" altLang="en-US" dirty="0" err="1">
+                <a:latin typeface="D2Coding" panose="020B0609020101020101" pitchFamily="49" charset="-127"/>
+                <a:ea typeface="D2Coding" panose="020B0609020101020101" pitchFamily="49" charset="-127"/>
+              </a:rPr>
+              <a:t>백엔드</a:t>
+            </a:r>
+            <a:r>
               <a:rPr lang="ko-KR" altLang="en-US" dirty="0">
                 <a:latin typeface="D2Coding" panose="020B0609020101020101" pitchFamily="49" charset="-127"/>
                 <a:ea typeface="D2Coding" panose="020B0609020101020101" pitchFamily="49" charset="-127"/>
               </a:rPr>
-              <a:t>테이블 구조는 딱히 의식하지 않고 비즈니스 로직을 개발한다</a:t>
+              <a:t> 엔지니어로써 가장 중요한 </a:t>
+            </a:r>
+            <a:r>
+              <a:rPr lang="ko-KR" altLang="en-US" b="1" dirty="0">
+                <a:solidFill>
+                  <a:srgbClr val="FF0000"/>
+                </a:solidFill>
+                <a:latin typeface="D2Coding" panose="020B0609020101020101" pitchFamily="49" charset="-127"/>
+                <a:ea typeface="D2Coding" panose="020B0609020101020101" pitchFamily="49" charset="-127"/>
+              </a:rPr>
+              <a:t>비즈니스 로직</a:t>
+            </a:r>
+            <a:r>
+              <a:rPr lang="ko-KR" altLang="en-US" dirty="0">
+                <a:latin typeface="D2Coding" panose="020B0609020101020101" pitchFamily="49" charset="-127"/>
+                <a:ea typeface="D2Coding" panose="020B0609020101020101" pitchFamily="49" charset="-127"/>
+              </a:rPr>
+              <a:t>에 집중할 수 있다</a:t>
             </a:r>
             <a:r>
               <a:rPr lang="en-US" altLang="ko-KR" dirty="0">
@@ -9164,9 +9051,9 @@
             </a:r>
           </a:p>
           <a:p>
-            <a:pPr marL="457200" indent="-457200">
-              <a:buFont typeface="+mj-lt"/>
-              <a:buAutoNum type="arabicPeriod"/>
+            <a:pPr marL="285750" indent="-285750">
+              <a:buFont typeface="Arial" panose="020B0604020202020204" pitchFamily="34" charset="0"/>
+              <a:buChar char="•"/>
             </a:pPr>
             <a:endParaRPr lang="en-US" altLang="ko-KR" dirty="0">
               <a:latin typeface="D2Coding" panose="020B0609020101020101" pitchFamily="49" charset="-127"/>
@@ -9174,23 +9061,37 @@
             </a:endParaRPr>
           </a:p>
           <a:p>
-            <a:pPr marL="457200" indent="-457200">
-              <a:buFont typeface="+mj-lt"/>
-              <a:buAutoNum type="arabicPeriod"/>
+            <a:pPr marL="285750" indent="-285750">
+              <a:buFont typeface="Arial" panose="020B0604020202020204" pitchFamily="34" charset="0"/>
+              <a:buChar char="•"/>
             </a:pPr>
             <a:r>
               <a:rPr lang="en-US" altLang="ko-KR" dirty="0">
                 <a:latin typeface="D2Coding" panose="020B0609020101020101" pitchFamily="49" charset="-127"/>
                 <a:ea typeface="D2Coding" panose="020B0609020101020101" pitchFamily="49" charset="-127"/>
               </a:rPr>
-              <a:t>DB</a:t>
+              <a:t>DDL</a:t>
             </a:r>
             <a:r>
               <a:rPr lang="ko-KR" altLang="en-US" dirty="0">
                 <a:latin typeface="D2Coding" panose="020B0609020101020101" pitchFamily="49" charset="-127"/>
                 <a:ea typeface="D2Coding" panose="020B0609020101020101" pitchFamily="49" charset="-127"/>
               </a:rPr>
-              <a:t>에 의존하지 않고 테스트 코드를 활용하여 비즈니스 로직을 작성하고 검증해도 좋다</a:t>
+              <a:t>이나 객체를 매핑하는데 큰 시간을 </a:t>
+            </a:r>
+            <a:r>
+              <a:rPr lang="ko-KR" altLang="en-US" dirty="0" err="1">
+                <a:latin typeface="D2Coding" panose="020B0609020101020101" pitchFamily="49" charset="-127"/>
+                <a:ea typeface="D2Coding" panose="020B0609020101020101" pitchFamily="49" charset="-127"/>
+              </a:rPr>
+              <a:t>안들여도</a:t>
+            </a:r>
+            <a:r>
+              <a:rPr lang="ko-KR" altLang="en-US" dirty="0">
+                <a:latin typeface="D2Coding" panose="020B0609020101020101" pitchFamily="49" charset="-127"/>
+                <a:ea typeface="D2Coding" panose="020B0609020101020101" pitchFamily="49" charset="-127"/>
+              </a:rPr>
+              <a:t> 된다</a:t>
             </a:r>
             <a:r>
               <a:rPr lang="en-US" altLang="ko-KR" dirty="0">
@@ -9201,41 +9102,111 @@
             </a:r>
           </a:p>
           <a:p>
-            <a:pPr marL="457200" indent="-457200">
-              <a:buFont typeface="+mj-lt"/>
-              <a:buAutoNum type="arabicPeriod"/>
+            <a:pPr marL="742950" lvl="1" indent="-285750">
+              <a:buFont typeface="Arial" panose="020B0604020202020204" pitchFamily="34" charset="0"/>
+              <a:buChar char="•"/>
+            </a:pPr>
+            <a:r>
+              <a:rPr lang="en-US" altLang="ko-KR" dirty="0">
+                <a:latin typeface="D2Coding" panose="020B0609020101020101" pitchFamily="49" charset="-127"/>
+                <a:ea typeface="D2Coding" panose="020B0609020101020101" pitchFamily="49" charset="-127"/>
+              </a:rPr>
+              <a:t>Hibernate</a:t>
+            </a:r>
+            <a:r>
+              <a:rPr lang="ko-KR" altLang="en-US" dirty="0">
+                <a:latin typeface="D2Coding" panose="020B0609020101020101" pitchFamily="49" charset="-127"/>
+                <a:ea typeface="D2Coding" panose="020B0609020101020101" pitchFamily="49" charset="-127"/>
+              </a:rPr>
+              <a:t>가 제공하는 </a:t>
+            </a:r>
+            <a:r>
+              <a:rPr lang="en-US" altLang="ko-KR" dirty="0">
+                <a:latin typeface="D2Coding" panose="020B0609020101020101" pitchFamily="49" charset="-127"/>
+                <a:ea typeface="D2Coding" panose="020B0609020101020101" pitchFamily="49" charset="-127"/>
+              </a:rPr>
+              <a:t>DDL </a:t>
+            </a:r>
+            <a:r>
+              <a:rPr lang="ko-KR" altLang="en-US" dirty="0">
+                <a:latin typeface="D2Coding" panose="020B0609020101020101" pitchFamily="49" charset="-127"/>
+                <a:ea typeface="D2Coding" panose="020B0609020101020101" pitchFamily="49" charset="-127"/>
+              </a:rPr>
+              <a:t>옵션을 사용하면 테스트 환경에서는 무리가 없다</a:t>
+            </a:r>
+            <a:r>
+              <a:rPr lang="en-US" altLang="ko-KR" dirty="0">
+                <a:latin typeface="D2Coding" panose="020B0609020101020101" pitchFamily="49" charset="-127"/>
+                <a:ea typeface="D2Coding" panose="020B0609020101020101" pitchFamily="49" charset="-127"/>
+              </a:rPr>
+              <a:t>.</a:t>
+            </a:r>
+          </a:p>
+        </p:txBody>
+      </p:sp>
+      <p:sp>
+        <p:nvSpPr>
+          <p:cNvPr id="5" name="TextBox 4">
+            <a:extLst>
+              <a:ext uri="{FF2B5EF4-FFF2-40B4-BE49-F238E27FC236}">
+                <a16:creationId xmlns:a16="http://schemas.microsoft.com/office/drawing/2014/main" id="{6773BEE8-978F-CADC-C719-DE163C24AD51}"/>
+              </a:ext>
+            </a:extLst>
+          </p:cNvPr>
+          <p:cNvSpPr txBox="1"/>
+          <p:nvPr/>
+        </p:nvSpPr>
+        <p:spPr>
+          <a:xfrm>
+            <a:off x="371067" y="2729913"/>
+            <a:ext cx="9019579" cy="646331"/>
+          </a:xfrm>
+          <a:prstGeom prst="rect">
+            <a:avLst/>
+          </a:prstGeom>
+          <a:noFill/>
+        </p:spPr>
+        <p:txBody>
+          <a:bodyPr wrap="square" rtlCol="0">
+            <a:spAutoFit/>
+          </a:bodyPr>
+          <a:lstStyle/>
+          <a:p>
+            <a:pPr marL="285750" indent="-285750">
+              <a:buFont typeface="Arial" panose="020B0604020202020204" pitchFamily="34" charset="0"/>
+              <a:buChar char="•"/>
+            </a:pPr>
+            <a:r>
+              <a:rPr lang="ko-KR" altLang="en-US" dirty="0">
+                <a:latin typeface="D2Coding" panose="020B0609020101020101" pitchFamily="49" charset="-127"/>
+                <a:ea typeface="D2Coding" panose="020B0609020101020101" pitchFamily="49" charset="-127"/>
+              </a:rPr>
+              <a:t>개발 도중 스키마가 변경되어도 기존 비즈니스 로직에 문제가 발생하지 않는다</a:t>
+            </a:r>
+            <a:r>
+              <a:rPr lang="en-US" altLang="ko-KR" dirty="0">
+                <a:latin typeface="D2Coding" panose="020B0609020101020101" pitchFamily="49" charset="-127"/>
+                <a:ea typeface="D2Coding" panose="020B0609020101020101" pitchFamily="49" charset="-127"/>
+              </a:rPr>
+              <a:t>.</a:t>
+            </a:r>
+          </a:p>
+          <a:p>
+            <a:pPr marL="285750" indent="-285750">
+              <a:buFont typeface="Arial" panose="020B0604020202020204" pitchFamily="34" charset="0"/>
+              <a:buChar char="•"/>
             </a:pPr>
             <a:endParaRPr lang="en-US" altLang="ko-KR" dirty="0">
               <a:latin typeface="D2Coding" panose="020B0609020101020101" pitchFamily="49" charset="-127"/>
               <a:ea typeface="D2Coding" panose="020B0609020101020101" pitchFamily="49" charset="-127"/>
             </a:endParaRPr>
           </a:p>
-          <a:p>
-            <a:pPr marL="457200" indent="-457200">
-              <a:buFont typeface="+mj-lt"/>
-              <a:buAutoNum type="arabicPeriod"/>
-            </a:pPr>
-            <a:r>
-              <a:rPr lang="ko-KR" altLang="en-US" dirty="0">
-                <a:latin typeface="D2Coding" panose="020B0609020101020101" pitchFamily="49" charset="-127"/>
-                <a:ea typeface="D2Coding" panose="020B0609020101020101" pitchFamily="49" charset="-127"/>
-              </a:rPr>
-              <a:t>비즈니스 로직에 확신이 생길 때 객체와 테이블을 매핑한다</a:t>
-            </a:r>
-            <a:r>
-              <a:rPr lang="en-US" altLang="ko-KR" dirty="0">
-                <a:latin typeface="D2Coding" panose="020B0609020101020101" pitchFamily="49" charset="-127"/>
-                <a:ea typeface="D2Coding" panose="020B0609020101020101" pitchFamily="49" charset="-127"/>
-              </a:rPr>
-              <a:t>.</a:t>
-            </a:r>
-          </a:p>
         </p:txBody>
       </p:sp>
     </p:spTree>
     <p:extLst>
       <p:ext uri="{BB962C8B-B14F-4D97-AF65-F5344CB8AC3E}">
-        <p14:creationId xmlns:p14="http://schemas.microsoft.com/office/powerpoint/2010/main" val="2267749635"/>
+        <p14:creationId xmlns:p14="http://schemas.microsoft.com/office/powerpoint/2010/main" val="2615276978"/>
       </p:ext>
     </p:extLst>
   </p:cSld>
@@ -9295,246 +9266,212 @@
                 <a:latin typeface="D2Coding" panose="020B0609020101020101" pitchFamily="49" charset="-127"/>
                 <a:ea typeface="D2Coding" panose="020B0609020101020101" pitchFamily="49" charset="-127"/>
               </a:rPr>
-              <a:t>도메인 주도 개발은 뭐가 더 좋을까</a:t>
+              <a:t>테이블 주도 개발 </a:t>
             </a:r>
             <a:r>
               <a:rPr lang="en-US" altLang="ko-KR" sz="2500" b="1" dirty="0">
                 <a:latin typeface="D2Coding" panose="020B0609020101020101" pitchFamily="49" charset="-127"/>
                 <a:ea typeface="D2Coding" panose="020B0609020101020101" pitchFamily="49" charset="-127"/>
               </a:rPr>
-              <a:t>?</a:t>
-            </a:r>
-          </a:p>
-        </p:txBody>
-      </p:sp>
-      <p:sp>
-        <p:nvSpPr>
-          <p:cNvPr id="4" name="TextBox 3">
-            <a:extLst>
-              <a:ext uri="{FF2B5EF4-FFF2-40B4-BE49-F238E27FC236}">
-                <a16:creationId xmlns:a16="http://schemas.microsoft.com/office/drawing/2014/main" id="{947FB7A1-E56C-C1F7-F10F-6E149546F35A}"/>
-              </a:ext>
-            </a:extLst>
-          </p:cNvPr>
-          <p:cNvSpPr txBox="1"/>
+              <a:t>vs </a:t>
+            </a:r>
+            <a:r>
+              <a:rPr lang="ko-KR" altLang="en-US" sz="2500" b="1" dirty="0">
+                <a:latin typeface="D2Coding" panose="020B0609020101020101" pitchFamily="49" charset="-127"/>
+                <a:ea typeface="D2Coding" panose="020B0609020101020101" pitchFamily="49" charset="-127"/>
+              </a:rPr>
+              <a:t>도메인 주도 개발 </a:t>
+            </a:r>
+            <a:r>
+              <a:rPr lang="en-US" altLang="ko-KR" sz="2500" b="1" dirty="0">
+                <a:latin typeface="D2Coding" panose="020B0609020101020101" pitchFamily="49" charset="-127"/>
+                <a:ea typeface="D2Coding" panose="020B0609020101020101" pitchFamily="49" charset="-127"/>
+              </a:rPr>
+              <a:t>- </a:t>
+            </a:r>
+            <a:r>
+              <a:rPr lang="ko-KR" altLang="en-US" sz="2200" b="1" dirty="0">
+                <a:latin typeface="D2Coding" panose="020B0609020101020101" pitchFamily="49" charset="-127"/>
+                <a:ea typeface="D2Coding" panose="020B0609020101020101" pitchFamily="49" charset="-127"/>
+              </a:rPr>
+              <a:t>개발 흐름 비교</a:t>
+            </a:r>
+            <a:endParaRPr lang="en-US" altLang="ko-KR" sz="2200" b="1" dirty="0">
+              <a:latin typeface="D2Coding" panose="020B0609020101020101" pitchFamily="49" charset="-127"/>
+              <a:ea typeface="D2Coding" panose="020B0609020101020101" pitchFamily="49" charset="-127"/>
+            </a:endParaRPr>
+          </a:p>
+        </p:txBody>
+      </p:sp>
+      <p:pic>
+        <p:nvPicPr>
+          <p:cNvPr id="6" name="그림 5" descr="도표이(가) 표시된 사진&#10;&#10;자동 생성된 설명">
+            <a:extLst>
+              <a:ext uri="{FF2B5EF4-FFF2-40B4-BE49-F238E27FC236}">
+                <a16:creationId xmlns:a16="http://schemas.microsoft.com/office/drawing/2014/main" id="{4380DAC3-4C33-B6F5-6549-77A5291F7390}"/>
+              </a:ext>
+            </a:extLst>
+          </p:cNvPr>
+          <p:cNvPicPr>
+            <a:picLocks noChangeAspect="1"/>
+          </p:cNvPicPr>
           <p:nvPr/>
-        </p:nvSpPr>
-        <p:spPr>
-          <a:xfrm>
-            <a:off x="371067" y="1382376"/>
-            <a:ext cx="9019579" cy="1200329"/>
+        </p:nvPicPr>
+        <p:blipFill rotWithShape="1">
+          <a:blip r:embed="rId2">
+            <a:extLst>
+              <a:ext uri="{28A0092B-C50C-407E-A947-70E740481C1C}">
+                <a14:useLocalDpi xmlns:a14="http://schemas.microsoft.com/office/drawing/2010/main" val="0"/>
+              </a:ext>
+            </a:extLst>
+          </a:blip>
+          <a:srcRect l="9234" t="4456" r="3334" b="11543"/>
+          <a:stretch/>
+        </p:blipFill>
+        <p:spPr>
+          <a:xfrm>
+            <a:off x="6250404" y="1401678"/>
+            <a:ext cx="5775159" cy="4343400"/>
           </a:xfrm>
           <a:prstGeom prst="rect">
             <a:avLst/>
           </a:prstGeom>
-          <a:noFill/>
-        </p:spPr>
-        <p:txBody>
-          <a:bodyPr wrap="square" rtlCol="0">
-            <a:spAutoFit/>
-          </a:bodyPr>
-          <a:lstStyle/>
-          <a:p>
-            <a:pPr marL="285750" indent="-285750">
-              <a:buFont typeface="Arial" panose="020B0604020202020204" pitchFamily="34" charset="0"/>
-              <a:buChar char="•"/>
-            </a:pPr>
-            <a:r>
-              <a:rPr lang="ko-KR" altLang="en-US" dirty="0" err="1">
-                <a:latin typeface="D2Coding" panose="020B0609020101020101" pitchFamily="49" charset="-127"/>
-                <a:ea typeface="D2Coding" panose="020B0609020101020101" pitchFamily="49" charset="-127"/>
-              </a:rPr>
-              <a:t>백엔드</a:t>
-            </a:r>
-            <a:r>
-              <a:rPr lang="ko-KR" altLang="en-US" dirty="0">
-                <a:latin typeface="D2Coding" panose="020B0609020101020101" pitchFamily="49" charset="-127"/>
-                <a:ea typeface="D2Coding" panose="020B0609020101020101" pitchFamily="49" charset="-127"/>
-              </a:rPr>
-              <a:t> 엔지니어로써 가장 중요한 </a:t>
-            </a:r>
-            <a:r>
-              <a:rPr lang="ko-KR" altLang="en-US" b="1" dirty="0">
-                <a:solidFill>
-                  <a:srgbClr val="FF0000"/>
-                </a:solidFill>
-                <a:latin typeface="D2Coding" panose="020B0609020101020101" pitchFamily="49" charset="-127"/>
-                <a:ea typeface="D2Coding" panose="020B0609020101020101" pitchFamily="49" charset="-127"/>
-              </a:rPr>
-              <a:t>비즈니스 로직</a:t>
-            </a:r>
-            <a:r>
-              <a:rPr lang="ko-KR" altLang="en-US" dirty="0">
-                <a:latin typeface="D2Coding" panose="020B0609020101020101" pitchFamily="49" charset="-127"/>
-                <a:ea typeface="D2Coding" panose="020B0609020101020101" pitchFamily="49" charset="-127"/>
-              </a:rPr>
-              <a:t>에 집중할 수 있다</a:t>
-            </a:r>
-            <a:r>
-              <a:rPr lang="en-US" altLang="ko-KR" dirty="0">
-                <a:latin typeface="D2Coding" panose="020B0609020101020101" pitchFamily="49" charset="-127"/>
-                <a:ea typeface="D2Coding" panose="020B0609020101020101" pitchFamily="49" charset="-127"/>
-              </a:rPr>
-              <a:t>.</a:t>
-            </a:r>
-          </a:p>
-          <a:p>
-            <a:pPr marL="285750" indent="-285750">
-              <a:buFont typeface="Arial" panose="020B0604020202020204" pitchFamily="34" charset="0"/>
-              <a:buChar char="•"/>
-            </a:pPr>
-            <a:endParaRPr lang="en-US" altLang="ko-KR" dirty="0">
-              <a:latin typeface="D2Coding" panose="020B0609020101020101" pitchFamily="49" charset="-127"/>
-              <a:ea typeface="D2Coding" panose="020B0609020101020101" pitchFamily="49" charset="-127"/>
-            </a:endParaRPr>
-          </a:p>
-          <a:p>
-            <a:pPr marL="285750" indent="-285750">
-              <a:buFont typeface="Arial" panose="020B0604020202020204" pitchFamily="34" charset="0"/>
-              <a:buChar char="•"/>
-            </a:pPr>
-            <a:r>
-              <a:rPr lang="en-US" altLang="ko-KR" dirty="0">
-                <a:latin typeface="D2Coding" panose="020B0609020101020101" pitchFamily="49" charset="-127"/>
-                <a:ea typeface="D2Coding" panose="020B0609020101020101" pitchFamily="49" charset="-127"/>
-              </a:rPr>
-              <a:t>DDL</a:t>
-            </a:r>
-            <a:r>
-              <a:rPr lang="ko-KR" altLang="en-US" dirty="0">
-                <a:latin typeface="D2Coding" panose="020B0609020101020101" pitchFamily="49" charset="-127"/>
-                <a:ea typeface="D2Coding" panose="020B0609020101020101" pitchFamily="49" charset="-127"/>
-              </a:rPr>
-              <a:t>이나 객체를 매핑하는데 큰 시간을 </a:t>
-            </a:r>
-            <a:r>
-              <a:rPr lang="ko-KR" altLang="en-US" dirty="0" err="1">
-                <a:latin typeface="D2Coding" panose="020B0609020101020101" pitchFamily="49" charset="-127"/>
-                <a:ea typeface="D2Coding" panose="020B0609020101020101" pitchFamily="49" charset="-127"/>
-              </a:rPr>
-              <a:t>안들여도</a:t>
-            </a:r>
-            <a:r>
-              <a:rPr lang="ko-KR" altLang="en-US" dirty="0">
-                <a:latin typeface="D2Coding" panose="020B0609020101020101" pitchFamily="49" charset="-127"/>
-                <a:ea typeface="D2Coding" panose="020B0609020101020101" pitchFamily="49" charset="-127"/>
-              </a:rPr>
-              <a:t> 된다</a:t>
-            </a:r>
-            <a:r>
-              <a:rPr lang="en-US" altLang="ko-KR" dirty="0">
-                <a:latin typeface="D2Coding" panose="020B0609020101020101" pitchFamily="49" charset="-127"/>
-                <a:ea typeface="D2Coding" panose="020B0609020101020101" pitchFamily="49" charset="-127"/>
-              </a:rPr>
-              <a:t>.</a:t>
-            </a:r>
-          </a:p>
-          <a:p>
-            <a:pPr marL="742950" lvl="1" indent="-285750">
-              <a:buFont typeface="Arial" panose="020B0604020202020204" pitchFamily="34" charset="0"/>
-              <a:buChar char="•"/>
-            </a:pPr>
-            <a:r>
-              <a:rPr lang="en-US" altLang="ko-KR" dirty="0">
-                <a:latin typeface="D2Coding" panose="020B0609020101020101" pitchFamily="49" charset="-127"/>
-                <a:ea typeface="D2Coding" panose="020B0609020101020101" pitchFamily="49" charset="-127"/>
-              </a:rPr>
-              <a:t>Hibernate</a:t>
-            </a:r>
-            <a:r>
-              <a:rPr lang="ko-KR" altLang="en-US" dirty="0">
-                <a:latin typeface="D2Coding" panose="020B0609020101020101" pitchFamily="49" charset="-127"/>
-                <a:ea typeface="D2Coding" panose="020B0609020101020101" pitchFamily="49" charset="-127"/>
-              </a:rPr>
-              <a:t>가 제공하는 </a:t>
-            </a:r>
-            <a:r>
-              <a:rPr lang="en-US" altLang="ko-KR" dirty="0">
-                <a:latin typeface="D2Coding" panose="020B0609020101020101" pitchFamily="49" charset="-127"/>
-                <a:ea typeface="D2Coding" panose="020B0609020101020101" pitchFamily="49" charset="-127"/>
-              </a:rPr>
-              <a:t>DDL </a:t>
-            </a:r>
-            <a:r>
-              <a:rPr lang="ko-KR" altLang="en-US" dirty="0">
-                <a:latin typeface="D2Coding" panose="020B0609020101020101" pitchFamily="49" charset="-127"/>
-                <a:ea typeface="D2Coding" panose="020B0609020101020101" pitchFamily="49" charset="-127"/>
-              </a:rPr>
-              <a:t>옵션을 사용하면 테스트 환경에서는 무리가 없다</a:t>
-            </a:r>
-            <a:r>
-              <a:rPr lang="en-US" altLang="ko-KR" dirty="0">
-                <a:latin typeface="D2Coding" panose="020B0609020101020101" pitchFamily="49" charset="-127"/>
-                <a:ea typeface="D2Coding" panose="020B0609020101020101" pitchFamily="49" charset="-127"/>
-              </a:rPr>
-              <a:t>.</a:t>
-            </a:r>
-          </a:p>
-        </p:txBody>
-      </p:sp>
-      <p:sp>
-        <p:nvSpPr>
-          <p:cNvPr id="5" name="TextBox 4">
-            <a:extLst>
-              <a:ext uri="{FF2B5EF4-FFF2-40B4-BE49-F238E27FC236}">
-                <a16:creationId xmlns:a16="http://schemas.microsoft.com/office/drawing/2014/main" id="{6773BEE8-978F-CADC-C719-DE163C24AD51}"/>
-              </a:ext>
-            </a:extLst>
-          </p:cNvPr>
-          <p:cNvSpPr txBox="1"/>
+        </p:spPr>
+      </p:pic>
+      <p:pic>
+        <p:nvPicPr>
+          <p:cNvPr id="8" name="그림 7" descr="도표이(가) 표시된 사진&#10;&#10;자동 생성된 설명">
+            <a:extLst>
+              <a:ext uri="{FF2B5EF4-FFF2-40B4-BE49-F238E27FC236}">
+                <a16:creationId xmlns:a16="http://schemas.microsoft.com/office/drawing/2014/main" id="{EF479864-084A-7638-F301-42AE35B27931}"/>
+              </a:ext>
+            </a:extLst>
+          </p:cNvPr>
+          <p:cNvPicPr>
+            <a:picLocks noChangeAspect="1"/>
+          </p:cNvPicPr>
           <p:nvPr/>
-        </p:nvSpPr>
-        <p:spPr>
-          <a:xfrm>
-            <a:off x="371067" y="2729913"/>
-            <a:ext cx="9019579" cy="646331"/>
+        </p:nvPicPr>
+        <p:blipFill rotWithShape="1">
+          <a:blip r:embed="rId3">
+            <a:extLst>
+              <a:ext uri="{28A0092B-C50C-407E-A947-70E740481C1C}">
+                <a14:useLocalDpi xmlns:a14="http://schemas.microsoft.com/office/drawing/2010/main" val="0"/>
+              </a:ext>
+            </a:extLst>
+          </a:blip>
+          <a:srcRect l="12080" t="3384" r="6816" b="14554"/>
+          <a:stretch/>
+        </p:blipFill>
+        <p:spPr>
+          <a:xfrm>
+            <a:off x="109613" y="1401677"/>
+            <a:ext cx="5986387" cy="4343401"/>
           </a:xfrm>
           <a:prstGeom prst="rect">
             <a:avLst/>
           </a:prstGeom>
+        </p:spPr>
+      </p:pic>
+      <p:sp>
+        <p:nvSpPr>
+          <p:cNvPr id="9" name="타원 8">
+            <a:extLst>
+              <a:ext uri="{FF2B5EF4-FFF2-40B4-BE49-F238E27FC236}">
+                <a16:creationId xmlns:a16="http://schemas.microsoft.com/office/drawing/2014/main" id="{795375F9-648D-9620-8591-A3F7C5B758D7}"/>
+              </a:ext>
+            </a:extLst>
+          </p:cNvPr>
+          <p:cNvSpPr/>
+          <p:nvPr/>
+        </p:nvSpPr>
+        <p:spPr>
+          <a:xfrm>
+            <a:off x="10335126" y="3368842"/>
+            <a:ext cx="980574" cy="601579"/>
+          </a:xfrm>
+          <a:prstGeom prst="ellipse">
+            <a:avLst/>
+          </a:prstGeom>
           <a:noFill/>
-        </p:spPr>
-        <p:txBody>
-          <a:bodyPr wrap="square" rtlCol="0">
-            <a:spAutoFit/>
-          </a:bodyPr>
-          <a:lstStyle/>
-          <a:p>
-            <a:pPr marL="285750" indent="-285750">
-              <a:buFont typeface="Arial" panose="020B0604020202020204" pitchFamily="34" charset="0"/>
-              <a:buChar char="•"/>
-            </a:pPr>
-            <a:r>
-              <a:rPr lang="ko-KR" altLang="en-US" dirty="0">
-                <a:latin typeface="D2Coding" panose="020B0609020101020101" pitchFamily="49" charset="-127"/>
-                <a:ea typeface="D2Coding" panose="020B0609020101020101" pitchFamily="49" charset="-127"/>
-              </a:rPr>
-              <a:t>개발 도중 스키마가 변경되어도 기존 비즈니스 로직에 문제가 발생하지 않는다</a:t>
-            </a:r>
-            <a:r>
-              <a:rPr lang="en-US" altLang="ko-KR" dirty="0">
-                <a:latin typeface="D2Coding" panose="020B0609020101020101" pitchFamily="49" charset="-127"/>
-                <a:ea typeface="D2Coding" panose="020B0609020101020101" pitchFamily="49" charset="-127"/>
-              </a:rPr>
-              <a:t>.</a:t>
-            </a:r>
-          </a:p>
-          <a:p>
-            <a:pPr marL="285750" indent="-285750">
-              <a:buFont typeface="Arial" panose="020B0604020202020204" pitchFamily="34" charset="0"/>
-              <a:buChar char="•"/>
-            </a:pPr>
-            <a:endParaRPr lang="en-US" altLang="ko-KR" dirty="0">
-              <a:latin typeface="D2Coding" panose="020B0609020101020101" pitchFamily="49" charset="-127"/>
-              <a:ea typeface="D2Coding" panose="020B0609020101020101" pitchFamily="49" charset="-127"/>
-            </a:endParaRPr>
-          </a:p>
-        </p:txBody>
-      </p:sp>
+          <a:ln w="38100">
+            <a:solidFill>
+              <a:srgbClr val="FF0000"/>
+            </a:solidFill>
+          </a:ln>
+        </p:spPr>
+        <p:style>
+          <a:lnRef idx="2">
+            <a:schemeClr val="accent1">
+              <a:shade val="50000"/>
+            </a:schemeClr>
+          </a:lnRef>
+          <a:fillRef idx="1">
+            <a:schemeClr val="accent1"/>
+          </a:fillRef>
+          <a:effectRef idx="0">
+            <a:schemeClr val="accent1"/>
+          </a:effectRef>
+          <a:fontRef idx="minor">
+            <a:schemeClr val="lt1"/>
+          </a:fontRef>
+        </p:style>
+        <p:txBody>
+          <a:bodyPr rtlCol="0" anchor="ctr"/>
+          <a:lstStyle/>
+          <a:p>
+            <a:pPr algn="ctr"/>
+            <a:endParaRPr lang="ko-KR" altLang="en-US"/>
+          </a:p>
+        </p:txBody>
+      </p:sp>
+      <p:cxnSp>
+        <p:nvCxnSpPr>
+          <p:cNvPr id="11" name="직선 연결선 10">
+            <a:extLst>
+              <a:ext uri="{FF2B5EF4-FFF2-40B4-BE49-F238E27FC236}">
+                <a16:creationId xmlns:a16="http://schemas.microsoft.com/office/drawing/2014/main" id="{B0768222-524E-5225-40CB-FA3A9C23061A}"/>
+              </a:ext>
+            </a:extLst>
+          </p:cNvPr>
+          <p:cNvCxnSpPr>
+            <a:endCxn id="6" idx="2"/>
+          </p:cNvCxnSpPr>
+          <p:nvPr/>
+        </p:nvCxnSpPr>
+        <p:spPr>
+          <a:xfrm>
+            <a:off x="8993605" y="1925053"/>
+            <a:ext cx="144379" cy="3820025"/>
+          </a:xfrm>
+          <a:prstGeom prst="line">
+            <a:avLst/>
+          </a:prstGeom>
+          <a:ln w="50800">
+            <a:solidFill>
+              <a:srgbClr val="FF0000"/>
+            </a:solidFill>
+          </a:ln>
+        </p:spPr>
+        <p:style>
+          <a:lnRef idx="1">
+            <a:schemeClr val="accent1"/>
+          </a:lnRef>
+          <a:fillRef idx="0">
+            <a:schemeClr val="accent1"/>
+          </a:fillRef>
+          <a:effectRef idx="0">
+            <a:schemeClr val="accent1"/>
+          </a:effectRef>
+          <a:fontRef idx="minor">
+            <a:schemeClr val="tx1"/>
+          </a:fontRef>
+        </p:style>
+      </p:cxnSp>
     </p:spTree>
     <p:extLst>
       <p:ext uri="{BB962C8B-B14F-4D97-AF65-F5344CB8AC3E}">
-        <p14:creationId xmlns:p14="http://schemas.microsoft.com/office/powerpoint/2010/main" val="2615276978"/>
+        <p14:creationId xmlns:p14="http://schemas.microsoft.com/office/powerpoint/2010/main" val="880817143"/>
       </p:ext>
     </p:extLst>
   </p:cSld>
@@ -9576,7 +9513,7 @@
         <p:spPr>
           <a:xfrm>
             <a:off x="413464" y="385010"/>
-            <a:ext cx="8977183" cy="477054"/>
+            <a:ext cx="1493541" cy="477054"/>
           </a:xfrm>
           <a:prstGeom prst="rect">
             <a:avLst/>
@@ -9594,212 +9531,68 @@
                 <a:latin typeface="D2Coding" panose="020B0609020101020101" pitchFamily="49" charset="-127"/>
                 <a:ea typeface="D2Coding" panose="020B0609020101020101" pitchFamily="49" charset="-127"/>
               </a:rPr>
-              <a:t>테이블 주도 개발 </a:t>
+              <a:t>결론 </a:t>
             </a:r>
             <a:r>
               <a:rPr lang="en-US" altLang="ko-KR" sz="2500" b="1" dirty="0">
                 <a:latin typeface="D2Coding" panose="020B0609020101020101" pitchFamily="49" charset="-127"/>
                 <a:ea typeface="D2Coding" panose="020B0609020101020101" pitchFamily="49" charset="-127"/>
               </a:rPr>
-              <a:t>vs </a:t>
-            </a:r>
-            <a:r>
-              <a:rPr lang="ko-KR" altLang="en-US" sz="2500" b="1" dirty="0">
-                <a:latin typeface="D2Coding" panose="020B0609020101020101" pitchFamily="49" charset="-127"/>
-                <a:ea typeface="D2Coding" panose="020B0609020101020101" pitchFamily="49" charset="-127"/>
-              </a:rPr>
-              <a:t>도메인 주도 개발 </a:t>
-            </a:r>
-            <a:r>
-              <a:rPr lang="en-US" altLang="ko-KR" sz="2500" b="1" dirty="0">
-                <a:latin typeface="D2Coding" panose="020B0609020101020101" pitchFamily="49" charset="-127"/>
-                <a:ea typeface="D2Coding" panose="020B0609020101020101" pitchFamily="49" charset="-127"/>
-              </a:rPr>
-              <a:t>- </a:t>
-            </a:r>
-            <a:r>
-              <a:rPr lang="ko-KR" altLang="en-US" sz="2200" b="1" dirty="0">
-                <a:latin typeface="D2Coding" panose="020B0609020101020101" pitchFamily="49" charset="-127"/>
-                <a:ea typeface="D2Coding" panose="020B0609020101020101" pitchFamily="49" charset="-127"/>
-              </a:rPr>
-              <a:t>개발 흐름 비교</a:t>
-            </a:r>
-            <a:endParaRPr lang="en-US" altLang="ko-KR" sz="2200" b="1" dirty="0">
-              <a:latin typeface="D2Coding" panose="020B0609020101020101" pitchFamily="49" charset="-127"/>
-              <a:ea typeface="D2Coding" panose="020B0609020101020101" pitchFamily="49" charset="-127"/>
-            </a:endParaRPr>
-          </a:p>
-        </p:txBody>
-      </p:sp>
-      <p:pic>
-        <p:nvPicPr>
-          <p:cNvPr id="6" name="그림 5" descr="도표이(가) 표시된 사진&#10;&#10;자동 생성된 설명">
-            <a:extLst>
-              <a:ext uri="{FF2B5EF4-FFF2-40B4-BE49-F238E27FC236}">
-                <a16:creationId xmlns:a16="http://schemas.microsoft.com/office/drawing/2014/main" id="{4380DAC3-4C33-B6F5-6549-77A5291F7390}"/>
-              </a:ext>
-            </a:extLst>
-          </p:cNvPr>
-          <p:cNvPicPr>
-            <a:picLocks noChangeAspect="1"/>
-          </p:cNvPicPr>
+              <a:t>- 1</a:t>
+            </a:r>
+          </a:p>
+        </p:txBody>
+      </p:sp>
+      <p:sp>
+        <p:nvSpPr>
+          <p:cNvPr id="2" name="TextBox 1">
+            <a:extLst>
+              <a:ext uri="{FF2B5EF4-FFF2-40B4-BE49-F238E27FC236}">
+                <a16:creationId xmlns:a16="http://schemas.microsoft.com/office/drawing/2014/main" id="{F87EC3CF-2F46-28F2-3DDA-C1461163B4C6}"/>
+              </a:ext>
+            </a:extLst>
+          </p:cNvPr>
+          <p:cNvSpPr txBox="1"/>
           <p:nvPr/>
-        </p:nvPicPr>
-        <p:blipFill rotWithShape="1">
-          <a:blip r:embed="rId2">
-            <a:extLst>
-              <a:ext uri="{28A0092B-C50C-407E-A947-70E740481C1C}">
-                <a14:useLocalDpi xmlns:a14="http://schemas.microsoft.com/office/drawing/2010/main" val="0"/>
-              </a:ext>
-            </a:extLst>
-          </a:blip>
-          <a:srcRect l="9234" t="4456" r="3334" b="11543"/>
-          <a:stretch/>
-        </p:blipFill>
-        <p:spPr>
-          <a:xfrm>
-            <a:off x="6250404" y="1401678"/>
-            <a:ext cx="5775159" cy="4343400"/>
+        </p:nvSpPr>
+        <p:spPr>
+          <a:xfrm>
+            <a:off x="401242" y="3244334"/>
+            <a:ext cx="11389515" cy="369332"/>
           </a:xfrm>
           <a:prstGeom prst="rect">
             <a:avLst/>
           </a:prstGeom>
-        </p:spPr>
-      </p:pic>
-      <p:pic>
-        <p:nvPicPr>
-          <p:cNvPr id="8" name="그림 7" descr="도표이(가) 표시된 사진&#10;&#10;자동 생성된 설명">
-            <a:extLst>
-              <a:ext uri="{FF2B5EF4-FFF2-40B4-BE49-F238E27FC236}">
-                <a16:creationId xmlns:a16="http://schemas.microsoft.com/office/drawing/2014/main" id="{EF479864-084A-7638-F301-42AE35B27931}"/>
-              </a:ext>
-            </a:extLst>
-          </p:cNvPr>
-          <p:cNvPicPr>
-            <a:picLocks noChangeAspect="1"/>
-          </p:cNvPicPr>
-          <p:nvPr/>
-        </p:nvPicPr>
-        <p:blipFill rotWithShape="1">
-          <a:blip r:embed="rId3">
-            <a:extLst>
-              <a:ext uri="{28A0092B-C50C-407E-A947-70E740481C1C}">
-                <a14:useLocalDpi xmlns:a14="http://schemas.microsoft.com/office/drawing/2010/main" val="0"/>
-              </a:ext>
-            </a:extLst>
-          </a:blip>
-          <a:srcRect l="12080" t="3384" r="6816" b="14554"/>
-          <a:stretch/>
-        </p:blipFill>
-        <p:spPr>
-          <a:xfrm>
-            <a:off x="109613" y="1401677"/>
-            <a:ext cx="5986387" cy="4343401"/>
-          </a:xfrm>
-          <a:prstGeom prst="rect">
-            <a:avLst/>
-          </a:prstGeom>
-        </p:spPr>
-      </p:pic>
-      <p:sp>
-        <p:nvSpPr>
-          <p:cNvPr id="9" name="타원 8">
-            <a:extLst>
-              <a:ext uri="{FF2B5EF4-FFF2-40B4-BE49-F238E27FC236}">
-                <a16:creationId xmlns:a16="http://schemas.microsoft.com/office/drawing/2014/main" id="{795375F9-648D-9620-8591-A3F7C5B758D7}"/>
-              </a:ext>
-            </a:extLst>
-          </p:cNvPr>
-          <p:cNvSpPr/>
-          <p:nvPr/>
-        </p:nvSpPr>
-        <p:spPr>
-          <a:xfrm>
-            <a:off x="10335126" y="3368842"/>
-            <a:ext cx="980574" cy="601579"/>
-          </a:xfrm>
-          <a:prstGeom prst="ellipse">
-            <a:avLst/>
-          </a:prstGeom>
           <a:noFill/>
-          <a:ln w="38100">
-            <a:solidFill>
-              <a:srgbClr val="FF0000"/>
-            </a:solidFill>
-          </a:ln>
-        </p:spPr>
-        <p:style>
-          <a:lnRef idx="2">
-            <a:schemeClr val="accent1">
-              <a:shade val="50000"/>
-            </a:schemeClr>
-          </a:lnRef>
-          <a:fillRef idx="1">
-            <a:schemeClr val="accent1"/>
-          </a:fillRef>
-          <a:effectRef idx="0">
-            <a:schemeClr val="accent1"/>
-          </a:effectRef>
-          <a:fontRef idx="minor">
-            <a:schemeClr val="lt1"/>
-          </a:fontRef>
-        </p:style>
-        <p:txBody>
-          <a:bodyPr rtlCol="0" anchor="ctr"/>
+        </p:spPr>
+        <p:txBody>
+          <a:bodyPr wrap="square" rtlCol="0">
+            <a:spAutoFit/>
+          </a:bodyPr>
           <a:lstStyle/>
           <a:p>
             <a:pPr algn="ctr"/>
-            <a:endParaRPr lang="ko-KR" altLang="en-US"/>
-          </a:p>
-        </p:txBody>
-      </p:sp>
-      <p:cxnSp>
-        <p:nvCxnSpPr>
-          <p:cNvPr id="11" name="직선 연결선 10">
-            <a:extLst>
-              <a:ext uri="{FF2B5EF4-FFF2-40B4-BE49-F238E27FC236}">
-                <a16:creationId xmlns:a16="http://schemas.microsoft.com/office/drawing/2014/main" id="{B0768222-524E-5225-40CB-FA3A9C23061A}"/>
-              </a:ext>
-            </a:extLst>
-          </p:cNvPr>
-          <p:cNvCxnSpPr>
-            <a:endCxn id="6" idx="2"/>
-          </p:cNvCxnSpPr>
-          <p:nvPr/>
-        </p:nvCxnSpPr>
-        <p:spPr>
-          <a:xfrm>
-            <a:off x="8993605" y="1925053"/>
-            <a:ext cx="144379" cy="3820025"/>
-          </a:xfrm>
-          <a:prstGeom prst="line">
-            <a:avLst/>
-          </a:prstGeom>
-          <a:ln w="50800">
-            <a:solidFill>
-              <a:srgbClr val="FF0000"/>
-            </a:solidFill>
-          </a:ln>
-        </p:spPr>
-        <p:style>
-          <a:lnRef idx="1">
-            <a:schemeClr val="accent1"/>
-          </a:lnRef>
-          <a:fillRef idx="0">
-            <a:schemeClr val="accent1"/>
-          </a:fillRef>
-          <a:effectRef idx="0">
-            <a:schemeClr val="accent1"/>
-          </a:effectRef>
-          <a:fontRef idx="minor">
-            <a:schemeClr val="tx1"/>
-          </a:fontRef>
-        </p:style>
-      </p:cxnSp>
+            <a:r>
+              <a:rPr lang="ko-KR" altLang="en-US" b="1" dirty="0">
+                <a:latin typeface="D2Coding" panose="020B0609020101020101" pitchFamily="49" charset="-127"/>
+                <a:ea typeface="D2Coding" panose="020B0609020101020101" pitchFamily="49" charset="-127"/>
+              </a:rPr>
+              <a:t>객체지향이란 객체 간의 협력관계를 구축함으로써 어떤 문제를 해결하고자 하는 것이다</a:t>
+            </a:r>
+            <a:r>
+              <a:rPr lang="en-US" altLang="ko-KR" b="1" dirty="0">
+                <a:latin typeface="D2Coding" panose="020B0609020101020101" pitchFamily="49" charset="-127"/>
+                <a:ea typeface="D2Coding" panose="020B0609020101020101" pitchFamily="49" charset="-127"/>
+              </a:rPr>
+              <a:t>.</a:t>
+            </a:r>
+          </a:p>
+        </p:txBody>
+      </p:sp>
     </p:spTree>
     <p:extLst>
       <p:ext uri="{BB962C8B-B14F-4D97-AF65-F5344CB8AC3E}">
-        <p14:creationId xmlns:p14="http://schemas.microsoft.com/office/powerpoint/2010/main" val="880817143"/>
+        <p14:creationId xmlns:p14="http://schemas.microsoft.com/office/powerpoint/2010/main" val="2826093249"/>
       </p:ext>
     </p:extLst>
   </p:cSld>
@@ -10044,7 +9837,7 @@
                 <a:latin typeface="D2Coding" panose="020B0609020101020101" pitchFamily="49" charset="-127"/>
                 <a:ea typeface="D2Coding" panose="020B0609020101020101" pitchFamily="49" charset="-127"/>
               </a:rPr>
-              <a:t>- 1</a:t>
+              <a:t>- 2</a:t>
             </a:r>
           </a:p>
         </p:txBody>
@@ -10063,7 +9856,7 @@
         </p:nvSpPr>
         <p:spPr>
           <a:xfrm>
-            <a:off x="401242" y="3244334"/>
+            <a:off x="401242" y="3429000"/>
             <a:ext cx="11389515" cy="369332"/>
           </a:xfrm>
           <a:prstGeom prst="rect">
@@ -10083,7 +9876,7 @@
                 <a:latin typeface="D2Coding" panose="020B0609020101020101" pitchFamily="49" charset="-127"/>
                 <a:ea typeface="D2Coding" panose="020B0609020101020101" pitchFamily="49" charset="-127"/>
               </a:rPr>
-              <a:t>객체지향이란 객체 간의 협력관계를 구축함으로써 어떤 문제를 해결하고자 하는 것이다</a:t>
+              <a:t>객체 간의 협력관계를 구축하는 것은 관심사 분리를 통한 계층형 아키텍처를 기반으로 한다</a:t>
             </a:r>
             <a:r>
               <a:rPr lang="en-US" altLang="ko-KR" b="1" dirty="0">
@@ -10098,7 +9891,7 @@
     </p:spTree>
     <p:extLst>
       <p:ext uri="{BB962C8B-B14F-4D97-AF65-F5344CB8AC3E}">
-        <p14:creationId xmlns:p14="http://schemas.microsoft.com/office/powerpoint/2010/main" val="2826093249"/>
+        <p14:creationId xmlns:p14="http://schemas.microsoft.com/office/powerpoint/2010/main" val="1382255558"/>
       </p:ext>
     </p:extLst>
   </p:cSld>
@@ -10165,7 +9958,7 @@
                 <a:latin typeface="D2Coding" panose="020B0609020101020101" pitchFamily="49" charset="-127"/>
                 <a:ea typeface="D2Coding" panose="020B0609020101020101" pitchFamily="49" charset="-127"/>
               </a:rPr>
-              <a:t>- 2</a:t>
+              <a:t>- 3</a:t>
             </a:r>
           </a:p>
         </p:txBody>
@@ -10204,7 +9997,7 @@
                 <a:latin typeface="D2Coding" panose="020B0609020101020101" pitchFamily="49" charset="-127"/>
                 <a:ea typeface="D2Coding" panose="020B0609020101020101" pitchFamily="49" charset="-127"/>
               </a:rPr>
-              <a:t>객체 간의 협력관계를 구축하는 것은 관심사 분리를 통한 계층형 아키텍처를 기반으로 한다</a:t>
+              <a:t>변경 되지 않는 것은 없다</a:t>
             </a:r>
             <a:r>
               <a:rPr lang="en-US" altLang="ko-KR" b="1" dirty="0">
@@ -10219,7 +10012,7 @@
     </p:spTree>
     <p:extLst>
       <p:ext uri="{BB962C8B-B14F-4D97-AF65-F5344CB8AC3E}">
-        <p14:creationId xmlns:p14="http://schemas.microsoft.com/office/powerpoint/2010/main" val="1382255558"/>
+        <p14:creationId xmlns:p14="http://schemas.microsoft.com/office/powerpoint/2010/main" val="1759947235"/>
       </p:ext>
     </p:extLst>
   </p:cSld>
@@ -10286,7 +10079,7 @@
                 <a:latin typeface="D2Coding" panose="020B0609020101020101" pitchFamily="49" charset="-127"/>
                 <a:ea typeface="D2Coding" panose="020B0609020101020101" pitchFamily="49" charset="-127"/>
               </a:rPr>
-              <a:t>- 3</a:t>
+              <a:t>- 4</a:t>
             </a:r>
           </a:p>
         </p:txBody>
@@ -10325,7 +10118,7 @@
                 <a:latin typeface="D2Coding" panose="020B0609020101020101" pitchFamily="49" charset="-127"/>
                 <a:ea typeface="D2Coding" panose="020B0609020101020101" pitchFamily="49" charset="-127"/>
               </a:rPr>
-              <a:t>변경 되지 않는 것은 없다</a:t>
+              <a:t>변경에 대응하기 좋은 아키텍처가 장기적으로 보면 좋을 수 있다</a:t>
             </a:r>
             <a:r>
               <a:rPr lang="en-US" altLang="ko-KR" b="1" dirty="0">
@@ -10340,7 +10133,7 @@
     </p:spTree>
     <p:extLst>
       <p:ext uri="{BB962C8B-B14F-4D97-AF65-F5344CB8AC3E}">
-        <p14:creationId xmlns:p14="http://schemas.microsoft.com/office/powerpoint/2010/main" val="1759947235"/>
+        <p14:creationId xmlns:p14="http://schemas.microsoft.com/office/powerpoint/2010/main" val="938954606"/>
       </p:ext>
     </p:extLst>
   </p:cSld>
@@ -10407,7 +10200,7 @@
                 <a:latin typeface="D2Coding" panose="020B0609020101020101" pitchFamily="49" charset="-127"/>
                 <a:ea typeface="D2Coding" panose="020B0609020101020101" pitchFamily="49" charset="-127"/>
               </a:rPr>
-              <a:t>- 4</a:t>
+              <a:t>- 5</a:t>
             </a:r>
           </a:p>
         </p:txBody>
@@ -10446,7 +10239,21 @@
                 <a:latin typeface="D2Coding" panose="020B0609020101020101" pitchFamily="49" charset="-127"/>
                 <a:ea typeface="D2Coding" panose="020B0609020101020101" pitchFamily="49" charset="-127"/>
               </a:rPr>
-              <a:t>변경에 대응하기 좋은 아키텍처가 장기적으로 보면 좋을 수 있다</a:t>
+              <a:t>변경에 조금 더 좋은 설계를 기반으로 코드를 작성해볼 수 있는 것은 </a:t>
+            </a:r>
+            <a:r>
+              <a:rPr lang="en-US" altLang="ko-KR" b="1" dirty="0">
+                <a:latin typeface="D2Coding" panose="020B0609020101020101" pitchFamily="49" charset="-127"/>
+                <a:ea typeface="D2Coding" panose="020B0609020101020101" pitchFamily="49" charset="-127"/>
+              </a:rPr>
+              <a:t>Domain Model Pattern</a:t>
+            </a:r>
+            <a:r>
+              <a:rPr lang="ko-KR" altLang="en-US" b="1" dirty="0">
+                <a:latin typeface="D2Coding" panose="020B0609020101020101" pitchFamily="49" charset="-127"/>
+                <a:ea typeface="D2Coding" panose="020B0609020101020101" pitchFamily="49" charset="-127"/>
+              </a:rPr>
+              <a:t>이다</a:t>
             </a:r>
             <a:r>
               <a:rPr lang="en-US" altLang="ko-KR" b="1" dirty="0">
@@ -10461,7 +10268,7 @@
     </p:spTree>
     <p:extLst>
       <p:ext uri="{BB962C8B-B14F-4D97-AF65-F5344CB8AC3E}">
-        <p14:creationId xmlns:p14="http://schemas.microsoft.com/office/powerpoint/2010/main" val="938954606"/>
+        <p14:creationId xmlns:p14="http://schemas.microsoft.com/office/powerpoint/2010/main" val="2673000460"/>
       </p:ext>
     </p:extLst>
   </p:cSld>
@@ -10528,7 +10335,7 @@
                 <a:latin typeface="D2Coding" panose="020B0609020101020101" pitchFamily="49" charset="-127"/>
                 <a:ea typeface="D2Coding" panose="020B0609020101020101" pitchFamily="49" charset="-127"/>
               </a:rPr>
-              <a:t>- 5</a:t>
+              <a:t>- 6</a:t>
             </a:r>
           </a:p>
         </p:txBody>
@@ -10563,18 +10370,25 @@
           <a:p>
             <a:pPr algn="ctr"/>
             <a:r>
+              <a:rPr lang="en-US" altLang="ko-KR" b="1" dirty="0">
+                <a:latin typeface="D2Coding" panose="020B0609020101020101" pitchFamily="49" charset="-127"/>
+                <a:ea typeface="D2Coding" panose="020B0609020101020101" pitchFamily="49" charset="-127"/>
+              </a:rPr>
+              <a:t>Domain Model Pattern</a:t>
+            </a:r>
+            <a:r>
               <a:rPr lang="ko-KR" altLang="en-US" b="1" dirty="0">
                 <a:latin typeface="D2Coding" panose="020B0609020101020101" pitchFamily="49" charset="-127"/>
                 <a:ea typeface="D2Coding" panose="020B0609020101020101" pitchFamily="49" charset="-127"/>
               </a:rPr>
-              <a:t>변경에 조금 더 좋은 설계를 기반으로 코드를 작성해볼 수 있는 것은 </a:t>
+              <a:t>은 알고 보면 도메인 주도 개발</a:t>
             </a:r>
             <a:r>
               <a:rPr lang="en-US" altLang="ko-KR" b="1" dirty="0">
                 <a:latin typeface="D2Coding" panose="020B0609020101020101" pitchFamily="49" charset="-127"/>
                 <a:ea typeface="D2Coding" panose="020B0609020101020101" pitchFamily="49" charset="-127"/>
               </a:rPr>
-              <a:t>Domain Model Pattern</a:t>
+              <a:t>(DDD)</a:t>
             </a:r>
             <a:r>
               <a:rPr lang="ko-KR" altLang="en-US" b="1" dirty="0">
@@ -10596,7 +10410,7 @@
     </p:spTree>
     <p:extLst>
       <p:ext uri="{BB962C8B-B14F-4D97-AF65-F5344CB8AC3E}">
-        <p14:creationId xmlns:p14="http://schemas.microsoft.com/office/powerpoint/2010/main" val="2673000460"/>
+        <p14:creationId xmlns:p14="http://schemas.microsoft.com/office/powerpoint/2010/main" val="462075122"/>
       </p:ext>
     </p:extLst>
   </p:cSld>
@@ -10625,148 +10439,6 @@
       </p:grpSpPr>
       <p:sp>
         <p:nvSpPr>
-          <p:cNvPr id="3" name="TextBox 2">
-            <a:extLst>
-              <a:ext uri="{FF2B5EF4-FFF2-40B4-BE49-F238E27FC236}">
-                <a16:creationId xmlns:a16="http://schemas.microsoft.com/office/drawing/2014/main" id="{AA04A1C0-37DF-D426-F3E6-56FE4CFAB354}"/>
-              </a:ext>
-            </a:extLst>
-          </p:cNvPr>
-          <p:cNvSpPr txBox="1"/>
-          <p:nvPr/>
-        </p:nvSpPr>
-        <p:spPr>
-          <a:xfrm>
-            <a:off x="413464" y="385010"/>
-            <a:ext cx="1493541" cy="477054"/>
-          </a:xfrm>
-          <a:prstGeom prst="rect">
-            <a:avLst/>
-          </a:prstGeom>
-          <a:noFill/>
-        </p:spPr>
-        <p:txBody>
-          <a:bodyPr wrap="square" rtlCol="0">
-            <a:spAutoFit/>
-          </a:bodyPr>
-          <a:lstStyle/>
-          <a:p>
-            <a:r>
-              <a:rPr lang="ko-KR" altLang="en-US" sz="2500" b="1" dirty="0">
-                <a:latin typeface="D2Coding" panose="020B0609020101020101" pitchFamily="49" charset="-127"/>
-                <a:ea typeface="D2Coding" panose="020B0609020101020101" pitchFamily="49" charset="-127"/>
-              </a:rPr>
-              <a:t>결론 </a:t>
-            </a:r>
-            <a:r>
-              <a:rPr lang="en-US" altLang="ko-KR" sz="2500" b="1" dirty="0">
-                <a:latin typeface="D2Coding" panose="020B0609020101020101" pitchFamily="49" charset="-127"/>
-                <a:ea typeface="D2Coding" panose="020B0609020101020101" pitchFamily="49" charset="-127"/>
-              </a:rPr>
-              <a:t>- 6</a:t>
-            </a:r>
-          </a:p>
-        </p:txBody>
-      </p:sp>
-      <p:sp>
-        <p:nvSpPr>
-          <p:cNvPr id="2" name="TextBox 1">
-            <a:extLst>
-              <a:ext uri="{FF2B5EF4-FFF2-40B4-BE49-F238E27FC236}">
-                <a16:creationId xmlns:a16="http://schemas.microsoft.com/office/drawing/2014/main" id="{F87EC3CF-2F46-28F2-3DDA-C1461163B4C6}"/>
-              </a:ext>
-            </a:extLst>
-          </p:cNvPr>
-          <p:cNvSpPr txBox="1"/>
-          <p:nvPr/>
-        </p:nvSpPr>
-        <p:spPr>
-          <a:xfrm>
-            <a:off x="401242" y="3429000"/>
-            <a:ext cx="11389515" cy="369332"/>
-          </a:xfrm>
-          <a:prstGeom prst="rect">
-            <a:avLst/>
-          </a:prstGeom>
-          <a:noFill/>
-        </p:spPr>
-        <p:txBody>
-          <a:bodyPr wrap="square" rtlCol="0">
-            <a:spAutoFit/>
-          </a:bodyPr>
-          <a:lstStyle/>
-          <a:p>
-            <a:pPr algn="ctr"/>
-            <a:r>
-              <a:rPr lang="en-US" altLang="ko-KR" b="1" dirty="0">
-                <a:latin typeface="D2Coding" panose="020B0609020101020101" pitchFamily="49" charset="-127"/>
-                <a:ea typeface="D2Coding" panose="020B0609020101020101" pitchFamily="49" charset="-127"/>
-              </a:rPr>
-              <a:t>Domain Model Pattern</a:t>
-            </a:r>
-            <a:r>
-              <a:rPr lang="ko-KR" altLang="en-US" b="1" dirty="0">
-                <a:latin typeface="D2Coding" panose="020B0609020101020101" pitchFamily="49" charset="-127"/>
-                <a:ea typeface="D2Coding" panose="020B0609020101020101" pitchFamily="49" charset="-127"/>
-              </a:rPr>
-              <a:t>은 알고 보면 도메인 주도 개발</a:t>
-            </a:r>
-            <a:r>
-              <a:rPr lang="en-US" altLang="ko-KR" b="1" dirty="0">
-                <a:latin typeface="D2Coding" panose="020B0609020101020101" pitchFamily="49" charset="-127"/>
-                <a:ea typeface="D2Coding" panose="020B0609020101020101" pitchFamily="49" charset="-127"/>
-              </a:rPr>
-              <a:t>(DDD)</a:t>
-            </a:r>
-            <a:r>
-              <a:rPr lang="ko-KR" altLang="en-US" b="1" dirty="0">
-                <a:latin typeface="D2Coding" panose="020B0609020101020101" pitchFamily="49" charset="-127"/>
-                <a:ea typeface="D2Coding" panose="020B0609020101020101" pitchFamily="49" charset="-127"/>
-              </a:rPr>
-              <a:t>이다</a:t>
-            </a:r>
-            <a:r>
-              <a:rPr lang="en-US" altLang="ko-KR" b="1" dirty="0">
-                <a:latin typeface="D2Coding" panose="020B0609020101020101" pitchFamily="49" charset="-127"/>
-                <a:ea typeface="D2Coding" panose="020B0609020101020101" pitchFamily="49" charset="-127"/>
-              </a:rPr>
-              <a:t>.</a:t>
-            </a:r>
-          </a:p>
-        </p:txBody>
-      </p:sp>
-    </p:spTree>
-    <p:extLst>
-      <p:ext uri="{BB962C8B-B14F-4D97-AF65-F5344CB8AC3E}">
-        <p14:creationId xmlns:p14="http://schemas.microsoft.com/office/powerpoint/2010/main" val="462075122"/>
-      </p:ext>
-    </p:extLst>
-  </p:cSld>
-  <p:clrMapOvr>
-    <a:masterClrMapping/>
-  </p:clrMapOvr>
-</p:sld>
-</file>
-
-<file path=ppt/slides/slide46.xml><?xml version="1.0" encoding="utf-8"?>
-<p:sld xmlns:a="http://schemas.openxmlformats.org/drawingml/2006/main" xmlns:r="http://schemas.openxmlformats.org/officeDocument/2006/relationships" xmlns:p="http://schemas.openxmlformats.org/presentationml/2006/main">
-  <p:cSld>
-    <p:spTree>
-      <p:nvGrpSpPr>
-        <p:cNvPr id="1" name=""/>
-        <p:cNvGrpSpPr/>
-        <p:nvPr/>
-      </p:nvGrpSpPr>
-      <p:grpSpPr>
-        <a:xfrm>
-          <a:off x="0" y="0"/>
-          <a:ext cx="0" cy="0"/>
-          <a:chOff x="0" y="0"/>
-          <a:chExt cx="0" cy="0"/>
-        </a:xfrm>
-      </p:grpSpPr>
-      <p:sp>
-        <p:nvSpPr>
           <p:cNvPr id="22" name="직사각형 21">
             <a:extLst>
               <a:ext uri="{FF2B5EF4-FFF2-40B4-BE49-F238E27FC236}">
@@ -11363,7 +11035,7 @@
 </p:sld>
 </file>
 
-<file path=ppt/slides/slide47.xml><?xml version="1.0" encoding="utf-8"?>
+<file path=ppt/slides/slide46.xml><?xml version="1.0" encoding="utf-8"?>
 <p:sld xmlns:a="http://schemas.openxmlformats.org/drawingml/2006/main" xmlns:r="http://schemas.openxmlformats.org/officeDocument/2006/relationships" xmlns:p="http://schemas.openxmlformats.org/presentationml/2006/main">
   <p:cSld>
     <p:spTree>

--- a/RealOOP.pptx
+++ b/RealOOP.pptx
@@ -51,6 +51,7 @@
     <p:sldId id="306" r:id="rId45"/>
     <p:sldId id="301" r:id="rId46"/>
     <p:sldId id="300" r:id="rId47"/>
+    <p:sldId id="307" r:id="rId48"/>
   </p:sldIdLst>
   <p:sldSz cx="12192000" cy="6858000"/>
   <p:notesSz cx="6858000" cy="9144000"/>
@@ -10451,7 +10452,7 @@
         </p:nvSpPr>
         <p:spPr>
           <a:xfrm>
-            <a:off x="2671011" y="956511"/>
+            <a:off x="2562727" y="1088858"/>
             <a:ext cx="7561847" cy="5594684"/>
           </a:xfrm>
           <a:prstGeom prst="rect">
@@ -10547,7 +10548,7 @@
         </p:nvSpPr>
         <p:spPr>
           <a:xfrm>
-            <a:off x="3074069" y="1401679"/>
+            <a:off x="2965785" y="1534026"/>
             <a:ext cx="6689557" cy="4578015"/>
           </a:xfrm>
           <a:prstGeom prst="rect">
@@ -10602,7 +10603,7 @@
         </p:nvSpPr>
         <p:spPr>
           <a:xfrm>
-            <a:off x="5676899" y="365087"/>
+            <a:off x="5568615" y="497434"/>
             <a:ext cx="1303421" cy="430887"/>
           </a:xfrm>
           <a:prstGeom prst="rect">
@@ -10640,7 +10641,7 @@
         </p:nvSpPr>
         <p:spPr>
           <a:xfrm>
-            <a:off x="5510464" y="4665427"/>
+            <a:off x="5402180" y="4797774"/>
             <a:ext cx="1937084" cy="369332"/>
           </a:xfrm>
           <a:prstGeom prst="rect">
@@ -10682,7 +10683,7 @@
         </p:nvSpPr>
         <p:spPr>
           <a:xfrm>
-            <a:off x="4313132" y="2230673"/>
+            <a:off x="4204848" y="2363020"/>
             <a:ext cx="4211430" cy="369332"/>
           </a:xfrm>
           <a:prstGeom prst="rect">
@@ -10741,7 +10742,7 @@
         </p:nvSpPr>
         <p:spPr>
           <a:xfrm>
-            <a:off x="6137443" y="3752628"/>
+            <a:off x="6029159" y="3884975"/>
             <a:ext cx="683126" cy="369332"/>
           </a:xfrm>
           <a:prstGeom prst="rect">
@@ -10779,7 +10780,7 @@
         </p:nvSpPr>
         <p:spPr>
           <a:xfrm>
-            <a:off x="3074069" y="4448402"/>
+            <a:off x="2965785" y="4580749"/>
             <a:ext cx="6689557" cy="803382"/>
           </a:xfrm>
           <a:prstGeom prst="rect">
@@ -10831,7 +10832,7 @@
         </p:nvSpPr>
         <p:spPr>
           <a:xfrm>
-            <a:off x="3074069" y="3428999"/>
+            <a:off x="2965785" y="3561346"/>
             <a:ext cx="6689557" cy="1015943"/>
           </a:xfrm>
           <a:prstGeom prst="rect">
@@ -10883,7 +10884,7 @@
         </p:nvSpPr>
         <p:spPr>
           <a:xfrm>
-            <a:off x="5388643" y="5437086"/>
+            <a:off x="5280359" y="5569433"/>
             <a:ext cx="2287504" cy="369332"/>
           </a:xfrm>
           <a:prstGeom prst="rect">
@@ -10932,7 +10933,7 @@
         </p:nvSpPr>
         <p:spPr>
           <a:xfrm>
-            <a:off x="3074069" y="5251783"/>
+            <a:off x="2965785" y="5384130"/>
             <a:ext cx="6689557" cy="727911"/>
           </a:xfrm>
           <a:prstGeom prst="rect">
@@ -10984,7 +10985,7 @@
         </p:nvSpPr>
         <p:spPr>
           <a:xfrm>
-            <a:off x="3074069" y="1405412"/>
+            <a:off x="2965785" y="1537759"/>
             <a:ext cx="6689557" cy="2026143"/>
           </a:xfrm>
           <a:prstGeom prst="rect">
@@ -11277,6 +11278,194 @@
     <p:extLst>
       <p:ext uri="{BB962C8B-B14F-4D97-AF65-F5344CB8AC3E}">
         <p14:creationId xmlns:p14="http://schemas.microsoft.com/office/powerpoint/2010/main" val="1999180324"/>
+      </p:ext>
+    </p:extLst>
+  </p:cSld>
+  <p:clrMapOvr>
+    <a:masterClrMapping/>
+  </p:clrMapOvr>
+</p:sld>
+</file>
+
+<file path=ppt/slides/slide47.xml><?xml version="1.0" encoding="utf-8"?>
+<p:sld xmlns:a="http://schemas.openxmlformats.org/drawingml/2006/main" xmlns:r="http://schemas.openxmlformats.org/officeDocument/2006/relationships" xmlns:p="http://schemas.openxmlformats.org/presentationml/2006/main">
+  <p:cSld>
+    <p:spTree>
+      <p:nvGrpSpPr>
+        <p:cNvPr id="1" name=""/>
+        <p:cNvGrpSpPr/>
+        <p:nvPr/>
+      </p:nvGrpSpPr>
+      <p:grpSpPr>
+        <a:xfrm>
+          <a:off x="0" y="0"/>
+          <a:ext cx="0" cy="0"/>
+          <a:chOff x="0" y="0"/>
+          <a:chExt cx="0" cy="0"/>
+        </a:xfrm>
+      </p:grpSpPr>
+      <p:sp>
+        <p:nvSpPr>
+          <p:cNvPr id="3" name="TextBox 2">
+            <a:extLst>
+              <a:ext uri="{FF2B5EF4-FFF2-40B4-BE49-F238E27FC236}">
+                <a16:creationId xmlns:a16="http://schemas.microsoft.com/office/drawing/2014/main" id="{AA04A1C0-37DF-D426-F3E6-56FE4CFAB354}"/>
+              </a:ext>
+            </a:extLst>
+          </p:cNvPr>
+          <p:cNvSpPr txBox="1"/>
+          <p:nvPr/>
+        </p:nvSpPr>
+        <p:spPr>
+          <a:xfrm>
+            <a:off x="413464" y="385010"/>
+            <a:ext cx="8977183" cy="477054"/>
+          </a:xfrm>
+          <a:prstGeom prst="rect">
+            <a:avLst/>
+          </a:prstGeom>
+          <a:noFill/>
+        </p:spPr>
+        <p:txBody>
+          <a:bodyPr wrap="square" rtlCol="0">
+            <a:spAutoFit/>
+          </a:bodyPr>
+          <a:lstStyle/>
+          <a:p>
+            <a:r>
+              <a:rPr lang="ko-KR" altLang="en-US" sz="2500" b="1" dirty="0">
+                <a:latin typeface="D2Coding" panose="020B0609020101020101" pitchFamily="49" charset="-127"/>
+                <a:ea typeface="D2Coding" panose="020B0609020101020101" pitchFamily="49" charset="-127"/>
+              </a:rPr>
+              <a:t>참고자료</a:t>
+            </a:r>
+            <a:endParaRPr lang="en-US" altLang="ko-KR" sz="2500" b="1" dirty="0">
+              <a:latin typeface="D2Coding" panose="020B0609020101020101" pitchFamily="49" charset="-127"/>
+              <a:ea typeface="D2Coding" panose="020B0609020101020101" pitchFamily="49" charset="-127"/>
+            </a:endParaRPr>
+          </a:p>
+        </p:txBody>
+      </p:sp>
+      <p:sp>
+        <p:nvSpPr>
+          <p:cNvPr id="2" name="TextBox 1">
+            <a:extLst>
+              <a:ext uri="{FF2B5EF4-FFF2-40B4-BE49-F238E27FC236}">
+                <a16:creationId xmlns:a16="http://schemas.microsoft.com/office/drawing/2014/main" id="{F87EC3CF-2F46-28F2-3DDA-C1461163B4C6}"/>
+              </a:ext>
+            </a:extLst>
+          </p:cNvPr>
+          <p:cNvSpPr txBox="1"/>
+          <p:nvPr/>
+        </p:nvSpPr>
+        <p:spPr>
+          <a:xfrm>
+            <a:off x="154785" y="2413337"/>
+            <a:ext cx="11389515" cy="1200329"/>
+          </a:xfrm>
+          <a:prstGeom prst="rect">
+            <a:avLst/>
+          </a:prstGeom>
+          <a:noFill/>
+        </p:spPr>
+        <p:txBody>
+          <a:bodyPr wrap="square" rtlCol="0">
+            <a:spAutoFit/>
+          </a:bodyPr>
+          <a:lstStyle/>
+          <a:p>
+            <a:pPr algn="ctr"/>
+            <a:r>
+              <a:rPr lang="en-US" altLang="ko-KR" b="1" dirty="0">
+                <a:latin typeface="D2Coding" panose="020B0609020101020101" pitchFamily="49" charset="-127"/>
+                <a:ea typeface="D2Coding" panose="020B0609020101020101" pitchFamily="49" charset="-127"/>
+                <a:hlinkClick r:id="rId2"/>
+              </a:rPr>
+              <a:t>[KSUG Seminar] Growing Application - 2nd. </a:t>
+            </a:r>
+            <a:r>
+              <a:rPr lang="ko-KR" altLang="en-US" b="1" dirty="0">
+                <a:latin typeface="D2Coding" panose="020B0609020101020101" pitchFamily="49" charset="-127"/>
+                <a:ea typeface="D2Coding" panose="020B0609020101020101" pitchFamily="49" charset="-127"/>
+                <a:hlinkClick r:id="rId2"/>
+              </a:rPr>
+              <a:t>애플리케이션 아키텍처와 객체지향</a:t>
+            </a:r>
+            <a:endParaRPr lang="en-US" altLang="ko-KR" b="1" dirty="0">
+              <a:latin typeface="D2Coding" panose="020B0609020101020101" pitchFamily="49" charset="-127"/>
+              <a:ea typeface="D2Coding" panose="020B0609020101020101" pitchFamily="49" charset="-127"/>
+              <a:hlinkClick r:id="rId2"/>
+            </a:endParaRPr>
+          </a:p>
+          <a:p>
+            <a:pPr algn="ctr"/>
+            <a:endParaRPr lang="en-US" altLang="ko-KR" b="1" dirty="0">
+              <a:latin typeface="D2Coding" panose="020B0609020101020101" pitchFamily="49" charset="-127"/>
+              <a:ea typeface="D2Coding" panose="020B0609020101020101" pitchFamily="49" charset="-127"/>
+              <a:hlinkClick r:id="rId2"/>
+            </a:endParaRPr>
+          </a:p>
+          <a:p>
+            <a:pPr algn="ctr"/>
+            <a:endParaRPr lang="en-US" altLang="ko-KR" b="1" dirty="0">
+              <a:latin typeface="D2Coding" panose="020B0609020101020101" pitchFamily="49" charset="-127"/>
+              <a:ea typeface="D2Coding" panose="020B0609020101020101" pitchFamily="49" charset="-127"/>
+              <a:hlinkClick r:id="rId2"/>
+            </a:endParaRPr>
+          </a:p>
+          <a:p>
+            <a:pPr algn="ctr"/>
+            <a:r>
+              <a:rPr lang="ko-KR" altLang="en-US" b="1" dirty="0">
+                <a:latin typeface="D2Coding" panose="020B0609020101020101" pitchFamily="49" charset="-127"/>
+                <a:ea typeface="D2Coding" panose="020B0609020101020101" pitchFamily="49" charset="-127"/>
+                <a:hlinkClick r:id="rId2"/>
+              </a:rPr>
+              <a:t> </a:t>
+            </a:r>
+            <a:r>
+              <a:rPr lang="en-US" altLang="ko-KR" b="1" dirty="0">
+                <a:latin typeface="D2Coding" panose="020B0609020101020101" pitchFamily="49" charset="-127"/>
+                <a:ea typeface="D2Coding" panose="020B0609020101020101" pitchFamily="49" charset="-127"/>
+                <a:hlinkClick r:id="rId2"/>
+              </a:rPr>
+              <a:t>[SpringCamp2013] ORM </a:t>
+            </a:r>
+            <a:r>
+              <a:rPr lang="ko-KR" altLang="en-US" b="1" dirty="0">
+                <a:latin typeface="D2Coding" panose="020B0609020101020101" pitchFamily="49" charset="-127"/>
+                <a:ea typeface="D2Coding" panose="020B0609020101020101" pitchFamily="49" charset="-127"/>
+                <a:hlinkClick r:id="rId2"/>
+              </a:rPr>
+              <a:t>프레임워크를 활용할 때의 설계</a:t>
+            </a:r>
+            <a:r>
+              <a:rPr lang="en-US" altLang="ko-KR" b="1" dirty="0">
+                <a:latin typeface="D2Coding" panose="020B0609020101020101" pitchFamily="49" charset="-127"/>
+                <a:ea typeface="D2Coding" panose="020B0609020101020101" pitchFamily="49" charset="-127"/>
+                <a:hlinkClick r:id="rId2"/>
+              </a:rPr>
+              <a:t>, </a:t>
+            </a:r>
+            <a:r>
+              <a:rPr lang="ko-KR" altLang="en-US" b="1" dirty="0">
+                <a:latin typeface="D2Coding" panose="020B0609020101020101" pitchFamily="49" charset="-127"/>
+                <a:ea typeface="D2Coding" panose="020B0609020101020101" pitchFamily="49" charset="-127"/>
+                <a:hlinkClick r:id="rId2"/>
+              </a:rPr>
+              <a:t>개발 프로세스 </a:t>
+            </a:r>
+            <a:endParaRPr lang="en-US" altLang="ko-KR" b="1" dirty="0">
+              <a:latin typeface="D2Coding" panose="020B0609020101020101" pitchFamily="49" charset="-127"/>
+              <a:ea typeface="D2Coding" panose="020B0609020101020101" pitchFamily="49" charset="-127"/>
+            </a:endParaRPr>
+          </a:p>
+        </p:txBody>
+      </p:sp>
+    </p:spTree>
+    <p:extLst>
+      <p:ext uri="{BB962C8B-B14F-4D97-AF65-F5344CB8AC3E}">
+        <p14:creationId xmlns:p14="http://schemas.microsoft.com/office/powerpoint/2010/main" val="3746164950"/>
       </p:ext>
     </p:extLst>
   </p:cSld>

--- a/RealOOP.pptx
+++ b/RealOOP.pptx
@@ -5,7 +5,7 @@
     <p:sldMasterId id="2147483648" r:id="rId1"/>
   </p:sldMasterIdLst>
   <p:sldIdLst>
-    <p:sldId id="259" r:id="rId2"/>
+    <p:sldId id="318" r:id="rId2"/>
     <p:sldId id="260" r:id="rId3"/>
     <p:sldId id="261" r:id="rId4"/>
     <p:sldId id="262" r:id="rId5"/>
@@ -24,40 +24,41 @@
     <p:sldId id="317" r:id="rId18"/>
     <p:sldId id="271" r:id="rId19"/>
     <p:sldId id="272" r:id="rId20"/>
-    <p:sldId id="273" r:id="rId21"/>
-    <p:sldId id="274" r:id="rId22"/>
-    <p:sldId id="275" r:id="rId23"/>
-    <p:sldId id="276" r:id="rId24"/>
-    <p:sldId id="277" r:id="rId25"/>
-    <p:sldId id="278" r:id="rId26"/>
-    <p:sldId id="279" r:id="rId27"/>
-    <p:sldId id="281" r:id="rId28"/>
-    <p:sldId id="282" r:id="rId29"/>
-    <p:sldId id="283" r:id="rId30"/>
-    <p:sldId id="284" r:id="rId31"/>
-    <p:sldId id="285" r:id="rId32"/>
-    <p:sldId id="286" r:id="rId33"/>
-    <p:sldId id="287" r:id="rId34"/>
-    <p:sldId id="288" r:id="rId35"/>
-    <p:sldId id="290" r:id="rId36"/>
-    <p:sldId id="310" r:id="rId37"/>
-    <p:sldId id="311" r:id="rId38"/>
-    <p:sldId id="293" r:id="rId39"/>
-    <p:sldId id="294" r:id="rId40"/>
-    <p:sldId id="295" r:id="rId41"/>
-    <p:sldId id="296" r:id="rId42"/>
-    <p:sldId id="297" r:id="rId43"/>
-    <p:sldId id="298" r:id="rId44"/>
-    <p:sldId id="309" r:id="rId45"/>
-    <p:sldId id="299" r:id="rId46"/>
-    <p:sldId id="302" r:id="rId47"/>
-    <p:sldId id="303" r:id="rId48"/>
-    <p:sldId id="304" r:id="rId49"/>
-    <p:sldId id="305" r:id="rId50"/>
-    <p:sldId id="306" r:id="rId51"/>
-    <p:sldId id="301" r:id="rId52"/>
-    <p:sldId id="300" r:id="rId53"/>
-    <p:sldId id="307" r:id="rId54"/>
+    <p:sldId id="332" r:id="rId21"/>
+    <p:sldId id="334" r:id="rId22"/>
+    <p:sldId id="274" r:id="rId23"/>
+    <p:sldId id="275" r:id="rId24"/>
+    <p:sldId id="276" r:id="rId25"/>
+    <p:sldId id="277" r:id="rId26"/>
+    <p:sldId id="278" r:id="rId27"/>
+    <p:sldId id="279" r:id="rId28"/>
+    <p:sldId id="281" r:id="rId29"/>
+    <p:sldId id="282" r:id="rId30"/>
+    <p:sldId id="283" r:id="rId31"/>
+    <p:sldId id="284" r:id="rId32"/>
+    <p:sldId id="329" r:id="rId33"/>
+    <p:sldId id="286" r:id="rId34"/>
+    <p:sldId id="287" r:id="rId35"/>
+    <p:sldId id="288" r:id="rId36"/>
+    <p:sldId id="290" r:id="rId37"/>
+    <p:sldId id="310" r:id="rId38"/>
+    <p:sldId id="311" r:id="rId39"/>
+    <p:sldId id="293" r:id="rId40"/>
+    <p:sldId id="294" r:id="rId41"/>
+    <p:sldId id="295" r:id="rId42"/>
+    <p:sldId id="296" r:id="rId43"/>
+    <p:sldId id="297" r:id="rId44"/>
+    <p:sldId id="298" r:id="rId45"/>
+    <p:sldId id="309" r:id="rId46"/>
+    <p:sldId id="299" r:id="rId47"/>
+    <p:sldId id="302" r:id="rId48"/>
+    <p:sldId id="303" r:id="rId49"/>
+    <p:sldId id="304" r:id="rId50"/>
+    <p:sldId id="305" r:id="rId51"/>
+    <p:sldId id="306" r:id="rId52"/>
+    <p:sldId id="301" r:id="rId53"/>
+    <p:sldId id="300" r:id="rId54"/>
+    <p:sldId id="307" r:id="rId55"/>
   </p:sldIdLst>
   <p:sldSz cx="12192000" cy="6858000"/>
   <p:notesSz cx="6858000" cy="9144000"/>
@@ -3378,50 +3379,12 @@
           <a:chExt cx="0" cy="0"/>
         </a:xfrm>
       </p:grpSpPr>
-      <p:sp>
-        <p:nvSpPr>
-          <p:cNvPr id="2" name="TextBox 1">
-            <a:extLst>
-              <a:ext uri="{FF2B5EF4-FFF2-40B4-BE49-F238E27FC236}">
-                <a16:creationId xmlns:a16="http://schemas.microsoft.com/office/drawing/2014/main" id="{3E2E3394-7694-118E-9C49-4646A68FBE05}"/>
-              </a:ext>
-            </a:extLst>
-          </p:cNvPr>
-          <p:cNvSpPr txBox="1"/>
-          <p:nvPr/>
-        </p:nvSpPr>
-        <p:spPr>
-          <a:xfrm>
-            <a:off x="3675647" y="513895"/>
-            <a:ext cx="5624763" cy="707886"/>
-          </a:xfrm>
-          <a:prstGeom prst="rect">
-            <a:avLst/>
-          </a:prstGeom>
-          <a:noFill/>
-        </p:spPr>
-        <p:txBody>
-          <a:bodyPr wrap="square" rtlCol="0">
-            <a:spAutoFit/>
-          </a:bodyPr>
-          <a:lstStyle/>
-          <a:p>
-            <a:r>
-              <a:rPr lang="ko-KR" altLang="en-US" sz="4000" b="1" dirty="0">
-                <a:latin typeface="D2Coding" panose="020B0609020101020101" pitchFamily="49" charset="-127"/>
-                <a:ea typeface="D2Coding" panose="020B0609020101020101" pitchFamily="49" charset="-127"/>
-              </a:rPr>
-              <a:t>객체지향을 지향하기</a:t>
-            </a:r>
-          </a:p>
-        </p:txBody>
-      </p:sp>
       <p:pic>
         <p:nvPicPr>
-          <p:cNvPr id="20" name="그림 19" descr="도표이(가) 표시된 사진&#10;&#10;자동 생성된 설명">
-            <a:extLst>
-              <a:ext uri="{FF2B5EF4-FFF2-40B4-BE49-F238E27FC236}">
-                <a16:creationId xmlns:a16="http://schemas.microsoft.com/office/drawing/2014/main" id="{377A27FD-43D4-73C9-60C8-2516FA61F97B}"/>
+          <p:cNvPr id="10" name="그림 9" descr="야외, 하늘, 산, 눈이(가) 표시된 사진&#10;&#10;자동 생성된 설명">
+            <a:extLst>
+              <a:ext uri="{FF2B5EF4-FFF2-40B4-BE49-F238E27FC236}">
+                <a16:creationId xmlns:a16="http://schemas.microsoft.com/office/drawing/2014/main" id="{8C5BB3E9-6B71-026A-D31D-84E69C68E5A4}"/>
               </a:ext>
             </a:extLst>
           </p:cNvPr>
@@ -3444,8 +3407,8 @@
         </p:blipFill>
         <p:spPr>
           <a:xfrm>
-            <a:off x="3238500" y="1692382"/>
-            <a:ext cx="5715000" cy="4219575"/>
+            <a:off x="0" y="-1"/>
+            <a:ext cx="12192000" cy="6856665"/>
           </a:xfrm>
           <a:prstGeom prst="rect">
             <a:avLst/>
@@ -3454,10 +3417,10 @@
       </p:pic>
       <p:sp>
         <p:nvSpPr>
-          <p:cNvPr id="3" name="TextBox 2">
-            <a:extLst>
-              <a:ext uri="{FF2B5EF4-FFF2-40B4-BE49-F238E27FC236}">
-                <a16:creationId xmlns:a16="http://schemas.microsoft.com/office/drawing/2014/main" id="{214C544F-984A-DD79-3714-7308BCAF39F9}"/>
+          <p:cNvPr id="2" name="TextBox 1">
+            <a:extLst>
+              <a:ext uri="{FF2B5EF4-FFF2-40B4-BE49-F238E27FC236}">
+                <a16:creationId xmlns:a16="http://schemas.microsoft.com/office/drawing/2014/main" id="{3E2E3394-7694-118E-9C49-4646A68FBE05}"/>
               </a:ext>
             </a:extLst>
           </p:cNvPr>
@@ -3466,8 +3429,8 @@
         </p:nvSpPr>
         <p:spPr>
           <a:xfrm>
-            <a:off x="8953500" y="1221781"/>
-            <a:ext cx="1038725" cy="400110"/>
+            <a:off x="3681665" y="1394722"/>
+            <a:ext cx="4150894" cy="707886"/>
           </a:xfrm>
           <a:prstGeom prst="rect">
             <a:avLst/>
@@ -3481,6 +3444,44 @@
           <a:lstStyle/>
           <a:p>
             <a:r>
+              <a:rPr lang="ko-KR" altLang="en-US" sz="4000" b="1" dirty="0">
+                <a:latin typeface="카카오 Bold" panose="020B0600000101010101" pitchFamily="50" charset="-127"/>
+                <a:ea typeface="카카오 Bold" panose="020B0600000101010101" pitchFamily="50" charset="-127"/>
+              </a:rPr>
+              <a:t>객체지향을 지향하기</a:t>
+            </a:r>
+          </a:p>
+        </p:txBody>
+      </p:sp>
+      <p:sp>
+        <p:nvSpPr>
+          <p:cNvPr id="3" name="TextBox 2">
+            <a:extLst>
+              <a:ext uri="{FF2B5EF4-FFF2-40B4-BE49-F238E27FC236}">
+                <a16:creationId xmlns:a16="http://schemas.microsoft.com/office/drawing/2014/main" id="{214C544F-984A-DD79-3714-7308BCAF39F9}"/>
+              </a:ext>
+            </a:extLst>
+          </p:cNvPr>
+          <p:cNvSpPr txBox="1"/>
+          <p:nvPr/>
+        </p:nvSpPr>
+        <p:spPr>
+          <a:xfrm>
+            <a:off x="7912771" y="2102608"/>
+            <a:ext cx="1038725" cy="400110"/>
+          </a:xfrm>
+          <a:prstGeom prst="rect">
+            <a:avLst/>
+          </a:prstGeom>
+          <a:noFill/>
+        </p:spPr>
+        <p:txBody>
+          <a:bodyPr wrap="square" rtlCol="0">
+            <a:spAutoFit/>
+          </a:bodyPr>
+          <a:lstStyle/>
+          <a:p>
+            <a:r>
               <a:rPr lang="ko-KR" altLang="en-US" sz="2000" b="1" dirty="0">
                 <a:latin typeface="D2Coding" panose="020B0609020101020101" pitchFamily="49" charset="-127"/>
                 <a:ea typeface="D2Coding" panose="020B0609020101020101" pitchFamily="49" charset="-127"/>
@@ -3493,7 +3494,7 @@
     </p:spTree>
     <p:extLst>
       <p:ext uri="{BB962C8B-B14F-4D97-AF65-F5344CB8AC3E}">
-        <p14:creationId xmlns:p14="http://schemas.microsoft.com/office/powerpoint/2010/main" val="4078506558"/>
+        <p14:creationId xmlns:p14="http://schemas.microsoft.com/office/powerpoint/2010/main" val="870172407"/>
       </p:ext>
     </p:extLst>
   </p:cSld>
@@ -4999,6 +5000,97 @@
           <a:chExt cx="0" cy="0"/>
         </a:xfrm>
       </p:grpSpPr>
+      <p:pic>
+        <p:nvPicPr>
+          <p:cNvPr id="8" name="그림 7" descr="야외, 하늘, 산, 눈이(가) 표시된 사진&#10;&#10;자동 생성된 설명">
+            <a:extLst>
+              <a:ext uri="{FF2B5EF4-FFF2-40B4-BE49-F238E27FC236}">
+                <a16:creationId xmlns:a16="http://schemas.microsoft.com/office/drawing/2014/main" id="{2486C56C-BE37-FECB-A2FC-6E1A05D8D0DD}"/>
+              </a:ext>
+            </a:extLst>
+          </p:cNvPr>
+          <p:cNvPicPr>
+            <a:picLocks noChangeAspect="1"/>
+          </p:cNvPicPr>
+          <p:nvPr/>
+        </p:nvPicPr>
+        <p:blipFill>
+          <a:blip r:embed="rId2">
+            <a:extLst>
+              <a:ext uri="{28A0092B-C50C-407E-A947-70E740481C1C}">
+                <a14:useLocalDpi xmlns:a14="http://schemas.microsoft.com/office/drawing/2010/main" val="0"/>
+              </a:ext>
+            </a:extLst>
+          </a:blip>
+          <a:stretch>
+            <a:fillRect/>
+          </a:stretch>
+        </p:blipFill>
+        <p:spPr>
+          <a:xfrm>
+            <a:off x="0" y="-1"/>
+            <a:ext cx="12192000" cy="6856665"/>
+          </a:xfrm>
+          <a:prstGeom prst="rect">
+            <a:avLst/>
+          </a:prstGeom>
+          <a:noFill/>
+        </p:spPr>
+      </p:pic>
+      <p:sp>
+        <p:nvSpPr>
+          <p:cNvPr id="9" name="직사각형 8">
+            <a:extLst>
+              <a:ext uri="{FF2B5EF4-FFF2-40B4-BE49-F238E27FC236}">
+                <a16:creationId xmlns:a16="http://schemas.microsoft.com/office/drawing/2014/main" id="{1B6ABDDC-F3C3-37F8-0BED-D885BB818044}"/>
+              </a:ext>
+            </a:extLst>
+          </p:cNvPr>
+          <p:cNvSpPr/>
+          <p:nvPr/>
+        </p:nvSpPr>
+        <p:spPr>
+          <a:xfrm>
+            <a:off x="0" y="0"/>
+            <a:ext cx="12192000" cy="6858000"/>
+          </a:xfrm>
+          <a:prstGeom prst="rect">
+            <a:avLst/>
+          </a:prstGeom>
+          <a:solidFill>
+            <a:schemeClr val="bg1">
+              <a:alpha val="17000"/>
+            </a:schemeClr>
+          </a:solidFill>
+          <a:ln>
+            <a:noFill/>
+          </a:ln>
+        </p:spPr>
+        <p:style>
+          <a:lnRef idx="2">
+            <a:schemeClr val="accent1">
+              <a:shade val="50000"/>
+            </a:schemeClr>
+          </a:lnRef>
+          <a:fillRef idx="1">
+            <a:schemeClr val="accent1"/>
+          </a:fillRef>
+          <a:effectRef idx="0">
+            <a:schemeClr val="accent1"/>
+          </a:effectRef>
+          <a:fontRef idx="minor">
+            <a:schemeClr val="lt1"/>
+          </a:fontRef>
+        </p:style>
+        <p:txBody>
+          <a:bodyPr rtlCol="0" anchor="ctr"/>
+          <a:lstStyle/>
+          <a:p>
+            <a:pPr algn="ctr"/>
+            <a:endParaRPr lang="ko-KR" altLang="en-US"/>
+          </a:p>
+        </p:txBody>
+      </p:sp>
       <p:sp>
         <p:nvSpPr>
           <p:cNvPr id="2" name="TextBox 1">
@@ -5317,33 +5409,23 @@
           <a:lstStyle/>
           <a:p>
             <a:r>
-              <a:rPr lang="en-US" altLang="ko-KR" sz="2500" b="1" dirty="0">
-                <a:latin typeface="D2Coding" panose="020B0609020101020101" pitchFamily="49" charset="-127"/>
-                <a:ea typeface="D2Coding" panose="020B0609020101020101" pitchFamily="49" charset="-127"/>
-              </a:rPr>
-              <a:t>Domain Model Pattern – </a:t>
-            </a:r>
-            <a:r>
-              <a:rPr lang="en-US" altLang="ko-KR" sz="2500" b="1" dirty="0" err="1">
-                <a:latin typeface="D2Coding" panose="020B0609020101020101" pitchFamily="49" charset="-127"/>
-                <a:ea typeface="D2Coding" panose="020B0609020101020101" pitchFamily="49" charset="-127"/>
-              </a:rPr>
-              <a:t>DiscountStrategy</a:t>
-            </a:r>
-            <a:r>
-              <a:rPr lang="en-US" altLang="ko-KR" sz="2500" b="1" dirty="0">
-                <a:latin typeface="D2Coding" panose="020B0609020101020101" pitchFamily="49" charset="-127"/>
-                <a:ea typeface="D2Coding" panose="020B0609020101020101" pitchFamily="49" charset="-127"/>
-              </a:rPr>
-              <a:t> </a:t>
-            </a:r>
-            <a:r>
-              <a:rPr lang="ko-KR" altLang="en-US" sz="2500" b="1" dirty="0">
+              <a:rPr lang="en-US" altLang="ko-KR" sz="2500" b="1">
+                <a:latin typeface="D2Coding" panose="020B0609020101020101" pitchFamily="49" charset="-127"/>
+                <a:ea typeface="D2Coding" panose="020B0609020101020101" pitchFamily="49" charset="-127"/>
+              </a:rPr>
+              <a:t>Domain Model Pattern – Discount Strategy </a:t>
+            </a:r>
+            <a:r>
+              <a:rPr lang="ko-KR" altLang="en-US" sz="2500" b="1">
                 <a:latin typeface="D2Coding" panose="020B0609020101020101" pitchFamily="49" charset="-127"/>
                 <a:ea typeface="D2Coding" panose="020B0609020101020101" pitchFamily="49" charset="-127"/>
               </a:rPr>
               <a:t>구현</a:t>
             </a:r>
+            <a:endParaRPr lang="ko-KR" altLang="en-US" sz="2500" b="1" dirty="0">
+              <a:latin typeface="D2Coding" panose="020B0609020101020101" pitchFamily="49" charset="-127"/>
+              <a:ea typeface="D2Coding" panose="020B0609020101020101" pitchFamily="49" charset="-127"/>
+            </a:endParaRPr>
           </a:p>
         </p:txBody>
       </p:sp>
@@ -5352,7 +5434,7 @@
           <p:cNvPr id="5" name="그림 4">
             <a:extLst>
               <a:ext uri="{FF2B5EF4-FFF2-40B4-BE49-F238E27FC236}">
-                <a16:creationId xmlns:a16="http://schemas.microsoft.com/office/drawing/2014/main" id="{2190CFAF-C683-6C84-A621-C38A0223E4CF}"/>
+                <a16:creationId xmlns:a16="http://schemas.microsoft.com/office/drawing/2014/main" id="{DBD796AE-EE71-DA83-1D54-B9B7CD8AC318}"/>
               </a:ext>
             </a:extLst>
           </p:cNvPr>
@@ -5369,8 +5451,8 @@
         </p:blipFill>
         <p:spPr>
           <a:xfrm>
-            <a:off x="2968470" y="838002"/>
-            <a:ext cx="6026460" cy="5912154"/>
+            <a:off x="3080769" y="831364"/>
+            <a:ext cx="5874052" cy="5893103"/>
           </a:xfrm>
           <a:prstGeom prst="rect">
             <a:avLst/>
@@ -5380,7 +5462,7 @@
     </p:spTree>
     <p:extLst>
       <p:ext uri="{BB962C8B-B14F-4D97-AF65-F5344CB8AC3E}">
-        <p14:creationId xmlns:p14="http://schemas.microsoft.com/office/powerpoint/2010/main" val="479668477"/>
+        <p14:creationId xmlns:p14="http://schemas.microsoft.com/office/powerpoint/2010/main" val="4016443301"/>
       </p:ext>
     </p:extLst>
   </p:cSld>
@@ -5422,7 +5504,7 @@
         <p:spPr>
           <a:xfrm>
             <a:off x="275101" y="258679"/>
-            <a:ext cx="7431125" cy="477054"/>
+            <a:ext cx="8790694" cy="477054"/>
           </a:xfrm>
           <a:prstGeom prst="rect">
             <a:avLst/>
@@ -5436,28 +5518,32 @@
           <a:lstStyle/>
           <a:p>
             <a:r>
-              <a:rPr lang="en-US" altLang="ko-KR" sz="2500" b="1" dirty="0">
-                <a:latin typeface="D2Coding" panose="020B0609020101020101" pitchFamily="49" charset="-127"/>
-                <a:ea typeface="D2Coding" panose="020B0609020101020101" pitchFamily="49" charset="-127"/>
-              </a:rPr>
-              <a:t>Domain Model Pattern – Rule </a:t>
-            </a:r>
-            <a:r>
-              <a:rPr lang="ko-KR" altLang="en-US" sz="2500" b="1" dirty="0">
-                <a:latin typeface="D2Coding" panose="020B0609020101020101" pitchFamily="49" charset="-127"/>
-                <a:ea typeface="D2Coding" panose="020B0609020101020101" pitchFamily="49" charset="-127"/>
-              </a:rPr>
-              <a:t>구현</a:t>
-            </a:r>
+              <a:rPr lang="en-US" altLang="ko-KR" sz="2500" b="1">
+                <a:latin typeface="D2Coding" panose="020B0609020101020101" pitchFamily="49" charset="-127"/>
+                <a:ea typeface="D2Coding" panose="020B0609020101020101" pitchFamily="49" charset="-127"/>
+              </a:rPr>
+              <a:t>Domain Model Pattern – Discount Strategy </a:t>
+            </a:r>
+            <a:r>
+              <a:rPr lang="ko-KR" altLang="en-US" sz="2500" b="1">
+                <a:latin typeface="D2Coding" panose="020B0609020101020101" pitchFamily="49" charset="-127"/>
+                <a:ea typeface="D2Coding" panose="020B0609020101020101" pitchFamily="49" charset="-127"/>
+              </a:rPr>
+              <a:t>의 전략 구현</a:t>
+            </a:r>
+            <a:endParaRPr lang="ko-KR" altLang="en-US" sz="2500" b="1" dirty="0">
+              <a:latin typeface="D2Coding" panose="020B0609020101020101" pitchFamily="49" charset="-127"/>
+              <a:ea typeface="D2Coding" panose="020B0609020101020101" pitchFamily="49" charset="-127"/>
+            </a:endParaRPr>
           </a:p>
         </p:txBody>
       </p:sp>
       <p:pic>
         <p:nvPicPr>
-          <p:cNvPr id="4" name="그림 3">
-            <a:extLst>
-              <a:ext uri="{FF2B5EF4-FFF2-40B4-BE49-F238E27FC236}">
-                <a16:creationId xmlns:a16="http://schemas.microsoft.com/office/drawing/2014/main" id="{694E6622-46ED-C937-A7CF-173A7CAA6EF9}"/>
+          <p:cNvPr id="15" name="그림 14">
+            <a:extLst>
+              <a:ext uri="{FF2B5EF4-FFF2-40B4-BE49-F238E27FC236}">
+                <a16:creationId xmlns:a16="http://schemas.microsoft.com/office/drawing/2014/main" id="{341F099A-13C6-EBD9-FF30-A51CA5FB4FBB}"/>
               </a:ext>
             </a:extLst>
           </p:cNvPr>
@@ -5474,8 +5560,38 @@
         </p:blipFill>
         <p:spPr>
           <a:xfrm>
-            <a:off x="2517333" y="2113617"/>
-            <a:ext cx="7306452" cy="2630765"/>
+            <a:off x="6023988" y="1501676"/>
+            <a:ext cx="6083613" cy="3854648"/>
+          </a:xfrm>
+          <a:prstGeom prst="rect">
+            <a:avLst/>
+          </a:prstGeom>
+        </p:spPr>
+      </p:pic>
+      <p:pic>
+        <p:nvPicPr>
+          <p:cNvPr id="17" name="그림 16">
+            <a:extLst>
+              <a:ext uri="{FF2B5EF4-FFF2-40B4-BE49-F238E27FC236}">
+                <a16:creationId xmlns:a16="http://schemas.microsoft.com/office/drawing/2014/main" id="{CCBA83AF-12F5-B0DD-AA0D-E93024D20ADC}"/>
+              </a:ext>
+            </a:extLst>
+          </p:cNvPr>
+          <p:cNvPicPr>
+            <a:picLocks noChangeAspect="1"/>
+          </p:cNvPicPr>
+          <p:nvPr/>
+        </p:nvPicPr>
+        <p:blipFill>
+          <a:blip r:embed="rId3"/>
+          <a:stretch>
+            <a:fillRect/>
+          </a:stretch>
+        </p:blipFill>
+        <p:spPr>
+          <a:xfrm>
+            <a:off x="84399" y="1407345"/>
+            <a:ext cx="5823851" cy="4043310"/>
           </a:xfrm>
           <a:prstGeom prst="rect">
             <a:avLst/>
@@ -5485,7 +5601,7 @@
     </p:spTree>
     <p:extLst>
       <p:ext uri="{BB962C8B-B14F-4D97-AF65-F5344CB8AC3E}">
-        <p14:creationId xmlns:p14="http://schemas.microsoft.com/office/powerpoint/2010/main" val="648935904"/>
+        <p14:creationId xmlns:p14="http://schemas.microsoft.com/office/powerpoint/2010/main" val="268823296"/>
       </p:ext>
     </p:extLst>
   </p:cSld>
@@ -5545,7 +5661,7 @@
                 <a:latin typeface="D2Coding" panose="020B0609020101020101" pitchFamily="49" charset="-127"/>
                 <a:ea typeface="D2Coding" panose="020B0609020101020101" pitchFamily="49" charset="-127"/>
               </a:rPr>
-              <a:t>Domain Model Pattern – Key Point</a:t>
+              <a:t>Domain Model Pattern – Rule</a:t>
             </a:r>
             <a:endParaRPr lang="ko-KR" altLang="en-US" sz="2500" b="1" dirty="0">
               <a:latin typeface="D2Coding" panose="020B0609020101020101" pitchFamily="49" charset="-127"/>
@@ -5554,111 +5670,40 @@
           </a:p>
         </p:txBody>
       </p:sp>
-      <p:sp>
-        <p:nvSpPr>
-          <p:cNvPr id="2" name="TextBox 1">
-            <a:extLst>
-              <a:ext uri="{FF2B5EF4-FFF2-40B4-BE49-F238E27FC236}">
-                <a16:creationId xmlns:a16="http://schemas.microsoft.com/office/drawing/2014/main" id="{1D80E5ED-E281-57A8-E17D-202B49CCC9D9}"/>
-              </a:ext>
-            </a:extLst>
-          </p:cNvPr>
-          <p:cNvSpPr txBox="1"/>
-          <p:nvPr/>
-        </p:nvSpPr>
-        <p:spPr>
-          <a:xfrm>
-            <a:off x="401554" y="1633168"/>
-            <a:ext cx="10481009" cy="1015663"/>
-          </a:xfrm>
-          <a:prstGeom prst="rect">
-            <a:avLst/>
-          </a:prstGeom>
-          <a:noFill/>
-        </p:spPr>
-        <p:txBody>
-          <a:bodyPr wrap="square">
-            <a:spAutoFit/>
-          </a:bodyPr>
-          <a:lstStyle/>
-          <a:p>
-            <a:pPr marL="285750" indent="-285750">
-              <a:buFont typeface="Arial" panose="020B0604020202020204" pitchFamily="34" charset="0"/>
-              <a:buChar char="•"/>
-            </a:pPr>
-            <a:r>
-              <a:rPr lang="ko-KR" altLang="en-US" sz="2000" dirty="0">
-                <a:latin typeface="D2Coding" panose="020B0609020101020101" pitchFamily="49" charset="-127"/>
-                <a:ea typeface="D2Coding" panose="020B0609020101020101" pitchFamily="49" charset="-127"/>
-              </a:rPr>
-              <a:t>객체에 대한 데이터는 객체</a:t>
-            </a:r>
-            <a:r>
-              <a:rPr lang="en-US" altLang="ko-KR" sz="2000" dirty="0">
-                <a:latin typeface="D2Coding" panose="020B0609020101020101" pitchFamily="49" charset="-127"/>
-                <a:ea typeface="D2Coding" panose="020B0609020101020101" pitchFamily="49" charset="-127"/>
-              </a:rPr>
-              <a:t>(</a:t>
-            </a:r>
-            <a:r>
-              <a:rPr lang="ko-KR" altLang="en-US" sz="2000" dirty="0">
-                <a:latin typeface="D2Coding" panose="020B0609020101020101" pitchFamily="49" charset="-127"/>
-                <a:ea typeface="D2Coding" panose="020B0609020101020101" pitchFamily="49" charset="-127"/>
-              </a:rPr>
-              <a:t>본인</a:t>
-            </a:r>
-            <a:r>
-              <a:rPr lang="en-US" altLang="ko-KR" sz="2000" dirty="0">
-                <a:latin typeface="D2Coding" panose="020B0609020101020101" pitchFamily="49" charset="-127"/>
-                <a:ea typeface="D2Coding" panose="020B0609020101020101" pitchFamily="49" charset="-127"/>
-              </a:rPr>
-              <a:t>)</a:t>
-            </a:r>
-            <a:r>
-              <a:rPr lang="ko-KR" altLang="en-US" sz="2000" dirty="0">
-                <a:latin typeface="D2Coding" panose="020B0609020101020101" pitchFamily="49" charset="-127"/>
-                <a:ea typeface="D2Coding" panose="020B0609020101020101" pitchFamily="49" charset="-127"/>
-              </a:rPr>
-              <a:t>가 직접 다루자</a:t>
-            </a:r>
-            <a:endParaRPr lang="en-US" altLang="ko-KR" sz="2000" dirty="0">
-              <a:latin typeface="D2Coding" panose="020B0609020101020101" pitchFamily="49" charset="-127"/>
-              <a:ea typeface="D2Coding" panose="020B0609020101020101" pitchFamily="49" charset="-127"/>
-            </a:endParaRPr>
-          </a:p>
-          <a:p>
-            <a:pPr marL="285750" indent="-285750">
-              <a:buFont typeface="Arial" panose="020B0604020202020204" pitchFamily="34" charset="0"/>
-              <a:buChar char="•"/>
-            </a:pPr>
-            <a:endParaRPr lang="en-US" altLang="ko-KR" sz="2000" dirty="0">
-              <a:latin typeface="D2Coding" panose="020B0609020101020101" pitchFamily="49" charset="-127"/>
-              <a:ea typeface="D2Coding" panose="020B0609020101020101" pitchFamily="49" charset="-127"/>
-            </a:endParaRPr>
-          </a:p>
-          <a:p>
-            <a:pPr marL="285750" indent="-285750">
-              <a:buFont typeface="Arial" panose="020B0604020202020204" pitchFamily="34" charset="0"/>
-              <a:buChar char="•"/>
-            </a:pPr>
-            <a:r>
-              <a:rPr lang="ko-KR" altLang="en-US" sz="2000" dirty="0">
-                <a:latin typeface="D2Coding" panose="020B0609020101020101" pitchFamily="49" charset="-127"/>
-                <a:ea typeface="D2Coding" panose="020B0609020101020101" pitchFamily="49" charset="-127"/>
-              </a:rPr>
-              <a:t>본인의 데이터를 처리할 때 외부 계층으로부터 영향 받지 말자</a:t>
-            </a:r>
-            <a:endParaRPr lang="en-US" altLang="ko-KR" sz="2000" dirty="0">
-              <a:latin typeface="D2Coding" panose="020B0609020101020101" pitchFamily="49" charset="-127"/>
-              <a:ea typeface="D2Coding" panose="020B0609020101020101" pitchFamily="49" charset="-127"/>
-            </a:endParaRPr>
-          </a:p>
-        </p:txBody>
-      </p:sp>
+      <p:pic>
+        <p:nvPicPr>
+          <p:cNvPr id="4" name="그림 3">
+            <a:extLst>
+              <a:ext uri="{FF2B5EF4-FFF2-40B4-BE49-F238E27FC236}">
+                <a16:creationId xmlns:a16="http://schemas.microsoft.com/office/drawing/2014/main" id="{694E6622-46ED-C937-A7CF-173A7CAA6EF9}"/>
+              </a:ext>
+            </a:extLst>
+          </p:cNvPr>
+          <p:cNvPicPr>
+            <a:picLocks noChangeAspect="1"/>
+          </p:cNvPicPr>
+          <p:nvPr/>
+        </p:nvPicPr>
+        <p:blipFill>
+          <a:blip r:embed="rId2"/>
+          <a:stretch>
+            <a:fillRect/>
+          </a:stretch>
+        </p:blipFill>
+        <p:spPr>
+          <a:xfrm>
+            <a:off x="2517333" y="2113617"/>
+            <a:ext cx="7306452" cy="2630765"/>
+          </a:xfrm>
+          <a:prstGeom prst="rect">
+            <a:avLst/>
+          </a:prstGeom>
+        </p:spPr>
+      </p:pic>
     </p:spTree>
     <p:extLst>
       <p:ext uri="{BB962C8B-B14F-4D97-AF65-F5344CB8AC3E}">
-        <p14:creationId xmlns:p14="http://schemas.microsoft.com/office/powerpoint/2010/main" val="2730603929"/>
+        <p14:creationId xmlns:p14="http://schemas.microsoft.com/office/powerpoint/2010/main" val="648935904"/>
       </p:ext>
     </p:extLst>
   </p:cSld>
@@ -5718,7 +5763,7 @@
                 <a:latin typeface="D2Coding" panose="020B0609020101020101" pitchFamily="49" charset="-127"/>
                 <a:ea typeface="D2Coding" panose="020B0609020101020101" pitchFamily="49" charset="-127"/>
               </a:rPr>
-              <a:t>Domain Model Pattern Architecture</a:t>
+              <a:t>Domain Model Pattern – Key Point</a:t>
             </a:r>
             <a:endParaRPr lang="ko-KR" altLang="en-US" sz="2500" b="1" dirty="0">
               <a:latin typeface="D2Coding" panose="020B0609020101020101" pitchFamily="49" charset="-127"/>
@@ -5727,98 +5772,111 @@
           </a:p>
         </p:txBody>
       </p:sp>
-      <p:pic>
-        <p:nvPicPr>
-          <p:cNvPr id="5" name="그림 4" descr="테이블이(가) 표시된 사진&#10;&#10;자동 생성된 설명">
-            <a:extLst>
-              <a:ext uri="{FF2B5EF4-FFF2-40B4-BE49-F238E27FC236}">
-                <a16:creationId xmlns:a16="http://schemas.microsoft.com/office/drawing/2014/main" id="{DB50B82B-B5E9-AF44-3894-136F259F30E3}"/>
-              </a:ext>
-            </a:extLst>
-          </p:cNvPr>
-          <p:cNvPicPr>
-            <a:picLocks noChangeAspect="1"/>
-          </p:cNvPicPr>
-          <p:nvPr/>
-        </p:nvPicPr>
-        <p:blipFill>
-          <a:blip r:embed="rId2">
-            <a:extLst>
-              <a:ext uri="{28A0092B-C50C-407E-A947-70E740481C1C}">
-                <a14:useLocalDpi xmlns:a14="http://schemas.microsoft.com/office/drawing/2010/main" val="0"/>
-              </a:ext>
-            </a:extLst>
-          </a:blip>
-          <a:stretch>
-            <a:fillRect/>
-          </a:stretch>
-        </p:blipFill>
-        <p:spPr>
-          <a:xfrm>
-            <a:off x="2598895" y="1008456"/>
-            <a:ext cx="6994209" cy="5491749"/>
-          </a:xfrm>
-          <a:prstGeom prst="rect">
-            <a:avLst/>
-          </a:prstGeom>
-        </p:spPr>
-      </p:pic>
-      <p:sp>
-        <p:nvSpPr>
-          <p:cNvPr id="6" name="타원 5">
-            <a:extLst>
-              <a:ext uri="{FF2B5EF4-FFF2-40B4-BE49-F238E27FC236}">
-                <a16:creationId xmlns:a16="http://schemas.microsoft.com/office/drawing/2014/main" id="{EF31BD08-DE99-F49A-7EE5-03B2B88EA88F}"/>
-              </a:ext>
-            </a:extLst>
-          </p:cNvPr>
-          <p:cNvSpPr/>
-          <p:nvPr/>
-        </p:nvSpPr>
-        <p:spPr>
-          <a:xfrm>
-            <a:off x="2646947" y="2502568"/>
-            <a:ext cx="6882064" cy="1275348"/>
-          </a:xfrm>
-          <a:prstGeom prst="ellipse">
+      <p:sp>
+        <p:nvSpPr>
+          <p:cNvPr id="2" name="TextBox 1">
+            <a:extLst>
+              <a:ext uri="{FF2B5EF4-FFF2-40B4-BE49-F238E27FC236}">
+                <a16:creationId xmlns:a16="http://schemas.microsoft.com/office/drawing/2014/main" id="{1D80E5ED-E281-57A8-E17D-202B49CCC9D9}"/>
+              </a:ext>
+            </a:extLst>
+          </p:cNvPr>
+          <p:cNvSpPr txBox="1"/>
+          <p:nvPr/>
+        </p:nvSpPr>
+        <p:spPr>
+          <a:xfrm>
+            <a:off x="401554" y="1633168"/>
+            <a:ext cx="10481009" cy="1015663"/>
+          </a:xfrm>
+          <a:prstGeom prst="rect">
             <a:avLst/>
           </a:prstGeom>
           <a:noFill/>
-          <a:ln w="38100">
-            <a:solidFill>
-              <a:srgbClr val="FF0000"/>
-            </a:solidFill>
-          </a:ln>
-        </p:spPr>
-        <p:style>
-          <a:lnRef idx="2">
-            <a:schemeClr val="accent1">
-              <a:shade val="50000"/>
-            </a:schemeClr>
-          </a:lnRef>
-          <a:fillRef idx="1">
-            <a:schemeClr val="accent1"/>
-          </a:fillRef>
-          <a:effectRef idx="0">
-            <a:schemeClr val="accent1"/>
-          </a:effectRef>
-          <a:fontRef idx="minor">
-            <a:schemeClr val="lt1"/>
-          </a:fontRef>
-        </p:style>
-        <p:txBody>
-          <a:bodyPr rtlCol="0" anchor="ctr"/>
-          <a:lstStyle/>
-          <a:p>
-            <a:pPr algn="ctr"/>
-            <a:endParaRPr lang="ko-KR" altLang="en-US"/>
+        </p:spPr>
+        <p:txBody>
+          <a:bodyPr wrap="square">
+            <a:spAutoFit/>
+          </a:bodyPr>
+          <a:lstStyle/>
+          <a:p>
+            <a:pPr marL="285750" indent="-285750">
+              <a:buFont typeface="Arial" panose="020B0604020202020204" pitchFamily="34" charset="0"/>
+              <a:buChar char="•"/>
+            </a:pPr>
+            <a:r>
+              <a:rPr lang="ko-KR" altLang="en-US" sz="2000" dirty="0">
+                <a:latin typeface="D2Coding" panose="020B0609020101020101" pitchFamily="49" charset="-127"/>
+                <a:ea typeface="D2Coding" panose="020B0609020101020101" pitchFamily="49" charset="-127"/>
+              </a:rPr>
+              <a:t>객체에 대한 데이터는 객체</a:t>
+            </a:r>
+            <a:r>
+              <a:rPr lang="en-US" altLang="ko-KR" sz="2000" dirty="0">
+                <a:latin typeface="D2Coding" panose="020B0609020101020101" pitchFamily="49" charset="-127"/>
+                <a:ea typeface="D2Coding" panose="020B0609020101020101" pitchFamily="49" charset="-127"/>
+              </a:rPr>
+              <a:t>(</a:t>
+            </a:r>
+            <a:r>
+              <a:rPr lang="ko-KR" altLang="en-US" sz="2000" dirty="0">
+                <a:latin typeface="D2Coding" panose="020B0609020101020101" pitchFamily="49" charset="-127"/>
+                <a:ea typeface="D2Coding" panose="020B0609020101020101" pitchFamily="49" charset="-127"/>
+              </a:rPr>
+              <a:t>본인</a:t>
+            </a:r>
+            <a:r>
+              <a:rPr lang="en-US" altLang="ko-KR" sz="2000" dirty="0">
+                <a:latin typeface="D2Coding" panose="020B0609020101020101" pitchFamily="49" charset="-127"/>
+                <a:ea typeface="D2Coding" panose="020B0609020101020101" pitchFamily="49" charset="-127"/>
+              </a:rPr>
+              <a:t>)</a:t>
+            </a:r>
+            <a:r>
+              <a:rPr lang="ko-KR" altLang="en-US" sz="2000" dirty="0">
+                <a:latin typeface="D2Coding" panose="020B0609020101020101" pitchFamily="49" charset="-127"/>
+                <a:ea typeface="D2Coding" panose="020B0609020101020101" pitchFamily="49" charset="-127"/>
+              </a:rPr>
+              <a:t>가 직접 다루자</a:t>
+            </a:r>
+            <a:endParaRPr lang="en-US" altLang="ko-KR" sz="2000" dirty="0">
+              <a:latin typeface="D2Coding" panose="020B0609020101020101" pitchFamily="49" charset="-127"/>
+              <a:ea typeface="D2Coding" panose="020B0609020101020101" pitchFamily="49" charset="-127"/>
+            </a:endParaRPr>
+          </a:p>
+          <a:p>
+            <a:pPr marL="285750" indent="-285750">
+              <a:buFont typeface="Arial" panose="020B0604020202020204" pitchFamily="34" charset="0"/>
+              <a:buChar char="•"/>
+            </a:pPr>
+            <a:endParaRPr lang="en-US" altLang="ko-KR" sz="2000" dirty="0">
+              <a:latin typeface="D2Coding" panose="020B0609020101020101" pitchFamily="49" charset="-127"/>
+              <a:ea typeface="D2Coding" panose="020B0609020101020101" pitchFamily="49" charset="-127"/>
+            </a:endParaRPr>
+          </a:p>
+          <a:p>
+            <a:pPr marL="285750" indent="-285750">
+              <a:buFont typeface="Arial" panose="020B0604020202020204" pitchFamily="34" charset="0"/>
+              <a:buChar char="•"/>
+            </a:pPr>
+            <a:r>
+              <a:rPr lang="ko-KR" altLang="en-US" sz="2000" dirty="0">
+                <a:latin typeface="D2Coding" panose="020B0609020101020101" pitchFamily="49" charset="-127"/>
+                <a:ea typeface="D2Coding" panose="020B0609020101020101" pitchFamily="49" charset="-127"/>
+              </a:rPr>
+              <a:t>본인의 데이터를 처리할 때 외부 계층으로부터 영향 받지 말자</a:t>
+            </a:r>
+            <a:endParaRPr lang="en-US" altLang="ko-KR" sz="2000" dirty="0">
+              <a:latin typeface="D2Coding" panose="020B0609020101020101" pitchFamily="49" charset="-127"/>
+              <a:ea typeface="D2Coding" panose="020B0609020101020101" pitchFamily="49" charset="-127"/>
+            </a:endParaRPr>
           </a:p>
         </p:txBody>
       </p:sp>
     </p:spTree>
     <p:extLst>
       <p:ext uri="{BB962C8B-B14F-4D97-AF65-F5344CB8AC3E}">
-        <p14:creationId xmlns:p14="http://schemas.microsoft.com/office/powerpoint/2010/main" val="4249725394"/>
+        <p14:creationId xmlns:p14="http://schemas.microsoft.com/office/powerpoint/2010/main" val="2730603929"/>
       </p:ext>
     </p:extLst>
   </p:cSld>
@@ -5859,7 +5917,7 @@
         </p:nvSpPr>
         <p:spPr>
           <a:xfrm>
-            <a:off x="624017" y="517358"/>
+            <a:off x="275101" y="258679"/>
             <a:ext cx="7431125" cy="477054"/>
           </a:xfrm>
           <a:prstGeom prst="rect">
@@ -5878,35 +5936,7 @@
                 <a:latin typeface="D2Coding" panose="020B0609020101020101" pitchFamily="49" charset="-127"/>
                 <a:ea typeface="D2Coding" panose="020B0609020101020101" pitchFamily="49" charset="-127"/>
               </a:rPr>
-              <a:t>Service </a:t>
-            </a:r>
-            <a:r>
-              <a:rPr lang="ko-KR" altLang="en-US" sz="2500" b="1" dirty="0">
-                <a:latin typeface="D2Coding" panose="020B0609020101020101" pitchFamily="49" charset="-127"/>
-                <a:ea typeface="D2Coding" panose="020B0609020101020101" pitchFamily="49" charset="-127"/>
-              </a:rPr>
-              <a:t>계층이 </a:t>
-            </a:r>
-            <a:r>
-              <a:rPr lang="en-US" altLang="ko-KR" sz="2500" b="1" dirty="0">
-                <a:latin typeface="D2Coding" panose="020B0609020101020101" pitchFamily="49" charset="-127"/>
-                <a:ea typeface="D2Coding" panose="020B0609020101020101" pitchFamily="49" charset="-127"/>
-              </a:rPr>
-              <a:t>Domain </a:t>
-            </a:r>
-            <a:r>
-              <a:rPr lang="ko-KR" altLang="en-US" sz="2500" b="1" dirty="0">
-                <a:latin typeface="D2Coding" panose="020B0609020101020101" pitchFamily="49" charset="-127"/>
-                <a:ea typeface="D2Coding" panose="020B0609020101020101" pitchFamily="49" charset="-127"/>
-              </a:rPr>
-              <a:t>계층을 보호한다</a:t>
-            </a:r>
-            <a:r>
-              <a:rPr lang="en-US" altLang="ko-KR" sz="2500" b="1" dirty="0">
-                <a:latin typeface="D2Coding" panose="020B0609020101020101" pitchFamily="49" charset="-127"/>
-                <a:ea typeface="D2Coding" panose="020B0609020101020101" pitchFamily="49" charset="-127"/>
-              </a:rPr>
-              <a:t>.</a:t>
+              <a:t>Domain Model Pattern Architecture</a:t>
             </a:r>
             <a:endParaRPr lang="ko-KR" altLang="en-US" sz="2500" b="1" dirty="0">
               <a:latin typeface="D2Coding" panose="020B0609020101020101" pitchFamily="49" charset="-127"/>
@@ -5915,128 +5945,98 @@
           </a:p>
         </p:txBody>
       </p:sp>
-      <p:sp>
-        <p:nvSpPr>
-          <p:cNvPr id="7" name="TextBox 6">
-            <a:extLst>
-              <a:ext uri="{FF2B5EF4-FFF2-40B4-BE49-F238E27FC236}">
-                <a16:creationId xmlns:a16="http://schemas.microsoft.com/office/drawing/2014/main" id="{D346771F-00C8-1DC2-9D70-DBB44A705EDE}"/>
-              </a:ext>
-            </a:extLst>
-          </p:cNvPr>
-          <p:cNvSpPr txBox="1"/>
-          <p:nvPr/>
-        </p:nvSpPr>
-        <p:spPr>
-          <a:xfrm>
-            <a:off x="624017" y="1696454"/>
-            <a:ext cx="7725899" cy="923330"/>
-          </a:xfrm>
-          <a:prstGeom prst="rect">
+      <p:pic>
+        <p:nvPicPr>
+          <p:cNvPr id="5" name="그림 4" descr="테이블이(가) 표시된 사진&#10;&#10;자동 생성된 설명">
+            <a:extLst>
+              <a:ext uri="{FF2B5EF4-FFF2-40B4-BE49-F238E27FC236}">
+                <a16:creationId xmlns:a16="http://schemas.microsoft.com/office/drawing/2014/main" id="{DB50B82B-B5E9-AF44-3894-136F259F30E3}"/>
+              </a:ext>
+            </a:extLst>
+          </p:cNvPr>
+          <p:cNvPicPr>
+            <a:picLocks noChangeAspect="1"/>
+          </p:cNvPicPr>
+          <p:nvPr/>
+        </p:nvPicPr>
+        <p:blipFill>
+          <a:blip r:embed="rId2">
+            <a:extLst>
+              <a:ext uri="{28A0092B-C50C-407E-A947-70E740481C1C}">
+                <a14:useLocalDpi xmlns:a14="http://schemas.microsoft.com/office/drawing/2010/main" val="0"/>
+              </a:ext>
+            </a:extLst>
+          </a:blip>
+          <a:stretch>
+            <a:fillRect/>
+          </a:stretch>
+        </p:blipFill>
+        <p:spPr>
+          <a:xfrm>
+            <a:off x="2598895" y="1008456"/>
+            <a:ext cx="6994209" cy="5491749"/>
+          </a:xfrm>
+          <a:prstGeom prst="rect">
+            <a:avLst/>
+          </a:prstGeom>
+        </p:spPr>
+      </p:pic>
+      <p:sp>
+        <p:nvSpPr>
+          <p:cNvPr id="6" name="타원 5">
+            <a:extLst>
+              <a:ext uri="{FF2B5EF4-FFF2-40B4-BE49-F238E27FC236}">
+                <a16:creationId xmlns:a16="http://schemas.microsoft.com/office/drawing/2014/main" id="{EF31BD08-DE99-F49A-7EE5-03B2B88EA88F}"/>
+              </a:ext>
+            </a:extLst>
+          </p:cNvPr>
+          <p:cNvSpPr/>
+          <p:nvPr/>
+        </p:nvSpPr>
+        <p:spPr>
+          <a:xfrm>
+            <a:off x="2646947" y="2502568"/>
+            <a:ext cx="6882064" cy="1275348"/>
+          </a:xfrm>
+          <a:prstGeom prst="ellipse">
             <a:avLst/>
           </a:prstGeom>
           <a:noFill/>
-        </p:spPr>
-        <p:txBody>
-          <a:bodyPr wrap="square" rtlCol="0">
-            <a:spAutoFit/>
-          </a:bodyPr>
-          <a:lstStyle/>
-          <a:p>
-            <a:pPr marL="342900" indent="-342900">
-              <a:buFont typeface="Arial" panose="020B0604020202020204" pitchFamily="34" charset="0"/>
-              <a:buChar char="•"/>
-            </a:pPr>
-            <a:r>
-              <a:rPr lang="ko-KR" altLang="en-US" dirty="0">
-                <a:latin typeface="D2Coding" panose="020B0609020101020101" pitchFamily="49" charset="-127"/>
-                <a:ea typeface="D2Coding" panose="020B0609020101020101" pitchFamily="49" charset="-127"/>
-              </a:rPr>
-              <a:t>도메인 로직을 처리하기 위한 준비 작업을 한다</a:t>
-            </a:r>
-            <a:r>
-              <a:rPr lang="en-US" altLang="ko-KR" dirty="0">
-                <a:latin typeface="D2Coding" panose="020B0609020101020101" pitchFamily="49" charset="-127"/>
-                <a:ea typeface="D2Coding" panose="020B0609020101020101" pitchFamily="49" charset="-127"/>
-              </a:rPr>
-              <a:t>.</a:t>
-            </a:r>
-          </a:p>
-          <a:p>
-            <a:pPr marL="342900" indent="-342900">
-              <a:buFont typeface="Arial" panose="020B0604020202020204" pitchFamily="34" charset="0"/>
-              <a:buChar char="•"/>
-            </a:pPr>
-            <a:endParaRPr lang="en-US" altLang="ko-KR" dirty="0">
-              <a:latin typeface="D2Coding" panose="020B0609020101020101" pitchFamily="49" charset="-127"/>
-              <a:ea typeface="D2Coding" panose="020B0609020101020101" pitchFamily="49" charset="-127"/>
-            </a:endParaRPr>
-          </a:p>
-          <a:p>
-            <a:pPr marL="342900" indent="-342900">
-              <a:buFont typeface="Arial" panose="020B0604020202020204" pitchFamily="34" charset="0"/>
-              <a:buChar char="•"/>
-            </a:pPr>
-            <a:r>
-              <a:rPr lang="ko-KR" altLang="en-US" dirty="0">
-                <a:latin typeface="D2Coding" panose="020B0609020101020101" pitchFamily="49" charset="-127"/>
-                <a:ea typeface="D2Coding" panose="020B0609020101020101" pitchFamily="49" charset="-127"/>
-              </a:rPr>
-              <a:t>도메인 로직을 처리하는데 발생하는 후처리</a:t>
-            </a:r>
-            <a:r>
-              <a:rPr lang="en-US" altLang="ko-KR" dirty="0">
-                <a:latin typeface="D2Coding" panose="020B0609020101020101" pitchFamily="49" charset="-127"/>
-                <a:ea typeface="D2Coding" panose="020B0609020101020101" pitchFamily="49" charset="-127"/>
-              </a:rPr>
-              <a:t>(</a:t>
-            </a:r>
-            <a:r>
-              <a:rPr lang="ko-KR" altLang="en-US" dirty="0">
-                <a:latin typeface="D2Coding" panose="020B0609020101020101" pitchFamily="49" charset="-127"/>
-                <a:ea typeface="D2Coding" panose="020B0609020101020101" pitchFamily="49" charset="-127"/>
-              </a:rPr>
-              <a:t>예외</a:t>
-            </a:r>
-            <a:r>
-              <a:rPr lang="en-US" altLang="ko-KR" dirty="0">
-                <a:latin typeface="D2Coding" panose="020B0609020101020101" pitchFamily="49" charset="-127"/>
-                <a:ea typeface="D2Coding" panose="020B0609020101020101" pitchFamily="49" charset="-127"/>
-              </a:rPr>
-              <a:t>, </a:t>
-            </a:r>
-            <a:r>
-              <a:rPr lang="ko-KR" altLang="en-US" dirty="0" err="1">
-                <a:latin typeface="D2Coding" panose="020B0609020101020101" pitchFamily="49" charset="-127"/>
-                <a:ea typeface="D2Coding" panose="020B0609020101020101" pitchFamily="49" charset="-127"/>
-              </a:rPr>
-              <a:t>반환값</a:t>
-            </a:r>
-            <a:r>
-              <a:rPr lang="ko-KR" altLang="en-US" dirty="0">
-                <a:latin typeface="D2Coding" panose="020B0609020101020101" pitchFamily="49" charset="-127"/>
-                <a:ea typeface="D2Coding" panose="020B0609020101020101" pitchFamily="49" charset="-127"/>
-              </a:rPr>
-              <a:t> 셋팅 등</a:t>
-            </a:r>
-            <a:r>
-              <a:rPr lang="en-US" altLang="ko-KR" dirty="0">
-                <a:latin typeface="D2Coding" panose="020B0609020101020101" pitchFamily="49" charset="-127"/>
-                <a:ea typeface="D2Coding" panose="020B0609020101020101" pitchFamily="49" charset="-127"/>
-              </a:rPr>
-              <a:t>…)</a:t>
-            </a:r>
-            <a:endParaRPr lang="ko-KR" altLang="en-US" dirty="0">
-              <a:latin typeface="D2Coding" panose="020B0609020101020101" pitchFamily="49" charset="-127"/>
-              <a:ea typeface="D2Coding" panose="020B0609020101020101" pitchFamily="49" charset="-127"/>
-            </a:endParaRPr>
+          <a:ln w="38100">
+            <a:solidFill>
+              <a:srgbClr val="FF0000"/>
+            </a:solidFill>
+          </a:ln>
+        </p:spPr>
+        <p:style>
+          <a:lnRef idx="2">
+            <a:schemeClr val="accent1">
+              <a:shade val="50000"/>
+            </a:schemeClr>
+          </a:lnRef>
+          <a:fillRef idx="1">
+            <a:schemeClr val="accent1"/>
+          </a:fillRef>
+          <a:effectRef idx="0">
+            <a:schemeClr val="accent1"/>
+          </a:effectRef>
+          <a:fontRef idx="minor">
+            <a:schemeClr val="lt1"/>
+          </a:fontRef>
+        </p:style>
+        <p:txBody>
+          <a:bodyPr rtlCol="0" anchor="ctr"/>
+          <a:lstStyle/>
+          <a:p>
+            <a:pPr algn="ctr"/>
+            <a:endParaRPr lang="ko-KR" altLang="en-US"/>
           </a:p>
         </p:txBody>
       </p:sp>
     </p:spTree>
     <p:extLst>
       <p:ext uri="{BB962C8B-B14F-4D97-AF65-F5344CB8AC3E}">
-        <p14:creationId xmlns:p14="http://schemas.microsoft.com/office/powerpoint/2010/main" val="3289284222"/>
+        <p14:creationId xmlns:p14="http://schemas.microsoft.com/office/powerpoint/2010/main" val="4249725394"/>
       </p:ext>
     </p:extLst>
   </p:cSld>
@@ -6077,7 +6077,7 @@
         </p:nvSpPr>
         <p:spPr>
           <a:xfrm>
-            <a:off x="275101" y="258679"/>
+            <a:off x="624017" y="517358"/>
             <a:ext cx="7431125" cy="477054"/>
           </a:xfrm>
           <a:prstGeom prst="rect">
@@ -6096,14 +6096,35 @@
                 <a:latin typeface="D2Coding" panose="020B0609020101020101" pitchFamily="49" charset="-127"/>
                 <a:ea typeface="D2Coding" panose="020B0609020101020101" pitchFamily="49" charset="-127"/>
               </a:rPr>
-              <a:t>Domain Model Pattern – </a:t>
-            </a:r>
-            <a:r>
-              <a:rPr lang="en-US" altLang="ko-KR" sz="2500" b="1" dirty="0" err="1">
-                <a:latin typeface="D2Coding" panose="020B0609020101020101" pitchFamily="49" charset="-127"/>
-                <a:ea typeface="D2Coding" panose="020B0609020101020101" pitchFamily="49" charset="-127"/>
-              </a:rPr>
-              <a:t>ReservationService</a:t>
+              <a:t>Service </a:t>
+            </a:r>
+            <a:r>
+              <a:rPr lang="ko-KR" altLang="en-US" sz="2500" b="1" dirty="0">
+                <a:latin typeface="D2Coding" panose="020B0609020101020101" pitchFamily="49" charset="-127"/>
+                <a:ea typeface="D2Coding" panose="020B0609020101020101" pitchFamily="49" charset="-127"/>
+              </a:rPr>
+              <a:t>계층이 </a:t>
+            </a:r>
+            <a:r>
+              <a:rPr lang="en-US" altLang="ko-KR" sz="2500" b="1" dirty="0">
+                <a:latin typeface="D2Coding" panose="020B0609020101020101" pitchFamily="49" charset="-127"/>
+                <a:ea typeface="D2Coding" panose="020B0609020101020101" pitchFamily="49" charset="-127"/>
+              </a:rPr>
+              <a:t>Domain </a:t>
+            </a:r>
+            <a:r>
+              <a:rPr lang="ko-KR" altLang="en-US" sz="2500" b="1" dirty="0">
+                <a:latin typeface="D2Coding" panose="020B0609020101020101" pitchFamily="49" charset="-127"/>
+                <a:ea typeface="D2Coding" panose="020B0609020101020101" pitchFamily="49" charset="-127"/>
+              </a:rPr>
+              <a:t>계층을 보호한다</a:t>
+            </a:r>
+            <a:r>
+              <a:rPr lang="en-US" altLang="ko-KR" sz="2500" b="1" dirty="0">
+                <a:latin typeface="D2Coding" panose="020B0609020101020101" pitchFamily="49" charset="-127"/>
+                <a:ea typeface="D2Coding" panose="020B0609020101020101" pitchFamily="49" charset="-127"/>
+              </a:rPr>
+              <a:t>.</a:t>
             </a:r>
             <a:endParaRPr lang="ko-KR" altLang="en-US" sz="2500" b="1" dirty="0">
               <a:latin typeface="D2Coding" panose="020B0609020101020101" pitchFamily="49" charset="-127"/>
@@ -6126,8 +6147,8 @@
         </p:nvSpPr>
         <p:spPr>
           <a:xfrm>
-            <a:off x="347290" y="1035254"/>
-            <a:ext cx="8252223" cy="369332"/>
+            <a:off x="624017" y="1696454"/>
+            <a:ext cx="7725899" cy="923330"/>
           </a:xfrm>
           <a:prstGeom prst="rect">
             <a:avLst/>
@@ -6140,68 +6161,100 @@
           </a:bodyPr>
           <a:lstStyle/>
           <a:p>
-            <a:r>
-              <a:rPr lang="en-US" altLang="ko-KR" b="1" dirty="0">
-                <a:latin typeface="D2Coding" panose="020B0609020101020101" pitchFamily="49" charset="-127"/>
-                <a:ea typeface="D2Coding" panose="020B0609020101020101" pitchFamily="49" charset="-127"/>
-              </a:rPr>
-              <a:t>Service</a:t>
-            </a:r>
-            <a:r>
-              <a:rPr lang="ko-KR" altLang="en-US" b="1" dirty="0">
-                <a:latin typeface="D2Coding" panose="020B0609020101020101" pitchFamily="49" charset="-127"/>
-                <a:ea typeface="D2Coding" panose="020B0609020101020101" pitchFamily="49" charset="-127"/>
-              </a:rPr>
-              <a:t>는 그저 객체끼리 협력할 수 있도록 메시지를 보낼 뿐이다</a:t>
-            </a:r>
-            <a:r>
-              <a:rPr lang="en-US" altLang="ko-KR" b="1" dirty="0">
+            <a:pPr marL="342900" indent="-342900">
+              <a:buFont typeface="Arial" panose="020B0604020202020204" pitchFamily="34" charset="0"/>
+              <a:buChar char="•"/>
+            </a:pPr>
+            <a:r>
+              <a:rPr lang="ko-KR" altLang="en-US" dirty="0">
+                <a:latin typeface="D2Coding" panose="020B0609020101020101" pitchFamily="49" charset="-127"/>
+                <a:ea typeface="D2Coding" panose="020B0609020101020101" pitchFamily="49" charset="-127"/>
+              </a:rPr>
+              <a:t>도메인 로직을 처리하기 위한 준비 작업을 한다</a:t>
+            </a:r>
+            <a:r>
+              <a:rPr lang="en-US" altLang="ko-KR" dirty="0">
                 <a:latin typeface="D2Coding" panose="020B0609020101020101" pitchFamily="49" charset="-127"/>
                 <a:ea typeface="D2Coding" panose="020B0609020101020101" pitchFamily="49" charset="-127"/>
               </a:rPr>
               <a:t>.</a:t>
             </a:r>
-            <a:endParaRPr lang="ko-KR" altLang="en-US" b="1" dirty="0">
+          </a:p>
+          <a:p>
+            <a:pPr marL="342900" indent="-342900">
+              <a:buFont typeface="Arial" panose="020B0604020202020204" pitchFamily="34" charset="0"/>
+              <a:buChar char="•"/>
+            </a:pPr>
+            <a:endParaRPr lang="en-US" altLang="ko-KR" dirty="0">
               <a:latin typeface="D2Coding" panose="020B0609020101020101" pitchFamily="49" charset="-127"/>
               <a:ea typeface="D2Coding" panose="020B0609020101020101" pitchFamily="49" charset="-127"/>
             </a:endParaRPr>
           </a:p>
-        </p:txBody>
-      </p:sp>
-      <p:pic>
-        <p:nvPicPr>
-          <p:cNvPr id="5" name="그림 4">
-            <a:extLst>
-              <a:ext uri="{FF2B5EF4-FFF2-40B4-BE49-F238E27FC236}">
-                <a16:creationId xmlns:a16="http://schemas.microsoft.com/office/drawing/2014/main" id="{DD867E51-B6EB-35AA-27C2-437CC561E0B0}"/>
-              </a:ext>
-            </a:extLst>
-          </p:cNvPr>
-          <p:cNvPicPr>
-            <a:picLocks noChangeAspect="1"/>
-          </p:cNvPicPr>
-          <p:nvPr/>
-        </p:nvPicPr>
-        <p:blipFill>
-          <a:blip r:embed="rId2"/>
-          <a:stretch>
-            <a:fillRect/>
-          </a:stretch>
-        </p:blipFill>
-        <p:spPr>
-          <a:xfrm>
-            <a:off x="2596593" y="1420125"/>
-            <a:ext cx="7100864" cy="5437875"/>
-          </a:xfrm>
-          <a:prstGeom prst="rect">
-            <a:avLst/>
-          </a:prstGeom>
-        </p:spPr>
-      </p:pic>
+          <a:p>
+            <a:pPr marL="342900" indent="-342900">
+              <a:buFont typeface="Arial" panose="020B0604020202020204" pitchFamily="34" charset="0"/>
+              <a:buChar char="•"/>
+            </a:pPr>
+            <a:r>
+              <a:rPr lang="ko-KR" altLang="en-US" dirty="0">
+                <a:latin typeface="D2Coding" panose="020B0609020101020101" pitchFamily="49" charset="-127"/>
+                <a:ea typeface="D2Coding" panose="020B0609020101020101" pitchFamily="49" charset="-127"/>
+              </a:rPr>
+              <a:t>도메인 로직을 처리하는데 발생하는 후처리</a:t>
+            </a:r>
+            <a:r>
+              <a:rPr lang="en-US" altLang="ko-KR" dirty="0">
+                <a:latin typeface="D2Coding" panose="020B0609020101020101" pitchFamily="49" charset="-127"/>
+                <a:ea typeface="D2Coding" panose="020B0609020101020101" pitchFamily="49" charset="-127"/>
+              </a:rPr>
+              <a:t>(</a:t>
+            </a:r>
+            <a:r>
+              <a:rPr lang="ko-KR" altLang="en-US" dirty="0">
+                <a:latin typeface="D2Coding" panose="020B0609020101020101" pitchFamily="49" charset="-127"/>
+                <a:ea typeface="D2Coding" panose="020B0609020101020101" pitchFamily="49" charset="-127"/>
+              </a:rPr>
+              <a:t>예외</a:t>
+            </a:r>
+            <a:r>
+              <a:rPr lang="en-US" altLang="ko-KR" dirty="0">
+                <a:latin typeface="D2Coding" panose="020B0609020101020101" pitchFamily="49" charset="-127"/>
+                <a:ea typeface="D2Coding" panose="020B0609020101020101" pitchFamily="49" charset="-127"/>
+              </a:rPr>
+              <a:t>, </a:t>
+            </a:r>
+            <a:r>
+              <a:rPr lang="ko-KR" altLang="en-US" dirty="0" err="1">
+                <a:latin typeface="D2Coding" panose="020B0609020101020101" pitchFamily="49" charset="-127"/>
+                <a:ea typeface="D2Coding" panose="020B0609020101020101" pitchFamily="49" charset="-127"/>
+              </a:rPr>
+              <a:t>반환값</a:t>
+            </a:r>
+            <a:r>
+              <a:rPr lang="ko-KR" altLang="en-US" dirty="0">
+                <a:latin typeface="D2Coding" panose="020B0609020101020101" pitchFamily="49" charset="-127"/>
+                <a:ea typeface="D2Coding" panose="020B0609020101020101" pitchFamily="49" charset="-127"/>
+              </a:rPr>
+              <a:t> 셋팅 등</a:t>
+            </a:r>
+            <a:r>
+              <a:rPr lang="en-US" altLang="ko-KR" dirty="0">
+                <a:latin typeface="D2Coding" panose="020B0609020101020101" pitchFamily="49" charset="-127"/>
+                <a:ea typeface="D2Coding" panose="020B0609020101020101" pitchFamily="49" charset="-127"/>
+              </a:rPr>
+              <a:t>…)</a:t>
+            </a:r>
+            <a:endParaRPr lang="ko-KR" altLang="en-US" dirty="0">
+              <a:latin typeface="D2Coding" panose="020B0609020101020101" pitchFamily="49" charset="-127"/>
+              <a:ea typeface="D2Coding" panose="020B0609020101020101" pitchFamily="49" charset="-127"/>
+            </a:endParaRPr>
+          </a:p>
+        </p:txBody>
+      </p:sp>
     </p:spTree>
     <p:extLst>
       <p:ext uri="{BB962C8B-B14F-4D97-AF65-F5344CB8AC3E}">
-        <p14:creationId xmlns:p14="http://schemas.microsoft.com/office/powerpoint/2010/main" val="2463299159"/>
+        <p14:creationId xmlns:p14="http://schemas.microsoft.com/office/powerpoint/2010/main" val="3289284222"/>
       </p:ext>
     </p:extLst>
   </p:cSld>
@@ -6243,7 +6296,7 @@
         <p:spPr>
           <a:xfrm>
             <a:off x="275101" y="258679"/>
-            <a:ext cx="3448673" cy="477054"/>
+            <a:ext cx="7431125" cy="477054"/>
           </a:xfrm>
           <a:prstGeom prst="rect">
             <a:avLst/>
@@ -6257,18 +6310,18 @@
           <a:lstStyle/>
           <a:p>
             <a:r>
-              <a:rPr lang="ko-KR" altLang="en-US" sz="2500" b="1" dirty="0">
-                <a:latin typeface="D2Coding" panose="020B0609020101020101" pitchFamily="49" charset="-127"/>
-                <a:ea typeface="D2Coding" panose="020B0609020101020101" pitchFamily="49" charset="-127"/>
-              </a:rPr>
-              <a:t>대놓고 비교해 봅시다</a:t>
-            </a:r>
-            <a:r>
               <a:rPr lang="en-US" altLang="ko-KR" sz="2500" b="1" dirty="0">
                 <a:latin typeface="D2Coding" panose="020B0609020101020101" pitchFamily="49" charset="-127"/>
                 <a:ea typeface="D2Coding" panose="020B0609020101020101" pitchFamily="49" charset="-127"/>
               </a:rPr>
-              <a:t>.</a:t>
+              <a:t>Domain Model Pattern – </a:t>
+            </a:r>
+            <a:r>
+              <a:rPr lang="en-US" altLang="ko-KR" sz="2500" b="1" dirty="0" err="1">
+                <a:latin typeface="D2Coding" panose="020B0609020101020101" pitchFamily="49" charset="-127"/>
+                <a:ea typeface="D2Coding" panose="020B0609020101020101" pitchFamily="49" charset="-127"/>
+              </a:rPr>
+              <a:t>ReservationService</a:t>
             </a:r>
             <a:endParaRPr lang="ko-KR" altLang="en-US" sz="2500" b="1" dirty="0">
               <a:latin typeface="D2Coding" panose="020B0609020101020101" pitchFamily="49" charset="-127"/>
@@ -6291,8 +6344,8 @@
         </p:nvSpPr>
         <p:spPr>
           <a:xfrm>
-            <a:off x="7633058" y="910304"/>
-            <a:ext cx="3534898" cy="323165"/>
+            <a:off x="347290" y="1035254"/>
+            <a:ext cx="8252223" cy="369332"/>
           </a:xfrm>
           <a:prstGeom prst="rect">
             <a:avLst/>
@@ -6306,81 +6359,39 @@
           <a:lstStyle/>
           <a:p>
             <a:r>
-              <a:rPr lang="en-US" altLang="ko-KR" sz="1500" b="1" dirty="0">
-                <a:latin typeface="D2Coding" panose="020B0609020101020101" pitchFamily="49" charset="-127"/>
-                <a:ea typeface="D2Coding" panose="020B0609020101020101" pitchFamily="49" charset="-127"/>
-              </a:rPr>
-              <a:t>Domain Model Pattern (Thin Service)</a:t>
-            </a:r>
-            <a:endParaRPr lang="ko-KR" altLang="en-US" sz="1500" b="1" dirty="0">
+              <a:rPr lang="en-US" altLang="ko-KR" b="1" dirty="0">
+                <a:latin typeface="D2Coding" panose="020B0609020101020101" pitchFamily="49" charset="-127"/>
+                <a:ea typeface="D2Coding" panose="020B0609020101020101" pitchFamily="49" charset="-127"/>
+              </a:rPr>
+              <a:t>Service</a:t>
+            </a:r>
+            <a:r>
+              <a:rPr lang="ko-KR" altLang="en-US" b="1" dirty="0">
+                <a:latin typeface="D2Coding" panose="020B0609020101020101" pitchFamily="49" charset="-127"/>
+                <a:ea typeface="D2Coding" panose="020B0609020101020101" pitchFamily="49" charset="-127"/>
+              </a:rPr>
+              <a:t>는 그저 객체끼리 협력할 수 있도록 메시지를 보낼 뿐이다</a:t>
+            </a:r>
+            <a:r>
+              <a:rPr lang="en-US" altLang="ko-KR" b="1" dirty="0">
+                <a:latin typeface="D2Coding" panose="020B0609020101020101" pitchFamily="49" charset="-127"/>
+                <a:ea typeface="D2Coding" panose="020B0609020101020101" pitchFamily="49" charset="-127"/>
+              </a:rPr>
+              <a:t>.</a:t>
+            </a:r>
+            <a:endParaRPr lang="ko-KR" altLang="en-US" b="1" dirty="0">
               <a:latin typeface="D2Coding" panose="020B0609020101020101" pitchFamily="49" charset="-127"/>
               <a:ea typeface="D2Coding" panose="020B0609020101020101" pitchFamily="49" charset="-127"/>
             </a:endParaRPr>
           </a:p>
         </p:txBody>
       </p:sp>
-      <p:sp>
-        <p:nvSpPr>
-          <p:cNvPr id="9" name="TextBox 8">
-            <a:extLst>
-              <a:ext uri="{FF2B5EF4-FFF2-40B4-BE49-F238E27FC236}">
-                <a16:creationId xmlns:a16="http://schemas.microsoft.com/office/drawing/2014/main" id="{B87EFCE0-6FDE-1070-50A5-A3F95ACC4C9C}"/>
-              </a:ext>
-            </a:extLst>
-          </p:cNvPr>
-          <p:cNvSpPr txBox="1"/>
-          <p:nvPr/>
-        </p:nvSpPr>
-        <p:spPr>
-          <a:xfrm>
-            <a:off x="1024044" y="910304"/>
-            <a:ext cx="4018547" cy="323165"/>
-          </a:xfrm>
-          <a:prstGeom prst="rect">
-            <a:avLst/>
-          </a:prstGeom>
-          <a:noFill/>
-        </p:spPr>
-        <p:txBody>
-          <a:bodyPr wrap="square" rtlCol="0">
-            <a:spAutoFit/>
-          </a:bodyPr>
-          <a:lstStyle/>
-          <a:p>
-            <a:r>
-              <a:rPr lang="en-US" altLang="ko-KR" sz="1500" b="1" dirty="0">
-                <a:latin typeface="D2Coding" panose="020B0609020101020101" pitchFamily="49" charset="-127"/>
-                <a:ea typeface="D2Coding" panose="020B0609020101020101" pitchFamily="49" charset="-127"/>
-              </a:rPr>
-              <a:t>Transaction Script Pattern (Fat</a:t>
-            </a:r>
-            <a:r>
-              <a:rPr lang="ko-KR" altLang="en-US" sz="1500" b="1" dirty="0">
-                <a:latin typeface="D2Coding" panose="020B0609020101020101" pitchFamily="49" charset="-127"/>
-                <a:ea typeface="D2Coding" panose="020B0609020101020101" pitchFamily="49" charset="-127"/>
-              </a:rPr>
-              <a:t> </a:t>
-            </a:r>
-            <a:r>
-              <a:rPr lang="en-US" altLang="ko-KR" sz="1500" b="1" dirty="0">
-                <a:latin typeface="D2Coding" panose="020B0609020101020101" pitchFamily="49" charset="-127"/>
-                <a:ea typeface="D2Coding" panose="020B0609020101020101" pitchFamily="49" charset="-127"/>
-              </a:rPr>
-              <a:t>Service)</a:t>
-            </a:r>
-            <a:endParaRPr lang="ko-KR" altLang="en-US" sz="1500" b="1" dirty="0">
-              <a:latin typeface="D2Coding" panose="020B0609020101020101" pitchFamily="49" charset="-127"/>
-              <a:ea typeface="D2Coding" panose="020B0609020101020101" pitchFamily="49" charset="-127"/>
-            </a:endParaRPr>
-          </a:p>
-        </p:txBody>
-      </p:sp>
       <p:pic>
         <p:nvPicPr>
-          <p:cNvPr id="10" name="그림 9">
-            <a:extLst>
-              <a:ext uri="{FF2B5EF4-FFF2-40B4-BE49-F238E27FC236}">
-                <a16:creationId xmlns:a16="http://schemas.microsoft.com/office/drawing/2014/main" id="{CD56D7D4-8876-5778-58B1-5E2A0514BB12}"/>
+          <p:cNvPr id="5" name="그림 4">
+            <a:extLst>
+              <a:ext uri="{FF2B5EF4-FFF2-40B4-BE49-F238E27FC236}">
+                <a16:creationId xmlns:a16="http://schemas.microsoft.com/office/drawing/2014/main" id="{DD867E51-B6EB-35AA-27C2-437CC561E0B0}"/>
               </a:ext>
             </a:extLst>
           </p:cNvPr>
@@ -6397,128 +6408,8 @@
         </p:blipFill>
         <p:spPr>
           <a:xfrm>
-            <a:off x="43406" y="1336912"/>
-            <a:ext cx="6346865" cy="4107378"/>
-          </a:xfrm>
-          <a:prstGeom prst="rect">
-            <a:avLst/>
-          </a:prstGeom>
-        </p:spPr>
-      </p:pic>
-      <p:pic>
-        <p:nvPicPr>
-          <p:cNvPr id="11" name="그림 10">
-            <a:extLst>
-              <a:ext uri="{FF2B5EF4-FFF2-40B4-BE49-F238E27FC236}">
-                <a16:creationId xmlns:a16="http://schemas.microsoft.com/office/drawing/2014/main" id="{44C8843F-DB2F-B3DD-D396-53A6009B0F6C}"/>
-              </a:ext>
-            </a:extLst>
-          </p:cNvPr>
-          <p:cNvPicPr>
-            <a:picLocks noChangeAspect="1"/>
-          </p:cNvPicPr>
-          <p:nvPr/>
-        </p:nvPicPr>
-        <p:blipFill>
-          <a:blip r:embed="rId3"/>
-          <a:stretch>
-            <a:fillRect/>
-          </a:stretch>
-        </p:blipFill>
-        <p:spPr>
-          <a:xfrm>
-            <a:off x="43406" y="4789018"/>
-            <a:ext cx="3623621" cy="2117108"/>
-          </a:xfrm>
-          <a:prstGeom prst="rect">
-            <a:avLst/>
-          </a:prstGeom>
-        </p:spPr>
-      </p:pic>
-      <p:pic>
-        <p:nvPicPr>
-          <p:cNvPr id="12" name="그림 11">
-            <a:extLst>
-              <a:ext uri="{FF2B5EF4-FFF2-40B4-BE49-F238E27FC236}">
-                <a16:creationId xmlns:a16="http://schemas.microsoft.com/office/drawing/2014/main" id="{F02922C1-1276-860A-51ED-6B79C7CB164D}"/>
-              </a:ext>
-            </a:extLst>
-          </p:cNvPr>
-          <p:cNvPicPr>
-            <a:picLocks noChangeAspect="1"/>
-          </p:cNvPicPr>
-          <p:nvPr/>
-        </p:nvPicPr>
-        <p:blipFill>
-          <a:blip r:embed="rId4"/>
-          <a:stretch>
-            <a:fillRect/>
-          </a:stretch>
-        </p:blipFill>
-        <p:spPr>
-          <a:xfrm>
-            <a:off x="929100" y="4789018"/>
-            <a:ext cx="3739154" cy="2115434"/>
-          </a:xfrm>
-          <a:prstGeom prst="rect">
-            <a:avLst/>
-          </a:prstGeom>
-        </p:spPr>
-      </p:pic>
-      <p:pic>
-        <p:nvPicPr>
-          <p:cNvPr id="13" name="그림 12">
-            <a:extLst>
-              <a:ext uri="{FF2B5EF4-FFF2-40B4-BE49-F238E27FC236}">
-                <a16:creationId xmlns:a16="http://schemas.microsoft.com/office/drawing/2014/main" id="{D970227B-EE85-C396-C3E1-9CF7966D6B1C}"/>
-              </a:ext>
-            </a:extLst>
-          </p:cNvPr>
-          <p:cNvPicPr>
-            <a:picLocks noChangeAspect="1"/>
-          </p:cNvPicPr>
-          <p:nvPr/>
-        </p:nvPicPr>
-        <p:blipFill>
-          <a:blip r:embed="rId5"/>
-          <a:stretch>
-            <a:fillRect/>
-          </a:stretch>
-        </p:blipFill>
-        <p:spPr>
-          <a:xfrm>
-            <a:off x="2331285" y="4787344"/>
-            <a:ext cx="4058986" cy="2070656"/>
-          </a:xfrm>
-          <a:prstGeom prst="rect">
-            <a:avLst/>
-          </a:prstGeom>
-        </p:spPr>
-      </p:pic>
-      <p:pic>
-        <p:nvPicPr>
-          <p:cNvPr id="14" name="그림 13">
-            <a:extLst>
-              <a:ext uri="{FF2B5EF4-FFF2-40B4-BE49-F238E27FC236}">
-                <a16:creationId xmlns:a16="http://schemas.microsoft.com/office/drawing/2014/main" id="{FF3BF853-5366-756D-ACDD-B7D0DA967816}"/>
-              </a:ext>
-            </a:extLst>
-          </p:cNvPr>
-          <p:cNvPicPr>
-            <a:picLocks noChangeAspect="1"/>
-          </p:cNvPicPr>
-          <p:nvPr/>
-        </p:nvPicPr>
-        <p:blipFill>
-          <a:blip r:embed="rId6"/>
-          <a:stretch>
-            <a:fillRect/>
-          </a:stretch>
-        </p:blipFill>
-        <p:spPr>
-          <a:xfrm>
-            <a:off x="6474772" y="1336912"/>
-            <a:ext cx="5717228" cy="4378280"/>
+            <a:off x="2596593" y="1420125"/>
+            <a:ext cx="7100864" cy="5437875"/>
           </a:xfrm>
           <a:prstGeom prst="rect">
             <a:avLst/>
@@ -6528,7 +6419,7 @@
     </p:spTree>
     <p:extLst>
       <p:ext uri="{BB962C8B-B14F-4D97-AF65-F5344CB8AC3E}">
-        <p14:creationId xmlns:p14="http://schemas.microsoft.com/office/powerpoint/2010/main" val="1946262896"/>
+        <p14:creationId xmlns:p14="http://schemas.microsoft.com/office/powerpoint/2010/main" val="2463299159"/>
       </p:ext>
     </p:extLst>
   </p:cSld>
@@ -6569,7 +6460,7 @@
         </p:nvSpPr>
         <p:spPr>
           <a:xfrm>
-            <a:off x="4089111" y="3190473"/>
+            <a:off x="275101" y="258679"/>
             <a:ext cx="3448673" cy="477054"/>
           </a:xfrm>
           <a:prstGeom prst="rect">
@@ -6588,21 +6479,14 @@
                 <a:latin typeface="D2Coding" panose="020B0609020101020101" pitchFamily="49" charset="-127"/>
                 <a:ea typeface="D2Coding" panose="020B0609020101020101" pitchFamily="49" charset="-127"/>
               </a:rPr>
-              <a:t>어떤 패턴을 </a:t>
-            </a:r>
-            <a:r>
-              <a:rPr lang="ko-KR" altLang="en-US" sz="2500" b="1" dirty="0" err="1">
-                <a:latin typeface="D2Coding" panose="020B0609020101020101" pitchFamily="49" charset="-127"/>
-                <a:ea typeface="D2Coding" panose="020B0609020101020101" pitchFamily="49" charset="-127"/>
-              </a:rPr>
-              <a:t>써야되죠</a:t>
+              <a:t>대놓고 비교해 봅시다</a:t>
             </a:r>
             <a:r>
               <a:rPr lang="en-US" altLang="ko-KR" sz="2500" b="1" dirty="0">
                 <a:latin typeface="D2Coding" panose="020B0609020101020101" pitchFamily="49" charset="-127"/>
                 <a:ea typeface="D2Coding" panose="020B0609020101020101" pitchFamily="49" charset="-127"/>
               </a:rPr>
-              <a:t>?</a:t>
+              <a:t>.</a:t>
             </a:r>
             <a:endParaRPr lang="ko-KR" altLang="en-US" sz="2500" b="1" dirty="0">
               <a:latin typeface="D2Coding" panose="020B0609020101020101" pitchFamily="49" charset="-127"/>
@@ -6611,10 +6495,258 @@
           </a:p>
         </p:txBody>
       </p:sp>
+      <p:sp>
+        <p:nvSpPr>
+          <p:cNvPr id="7" name="TextBox 6">
+            <a:extLst>
+              <a:ext uri="{FF2B5EF4-FFF2-40B4-BE49-F238E27FC236}">
+                <a16:creationId xmlns:a16="http://schemas.microsoft.com/office/drawing/2014/main" id="{D346771F-00C8-1DC2-9D70-DBB44A705EDE}"/>
+              </a:ext>
+            </a:extLst>
+          </p:cNvPr>
+          <p:cNvSpPr txBox="1"/>
+          <p:nvPr/>
+        </p:nvSpPr>
+        <p:spPr>
+          <a:xfrm>
+            <a:off x="7633058" y="910304"/>
+            <a:ext cx="3534898" cy="323165"/>
+          </a:xfrm>
+          <a:prstGeom prst="rect">
+            <a:avLst/>
+          </a:prstGeom>
+          <a:noFill/>
+        </p:spPr>
+        <p:txBody>
+          <a:bodyPr wrap="square" rtlCol="0">
+            <a:spAutoFit/>
+          </a:bodyPr>
+          <a:lstStyle/>
+          <a:p>
+            <a:r>
+              <a:rPr lang="en-US" altLang="ko-KR" sz="1500" b="1" dirty="0">
+                <a:latin typeface="D2Coding" panose="020B0609020101020101" pitchFamily="49" charset="-127"/>
+                <a:ea typeface="D2Coding" panose="020B0609020101020101" pitchFamily="49" charset="-127"/>
+              </a:rPr>
+              <a:t>Domain Model Pattern (Thin Service)</a:t>
+            </a:r>
+            <a:endParaRPr lang="ko-KR" altLang="en-US" sz="1500" b="1" dirty="0">
+              <a:latin typeface="D2Coding" panose="020B0609020101020101" pitchFamily="49" charset="-127"/>
+              <a:ea typeface="D2Coding" panose="020B0609020101020101" pitchFamily="49" charset="-127"/>
+            </a:endParaRPr>
+          </a:p>
+        </p:txBody>
+      </p:sp>
+      <p:sp>
+        <p:nvSpPr>
+          <p:cNvPr id="9" name="TextBox 8">
+            <a:extLst>
+              <a:ext uri="{FF2B5EF4-FFF2-40B4-BE49-F238E27FC236}">
+                <a16:creationId xmlns:a16="http://schemas.microsoft.com/office/drawing/2014/main" id="{B87EFCE0-6FDE-1070-50A5-A3F95ACC4C9C}"/>
+              </a:ext>
+            </a:extLst>
+          </p:cNvPr>
+          <p:cNvSpPr txBox="1"/>
+          <p:nvPr/>
+        </p:nvSpPr>
+        <p:spPr>
+          <a:xfrm>
+            <a:off x="1024044" y="910304"/>
+            <a:ext cx="4018547" cy="323165"/>
+          </a:xfrm>
+          <a:prstGeom prst="rect">
+            <a:avLst/>
+          </a:prstGeom>
+          <a:noFill/>
+        </p:spPr>
+        <p:txBody>
+          <a:bodyPr wrap="square" rtlCol="0">
+            <a:spAutoFit/>
+          </a:bodyPr>
+          <a:lstStyle/>
+          <a:p>
+            <a:r>
+              <a:rPr lang="en-US" altLang="ko-KR" sz="1500" b="1" dirty="0">
+                <a:latin typeface="D2Coding" panose="020B0609020101020101" pitchFamily="49" charset="-127"/>
+                <a:ea typeface="D2Coding" panose="020B0609020101020101" pitchFamily="49" charset="-127"/>
+              </a:rPr>
+              <a:t>Transaction Script Pattern (Fat</a:t>
+            </a:r>
+            <a:r>
+              <a:rPr lang="ko-KR" altLang="en-US" sz="1500" b="1" dirty="0">
+                <a:latin typeface="D2Coding" panose="020B0609020101020101" pitchFamily="49" charset="-127"/>
+                <a:ea typeface="D2Coding" panose="020B0609020101020101" pitchFamily="49" charset="-127"/>
+              </a:rPr>
+              <a:t> </a:t>
+            </a:r>
+            <a:r>
+              <a:rPr lang="en-US" altLang="ko-KR" sz="1500" b="1" dirty="0">
+                <a:latin typeface="D2Coding" panose="020B0609020101020101" pitchFamily="49" charset="-127"/>
+                <a:ea typeface="D2Coding" panose="020B0609020101020101" pitchFamily="49" charset="-127"/>
+              </a:rPr>
+              <a:t>Service)</a:t>
+            </a:r>
+            <a:endParaRPr lang="ko-KR" altLang="en-US" sz="1500" b="1" dirty="0">
+              <a:latin typeface="D2Coding" panose="020B0609020101020101" pitchFamily="49" charset="-127"/>
+              <a:ea typeface="D2Coding" panose="020B0609020101020101" pitchFamily="49" charset="-127"/>
+            </a:endParaRPr>
+          </a:p>
+        </p:txBody>
+      </p:sp>
+      <p:pic>
+        <p:nvPicPr>
+          <p:cNvPr id="10" name="그림 9">
+            <a:extLst>
+              <a:ext uri="{FF2B5EF4-FFF2-40B4-BE49-F238E27FC236}">
+                <a16:creationId xmlns:a16="http://schemas.microsoft.com/office/drawing/2014/main" id="{CD56D7D4-8876-5778-58B1-5E2A0514BB12}"/>
+              </a:ext>
+            </a:extLst>
+          </p:cNvPr>
+          <p:cNvPicPr>
+            <a:picLocks noChangeAspect="1"/>
+          </p:cNvPicPr>
+          <p:nvPr/>
+        </p:nvPicPr>
+        <p:blipFill>
+          <a:blip r:embed="rId2"/>
+          <a:stretch>
+            <a:fillRect/>
+          </a:stretch>
+        </p:blipFill>
+        <p:spPr>
+          <a:xfrm>
+            <a:off x="43406" y="1336912"/>
+            <a:ext cx="6346865" cy="4107378"/>
+          </a:xfrm>
+          <a:prstGeom prst="rect">
+            <a:avLst/>
+          </a:prstGeom>
+        </p:spPr>
+      </p:pic>
+      <p:pic>
+        <p:nvPicPr>
+          <p:cNvPr id="11" name="그림 10">
+            <a:extLst>
+              <a:ext uri="{FF2B5EF4-FFF2-40B4-BE49-F238E27FC236}">
+                <a16:creationId xmlns:a16="http://schemas.microsoft.com/office/drawing/2014/main" id="{44C8843F-DB2F-B3DD-D396-53A6009B0F6C}"/>
+              </a:ext>
+            </a:extLst>
+          </p:cNvPr>
+          <p:cNvPicPr>
+            <a:picLocks noChangeAspect="1"/>
+          </p:cNvPicPr>
+          <p:nvPr/>
+        </p:nvPicPr>
+        <p:blipFill>
+          <a:blip r:embed="rId3"/>
+          <a:stretch>
+            <a:fillRect/>
+          </a:stretch>
+        </p:blipFill>
+        <p:spPr>
+          <a:xfrm>
+            <a:off x="43406" y="4789018"/>
+            <a:ext cx="3623621" cy="2117108"/>
+          </a:xfrm>
+          <a:prstGeom prst="rect">
+            <a:avLst/>
+          </a:prstGeom>
+        </p:spPr>
+      </p:pic>
+      <p:pic>
+        <p:nvPicPr>
+          <p:cNvPr id="12" name="그림 11">
+            <a:extLst>
+              <a:ext uri="{FF2B5EF4-FFF2-40B4-BE49-F238E27FC236}">
+                <a16:creationId xmlns:a16="http://schemas.microsoft.com/office/drawing/2014/main" id="{F02922C1-1276-860A-51ED-6B79C7CB164D}"/>
+              </a:ext>
+            </a:extLst>
+          </p:cNvPr>
+          <p:cNvPicPr>
+            <a:picLocks noChangeAspect="1"/>
+          </p:cNvPicPr>
+          <p:nvPr/>
+        </p:nvPicPr>
+        <p:blipFill>
+          <a:blip r:embed="rId4"/>
+          <a:stretch>
+            <a:fillRect/>
+          </a:stretch>
+        </p:blipFill>
+        <p:spPr>
+          <a:xfrm>
+            <a:off x="929100" y="4789018"/>
+            <a:ext cx="3739154" cy="2115434"/>
+          </a:xfrm>
+          <a:prstGeom prst="rect">
+            <a:avLst/>
+          </a:prstGeom>
+        </p:spPr>
+      </p:pic>
+      <p:pic>
+        <p:nvPicPr>
+          <p:cNvPr id="13" name="그림 12">
+            <a:extLst>
+              <a:ext uri="{FF2B5EF4-FFF2-40B4-BE49-F238E27FC236}">
+                <a16:creationId xmlns:a16="http://schemas.microsoft.com/office/drawing/2014/main" id="{D970227B-EE85-C396-C3E1-9CF7966D6B1C}"/>
+              </a:ext>
+            </a:extLst>
+          </p:cNvPr>
+          <p:cNvPicPr>
+            <a:picLocks noChangeAspect="1"/>
+          </p:cNvPicPr>
+          <p:nvPr/>
+        </p:nvPicPr>
+        <p:blipFill>
+          <a:blip r:embed="rId5"/>
+          <a:stretch>
+            <a:fillRect/>
+          </a:stretch>
+        </p:blipFill>
+        <p:spPr>
+          <a:xfrm>
+            <a:off x="2331285" y="4787344"/>
+            <a:ext cx="4058986" cy="2070656"/>
+          </a:xfrm>
+          <a:prstGeom prst="rect">
+            <a:avLst/>
+          </a:prstGeom>
+        </p:spPr>
+      </p:pic>
+      <p:pic>
+        <p:nvPicPr>
+          <p:cNvPr id="14" name="그림 13">
+            <a:extLst>
+              <a:ext uri="{FF2B5EF4-FFF2-40B4-BE49-F238E27FC236}">
+                <a16:creationId xmlns:a16="http://schemas.microsoft.com/office/drawing/2014/main" id="{FF3BF853-5366-756D-ACDD-B7D0DA967816}"/>
+              </a:ext>
+            </a:extLst>
+          </p:cNvPr>
+          <p:cNvPicPr>
+            <a:picLocks noChangeAspect="1"/>
+          </p:cNvPicPr>
+          <p:nvPr/>
+        </p:nvPicPr>
+        <p:blipFill>
+          <a:blip r:embed="rId6"/>
+          <a:stretch>
+            <a:fillRect/>
+          </a:stretch>
+        </p:blipFill>
+        <p:spPr>
+          <a:xfrm>
+            <a:off x="6474772" y="1336912"/>
+            <a:ext cx="5717228" cy="4378280"/>
+          </a:xfrm>
+          <a:prstGeom prst="rect">
+            <a:avLst/>
+          </a:prstGeom>
+        </p:spPr>
+      </p:pic>
     </p:spTree>
     <p:extLst>
       <p:ext uri="{BB962C8B-B14F-4D97-AF65-F5344CB8AC3E}">
-        <p14:creationId xmlns:p14="http://schemas.microsoft.com/office/powerpoint/2010/main" val="1051455222"/>
+        <p14:creationId xmlns:p14="http://schemas.microsoft.com/office/powerpoint/2010/main" val="1946262896"/>
       </p:ext>
     </p:extLst>
   </p:cSld>
@@ -6655,8 +6787,8 @@
         </p:nvSpPr>
         <p:spPr>
           <a:xfrm>
-            <a:off x="1056963" y="2649052"/>
-            <a:ext cx="10078073" cy="1338828"/>
+            <a:off x="4089111" y="3190473"/>
+            <a:ext cx="3448673" cy="477054"/>
           </a:xfrm>
           <a:prstGeom prst="rect">
             <a:avLst/>
@@ -6669,137 +6801,28 @@
           </a:bodyPr>
           <a:lstStyle/>
           <a:p>
-            <a:pPr algn="ctr"/>
-            <a:r>
-              <a:rPr lang="ko-KR" altLang="en-US" sz="2700" b="1" dirty="0">
-                <a:latin typeface="D2Coding" panose="020B0609020101020101" pitchFamily="49" charset="-127"/>
-                <a:ea typeface="D2Coding" panose="020B0609020101020101" pitchFamily="49" charset="-127"/>
-              </a:rPr>
-              <a:t>우주에 </a:t>
-            </a:r>
-            <a:r>
-              <a:rPr lang="ko-KR" altLang="en-US" sz="2700" b="1" dirty="0">
-                <a:solidFill>
-                  <a:srgbClr val="FF0000"/>
-                </a:solidFill>
-                <a:latin typeface="D2Coding" panose="020B0609020101020101" pitchFamily="49" charset="-127"/>
-                <a:ea typeface="D2Coding" panose="020B0609020101020101" pitchFamily="49" charset="-127"/>
-              </a:rPr>
-              <a:t>변하지 않는 유일한 것</a:t>
-            </a:r>
-            <a:r>
-              <a:rPr lang="ko-KR" altLang="en-US" sz="2700" b="1" dirty="0">
-                <a:latin typeface="D2Coding" panose="020B0609020101020101" pitchFamily="49" charset="-127"/>
-                <a:ea typeface="D2Coding" panose="020B0609020101020101" pitchFamily="49" charset="-127"/>
-              </a:rPr>
-              <a:t>은 </a:t>
-            </a:r>
-            <a:r>
-              <a:rPr lang="en-US" altLang="ko-KR" sz="2700" b="1" dirty="0">
-                <a:solidFill>
-                  <a:srgbClr val="FF0000"/>
-                </a:solidFill>
-                <a:latin typeface="D2Coding" panose="020B0609020101020101" pitchFamily="49" charset="-127"/>
-                <a:ea typeface="D2Coding" panose="020B0609020101020101" pitchFamily="49" charset="-127"/>
-              </a:rPr>
-              <a:t>'</a:t>
-            </a:r>
-            <a:r>
-              <a:rPr lang="ko-KR" altLang="en-US" sz="2700" b="1" dirty="0">
-                <a:solidFill>
-                  <a:srgbClr val="FF0000"/>
-                </a:solidFill>
-                <a:latin typeface="D2Coding" panose="020B0609020101020101" pitchFamily="49" charset="-127"/>
-                <a:ea typeface="D2Coding" panose="020B0609020101020101" pitchFamily="49" charset="-127"/>
-              </a:rPr>
-              <a:t>변한다</a:t>
-            </a:r>
-            <a:r>
-              <a:rPr lang="en-US" altLang="ko-KR" sz="2700" b="1" dirty="0">
-                <a:solidFill>
-                  <a:srgbClr val="FF0000"/>
-                </a:solidFill>
-                <a:latin typeface="D2Coding" panose="020B0609020101020101" pitchFamily="49" charset="-127"/>
-                <a:ea typeface="D2Coding" panose="020B0609020101020101" pitchFamily="49" charset="-127"/>
-              </a:rPr>
-              <a:t>'</a:t>
-            </a:r>
-            <a:r>
-              <a:rPr lang="ko-KR" altLang="en-US" sz="2700" b="1" dirty="0">
-                <a:latin typeface="D2Coding" panose="020B0609020101020101" pitchFamily="49" charset="-127"/>
-                <a:ea typeface="D2Coding" panose="020B0609020101020101" pitchFamily="49" charset="-127"/>
-              </a:rPr>
-              <a:t>는 </a:t>
-            </a:r>
-            <a:r>
-              <a:rPr lang="ko-KR" altLang="en-US" sz="2700" b="1" dirty="0">
-                <a:solidFill>
-                  <a:srgbClr val="FF0000"/>
-                </a:solidFill>
-                <a:latin typeface="D2Coding" panose="020B0609020101020101" pitchFamily="49" charset="-127"/>
-                <a:ea typeface="D2Coding" panose="020B0609020101020101" pitchFamily="49" charset="-127"/>
-              </a:rPr>
-              <a:t>사실</a:t>
-            </a:r>
-            <a:r>
-              <a:rPr lang="ko-KR" altLang="en-US" sz="2700" b="1" dirty="0">
-                <a:latin typeface="D2Coding" panose="020B0609020101020101" pitchFamily="49" charset="-127"/>
-                <a:ea typeface="D2Coding" panose="020B0609020101020101" pitchFamily="49" charset="-127"/>
-              </a:rPr>
-              <a:t> </a:t>
-            </a:r>
-            <a:r>
-              <a:rPr lang="ko-KR" altLang="en-US" sz="2700" b="1" dirty="0">
-                <a:solidFill>
-                  <a:srgbClr val="FF0000"/>
-                </a:solidFill>
-                <a:latin typeface="D2Coding" panose="020B0609020101020101" pitchFamily="49" charset="-127"/>
-                <a:ea typeface="D2Coding" panose="020B0609020101020101" pitchFamily="49" charset="-127"/>
-              </a:rPr>
-              <a:t>뿐</a:t>
-            </a:r>
-            <a:r>
-              <a:rPr lang="ko-KR" altLang="en-US" sz="2700" b="1" dirty="0">
-                <a:latin typeface="D2Coding" panose="020B0609020101020101" pitchFamily="49" charset="-127"/>
-                <a:ea typeface="D2Coding" panose="020B0609020101020101" pitchFamily="49" charset="-127"/>
-              </a:rPr>
-              <a:t>이다</a:t>
-            </a:r>
-            <a:r>
-              <a:rPr lang="en-US" altLang="ko-KR" sz="2700" b="1" dirty="0">
-                <a:latin typeface="D2Coding" panose="020B0609020101020101" pitchFamily="49" charset="-127"/>
-                <a:ea typeface="D2Coding" panose="020B0609020101020101" pitchFamily="49" charset="-127"/>
-              </a:rPr>
-              <a:t>.</a:t>
-            </a:r>
-          </a:p>
-          <a:p>
-            <a:pPr algn="ctr"/>
-            <a:r>
-              <a:rPr lang="en-US" altLang="ko-KR" sz="2700" dirty="0">
-                <a:latin typeface="D2Coding" panose="020B0609020101020101" pitchFamily="49" charset="-127"/>
-                <a:ea typeface="D2Coding" panose="020B0609020101020101" pitchFamily="49" charset="-127"/>
-              </a:rPr>
-              <a:t> </a:t>
-            </a:r>
-          </a:p>
-          <a:p>
-            <a:pPr algn="ctr"/>
-            <a:r>
-              <a:rPr lang="en-US" altLang="ko-KR" sz="2700" b="1" dirty="0">
-                <a:latin typeface="D2Coding" panose="020B0609020101020101" pitchFamily="49" charset="-127"/>
-                <a:ea typeface="D2Coding" panose="020B0609020101020101" pitchFamily="49" charset="-127"/>
-              </a:rPr>
-              <a:t>– </a:t>
-            </a:r>
-            <a:r>
-              <a:rPr lang="ko-KR" altLang="en-US" sz="2700" b="1" dirty="0" err="1">
-                <a:latin typeface="D2Coding" panose="020B0609020101020101" pitchFamily="49" charset="-127"/>
-                <a:ea typeface="D2Coding" panose="020B0609020101020101" pitchFamily="49" charset="-127"/>
-              </a:rPr>
-              <a:t>헤라클레이토스</a:t>
-            </a:r>
-            <a:endParaRPr lang="ko-KR" altLang="en-US" sz="2700" b="1" dirty="0">
+            <a:r>
+              <a:rPr lang="ko-KR" altLang="en-US" sz="2500" b="1" dirty="0">
+                <a:latin typeface="D2Coding" panose="020B0609020101020101" pitchFamily="49" charset="-127"/>
+                <a:ea typeface="D2Coding" panose="020B0609020101020101" pitchFamily="49" charset="-127"/>
+              </a:rPr>
+              <a:t>어떤 패턴을 </a:t>
+            </a:r>
+            <a:r>
+              <a:rPr lang="ko-KR" altLang="en-US" sz="2500" b="1" dirty="0" err="1">
+                <a:latin typeface="D2Coding" panose="020B0609020101020101" pitchFamily="49" charset="-127"/>
+                <a:ea typeface="D2Coding" panose="020B0609020101020101" pitchFamily="49" charset="-127"/>
+              </a:rPr>
+              <a:t>써야되죠</a:t>
+            </a:r>
+            <a:r>
+              <a:rPr lang="en-US" altLang="ko-KR" sz="2500" b="1" dirty="0">
+                <a:latin typeface="D2Coding" panose="020B0609020101020101" pitchFamily="49" charset="-127"/>
+                <a:ea typeface="D2Coding" panose="020B0609020101020101" pitchFamily="49" charset="-127"/>
+              </a:rPr>
+              <a:t>?</a:t>
+            </a:r>
+            <a:endParaRPr lang="ko-KR" altLang="en-US" sz="2500" b="1" dirty="0">
               <a:latin typeface="D2Coding" panose="020B0609020101020101" pitchFamily="49" charset="-127"/>
               <a:ea typeface="D2Coding" panose="020B0609020101020101" pitchFamily="49" charset="-127"/>
             </a:endParaRPr>
@@ -6809,7 +6832,7 @@
     </p:spTree>
     <p:extLst>
       <p:ext uri="{BB962C8B-B14F-4D97-AF65-F5344CB8AC3E}">
-        <p14:creationId xmlns:p14="http://schemas.microsoft.com/office/powerpoint/2010/main" val="3384165096"/>
+        <p14:creationId xmlns:p14="http://schemas.microsoft.com/office/powerpoint/2010/main" val="1051455222"/>
       </p:ext>
     </p:extLst>
   </p:cSld>
@@ -6850,8 +6873,8 @@
         </p:nvSpPr>
         <p:spPr>
           <a:xfrm>
-            <a:off x="2103615" y="3006640"/>
-            <a:ext cx="7984769" cy="507831"/>
+            <a:off x="1056963" y="2649052"/>
+            <a:ext cx="10078073" cy="1338828"/>
           </a:xfrm>
           <a:prstGeom prst="rect">
             <a:avLst/>
@@ -6870,14 +6893,129 @@
                 <a:latin typeface="D2Coding" panose="020B0609020101020101" pitchFamily="49" charset="-127"/>
                 <a:ea typeface="D2Coding" panose="020B0609020101020101" pitchFamily="49" charset="-127"/>
               </a:rPr>
-              <a:t>변화에 면역이 더 잘 되어있는 패턴이 승자다</a:t>
+              <a:t>우주에 </a:t>
+            </a:r>
+            <a:r>
+              <a:rPr lang="ko-KR" altLang="en-US" sz="2700" b="1" dirty="0">
+                <a:solidFill>
+                  <a:srgbClr val="FF0000"/>
+                </a:solidFill>
+                <a:latin typeface="D2Coding" panose="020B0609020101020101" pitchFamily="49" charset="-127"/>
+                <a:ea typeface="D2Coding" panose="020B0609020101020101" pitchFamily="49" charset="-127"/>
+              </a:rPr>
+              <a:t>변하지 않는 유일한 것</a:t>
+            </a:r>
+            <a:r>
+              <a:rPr lang="ko-KR" altLang="en-US" sz="2700" b="1" dirty="0">
+                <a:latin typeface="D2Coding" panose="020B0609020101020101" pitchFamily="49" charset="-127"/>
+                <a:ea typeface="D2Coding" panose="020B0609020101020101" pitchFamily="49" charset="-127"/>
+              </a:rPr>
+              <a:t>은 </a:t>
             </a:r>
             <a:r>
               <a:rPr lang="en-US" altLang="ko-KR" sz="2700" b="1" dirty="0">
-                <a:latin typeface="D2Coding" panose="020B0609020101020101" pitchFamily="49" charset="-127"/>
-                <a:ea typeface="D2Coding" panose="020B0609020101020101" pitchFamily="49" charset="-127"/>
-              </a:rPr>
-              <a:t>!</a:t>
+                <a:solidFill>
+                  <a:srgbClr val="FF0000"/>
+                </a:solidFill>
+                <a:latin typeface="D2Coding" panose="020B0609020101020101" pitchFamily="49" charset="-127"/>
+                <a:ea typeface="D2Coding" panose="020B0609020101020101" pitchFamily="49" charset="-127"/>
+              </a:rPr>
+              <a:t>'</a:t>
+            </a:r>
+            <a:r>
+              <a:rPr lang="ko-KR" altLang="en-US" sz="2700" b="1" dirty="0">
+                <a:solidFill>
+                  <a:srgbClr val="FF0000"/>
+                </a:solidFill>
+                <a:latin typeface="D2Coding" panose="020B0609020101020101" pitchFamily="49" charset="-127"/>
+                <a:ea typeface="D2Coding" panose="020B0609020101020101" pitchFamily="49" charset="-127"/>
+              </a:rPr>
+              <a:t>변한다</a:t>
+            </a:r>
+            <a:r>
+              <a:rPr lang="en-US" altLang="ko-KR" sz="2700" b="1" dirty="0">
+                <a:solidFill>
+                  <a:srgbClr val="FF0000"/>
+                </a:solidFill>
+                <a:latin typeface="D2Coding" panose="020B0609020101020101" pitchFamily="49" charset="-127"/>
+                <a:ea typeface="D2Coding" panose="020B0609020101020101" pitchFamily="49" charset="-127"/>
+              </a:rPr>
+              <a:t>'</a:t>
+            </a:r>
+            <a:r>
+              <a:rPr lang="ko-KR" altLang="en-US" sz="2700" b="1" dirty="0">
+                <a:latin typeface="D2Coding" panose="020B0609020101020101" pitchFamily="49" charset="-127"/>
+                <a:ea typeface="D2Coding" panose="020B0609020101020101" pitchFamily="49" charset="-127"/>
+              </a:rPr>
+              <a:t>는 </a:t>
+            </a:r>
+            <a:r>
+              <a:rPr lang="ko-KR" altLang="en-US" sz="2700" b="1" dirty="0">
+                <a:solidFill>
+                  <a:srgbClr val="FF0000"/>
+                </a:solidFill>
+                <a:latin typeface="D2Coding" panose="020B0609020101020101" pitchFamily="49" charset="-127"/>
+                <a:ea typeface="D2Coding" panose="020B0609020101020101" pitchFamily="49" charset="-127"/>
+              </a:rPr>
+              <a:t>사실</a:t>
+            </a:r>
+            <a:r>
+              <a:rPr lang="ko-KR" altLang="en-US" sz="2700" b="1" dirty="0">
+                <a:latin typeface="D2Coding" panose="020B0609020101020101" pitchFamily="49" charset="-127"/>
+                <a:ea typeface="D2Coding" panose="020B0609020101020101" pitchFamily="49" charset="-127"/>
+              </a:rPr>
+              <a:t> </a:t>
+            </a:r>
+            <a:r>
+              <a:rPr lang="ko-KR" altLang="en-US" sz="2700" b="1" dirty="0">
+                <a:solidFill>
+                  <a:srgbClr val="FF0000"/>
+                </a:solidFill>
+                <a:latin typeface="D2Coding" panose="020B0609020101020101" pitchFamily="49" charset="-127"/>
+                <a:ea typeface="D2Coding" panose="020B0609020101020101" pitchFamily="49" charset="-127"/>
+              </a:rPr>
+              <a:t>뿐</a:t>
+            </a:r>
+            <a:r>
+              <a:rPr lang="ko-KR" altLang="en-US" sz="2700" b="1" dirty="0">
+                <a:latin typeface="D2Coding" panose="020B0609020101020101" pitchFamily="49" charset="-127"/>
+                <a:ea typeface="D2Coding" panose="020B0609020101020101" pitchFamily="49" charset="-127"/>
+              </a:rPr>
+              <a:t>이다</a:t>
+            </a:r>
+            <a:r>
+              <a:rPr lang="en-US" altLang="ko-KR" sz="2700" b="1" dirty="0">
+                <a:latin typeface="D2Coding" panose="020B0609020101020101" pitchFamily="49" charset="-127"/>
+                <a:ea typeface="D2Coding" panose="020B0609020101020101" pitchFamily="49" charset="-127"/>
+              </a:rPr>
+              <a:t>.</a:t>
+            </a:r>
+          </a:p>
+          <a:p>
+            <a:pPr algn="ctr"/>
+            <a:r>
+              <a:rPr lang="en-US" altLang="ko-KR" sz="2700" dirty="0">
+                <a:latin typeface="D2Coding" panose="020B0609020101020101" pitchFamily="49" charset="-127"/>
+                <a:ea typeface="D2Coding" panose="020B0609020101020101" pitchFamily="49" charset="-127"/>
+              </a:rPr>
+              <a:t> </a:t>
+            </a:r>
+          </a:p>
+          <a:p>
+            <a:pPr algn="ctr"/>
+            <a:r>
+              <a:rPr lang="en-US" altLang="ko-KR" sz="2700" b="1" dirty="0">
+                <a:latin typeface="D2Coding" panose="020B0609020101020101" pitchFamily="49" charset="-127"/>
+                <a:ea typeface="D2Coding" panose="020B0609020101020101" pitchFamily="49" charset="-127"/>
+              </a:rPr>
+              <a:t>– </a:t>
+            </a:r>
+            <a:r>
+              <a:rPr lang="ko-KR" altLang="en-US" sz="2700" b="1" dirty="0" err="1">
+                <a:latin typeface="D2Coding" panose="020B0609020101020101" pitchFamily="49" charset="-127"/>
+                <a:ea typeface="D2Coding" panose="020B0609020101020101" pitchFamily="49" charset="-127"/>
+              </a:rPr>
+              <a:t>헤라클레이토스</a:t>
             </a:r>
             <a:endParaRPr lang="ko-KR" altLang="en-US" sz="2700" b="1" dirty="0">
               <a:latin typeface="D2Coding" panose="020B0609020101020101" pitchFamily="49" charset="-127"/>
@@ -6889,7 +7027,7 @@
     </p:spTree>
     <p:extLst>
       <p:ext uri="{BB962C8B-B14F-4D97-AF65-F5344CB8AC3E}">
-        <p14:creationId xmlns:p14="http://schemas.microsoft.com/office/powerpoint/2010/main" val="3759636775"/>
+        <p14:creationId xmlns:p14="http://schemas.microsoft.com/office/powerpoint/2010/main" val="3384165096"/>
       </p:ext>
     </p:extLst>
   </p:cSld>
@@ -7137,8 +7275,8 @@
         </p:nvSpPr>
         <p:spPr>
           <a:xfrm>
-            <a:off x="2290200" y="3001878"/>
-            <a:ext cx="7611599" cy="477054"/>
+            <a:off x="2103615" y="3006640"/>
+            <a:ext cx="7984769" cy="507831"/>
           </a:xfrm>
           <a:prstGeom prst="rect">
             <a:avLst/>
@@ -7151,56 +7289,49 @@
           </a:bodyPr>
           <a:lstStyle/>
           <a:p>
-            <a:r>
-              <a:rPr lang="ko-KR" altLang="en-US" sz="2500" b="1" dirty="0">
-                <a:latin typeface="D2Coding" panose="020B0609020101020101" pitchFamily="49" charset="-127"/>
-                <a:ea typeface="D2Coding" panose="020B0609020101020101" pitchFamily="49" charset="-127"/>
-              </a:rPr>
-              <a:t>변화 적용 </a:t>
-            </a:r>
-            <a:r>
-              <a:rPr lang="en-US" altLang="ko-KR" sz="2500" b="1" dirty="0">
-                <a:latin typeface="D2Coding" panose="020B0609020101020101" pitchFamily="49" charset="-127"/>
-                <a:ea typeface="D2Coding" panose="020B0609020101020101" pitchFamily="49" charset="-127"/>
-              </a:rPr>
-              <a:t>– </a:t>
-            </a:r>
-            <a:r>
-              <a:rPr lang="ko-KR" altLang="en-US" sz="2500" b="1" dirty="0">
-                <a:latin typeface="D2Coding" panose="020B0609020101020101" pitchFamily="49" charset="-127"/>
-                <a:ea typeface="D2Coding" panose="020B0609020101020101" pitchFamily="49" charset="-127"/>
-              </a:rPr>
-              <a:t>영화 예매 시 </a:t>
-            </a:r>
-            <a:r>
-              <a:rPr lang="en-US" altLang="ko-KR" sz="2500" b="1" dirty="0">
-                <a:latin typeface="D2Coding" panose="020B0609020101020101" pitchFamily="49" charset="-127"/>
-                <a:ea typeface="D2Coding" panose="020B0609020101020101" pitchFamily="49" charset="-127"/>
-              </a:rPr>
-              <a:t>“</a:t>
-            </a:r>
-            <a:r>
-              <a:rPr lang="ko-KR" altLang="en-US" sz="2500" b="1" dirty="0">
-                <a:latin typeface="D2Coding" panose="020B0609020101020101" pitchFamily="49" charset="-127"/>
-                <a:ea typeface="D2Coding" panose="020B0609020101020101" pitchFamily="49" charset="-127"/>
-              </a:rPr>
-              <a:t>중복 할인 혜택</a:t>
-            </a:r>
-            <a:r>
-              <a:rPr lang="en-US" altLang="ko-KR" sz="2500" b="1" dirty="0">
-                <a:latin typeface="D2Coding" panose="020B0609020101020101" pitchFamily="49" charset="-127"/>
-                <a:ea typeface="D2Coding" panose="020B0609020101020101" pitchFamily="49" charset="-127"/>
-              </a:rPr>
-              <a:t>“ </a:t>
-            </a:r>
-            <a:r>
-              <a:rPr lang="ko-KR" altLang="en-US" sz="2500" b="1" dirty="0">
-                <a:latin typeface="D2Coding" panose="020B0609020101020101" pitchFamily="49" charset="-127"/>
-                <a:ea typeface="D2Coding" panose="020B0609020101020101" pitchFamily="49" charset="-127"/>
-              </a:rPr>
-              <a:t>추가</a:t>
-            </a:r>
-            <a:endParaRPr lang="en-US" altLang="ko-KR" sz="2500" b="1" dirty="0">
+            <a:pPr algn="ctr"/>
+            <a:r>
+              <a:rPr lang="ko-KR" altLang="en-US" sz="2700" b="1" dirty="0">
+                <a:solidFill>
+                  <a:srgbClr val="FF0000"/>
+                </a:solidFill>
+                <a:latin typeface="D2Coding" panose="020B0609020101020101" pitchFamily="49" charset="-127"/>
+                <a:ea typeface="D2Coding" panose="020B0609020101020101" pitchFamily="49" charset="-127"/>
+              </a:rPr>
+              <a:t>변화</a:t>
+            </a:r>
+            <a:r>
+              <a:rPr lang="ko-KR" altLang="en-US" sz="2700" b="1" dirty="0">
+                <a:latin typeface="D2Coding" panose="020B0609020101020101" pitchFamily="49" charset="-127"/>
+                <a:ea typeface="D2Coding" panose="020B0609020101020101" pitchFamily="49" charset="-127"/>
+              </a:rPr>
+              <a:t>에 </a:t>
+            </a:r>
+            <a:r>
+              <a:rPr lang="ko-KR" altLang="en-US" sz="2700" b="1" dirty="0">
+                <a:solidFill>
+                  <a:srgbClr val="00B0F0"/>
+                </a:solidFill>
+                <a:latin typeface="D2Coding" panose="020B0609020101020101" pitchFamily="49" charset="-127"/>
+                <a:ea typeface="D2Coding" panose="020B0609020101020101" pitchFamily="49" charset="-127"/>
+              </a:rPr>
+              <a:t>면역</a:t>
+            </a:r>
+            <a:r>
+              <a:rPr lang="ko-KR" altLang="en-US" sz="2700" b="1" dirty="0">
+                <a:latin typeface="D2Coding" panose="020B0609020101020101" pitchFamily="49" charset="-127"/>
+                <a:ea typeface="D2Coding" panose="020B0609020101020101" pitchFamily="49" charset="-127"/>
+              </a:rPr>
+              <a:t>이 더 잘 되어있는 패턴이 승자다</a:t>
+            </a:r>
+            <a:r>
+              <a:rPr lang="en-US" altLang="ko-KR" sz="2700" b="1" dirty="0">
+                <a:latin typeface="D2Coding" panose="020B0609020101020101" pitchFamily="49" charset="-127"/>
+                <a:ea typeface="D2Coding" panose="020B0609020101020101" pitchFamily="49" charset="-127"/>
+              </a:rPr>
+              <a:t>!</a:t>
+            </a:r>
+            <a:endParaRPr lang="ko-KR" altLang="en-US" sz="2700" b="1" dirty="0">
               <a:latin typeface="D2Coding" panose="020B0609020101020101" pitchFamily="49" charset="-127"/>
               <a:ea typeface="D2Coding" panose="020B0609020101020101" pitchFamily="49" charset="-127"/>
             </a:endParaRPr>
@@ -7210,7 +7341,7 @@
     </p:spTree>
     <p:extLst>
       <p:ext uri="{BB962C8B-B14F-4D97-AF65-F5344CB8AC3E}">
-        <p14:creationId xmlns:p14="http://schemas.microsoft.com/office/powerpoint/2010/main" val="2967899605"/>
+        <p14:creationId xmlns:p14="http://schemas.microsoft.com/office/powerpoint/2010/main" val="3759636775"/>
       </p:ext>
     </p:extLst>
   </p:cSld>
@@ -7237,36 +7368,6 @@
           <a:chExt cx="0" cy="0"/>
         </a:xfrm>
       </p:grpSpPr>
-      <p:pic>
-        <p:nvPicPr>
-          <p:cNvPr id="5" name="그림 4">
-            <a:extLst>
-              <a:ext uri="{FF2B5EF4-FFF2-40B4-BE49-F238E27FC236}">
-                <a16:creationId xmlns:a16="http://schemas.microsoft.com/office/drawing/2014/main" id="{2C703599-B8A9-93E6-F214-0E4A7F3C07F4}"/>
-              </a:ext>
-            </a:extLst>
-          </p:cNvPr>
-          <p:cNvPicPr>
-            <a:picLocks noChangeAspect="1"/>
-          </p:cNvPicPr>
-          <p:nvPr/>
-        </p:nvPicPr>
-        <p:blipFill>
-          <a:blip r:embed="rId2"/>
-          <a:stretch>
-            <a:fillRect/>
-          </a:stretch>
-        </p:blipFill>
-        <p:spPr>
-          <a:xfrm>
-            <a:off x="476543" y="1571528"/>
-            <a:ext cx="6886783" cy="4456786"/>
-          </a:xfrm>
-          <a:prstGeom prst="rect">
-            <a:avLst/>
-          </a:prstGeom>
-        </p:spPr>
-      </p:pic>
       <p:sp>
         <p:nvSpPr>
           <p:cNvPr id="3" name="TextBox 2">
@@ -7281,8 +7382,8 @@
         </p:nvSpPr>
         <p:spPr>
           <a:xfrm>
-            <a:off x="413464" y="385010"/>
-            <a:ext cx="7611599" cy="1123384"/>
+            <a:off x="2290200" y="3001878"/>
+            <a:ext cx="7611599" cy="477054"/>
           </a:xfrm>
           <a:prstGeom prst="rect">
             <a:avLst/>
@@ -7349,70 +7450,12 @@
               <a:ea typeface="D2Coding" panose="020B0609020101020101" pitchFamily="49" charset="-127"/>
             </a:endParaRPr>
           </a:p>
-          <a:p>
-            <a:endParaRPr lang="en-US" altLang="ko-KR" sz="2500" b="1" dirty="0">
-              <a:latin typeface="D2Coding" panose="020B0609020101020101" pitchFamily="49" charset="-127"/>
-              <a:ea typeface="D2Coding" panose="020B0609020101020101" pitchFamily="49" charset="-127"/>
-            </a:endParaRPr>
-          </a:p>
-          <a:p>
-            <a:r>
-              <a:rPr lang="en-US" altLang="ko-KR" sz="1700" b="1" dirty="0">
-                <a:latin typeface="D2Coding" panose="020B0609020101020101" pitchFamily="49" charset="-127"/>
-                <a:ea typeface="D2Coding" panose="020B0609020101020101" pitchFamily="49" charset="-127"/>
-              </a:rPr>
-              <a:t>Transaction Script Pattern</a:t>
-            </a:r>
-          </a:p>
-        </p:txBody>
-      </p:sp>
-      <p:cxnSp>
-        <p:nvCxnSpPr>
-          <p:cNvPr id="6" name="직선 연결선 5">
-            <a:extLst>
-              <a:ext uri="{FF2B5EF4-FFF2-40B4-BE49-F238E27FC236}">
-                <a16:creationId xmlns:a16="http://schemas.microsoft.com/office/drawing/2014/main" id="{6848A02C-EB45-E308-14A5-B3F34F714087}"/>
-              </a:ext>
-            </a:extLst>
-          </p:cNvPr>
-          <p:cNvCxnSpPr>
-            <a:cxnSpLocks/>
-          </p:cNvCxnSpPr>
-          <p:nvPr/>
-        </p:nvCxnSpPr>
-        <p:spPr>
-          <a:xfrm>
-            <a:off x="1594185" y="4277228"/>
-            <a:ext cx="1780673" cy="0"/>
-          </a:xfrm>
-          <a:prstGeom prst="line">
-            <a:avLst/>
-          </a:prstGeom>
-          <a:ln w="34925">
-            <a:solidFill>
-              <a:srgbClr val="FF0000"/>
-            </a:solidFill>
-          </a:ln>
-        </p:spPr>
-        <p:style>
-          <a:lnRef idx="1">
-            <a:schemeClr val="accent1"/>
-          </a:lnRef>
-          <a:fillRef idx="0">
-            <a:schemeClr val="accent1"/>
-          </a:fillRef>
-          <a:effectRef idx="0">
-            <a:schemeClr val="accent1"/>
-          </a:effectRef>
-          <a:fontRef idx="minor">
-            <a:schemeClr val="tx1"/>
-          </a:fontRef>
-        </p:style>
-      </p:cxnSp>
+        </p:txBody>
+      </p:sp>
     </p:spTree>
     <p:extLst>
       <p:ext uri="{BB962C8B-B14F-4D97-AF65-F5344CB8AC3E}">
-        <p14:creationId xmlns:p14="http://schemas.microsoft.com/office/powerpoint/2010/main" val="1242500770"/>
+        <p14:creationId xmlns:p14="http://schemas.microsoft.com/office/powerpoint/2010/main" val="2967899605"/>
       </p:ext>
     </p:extLst>
   </p:cSld>
@@ -7441,10 +7484,10 @@
       </p:grpSpPr>
       <p:pic>
         <p:nvPicPr>
-          <p:cNvPr id="6" name="그림 5">
-            <a:extLst>
-              <a:ext uri="{FF2B5EF4-FFF2-40B4-BE49-F238E27FC236}">
-                <a16:creationId xmlns:a16="http://schemas.microsoft.com/office/drawing/2014/main" id="{50EDF421-EF82-D4FE-7B3F-61CDC4D9290D}"/>
+          <p:cNvPr id="5" name="그림 4">
+            <a:extLst>
+              <a:ext uri="{FF2B5EF4-FFF2-40B4-BE49-F238E27FC236}">
+                <a16:creationId xmlns:a16="http://schemas.microsoft.com/office/drawing/2014/main" id="{2C703599-B8A9-93E6-F214-0E4A7F3C07F4}"/>
               </a:ext>
             </a:extLst>
           </p:cNvPr>
@@ -7461,8 +7504,8 @@
         </p:blipFill>
         <p:spPr>
           <a:xfrm>
-            <a:off x="6510785" y="1460519"/>
-            <a:ext cx="5568631" cy="3936962"/>
+            <a:off x="2515895" y="1697552"/>
+            <a:ext cx="6886783" cy="4456786"/>
           </a:xfrm>
           <a:prstGeom prst="rect">
             <a:avLst/>
@@ -7484,7 +7527,7 @@
         <p:spPr>
           <a:xfrm>
             <a:off x="413464" y="385010"/>
-            <a:ext cx="7611599" cy="1123384"/>
+            <a:ext cx="7611599" cy="861774"/>
           </a:xfrm>
           <a:prstGeom prst="rect">
             <a:avLst/>
@@ -7557,23 +7600,14 @@
               <a:ea typeface="D2Coding" panose="020B0609020101020101" pitchFamily="49" charset="-127"/>
             </a:endParaRPr>
           </a:p>
-          <a:p>
-            <a:r>
-              <a:rPr lang="en-US" altLang="ko-KR" sz="1700" b="1" dirty="0">
-                <a:latin typeface="D2Coding" panose="020B0609020101020101" pitchFamily="49" charset="-127"/>
-                <a:ea typeface="D2Coding" panose="020B0609020101020101" pitchFamily="49" charset="-127"/>
-              </a:rPr>
-              <a:t>Transaction Script Pattern</a:t>
-            </a:r>
-          </a:p>
         </p:txBody>
       </p:sp>
       <p:cxnSp>
         <p:nvCxnSpPr>
-          <p:cNvPr id="10" name="직선 화살표 연결선 9">
-            <a:extLst>
-              <a:ext uri="{FF2B5EF4-FFF2-40B4-BE49-F238E27FC236}">
-                <a16:creationId xmlns:a16="http://schemas.microsoft.com/office/drawing/2014/main" id="{793A976D-9663-F574-8625-FFB5D0709DDB}"/>
+          <p:cNvPr id="6" name="직선 연결선 5">
+            <a:extLst>
+              <a:ext uri="{FF2B5EF4-FFF2-40B4-BE49-F238E27FC236}">
+                <a16:creationId xmlns:a16="http://schemas.microsoft.com/office/drawing/2014/main" id="{6848A02C-EB45-E308-14A5-B3F34F714087}"/>
               </a:ext>
             </a:extLst>
           </p:cNvPr>
@@ -7583,18 +7617,17 @@
           <p:nvPr/>
         </p:nvCxnSpPr>
         <p:spPr>
-          <a:xfrm flipV="1">
-            <a:off x="5913204" y="3479484"/>
-            <a:ext cx="597581" cy="3731"/>
-          </a:xfrm>
-          <a:prstGeom prst="straightConnector1">
-            <a:avLst/>
-          </a:prstGeom>
-          <a:ln w="60325">
+          <a:xfrm>
+            <a:off x="3633537" y="4403252"/>
+            <a:ext cx="1780673" cy="0"/>
+          </a:xfrm>
+          <a:prstGeom prst="line">
+            <a:avLst/>
+          </a:prstGeom>
+          <a:ln w="34925">
             <a:solidFill>
               <a:srgbClr val="FF0000"/>
             </a:solidFill>
-            <a:tailEnd type="triangle"/>
           </a:ln>
         </p:spPr>
         <p:style>
@@ -7612,83 +7645,49 @@
           </a:fontRef>
         </p:style>
       </p:cxnSp>
-      <p:cxnSp>
-        <p:nvCxnSpPr>
-          <p:cNvPr id="2" name="직선 연결선 1">
-            <a:extLst>
-              <a:ext uri="{FF2B5EF4-FFF2-40B4-BE49-F238E27FC236}">
-                <a16:creationId xmlns:a16="http://schemas.microsoft.com/office/drawing/2014/main" id="{99628FFB-5090-4B90-0930-D5D374F151A4}"/>
-              </a:ext>
-            </a:extLst>
-          </p:cNvPr>
-          <p:cNvCxnSpPr>
-            <a:cxnSpLocks/>
-          </p:cNvCxnSpPr>
-          <p:nvPr/>
-        </p:nvCxnSpPr>
-        <p:spPr>
-          <a:xfrm>
-            <a:off x="6839954" y="3092118"/>
-            <a:ext cx="2526631" cy="0"/>
-          </a:xfrm>
-          <a:prstGeom prst="line">
-            <a:avLst/>
-          </a:prstGeom>
-          <a:ln w="34925">
-            <a:solidFill>
-              <a:srgbClr val="FF0000"/>
-            </a:solidFill>
-          </a:ln>
-        </p:spPr>
-        <p:style>
-          <a:lnRef idx="1">
-            <a:schemeClr val="accent1"/>
-          </a:lnRef>
-          <a:fillRef idx="0">
-            <a:schemeClr val="accent1"/>
-          </a:fillRef>
-          <a:effectRef idx="0">
-            <a:schemeClr val="accent1"/>
-          </a:effectRef>
-          <a:fontRef idx="minor">
-            <a:schemeClr val="tx1"/>
-          </a:fontRef>
-        </p:style>
-      </p:cxnSp>
-      <p:pic>
-        <p:nvPicPr>
-          <p:cNvPr id="7" name="그림 6">
-            <a:extLst>
-              <a:ext uri="{FF2B5EF4-FFF2-40B4-BE49-F238E27FC236}">
-                <a16:creationId xmlns:a16="http://schemas.microsoft.com/office/drawing/2014/main" id="{836FE54C-1498-2977-805E-7AEC9B0AB488}"/>
-              </a:ext>
-            </a:extLst>
-          </p:cNvPr>
-          <p:cNvPicPr>
-            <a:picLocks noChangeAspect="1"/>
-          </p:cNvPicPr>
-          <p:nvPr/>
-        </p:nvPicPr>
-        <p:blipFill>
-          <a:blip r:embed="rId3"/>
-          <a:stretch>
-            <a:fillRect/>
-          </a:stretch>
-        </p:blipFill>
-        <p:spPr>
-          <a:xfrm>
-            <a:off x="130632" y="1818628"/>
-            <a:ext cx="5774613" cy="3266999"/>
-          </a:xfrm>
-          <a:prstGeom prst="rect">
-            <a:avLst/>
-          </a:prstGeom>
-        </p:spPr>
-      </p:pic>
+      <p:sp>
+        <p:nvSpPr>
+          <p:cNvPr id="4" name="TextBox 3">
+            <a:extLst>
+              <a:ext uri="{FF2B5EF4-FFF2-40B4-BE49-F238E27FC236}">
+                <a16:creationId xmlns:a16="http://schemas.microsoft.com/office/drawing/2014/main" id="{97A2CD79-49B2-B82B-91F0-B58E95EA6795}"/>
+              </a:ext>
+            </a:extLst>
+          </p:cNvPr>
+          <p:cNvSpPr txBox="1"/>
+          <p:nvPr/>
+        </p:nvSpPr>
+        <p:spPr>
+          <a:xfrm>
+            <a:off x="2801732" y="1246784"/>
+            <a:ext cx="6097002" cy="369332"/>
+          </a:xfrm>
+          <a:prstGeom prst="rect">
+            <a:avLst/>
+          </a:prstGeom>
+          <a:noFill/>
+        </p:spPr>
+        <p:txBody>
+          <a:bodyPr wrap="square">
+            <a:spAutoFit/>
+          </a:bodyPr>
+          <a:lstStyle/>
+          <a:p>
+            <a:pPr algn="ctr"/>
+            <a:r>
+              <a:rPr lang="en-US" altLang="ko-KR" sz="1800" b="1" dirty="0">
+                <a:latin typeface="D2Coding" panose="020B0609020101020101" pitchFamily="49" charset="-127"/>
+                <a:ea typeface="D2Coding" panose="020B0609020101020101" pitchFamily="49" charset="-127"/>
+              </a:rPr>
+              <a:t>Transaction Script Pattern</a:t>
+            </a:r>
+          </a:p>
+        </p:txBody>
+      </p:sp>
     </p:spTree>
     <p:extLst>
       <p:ext uri="{BB962C8B-B14F-4D97-AF65-F5344CB8AC3E}">
-        <p14:creationId xmlns:p14="http://schemas.microsoft.com/office/powerpoint/2010/main" val="2049180106"/>
+        <p14:creationId xmlns:p14="http://schemas.microsoft.com/office/powerpoint/2010/main" val="3048275020"/>
       </p:ext>
     </p:extLst>
   </p:cSld>
@@ -7715,6 +7714,282 @@
           <a:chExt cx="0" cy="0"/>
         </a:xfrm>
       </p:grpSpPr>
+      <p:pic>
+        <p:nvPicPr>
+          <p:cNvPr id="6" name="그림 5">
+            <a:extLst>
+              <a:ext uri="{FF2B5EF4-FFF2-40B4-BE49-F238E27FC236}">
+                <a16:creationId xmlns:a16="http://schemas.microsoft.com/office/drawing/2014/main" id="{50EDF421-EF82-D4FE-7B3F-61CDC4D9290D}"/>
+              </a:ext>
+            </a:extLst>
+          </p:cNvPr>
+          <p:cNvPicPr>
+            <a:picLocks noChangeAspect="1"/>
+          </p:cNvPicPr>
+          <p:nvPr/>
+        </p:nvPicPr>
+        <p:blipFill>
+          <a:blip r:embed="rId2"/>
+          <a:stretch>
+            <a:fillRect/>
+          </a:stretch>
+        </p:blipFill>
+        <p:spPr>
+          <a:xfrm>
+            <a:off x="6510785" y="1460519"/>
+            <a:ext cx="5568631" cy="3936962"/>
+          </a:xfrm>
+          <a:prstGeom prst="rect">
+            <a:avLst/>
+          </a:prstGeom>
+        </p:spPr>
+      </p:pic>
+      <p:sp>
+        <p:nvSpPr>
+          <p:cNvPr id="3" name="TextBox 2">
+            <a:extLst>
+              <a:ext uri="{FF2B5EF4-FFF2-40B4-BE49-F238E27FC236}">
+                <a16:creationId xmlns:a16="http://schemas.microsoft.com/office/drawing/2014/main" id="{AA04A1C0-37DF-D426-F3E6-56FE4CFAB354}"/>
+              </a:ext>
+            </a:extLst>
+          </p:cNvPr>
+          <p:cNvSpPr txBox="1"/>
+          <p:nvPr/>
+        </p:nvSpPr>
+        <p:spPr>
+          <a:xfrm>
+            <a:off x="413464" y="385010"/>
+            <a:ext cx="7611599" cy="1123384"/>
+          </a:xfrm>
+          <a:prstGeom prst="rect">
+            <a:avLst/>
+          </a:prstGeom>
+          <a:noFill/>
+        </p:spPr>
+        <p:txBody>
+          <a:bodyPr wrap="square" rtlCol="0">
+            <a:spAutoFit/>
+          </a:bodyPr>
+          <a:lstStyle/>
+          <a:p>
+            <a:r>
+              <a:rPr lang="ko-KR" altLang="en-US" sz="2500" b="1" dirty="0">
+                <a:latin typeface="D2Coding" panose="020B0609020101020101" pitchFamily="49" charset="-127"/>
+                <a:ea typeface="D2Coding" panose="020B0609020101020101" pitchFamily="49" charset="-127"/>
+              </a:rPr>
+              <a:t>변화 적용 </a:t>
+            </a:r>
+            <a:r>
+              <a:rPr lang="en-US" altLang="ko-KR" sz="2500" b="1" dirty="0">
+                <a:latin typeface="D2Coding" panose="020B0609020101020101" pitchFamily="49" charset="-127"/>
+                <a:ea typeface="D2Coding" panose="020B0609020101020101" pitchFamily="49" charset="-127"/>
+              </a:rPr>
+              <a:t>– </a:t>
+            </a:r>
+            <a:r>
+              <a:rPr lang="ko-KR" altLang="en-US" sz="2500" b="1" dirty="0">
+                <a:latin typeface="D2Coding" panose="020B0609020101020101" pitchFamily="49" charset="-127"/>
+                <a:ea typeface="D2Coding" panose="020B0609020101020101" pitchFamily="49" charset="-127"/>
+              </a:rPr>
+              <a:t>영화 예매 시 </a:t>
+            </a:r>
+            <a:r>
+              <a:rPr lang="en-US" altLang="ko-KR" sz="2500" b="1" dirty="0">
+                <a:latin typeface="D2Coding" panose="020B0609020101020101" pitchFamily="49" charset="-127"/>
+                <a:ea typeface="D2Coding" panose="020B0609020101020101" pitchFamily="49" charset="-127"/>
+              </a:rPr>
+              <a:t>“</a:t>
+            </a:r>
+            <a:r>
+              <a:rPr lang="ko-KR" altLang="en-US" sz="2500" b="1" dirty="0">
+                <a:latin typeface="D2Coding" panose="020B0609020101020101" pitchFamily="49" charset="-127"/>
+                <a:ea typeface="D2Coding" panose="020B0609020101020101" pitchFamily="49" charset="-127"/>
+              </a:rPr>
+              <a:t>중복 할인 혜택</a:t>
+            </a:r>
+            <a:r>
+              <a:rPr lang="en-US" altLang="ko-KR" sz="2500" b="1" dirty="0">
+                <a:latin typeface="D2Coding" panose="020B0609020101020101" pitchFamily="49" charset="-127"/>
+                <a:ea typeface="D2Coding" panose="020B0609020101020101" pitchFamily="49" charset="-127"/>
+              </a:rPr>
+              <a:t>“ </a:t>
+            </a:r>
+            <a:r>
+              <a:rPr lang="ko-KR" altLang="en-US" sz="2500" b="1" dirty="0">
+                <a:latin typeface="D2Coding" panose="020B0609020101020101" pitchFamily="49" charset="-127"/>
+                <a:ea typeface="D2Coding" panose="020B0609020101020101" pitchFamily="49" charset="-127"/>
+              </a:rPr>
+              <a:t>추가</a:t>
+            </a:r>
+            <a:endParaRPr lang="en-US" altLang="ko-KR" sz="2500" b="1" dirty="0">
+              <a:latin typeface="D2Coding" panose="020B0609020101020101" pitchFamily="49" charset="-127"/>
+              <a:ea typeface="D2Coding" panose="020B0609020101020101" pitchFamily="49" charset="-127"/>
+            </a:endParaRPr>
+          </a:p>
+          <a:p>
+            <a:endParaRPr lang="en-US" altLang="ko-KR" sz="2500" b="1" dirty="0">
+              <a:latin typeface="D2Coding" panose="020B0609020101020101" pitchFamily="49" charset="-127"/>
+              <a:ea typeface="D2Coding" panose="020B0609020101020101" pitchFamily="49" charset="-127"/>
+            </a:endParaRPr>
+          </a:p>
+          <a:p>
+            <a:r>
+              <a:rPr lang="en-US" altLang="ko-KR" sz="1700" b="1" dirty="0">
+                <a:latin typeface="D2Coding" panose="020B0609020101020101" pitchFamily="49" charset="-127"/>
+                <a:ea typeface="D2Coding" panose="020B0609020101020101" pitchFamily="49" charset="-127"/>
+              </a:rPr>
+              <a:t>Transaction Script Pattern</a:t>
+            </a:r>
+          </a:p>
+        </p:txBody>
+      </p:sp>
+      <p:cxnSp>
+        <p:nvCxnSpPr>
+          <p:cNvPr id="10" name="직선 화살표 연결선 9">
+            <a:extLst>
+              <a:ext uri="{FF2B5EF4-FFF2-40B4-BE49-F238E27FC236}">
+                <a16:creationId xmlns:a16="http://schemas.microsoft.com/office/drawing/2014/main" id="{793A976D-9663-F574-8625-FFB5D0709DDB}"/>
+              </a:ext>
+            </a:extLst>
+          </p:cNvPr>
+          <p:cNvCxnSpPr>
+            <a:cxnSpLocks/>
+          </p:cNvCxnSpPr>
+          <p:nvPr/>
+        </p:nvCxnSpPr>
+        <p:spPr>
+          <a:xfrm flipV="1">
+            <a:off x="5913204" y="3479484"/>
+            <a:ext cx="597581" cy="3731"/>
+          </a:xfrm>
+          <a:prstGeom prst="straightConnector1">
+            <a:avLst/>
+          </a:prstGeom>
+          <a:ln w="60325">
+            <a:solidFill>
+              <a:srgbClr val="FF0000"/>
+            </a:solidFill>
+            <a:tailEnd type="triangle"/>
+          </a:ln>
+        </p:spPr>
+        <p:style>
+          <a:lnRef idx="1">
+            <a:schemeClr val="accent1"/>
+          </a:lnRef>
+          <a:fillRef idx="0">
+            <a:schemeClr val="accent1"/>
+          </a:fillRef>
+          <a:effectRef idx="0">
+            <a:schemeClr val="accent1"/>
+          </a:effectRef>
+          <a:fontRef idx="minor">
+            <a:schemeClr val="tx1"/>
+          </a:fontRef>
+        </p:style>
+      </p:cxnSp>
+      <p:cxnSp>
+        <p:nvCxnSpPr>
+          <p:cNvPr id="2" name="직선 연결선 1">
+            <a:extLst>
+              <a:ext uri="{FF2B5EF4-FFF2-40B4-BE49-F238E27FC236}">
+                <a16:creationId xmlns:a16="http://schemas.microsoft.com/office/drawing/2014/main" id="{99628FFB-5090-4B90-0930-D5D374F151A4}"/>
+              </a:ext>
+            </a:extLst>
+          </p:cNvPr>
+          <p:cNvCxnSpPr>
+            <a:cxnSpLocks/>
+          </p:cNvCxnSpPr>
+          <p:nvPr/>
+        </p:nvCxnSpPr>
+        <p:spPr>
+          <a:xfrm>
+            <a:off x="6839954" y="3092118"/>
+            <a:ext cx="2526631" cy="0"/>
+          </a:xfrm>
+          <a:prstGeom prst="line">
+            <a:avLst/>
+          </a:prstGeom>
+          <a:ln w="34925">
+            <a:solidFill>
+              <a:srgbClr val="FF0000"/>
+            </a:solidFill>
+          </a:ln>
+        </p:spPr>
+        <p:style>
+          <a:lnRef idx="1">
+            <a:schemeClr val="accent1"/>
+          </a:lnRef>
+          <a:fillRef idx="0">
+            <a:schemeClr val="accent1"/>
+          </a:fillRef>
+          <a:effectRef idx="0">
+            <a:schemeClr val="accent1"/>
+          </a:effectRef>
+          <a:fontRef idx="minor">
+            <a:schemeClr val="tx1"/>
+          </a:fontRef>
+        </p:style>
+      </p:cxnSp>
+      <p:pic>
+        <p:nvPicPr>
+          <p:cNvPr id="7" name="그림 6">
+            <a:extLst>
+              <a:ext uri="{FF2B5EF4-FFF2-40B4-BE49-F238E27FC236}">
+                <a16:creationId xmlns:a16="http://schemas.microsoft.com/office/drawing/2014/main" id="{836FE54C-1498-2977-805E-7AEC9B0AB488}"/>
+              </a:ext>
+            </a:extLst>
+          </p:cNvPr>
+          <p:cNvPicPr>
+            <a:picLocks noChangeAspect="1"/>
+          </p:cNvPicPr>
+          <p:nvPr/>
+        </p:nvPicPr>
+        <p:blipFill>
+          <a:blip r:embed="rId3"/>
+          <a:stretch>
+            <a:fillRect/>
+          </a:stretch>
+        </p:blipFill>
+        <p:spPr>
+          <a:xfrm>
+            <a:off x="130632" y="1818628"/>
+            <a:ext cx="5774613" cy="3266999"/>
+          </a:xfrm>
+          <a:prstGeom prst="rect">
+            <a:avLst/>
+          </a:prstGeom>
+        </p:spPr>
+      </p:pic>
+    </p:spTree>
+    <p:extLst>
+      <p:ext uri="{BB962C8B-B14F-4D97-AF65-F5344CB8AC3E}">
+        <p14:creationId xmlns:p14="http://schemas.microsoft.com/office/powerpoint/2010/main" val="2049180106"/>
+      </p:ext>
+    </p:extLst>
+  </p:cSld>
+  <p:clrMapOvr>
+    <a:masterClrMapping/>
+  </p:clrMapOvr>
+</p:sld>
+</file>
+
+<file path=ppt/slides/slide34.xml><?xml version="1.0" encoding="utf-8"?>
+<p:sld xmlns:a="http://schemas.openxmlformats.org/drawingml/2006/main" xmlns:r="http://schemas.openxmlformats.org/officeDocument/2006/relationships" xmlns:p="http://schemas.openxmlformats.org/presentationml/2006/main">
+  <p:cSld>
+    <p:spTree>
+      <p:nvGrpSpPr>
+        <p:cNvPr id="1" name=""/>
+        <p:cNvGrpSpPr/>
+        <p:nvPr/>
+      </p:nvGrpSpPr>
+      <p:grpSpPr>
+        <a:xfrm>
+          <a:off x="0" y="0"/>
+          <a:ext cx="0" cy="0"/>
+          <a:chOff x="0" y="0"/>
+          <a:chExt cx="0" cy="0"/>
+        </a:xfrm>
+      </p:grpSpPr>
       <p:sp>
         <p:nvSpPr>
           <p:cNvPr id="3" name="TextBox 2">
@@ -7832,14 +8107,7 @@
                 <a:latin typeface="D2Coding" panose="020B0609020101020101" pitchFamily="49" charset="-127"/>
                 <a:ea typeface="D2Coding" panose="020B0609020101020101" pitchFamily="49" charset="-127"/>
               </a:rPr>
-              <a:t>를 바꿔 </a:t>
-            </a:r>
-            <a:r>
-              <a:rPr lang="ko-KR" altLang="en-US" dirty="0" err="1">
-                <a:latin typeface="D2Coding" panose="020B0609020101020101" pitchFamily="49" charset="-127"/>
-                <a:ea typeface="D2Coding" panose="020B0609020101020101" pitchFamily="49" charset="-127"/>
-              </a:rPr>
-              <a:t>끼워줘야한다</a:t>
+              <a:t>를 바꿔 끼워줘야 한다</a:t>
             </a:r>
             <a:r>
               <a:rPr lang="en-US" altLang="ko-KR" dirty="0">
@@ -7864,7 +8132,7 @@
 </p:sld>
 </file>
 
-<file path=ppt/slides/slide34.xml><?xml version="1.0" encoding="utf-8"?>
+<file path=ppt/slides/slide35.xml><?xml version="1.0" encoding="utf-8"?>
 <p:sld xmlns:a="http://schemas.openxmlformats.org/drawingml/2006/main" xmlns:r="http://schemas.openxmlformats.org/officeDocument/2006/relationships" xmlns:p="http://schemas.openxmlformats.org/presentationml/2006/main">
   <p:cSld>
     <p:spTree>
@@ -8138,311 +8406,6 @@
 </p:sld>
 </file>
 
-<file path=ppt/slides/slide35.xml><?xml version="1.0" encoding="utf-8"?>
-<p:sld xmlns:a="http://schemas.openxmlformats.org/drawingml/2006/main" xmlns:r="http://schemas.openxmlformats.org/officeDocument/2006/relationships" xmlns:p="http://schemas.openxmlformats.org/presentationml/2006/main">
-  <p:cSld>
-    <p:spTree>
-      <p:nvGrpSpPr>
-        <p:cNvPr id="1" name=""/>
-        <p:cNvGrpSpPr/>
-        <p:nvPr/>
-      </p:nvGrpSpPr>
-      <p:grpSpPr>
-        <a:xfrm>
-          <a:off x="0" y="0"/>
-          <a:ext cx="0" cy="0"/>
-          <a:chOff x="0" y="0"/>
-          <a:chExt cx="0" cy="0"/>
-        </a:xfrm>
-      </p:grpSpPr>
-      <p:sp>
-        <p:nvSpPr>
-          <p:cNvPr id="3" name="TextBox 2">
-            <a:extLst>
-              <a:ext uri="{FF2B5EF4-FFF2-40B4-BE49-F238E27FC236}">
-                <a16:creationId xmlns:a16="http://schemas.microsoft.com/office/drawing/2014/main" id="{AA04A1C0-37DF-D426-F3E6-56FE4CFAB354}"/>
-              </a:ext>
-            </a:extLst>
-          </p:cNvPr>
-          <p:cNvSpPr txBox="1"/>
-          <p:nvPr/>
-        </p:nvSpPr>
-        <p:spPr>
-          <a:xfrm>
-            <a:off x="413464" y="385010"/>
-            <a:ext cx="7834183" cy="477054"/>
-          </a:xfrm>
-          <a:prstGeom prst="rect">
-            <a:avLst/>
-          </a:prstGeom>
-          <a:noFill/>
-        </p:spPr>
-        <p:txBody>
-          <a:bodyPr wrap="square" rtlCol="0">
-            <a:spAutoFit/>
-          </a:bodyPr>
-          <a:lstStyle/>
-          <a:p>
-            <a:r>
-              <a:rPr lang="en-US" altLang="ko-KR" sz="2500" b="1" dirty="0">
-                <a:latin typeface="D2Coding" panose="020B0609020101020101" pitchFamily="49" charset="-127"/>
-                <a:ea typeface="D2Coding" panose="020B0609020101020101" pitchFamily="49" charset="-127"/>
-              </a:rPr>
-              <a:t>Domain Model Pattern </a:t>
-            </a:r>
-            <a:r>
-              <a:rPr lang="ko-KR" altLang="en-US" sz="2500" b="1" dirty="0">
-                <a:latin typeface="D2Coding" panose="020B0609020101020101" pitchFamily="49" charset="-127"/>
-                <a:ea typeface="D2Coding" panose="020B0609020101020101" pitchFamily="49" charset="-127"/>
-              </a:rPr>
-              <a:t>에</a:t>
-            </a:r>
-            <a:r>
-              <a:rPr lang="en-US" altLang="ko-KR" sz="2500" b="1" dirty="0">
-                <a:latin typeface="D2Coding" panose="020B0609020101020101" pitchFamily="49" charset="-127"/>
-                <a:ea typeface="D2Coding" panose="020B0609020101020101" pitchFamily="49" charset="-127"/>
-              </a:rPr>
-              <a:t> </a:t>
-            </a:r>
-            <a:r>
-              <a:rPr lang="ko-KR" altLang="en-US" sz="2500" b="1" dirty="0">
-                <a:latin typeface="D2Coding" panose="020B0609020101020101" pitchFamily="49" charset="-127"/>
-                <a:ea typeface="D2Coding" panose="020B0609020101020101" pitchFamily="49" charset="-127"/>
-              </a:rPr>
-              <a:t>변화를 적용한다면</a:t>
-            </a:r>
-            <a:r>
-              <a:rPr lang="en-US" altLang="ko-KR" sz="2500" b="1" dirty="0">
-                <a:latin typeface="D2Coding" panose="020B0609020101020101" pitchFamily="49" charset="-127"/>
-                <a:ea typeface="D2Coding" panose="020B0609020101020101" pitchFamily="49" charset="-127"/>
-              </a:rPr>
-              <a:t>…</a:t>
-            </a:r>
-          </a:p>
-        </p:txBody>
-      </p:sp>
-      <p:sp>
-        <p:nvSpPr>
-          <p:cNvPr id="2" name="TextBox 1">
-            <a:extLst>
-              <a:ext uri="{FF2B5EF4-FFF2-40B4-BE49-F238E27FC236}">
-                <a16:creationId xmlns:a16="http://schemas.microsoft.com/office/drawing/2014/main" id="{09B513B5-1CCF-6830-69A6-1FCAF718EC75}"/>
-              </a:ext>
-            </a:extLst>
-          </p:cNvPr>
-          <p:cNvSpPr txBox="1"/>
-          <p:nvPr/>
-        </p:nvSpPr>
-        <p:spPr>
-          <a:xfrm>
-            <a:off x="371068" y="1382376"/>
-            <a:ext cx="10776190" cy="2308324"/>
-          </a:xfrm>
-          <a:prstGeom prst="rect">
-            <a:avLst/>
-          </a:prstGeom>
-          <a:noFill/>
-        </p:spPr>
-        <p:txBody>
-          <a:bodyPr wrap="square" rtlCol="0">
-            <a:spAutoFit/>
-          </a:bodyPr>
-          <a:lstStyle/>
-          <a:p>
-            <a:pPr marL="457200" indent="-457200">
-              <a:buFont typeface="Arial" panose="020B0604020202020204" pitchFamily="34" charset="0"/>
-              <a:buChar char="•"/>
-            </a:pPr>
-            <a:r>
-              <a:rPr lang="ko-KR" altLang="en-US" dirty="0">
-                <a:latin typeface="D2Coding" panose="020B0609020101020101" pitchFamily="49" charset="-127"/>
-                <a:ea typeface="D2Coding" panose="020B0609020101020101" pitchFamily="49" charset="-127"/>
-              </a:rPr>
-              <a:t>구현체를 바꿔 </a:t>
-            </a:r>
-            <a:r>
-              <a:rPr lang="ko-KR" altLang="en-US" dirty="0" err="1">
-                <a:latin typeface="D2Coding" panose="020B0609020101020101" pitchFamily="49" charset="-127"/>
-                <a:ea typeface="D2Coding" panose="020B0609020101020101" pitchFamily="49" charset="-127"/>
-              </a:rPr>
-              <a:t>끼워주기만</a:t>
-            </a:r>
-            <a:r>
-              <a:rPr lang="ko-KR" altLang="en-US" dirty="0">
-                <a:latin typeface="D2Coding" panose="020B0609020101020101" pitchFamily="49" charset="-127"/>
-                <a:ea typeface="D2Coding" panose="020B0609020101020101" pitchFamily="49" charset="-127"/>
-              </a:rPr>
-              <a:t> 하면 된다</a:t>
-            </a:r>
-            <a:r>
-              <a:rPr lang="en-US" altLang="ko-KR" dirty="0">
-                <a:latin typeface="D2Coding" panose="020B0609020101020101" pitchFamily="49" charset="-127"/>
-                <a:ea typeface="D2Coding" panose="020B0609020101020101" pitchFamily="49" charset="-127"/>
-              </a:rPr>
-              <a:t>! </a:t>
-            </a:r>
-            <a:r>
-              <a:rPr lang="ko-KR" altLang="en-US" dirty="0">
-                <a:latin typeface="D2Coding" panose="020B0609020101020101" pitchFamily="49" charset="-127"/>
-                <a:ea typeface="D2Coding" panose="020B0609020101020101" pitchFamily="49" charset="-127"/>
-              </a:rPr>
-              <a:t>기존 코드를 수정하지 않고 </a:t>
-            </a:r>
-            <a:r>
-              <a:rPr lang="en-US" altLang="ko-KR" dirty="0" err="1">
-                <a:latin typeface="D2Coding" panose="020B0609020101020101" pitchFamily="49" charset="-127"/>
-                <a:ea typeface="D2Coding" panose="020B0609020101020101" pitchFamily="49" charset="-127"/>
-              </a:rPr>
-              <a:t>DiscountStrategy</a:t>
-            </a:r>
-            <a:r>
-              <a:rPr lang="ko-KR" altLang="en-US" dirty="0">
-                <a:latin typeface="D2Coding" panose="020B0609020101020101" pitchFamily="49" charset="-127"/>
-                <a:ea typeface="D2Coding" panose="020B0609020101020101" pitchFamily="49" charset="-127"/>
-              </a:rPr>
-              <a:t>를 확장한 서브 클래스를 하나 더 만든 것 뿐이다</a:t>
-            </a:r>
-            <a:r>
-              <a:rPr lang="en-US" altLang="ko-KR" dirty="0">
-                <a:latin typeface="D2Coding" panose="020B0609020101020101" pitchFamily="49" charset="-127"/>
-                <a:ea typeface="D2Coding" panose="020B0609020101020101" pitchFamily="49" charset="-127"/>
-              </a:rPr>
-              <a:t>.</a:t>
-            </a:r>
-          </a:p>
-          <a:p>
-            <a:pPr marL="457200" indent="-457200">
-              <a:buFont typeface="Arial" panose="020B0604020202020204" pitchFamily="34" charset="0"/>
-              <a:buChar char="•"/>
-            </a:pPr>
-            <a:endParaRPr lang="en-US" altLang="ko-KR" dirty="0">
-              <a:latin typeface="D2Coding" panose="020B0609020101020101" pitchFamily="49" charset="-127"/>
-              <a:ea typeface="D2Coding" panose="020B0609020101020101" pitchFamily="49" charset="-127"/>
-            </a:endParaRPr>
-          </a:p>
-          <a:p>
-            <a:pPr marL="457200" indent="-457200">
-              <a:buFont typeface="Arial" panose="020B0604020202020204" pitchFamily="34" charset="0"/>
-              <a:buChar char="•"/>
-            </a:pPr>
-            <a:r>
-              <a:rPr lang="ko-KR" altLang="en-US" dirty="0">
-                <a:latin typeface="D2Coding" panose="020B0609020101020101" pitchFamily="49" charset="-127"/>
-                <a:ea typeface="D2Coding" panose="020B0609020101020101" pitchFamily="49" charset="-127"/>
-              </a:rPr>
-              <a:t>기존 코드의 변경을 닫은 채 확장에는 열어놓은 </a:t>
-            </a:r>
-            <a:r>
-              <a:rPr lang="en-US" altLang="ko-KR" dirty="0">
-                <a:latin typeface="D2Coding" panose="020B0609020101020101" pitchFamily="49" charset="-127"/>
-                <a:ea typeface="D2Coding" panose="020B0609020101020101" pitchFamily="49" charset="-127"/>
-              </a:rPr>
-              <a:t>OCP </a:t>
-            </a:r>
-            <a:r>
-              <a:rPr lang="ko-KR" altLang="en-US" dirty="0">
-                <a:latin typeface="D2Coding" panose="020B0609020101020101" pitchFamily="49" charset="-127"/>
-                <a:ea typeface="D2Coding" panose="020B0609020101020101" pitchFamily="49" charset="-127"/>
-              </a:rPr>
-              <a:t>원칙이 적용된 것이다</a:t>
-            </a:r>
-            <a:r>
-              <a:rPr lang="en-US" altLang="ko-KR" dirty="0">
-                <a:latin typeface="D2Coding" panose="020B0609020101020101" pitchFamily="49" charset="-127"/>
-                <a:ea typeface="D2Coding" panose="020B0609020101020101" pitchFamily="49" charset="-127"/>
-              </a:rPr>
-              <a:t>.</a:t>
-            </a:r>
-          </a:p>
-          <a:p>
-            <a:pPr marL="457200" indent="-457200">
-              <a:buFont typeface="Arial" panose="020B0604020202020204" pitchFamily="34" charset="0"/>
-              <a:buChar char="•"/>
-            </a:pPr>
-            <a:endParaRPr lang="en-US" altLang="ko-KR" dirty="0">
-              <a:latin typeface="D2Coding" panose="020B0609020101020101" pitchFamily="49" charset="-127"/>
-              <a:ea typeface="D2Coding" panose="020B0609020101020101" pitchFamily="49" charset="-127"/>
-            </a:endParaRPr>
-          </a:p>
-          <a:p>
-            <a:pPr marL="457200" indent="-457200">
-              <a:buFont typeface="Arial" panose="020B0604020202020204" pitchFamily="34" charset="0"/>
-              <a:buChar char="•"/>
-            </a:pPr>
-            <a:r>
-              <a:rPr lang="ko-KR" altLang="en-US" dirty="0">
-                <a:latin typeface="D2Coding" panose="020B0609020101020101" pitchFamily="49" charset="-127"/>
-                <a:ea typeface="D2Coding" panose="020B0609020101020101" pitchFamily="49" charset="-127"/>
-              </a:rPr>
-              <a:t>이는 의존성의 방향이 추상화로 향하는 </a:t>
-            </a:r>
-            <a:r>
-              <a:rPr lang="en-US" altLang="ko-KR" dirty="0">
-                <a:latin typeface="D2Coding" panose="020B0609020101020101" pitchFamily="49" charset="-127"/>
-                <a:ea typeface="D2Coding" panose="020B0609020101020101" pitchFamily="49" charset="-127"/>
-              </a:rPr>
-              <a:t>DIP</a:t>
-            </a:r>
-            <a:r>
-              <a:rPr lang="ko-KR" altLang="en-US" dirty="0">
-                <a:latin typeface="D2Coding" panose="020B0609020101020101" pitchFamily="49" charset="-127"/>
-                <a:ea typeface="D2Coding" panose="020B0609020101020101" pitchFamily="49" charset="-127"/>
-              </a:rPr>
-              <a:t>의 원칙에 맞게 설계해 놓은 덕이다</a:t>
-            </a:r>
-            <a:r>
-              <a:rPr lang="en-US" altLang="ko-KR" dirty="0">
-                <a:latin typeface="D2Coding" panose="020B0609020101020101" pitchFamily="49" charset="-127"/>
-                <a:ea typeface="D2Coding" panose="020B0609020101020101" pitchFamily="49" charset="-127"/>
-              </a:rPr>
-              <a:t>.</a:t>
-            </a:r>
-          </a:p>
-          <a:p>
-            <a:pPr marL="457200" indent="-457200">
-              <a:buFont typeface="Arial" panose="020B0604020202020204" pitchFamily="34" charset="0"/>
-              <a:buChar char="•"/>
-            </a:pPr>
-            <a:endParaRPr lang="en-US" altLang="ko-KR" dirty="0">
-              <a:latin typeface="D2Coding" panose="020B0609020101020101" pitchFamily="49" charset="-127"/>
-              <a:ea typeface="D2Coding" panose="020B0609020101020101" pitchFamily="49" charset="-127"/>
-            </a:endParaRPr>
-          </a:p>
-          <a:p>
-            <a:pPr marL="457200" indent="-457200">
-              <a:buFont typeface="Arial" panose="020B0604020202020204" pitchFamily="34" charset="0"/>
-              <a:buChar char="•"/>
-            </a:pPr>
-            <a:r>
-              <a:rPr lang="ko-KR" altLang="en-US" dirty="0">
-                <a:latin typeface="D2Coding" panose="020B0609020101020101" pitchFamily="49" charset="-127"/>
-                <a:ea typeface="D2Coding" panose="020B0609020101020101" pitchFamily="49" charset="-127"/>
-              </a:rPr>
-              <a:t>추상화에만 의존하고 있다면 사용하는 클라이언트 측은 구현체가 어떻게 바뀌던지 상관없다</a:t>
-            </a:r>
-            <a:r>
-              <a:rPr lang="en-US" altLang="ko-KR" dirty="0">
-                <a:latin typeface="D2Coding" panose="020B0609020101020101" pitchFamily="49" charset="-127"/>
-                <a:ea typeface="D2Coding" panose="020B0609020101020101" pitchFamily="49" charset="-127"/>
-              </a:rPr>
-              <a:t>.</a:t>
-            </a:r>
-          </a:p>
-        </p:txBody>
-      </p:sp>
-    </p:spTree>
-    <p:extLst>
-      <p:ext uri="{BB962C8B-B14F-4D97-AF65-F5344CB8AC3E}">
-        <p14:creationId xmlns:p14="http://schemas.microsoft.com/office/powerpoint/2010/main" val="4143691762"/>
-      </p:ext>
-    </p:extLst>
-  </p:cSld>
-  <p:clrMapOvr>
-    <a:masterClrMapping/>
-  </p:clrMapOvr>
-</p:sld>
-</file>
-
 <file path=ppt/slides/slide36.xml><?xml version="1.0" encoding="utf-8"?>
 <p:sld xmlns:a="http://schemas.openxmlformats.org/drawingml/2006/main" xmlns:r="http://schemas.openxmlformats.org/officeDocument/2006/relationships" xmlns:p="http://schemas.openxmlformats.org/presentationml/2006/main">
   <p:cSld>
@@ -8489,18 +8452,39 @@
           <a:lstStyle/>
           <a:p>
             <a:r>
+              <a:rPr lang="en-US" altLang="ko-KR" sz="2500" b="1" dirty="0">
+                <a:latin typeface="D2Coding" panose="020B0609020101020101" pitchFamily="49" charset="-127"/>
+                <a:ea typeface="D2Coding" panose="020B0609020101020101" pitchFamily="49" charset="-127"/>
+              </a:rPr>
+              <a:t>Domain Model Pattern </a:t>
+            </a:r>
+            <a:r>
               <a:rPr lang="ko-KR" altLang="en-US" sz="2500" b="1" dirty="0">
                 <a:latin typeface="D2Coding" panose="020B0609020101020101" pitchFamily="49" charset="-127"/>
                 <a:ea typeface="D2Coding" panose="020B0609020101020101" pitchFamily="49" charset="-127"/>
               </a:rPr>
-              <a:t>그런데 말입니다</a:t>
+              <a:t>에</a:t>
             </a:r>
             <a:r>
               <a:rPr lang="en-US" altLang="ko-KR" sz="2500" b="1" dirty="0">
                 <a:latin typeface="D2Coding" panose="020B0609020101020101" pitchFamily="49" charset="-127"/>
                 <a:ea typeface="D2Coding" panose="020B0609020101020101" pitchFamily="49" charset="-127"/>
               </a:rPr>
-              <a:t>.</a:t>
+              <a:t> </a:t>
+            </a:r>
+            <a:r>
+              <a:rPr lang="ko-KR" altLang="en-US" sz="2500" b="1" dirty="0">
+                <a:latin typeface="D2Coding" panose="020B0609020101020101" pitchFamily="49" charset="-127"/>
+                <a:ea typeface="D2Coding" panose="020B0609020101020101" pitchFamily="49" charset="-127"/>
+              </a:rPr>
+              <a:t>변화를 적용한다면</a:t>
+            </a:r>
+            <a:r>
+              <a:rPr lang="en-US" altLang="ko-KR" sz="2500" b="1" dirty="0">
+                <a:latin typeface="D2Coding" panose="020B0609020101020101" pitchFamily="49" charset="-127"/>
+                <a:ea typeface="D2Coding" panose="020B0609020101020101" pitchFamily="49" charset="-127"/>
+              </a:rPr>
+              <a:t>…</a:t>
             </a:r>
           </a:p>
         </p:txBody>
@@ -8519,8 +8503,8 @@
         </p:nvSpPr>
         <p:spPr>
           <a:xfrm>
-            <a:off x="707905" y="3213556"/>
-            <a:ext cx="10776190" cy="430887"/>
+            <a:off x="371068" y="1382376"/>
+            <a:ext cx="10776190" cy="2308324"/>
           </a:xfrm>
           <a:prstGeom prst="rect">
             <a:avLst/>
@@ -8533,20 +8517,189 @@
           </a:bodyPr>
           <a:lstStyle/>
           <a:p>
-            <a:pPr algn="ctr"/>
-            <a:r>
-              <a:rPr lang="ko-KR" altLang="en-US" sz="2200" dirty="0">
-                <a:latin typeface="D2Coding" panose="020B0609020101020101" pitchFamily="49" charset="-127"/>
-                <a:ea typeface="D2Coding" panose="020B0609020101020101" pitchFamily="49" charset="-127"/>
-              </a:rPr>
-              <a:t>과연 요구사항이 어떻게 변경될 줄 알고 아키텍처와 객체를 설계해야 할까요</a:t>
-            </a:r>
-            <a:r>
-              <a:rPr lang="en-US" altLang="ko-KR" sz="2200" dirty="0">
-                <a:latin typeface="D2Coding" panose="020B0609020101020101" pitchFamily="49" charset="-127"/>
-                <a:ea typeface="D2Coding" panose="020B0609020101020101" pitchFamily="49" charset="-127"/>
-              </a:rPr>
-              <a:t>?</a:t>
+            <a:pPr marL="457200" indent="-457200">
+              <a:buFont typeface="Arial" panose="020B0604020202020204" pitchFamily="34" charset="0"/>
+              <a:buChar char="•"/>
+            </a:pPr>
+            <a:r>
+              <a:rPr lang="ko-KR" altLang="en-US" dirty="0">
+                <a:latin typeface="D2Coding" panose="020B0609020101020101" pitchFamily="49" charset="-127"/>
+                <a:ea typeface="D2Coding" panose="020B0609020101020101" pitchFamily="49" charset="-127"/>
+              </a:rPr>
+              <a:t>구현체를 바꿔 </a:t>
+            </a:r>
+            <a:r>
+              <a:rPr lang="ko-KR" altLang="en-US" dirty="0" err="1">
+                <a:latin typeface="D2Coding" panose="020B0609020101020101" pitchFamily="49" charset="-127"/>
+                <a:ea typeface="D2Coding" panose="020B0609020101020101" pitchFamily="49" charset="-127"/>
+              </a:rPr>
+              <a:t>끼워주기만</a:t>
+            </a:r>
+            <a:r>
+              <a:rPr lang="ko-KR" altLang="en-US" dirty="0">
+                <a:latin typeface="D2Coding" panose="020B0609020101020101" pitchFamily="49" charset="-127"/>
+                <a:ea typeface="D2Coding" panose="020B0609020101020101" pitchFamily="49" charset="-127"/>
+              </a:rPr>
+              <a:t> 하면 된다</a:t>
+            </a:r>
+            <a:r>
+              <a:rPr lang="en-US" altLang="ko-KR" dirty="0">
+                <a:latin typeface="D2Coding" panose="020B0609020101020101" pitchFamily="49" charset="-127"/>
+                <a:ea typeface="D2Coding" panose="020B0609020101020101" pitchFamily="49" charset="-127"/>
+              </a:rPr>
+              <a:t>! </a:t>
+            </a:r>
+            <a:r>
+              <a:rPr lang="ko-KR" altLang="en-US" dirty="0">
+                <a:latin typeface="D2Coding" panose="020B0609020101020101" pitchFamily="49" charset="-127"/>
+                <a:ea typeface="D2Coding" panose="020B0609020101020101" pitchFamily="49" charset="-127"/>
+              </a:rPr>
+              <a:t>기존 코드를 수정하지 않고</a:t>
+            </a:r>
+            <a:br>
+              <a:rPr lang="en-US" altLang="ko-KR" dirty="0">
+                <a:latin typeface="D2Coding" panose="020B0609020101020101" pitchFamily="49" charset="-127"/>
+                <a:ea typeface="D2Coding" panose="020B0609020101020101" pitchFamily="49" charset="-127"/>
+              </a:rPr>
+            </a:br>
+            <a:r>
+              <a:rPr lang="en-US" altLang="ko-KR" dirty="0" err="1">
+                <a:latin typeface="D2Coding" panose="020B0609020101020101" pitchFamily="49" charset="-127"/>
+                <a:ea typeface="D2Coding" panose="020B0609020101020101" pitchFamily="49" charset="-127"/>
+              </a:rPr>
+              <a:t>DiscountStrategy</a:t>
+            </a:r>
+            <a:r>
+              <a:rPr lang="ko-KR" altLang="en-US" dirty="0">
+                <a:latin typeface="D2Coding" panose="020B0609020101020101" pitchFamily="49" charset="-127"/>
+                <a:ea typeface="D2Coding" panose="020B0609020101020101" pitchFamily="49" charset="-127"/>
+              </a:rPr>
+              <a:t>를 확장한 서브 클래스를 하나 더 만든 것 뿐이다</a:t>
+            </a:r>
+            <a:r>
+              <a:rPr lang="en-US" altLang="ko-KR" dirty="0">
+                <a:latin typeface="D2Coding" panose="020B0609020101020101" pitchFamily="49" charset="-127"/>
+                <a:ea typeface="D2Coding" panose="020B0609020101020101" pitchFamily="49" charset="-127"/>
+              </a:rPr>
+              <a:t>.</a:t>
+            </a:r>
+          </a:p>
+          <a:p>
+            <a:pPr marL="457200" indent="-457200">
+              <a:buFont typeface="Arial" panose="020B0604020202020204" pitchFamily="34" charset="0"/>
+              <a:buChar char="•"/>
+            </a:pPr>
+            <a:endParaRPr lang="en-US" altLang="ko-KR" dirty="0">
+              <a:latin typeface="D2Coding" panose="020B0609020101020101" pitchFamily="49" charset="-127"/>
+              <a:ea typeface="D2Coding" panose="020B0609020101020101" pitchFamily="49" charset="-127"/>
+            </a:endParaRPr>
+          </a:p>
+          <a:p>
+            <a:pPr marL="457200" indent="-457200">
+              <a:buFont typeface="Arial" panose="020B0604020202020204" pitchFamily="34" charset="0"/>
+              <a:buChar char="•"/>
+            </a:pPr>
+            <a:r>
+              <a:rPr lang="ko-KR" altLang="en-US" dirty="0">
+                <a:latin typeface="D2Coding" panose="020B0609020101020101" pitchFamily="49" charset="-127"/>
+                <a:ea typeface="D2Coding" panose="020B0609020101020101" pitchFamily="49" charset="-127"/>
+              </a:rPr>
+              <a:t>기존 코드의 변경을 닫은 채 확장에는 열어놓은 </a:t>
+            </a:r>
+            <a:r>
+              <a:rPr lang="en-US" altLang="ko-KR" dirty="0">
+                <a:latin typeface="D2Coding" panose="020B0609020101020101" pitchFamily="49" charset="-127"/>
+                <a:ea typeface="D2Coding" panose="020B0609020101020101" pitchFamily="49" charset="-127"/>
+              </a:rPr>
+              <a:t>OCP </a:t>
+            </a:r>
+            <a:r>
+              <a:rPr lang="ko-KR" altLang="en-US" dirty="0">
+                <a:latin typeface="D2Coding" panose="020B0609020101020101" pitchFamily="49" charset="-127"/>
+                <a:ea typeface="D2Coding" panose="020B0609020101020101" pitchFamily="49" charset="-127"/>
+              </a:rPr>
+              <a:t>원칙이 적용된 것이다</a:t>
+            </a:r>
+            <a:r>
+              <a:rPr lang="en-US" altLang="ko-KR" dirty="0">
+                <a:latin typeface="D2Coding" panose="020B0609020101020101" pitchFamily="49" charset="-127"/>
+                <a:ea typeface="D2Coding" panose="020B0609020101020101" pitchFamily="49" charset="-127"/>
+              </a:rPr>
+              <a:t>.</a:t>
+            </a:r>
+          </a:p>
+          <a:p>
+            <a:pPr marL="457200" indent="-457200">
+              <a:buFont typeface="Arial" panose="020B0604020202020204" pitchFamily="34" charset="0"/>
+              <a:buChar char="•"/>
+            </a:pPr>
+            <a:endParaRPr lang="en-US" altLang="ko-KR" dirty="0">
+              <a:latin typeface="D2Coding" panose="020B0609020101020101" pitchFamily="49" charset="-127"/>
+              <a:ea typeface="D2Coding" panose="020B0609020101020101" pitchFamily="49" charset="-127"/>
+            </a:endParaRPr>
+          </a:p>
+          <a:p>
+            <a:pPr marL="457200" indent="-457200">
+              <a:buFont typeface="Arial" panose="020B0604020202020204" pitchFamily="34" charset="0"/>
+              <a:buChar char="•"/>
+            </a:pPr>
+            <a:r>
+              <a:rPr lang="ko-KR" altLang="en-US" dirty="0">
+                <a:latin typeface="D2Coding" panose="020B0609020101020101" pitchFamily="49" charset="-127"/>
+                <a:ea typeface="D2Coding" panose="020B0609020101020101" pitchFamily="49" charset="-127"/>
+              </a:rPr>
+              <a:t>이는 의존성의 방향이 추상화로 향하는 </a:t>
+            </a:r>
+            <a:r>
+              <a:rPr lang="en-US" altLang="ko-KR" dirty="0">
+                <a:latin typeface="D2Coding" panose="020B0609020101020101" pitchFamily="49" charset="-127"/>
+                <a:ea typeface="D2Coding" panose="020B0609020101020101" pitchFamily="49" charset="-127"/>
+              </a:rPr>
+              <a:t>DIP</a:t>
+            </a:r>
+            <a:r>
+              <a:rPr lang="ko-KR" altLang="en-US" dirty="0">
+                <a:latin typeface="D2Coding" panose="020B0609020101020101" pitchFamily="49" charset="-127"/>
+                <a:ea typeface="D2Coding" panose="020B0609020101020101" pitchFamily="49" charset="-127"/>
+              </a:rPr>
+              <a:t>의 원칙에 맞게 설계해 놓은 덕이다</a:t>
+            </a:r>
+            <a:r>
+              <a:rPr lang="en-US" altLang="ko-KR" dirty="0">
+                <a:latin typeface="D2Coding" panose="020B0609020101020101" pitchFamily="49" charset="-127"/>
+                <a:ea typeface="D2Coding" panose="020B0609020101020101" pitchFamily="49" charset="-127"/>
+              </a:rPr>
+              <a:t>.</a:t>
+            </a:r>
+          </a:p>
+          <a:p>
+            <a:pPr marL="457200" indent="-457200">
+              <a:buFont typeface="Arial" panose="020B0604020202020204" pitchFamily="34" charset="0"/>
+              <a:buChar char="•"/>
+            </a:pPr>
+            <a:endParaRPr lang="en-US" altLang="ko-KR" dirty="0">
+              <a:latin typeface="D2Coding" panose="020B0609020101020101" pitchFamily="49" charset="-127"/>
+              <a:ea typeface="D2Coding" panose="020B0609020101020101" pitchFamily="49" charset="-127"/>
+            </a:endParaRPr>
+          </a:p>
+          <a:p>
+            <a:pPr marL="457200" indent="-457200">
+              <a:buFont typeface="Arial" panose="020B0604020202020204" pitchFamily="34" charset="0"/>
+              <a:buChar char="•"/>
+            </a:pPr>
+            <a:r>
+              <a:rPr lang="ko-KR" altLang="en-US" dirty="0">
+                <a:latin typeface="D2Coding" panose="020B0609020101020101" pitchFamily="49" charset="-127"/>
+                <a:ea typeface="D2Coding" panose="020B0609020101020101" pitchFamily="49" charset="-127"/>
+              </a:rPr>
+              <a:t>추상화에만 의존하고 있다면 사용하는 클라이언트 측은 구현체가 어떻게 바뀌던지 상관없다</a:t>
+            </a:r>
+            <a:r>
+              <a:rPr lang="en-US" altLang="ko-KR" dirty="0">
+                <a:latin typeface="D2Coding" panose="020B0609020101020101" pitchFamily="49" charset="-127"/>
+                <a:ea typeface="D2Coding" panose="020B0609020101020101" pitchFamily="49" charset="-127"/>
+              </a:rPr>
+              <a:t>.</a:t>
             </a:r>
           </a:p>
         </p:txBody>
@@ -8554,7 +8707,7 @@
     </p:spTree>
     <p:extLst>
       <p:ext uri="{BB962C8B-B14F-4D97-AF65-F5344CB8AC3E}">
-        <p14:creationId xmlns:p14="http://schemas.microsoft.com/office/powerpoint/2010/main" val="1774018986"/>
+        <p14:creationId xmlns:p14="http://schemas.microsoft.com/office/powerpoint/2010/main" val="4143691762"/>
       </p:ext>
     </p:extLst>
   </p:cSld>
@@ -8596,7 +8749,7 @@
         <p:spPr>
           <a:xfrm>
             <a:off x="413464" y="385010"/>
-            <a:ext cx="2077073" cy="477054"/>
+            <a:ext cx="7834183" cy="477054"/>
           </a:xfrm>
           <a:prstGeom prst="rect">
             <a:avLst/>
@@ -8610,35 +8763,28 @@
           <a:lstStyle/>
           <a:p>
             <a:r>
-              <a:rPr lang="ko-KR" altLang="en-US" sz="2500" b="1" dirty="0" err="1">
-                <a:latin typeface="D2Coding" panose="020B0609020101020101" pitchFamily="49" charset="-127"/>
-                <a:ea typeface="D2Coding" panose="020B0609020101020101" pitchFamily="49" charset="-127"/>
-              </a:rPr>
-              <a:t>리팩터링</a:t>
-            </a:r>
-            <a:r>
               <a:rPr lang="ko-KR" altLang="en-US" sz="2500" b="1" dirty="0">
                 <a:latin typeface="D2Coding" panose="020B0609020101020101" pitchFamily="49" charset="-127"/>
                 <a:ea typeface="D2Coding" panose="020B0609020101020101" pitchFamily="49" charset="-127"/>
               </a:rPr>
-              <a:t> </a:t>
+              <a:t>그런데 말입니다</a:t>
             </a:r>
             <a:r>
               <a:rPr lang="en-US" altLang="ko-KR" sz="2500" b="1" dirty="0">
                 <a:latin typeface="D2Coding" panose="020B0609020101020101" pitchFamily="49" charset="-127"/>
                 <a:ea typeface="D2Coding" panose="020B0609020101020101" pitchFamily="49" charset="-127"/>
               </a:rPr>
-              <a:t>^^</a:t>
-            </a:r>
-          </a:p>
-        </p:txBody>
-      </p:sp>
-      <p:sp>
-        <p:nvSpPr>
-          <p:cNvPr id="25" name="TextBox 24">
-            <a:extLst>
-              <a:ext uri="{FF2B5EF4-FFF2-40B4-BE49-F238E27FC236}">
-                <a16:creationId xmlns:a16="http://schemas.microsoft.com/office/drawing/2014/main" id="{379D37D3-CC0E-3A87-3571-A42190FC01C5}"/>
+              <a:t>.</a:t>
+            </a:r>
+          </a:p>
+        </p:txBody>
+      </p:sp>
+      <p:sp>
+        <p:nvSpPr>
+          <p:cNvPr id="2" name="TextBox 1">
+            <a:extLst>
+              <a:ext uri="{FF2B5EF4-FFF2-40B4-BE49-F238E27FC236}">
+                <a16:creationId xmlns:a16="http://schemas.microsoft.com/office/drawing/2014/main" id="{09B513B5-1CCF-6830-69A6-1FCAF718EC75}"/>
               </a:ext>
             </a:extLst>
           </p:cNvPr>
@@ -8647,8 +8793,8 @@
         </p:nvSpPr>
         <p:spPr>
           <a:xfrm>
-            <a:off x="1153073" y="3327856"/>
-            <a:ext cx="3689637" cy="430887"/>
+            <a:off x="707905" y="3213556"/>
+            <a:ext cx="10776190" cy="430887"/>
           </a:xfrm>
           <a:prstGeom prst="rect">
             <a:avLst/>
@@ -8667,153 +8813,22 @@
                 <a:latin typeface="D2Coding" panose="020B0609020101020101" pitchFamily="49" charset="-127"/>
                 <a:ea typeface="D2Coding" panose="020B0609020101020101" pitchFamily="49" charset="-127"/>
               </a:rPr>
-              <a:t>요구사항 변경</a:t>
-            </a:r>
-            <a:endParaRPr lang="en-US" altLang="ko-KR" sz="2200" dirty="0">
-              <a:latin typeface="D2Coding" panose="020B0609020101020101" pitchFamily="49" charset="-127"/>
-              <a:ea typeface="D2Coding" panose="020B0609020101020101" pitchFamily="49" charset="-127"/>
-            </a:endParaRPr>
-          </a:p>
-        </p:txBody>
-      </p:sp>
-      <p:sp>
-        <p:nvSpPr>
-          <p:cNvPr id="26" name="TextBox 25">
-            <a:extLst>
-              <a:ext uri="{FF2B5EF4-FFF2-40B4-BE49-F238E27FC236}">
-                <a16:creationId xmlns:a16="http://schemas.microsoft.com/office/drawing/2014/main" id="{61F52941-AD8D-8891-2B09-08082343264F}"/>
-              </a:ext>
-            </a:extLst>
-          </p:cNvPr>
-          <p:cNvSpPr txBox="1"/>
-          <p:nvPr/>
-        </p:nvSpPr>
-        <p:spPr>
-          <a:xfrm>
-            <a:off x="7114721" y="3327856"/>
-            <a:ext cx="3689637" cy="430887"/>
-          </a:xfrm>
-          <a:prstGeom prst="rect">
-            <a:avLst/>
-          </a:prstGeom>
-          <a:noFill/>
-        </p:spPr>
-        <p:txBody>
-          <a:bodyPr wrap="square" rtlCol="0">
-            <a:spAutoFit/>
-          </a:bodyPr>
-          <a:lstStyle/>
-          <a:p>
-            <a:pPr algn="ctr"/>
-            <a:r>
-              <a:rPr lang="ko-KR" altLang="en-US" sz="2200" dirty="0">
-                <a:latin typeface="D2Coding" panose="020B0609020101020101" pitchFamily="49" charset="-127"/>
-                <a:ea typeface="D2Coding" panose="020B0609020101020101" pitchFamily="49" charset="-127"/>
-              </a:rPr>
-              <a:t>변경하기 쉬운 코드</a:t>
-            </a:r>
-            <a:endParaRPr lang="en-US" altLang="ko-KR" sz="2200" dirty="0">
-              <a:latin typeface="D2Coding" panose="020B0609020101020101" pitchFamily="49" charset="-127"/>
-              <a:ea typeface="D2Coding" panose="020B0609020101020101" pitchFamily="49" charset="-127"/>
-            </a:endParaRPr>
-          </a:p>
-        </p:txBody>
-      </p:sp>
-      <p:cxnSp>
-        <p:nvCxnSpPr>
-          <p:cNvPr id="28" name="직선 화살표 연결선 27">
-            <a:extLst>
-              <a:ext uri="{FF2B5EF4-FFF2-40B4-BE49-F238E27FC236}">
-                <a16:creationId xmlns:a16="http://schemas.microsoft.com/office/drawing/2014/main" id="{D12392D9-7139-45CB-EEF1-CCF731FA0A2E}"/>
-              </a:ext>
-            </a:extLst>
-          </p:cNvPr>
-          <p:cNvCxnSpPr>
-            <a:stCxn id="25" idx="3"/>
-            <a:endCxn id="26" idx="1"/>
-          </p:cNvCxnSpPr>
-          <p:nvPr/>
-        </p:nvCxnSpPr>
-        <p:spPr>
-          <a:xfrm>
-            <a:off x="4842710" y="3543300"/>
-            <a:ext cx="2272011" cy="0"/>
-          </a:xfrm>
-          <a:prstGeom prst="straightConnector1">
-            <a:avLst/>
-          </a:prstGeom>
-          <a:ln w="53975">
-            <a:solidFill>
-              <a:schemeClr val="accent6">
-                <a:lumMod val="75000"/>
-              </a:schemeClr>
-            </a:solidFill>
-            <a:headEnd type="triangle"/>
-            <a:tailEnd type="triangle"/>
-          </a:ln>
-        </p:spPr>
-        <p:style>
-          <a:lnRef idx="1">
-            <a:schemeClr val="accent1"/>
-          </a:lnRef>
-          <a:fillRef idx="0">
-            <a:schemeClr val="accent1"/>
-          </a:fillRef>
-          <a:effectRef idx="0">
-            <a:schemeClr val="accent1"/>
-          </a:effectRef>
-          <a:fontRef idx="minor">
-            <a:schemeClr val="tx1"/>
-          </a:fontRef>
-        </p:style>
-      </p:cxnSp>
-      <p:sp>
-        <p:nvSpPr>
-          <p:cNvPr id="31" name="TextBox 30">
-            <a:extLst>
-              <a:ext uri="{FF2B5EF4-FFF2-40B4-BE49-F238E27FC236}">
-                <a16:creationId xmlns:a16="http://schemas.microsoft.com/office/drawing/2014/main" id="{BBB31043-5E6A-DA78-EF84-2ACEDC86415E}"/>
-              </a:ext>
-            </a:extLst>
-          </p:cNvPr>
-          <p:cNvSpPr txBox="1"/>
-          <p:nvPr/>
-        </p:nvSpPr>
-        <p:spPr>
-          <a:xfrm>
-            <a:off x="4133896" y="2900099"/>
-            <a:ext cx="3689637" cy="369332"/>
-          </a:xfrm>
-          <a:prstGeom prst="rect">
-            <a:avLst/>
-          </a:prstGeom>
-          <a:noFill/>
-        </p:spPr>
-        <p:txBody>
-          <a:bodyPr wrap="square" rtlCol="0">
-            <a:spAutoFit/>
-          </a:bodyPr>
-          <a:lstStyle/>
-          <a:p>
-            <a:pPr algn="ctr"/>
-            <a:r>
-              <a:rPr lang="ko-KR" altLang="en-US" dirty="0">
-                <a:latin typeface="D2Coding" panose="020B0609020101020101" pitchFamily="49" charset="-127"/>
-                <a:ea typeface="D2Coding" panose="020B0609020101020101" pitchFamily="49" charset="-127"/>
-              </a:rPr>
-              <a:t>무한 반복</a:t>
-            </a:r>
-            <a:endParaRPr lang="en-US" altLang="ko-KR" dirty="0">
-              <a:latin typeface="D2Coding" panose="020B0609020101020101" pitchFamily="49" charset="-127"/>
-              <a:ea typeface="D2Coding" panose="020B0609020101020101" pitchFamily="49" charset="-127"/>
-            </a:endParaRPr>
+              <a:t>과연 요구사항이 어떻게 변경될 줄 알고 아키텍처와 객체를 설계해야 할까요</a:t>
+            </a:r>
+            <a:r>
+              <a:rPr lang="en-US" altLang="ko-KR" sz="2200" dirty="0">
+                <a:latin typeface="D2Coding" panose="020B0609020101020101" pitchFamily="49" charset="-127"/>
+                <a:ea typeface="D2Coding" panose="020B0609020101020101" pitchFamily="49" charset="-127"/>
+              </a:rPr>
+              <a:t>?</a:t>
+            </a:r>
           </a:p>
         </p:txBody>
       </p:sp>
     </p:spTree>
     <p:extLst>
       <p:ext uri="{BB962C8B-B14F-4D97-AF65-F5344CB8AC3E}">
-        <p14:creationId xmlns:p14="http://schemas.microsoft.com/office/powerpoint/2010/main" val="463292003"/>
+        <p14:creationId xmlns:p14="http://schemas.microsoft.com/office/powerpoint/2010/main" val="1774018986"/>
       </p:ext>
     </p:extLst>
   </p:cSld>
@@ -8855,7 +8870,7 @@
         <p:spPr>
           <a:xfrm>
             <a:off x="413464" y="385010"/>
-            <a:ext cx="8977183" cy="477054"/>
+            <a:ext cx="2077073" cy="477054"/>
           </a:xfrm>
           <a:prstGeom prst="rect">
             <a:avLst/>
@@ -8869,42 +8884,35 @@
           <a:lstStyle/>
           <a:p>
             <a:r>
+              <a:rPr lang="ko-KR" altLang="en-US" sz="2500" b="1" dirty="0" err="1">
+                <a:latin typeface="D2Coding" panose="020B0609020101020101" pitchFamily="49" charset="-127"/>
+                <a:ea typeface="D2Coding" panose="020B0609020101020101" pitchFamily="49" charset="-127"/>
+              </a:rPr>
+              <a:t>리팩터링</a:t>
+            </a:r>
+            <a:r>
               <a:rPr lang="ko-KR" altLang="en-US" sz="2500" b="1" dirty="0">
                 <a:latin typeface="D2Coding" panose="020B0609020101020101" pitchFamily="49" charset="-127"/>
                 <a:ea typeface="D2Coding" panose="020B0609020101020101" pitchFamily="49" charset="-127"/>
               </a:rPr>
-              <a:t>어떻게 진짜 개발 </a:t>
-            </a:r>
-            <a:r>
-              <a:rPr lang="ko-KR" altLang="en-US" sz="2500" b="1" dirty="0" err="1">
-                <a:latin typeface="D2Coding" panose="020B0609020101020101" pitchFamily="49" charset="-127"/>
-                <a:ea typeface="D2Coding" panose="020B0609020101020101" pitchFamily="49" charset="-127"/>
-              </a:rPr>
-              <a:t>하는데에</a:t>
-            </a:r>
-            <a:r>
-              <a:rPr lang="ko-KR" altLang="en-US" sz="2500" b="1" dirty="0">
-                <a:latin typeface="D2Coding" panose="020B0609020101020101" pitchFamily="49" charset="-127"/>
-                <a:ea typeface="D2Coding" panose="020B0609020101020101" pitchFamily="49" charset="-127"/>
-              </a:rPr>
-              <a:t> 적용할 수 있을까</a:t>
+              <a:t> </a:t>
             </a:r>
             <a:r>
               <a:rPr lang="en-US" altLang="ko-KR" sz="2500" b="1" dirty="0">
                 <a:latin typeface="D2Coding" panose="020B0609020101020101" pitchFamily="49" charset="-127"/>
                 <a:ea typeface="D2Coding" panose="020B0609020101020101" pitchFamily="49" charset="-127"/>
               </a:rPr>
-              <a:t>?</a:t>
-            </a:r>
-          </a:p>
-        </p:txBody>
-      </p:sp>
-      <p:sp>
-        <p:nvSpPr>
-          <p:cNvPr id="2" name="TextBox 1">
-            <a:extLst>
-              <a:ext uri="{FF2B5EF4-FFF2-40B4-BE49-F238E27FC236}">
-                <a16:creationId xmlns:a16="http://schemas.microsoft.com/office/drawing/2014/main" id="{09B513B5-1CCF-6830-69A6-1FCAF718EC75}"/>
+              <a:t>^^</a:t>
+            </a:r>
+          </a:p>
+        </p:txBody>
+      </p:sp>
+      <p:sp>
+        <p:nvSpPr>
+          <p:cNvPr id="25" name="TextBox 24">
+            <a:extLst>
+              <a:ext uri="{FF2B5EF4-FFF2-40B4-BE49-F238E27FC236}">
+                <a16:creationId xmlns:a16="http://schemas.microsoft.com/office/drawing/2014/main" id="{379D37D3-CC0E-3A87-3571-A42190FC01C5}"/>
               </a:ext>
             </a:extLst>
           </p:cNvPr>
@@ -8913,8 +8921,8 @@
         </p:nvSpPr>
         <p:spPr>
           <a:xfrm>
-            <a:off x="371068" y="1382376"/>
-            <a:ext cx="7834183" cy="923330"/>
+            <a:off x="1153073" y="3327856"/>
+            <a:ext cx="3689637" cy="430887"/>
           </a:xfrm>
           <a:prstGeom prst="rect">
             <a:avLst/>
@@ -8927,75 +8935,159 @@
           </a:bodyPr>
           <a:lstStyle/>
           <a:p>
-            <a:pPr marL="457200" indent="-457200">
-              <a:buFont typeface="Arial" panose="020B0604020202020204" pitchFamily="34" charset="0"/>
-              <a:buChar char="•"/>
-            </a:pPr>
+            <a:pPr algn="ctr"/>
+            <a:r>
+              <a:rPr lang="ko-KR" altLang="en-US" sz="2200" dirty="0">
+                <a:latin typeface="D2Coding" panose="020B0609020101020101" pitchFamily="49" charset="-127"/>
+                <a:ea typeface="D2Coding" panose="020B0609020101020101" pitchFamily="49" charset="-127"/>
+              </a:rPr>
+              <a:t>요구사항 변경</a:t>
+            </a:r>
+            <a:endParaRPr lang="en-US" altLang="ko-KR" sz="2200" dirty="0">
+              <a:latin typeface="D2Coding" panose="020B0609020101020101" pitchFamily="49" charset="-127"/>
+              <a:ea typeface="D2Coding" panose="020B0609020101020101" pitchFamily="49" charset="-127"/>
+            </a:endParaRPr>
+          </a:p>
+        </p:txBody>
+      </p:sp>
+      <p:sp>
+        <p:nvSpPr>
+          <p:cNvPr id="26" name="TextBox 25">
+            <a:extLst>
+              <a:ext uri="{FF2B5EF4-FFF2-40B4-BE49-F238E27FC236}">
+                <a16:creationId xmlns:a16="http://schemas.microsoft.com/office/drawing/2014/main" id="{61F52941-AD8D-8891-2B09-08082343264F}"/>
+              </a:ext>
+            </a:extLst>
+          </p:cNvPr>
+          <p:cNvSpPr txBox="1"/>
+          <p:nvPr/>
+        </p:nvSpPr>
+        <p:spPr>
+          <a:xfrm>
+            <a:off x="7114721" y="3327856"/>
+            <a:ext cx="3689637" cy="430887"/>
+          </a:xfrm>
+          <a:prstGeom prst="rect">
+            <a:avLst/>
+          </a:prstGeom>
+          <a:noFill/>
+        </p:spPr>
+        <p:txBody>
+          <a:bodyPr wrap="square" rtlCol="0">
+            <a:spAutoFit/>
+          </a:bodyPr>
+          <a:lstStyle/>
+          <a:p>
+            <a:pPr algn="ctr"/>
+            <a:r>
+              <a:rPr lang="ko-KR" altLang="en-US" sz="2200" dirty="0">
+                <a:latin typeface="D2Coding" panose="020B0609020101020101" pitchFamily="49" charset="-127"/>
+                <a:ea typeface="D2Coding" panose="020B0609020101020101" pitchFamily="49" charset="-127"/>
+              </a:rPr>
+              <a:t>변경하기 쉬운 코드</a:t>
+            </a:r>
+            <a:endParaRPr lang="en-US" altLang="ko-KR" sz="2200" dirty="0">
+              <a:latin typeface="D2Coding" panose="020B0609020101020101" pitchFamily="49" charset="-127"/>
+              <a:ea typeface="D2Coding" panose="020B0609020101020101" pitchFamily="49" charset="-127"/>
+            </a:endParaRPr>
+          </a:p>
+        </p:txBody>
+      </p:sp>
+      <p:cxnSp>
+        <p:nvCxnSpPr>
+          <p:cNvPr id="28" name="직선 화살표 연결선 27">
+            <a:extLst>
+              <a:ext uri="{FF2B5EF4-FFF2-40B4-BE49-F238E27FC236}">
+                <a16:creationId xmlns:a16="http://schemas.microsoft.com/office/drawing/2014/main" id="{D12392D9-7139-45CB-EEF1-CCF731FA0A2E}"/>
+              </a:ext>
+            </a:extLst>
+          </p:cNvPr>
+          <p:cNvCxnSpPr>
+            <a:stCxn id="25" idx="3"/>
+            <a:endCxn id="26" idx="1"/>
+          </p:cNvCxnSpPr>
+          <p:nvPr/>
+        </p:nvCxnSpPr>
+        <p:spPr>
+          <a:xfrm>
+            <a:off x="4842710" y="3543300"/>
+            <a:ext cx="2272011" cy="0"/>
+          </a:xfrm>
+          <a:prstGeom prst="straightConnector1">
+            <a:avLst/>
+          </a:prstGeom>
+          <a:ln w="53975">
+            <a:solidFill>
+              <a:schemeClr val="accent6">
+                <a:lumMod val="75000"/>
+              </a:schemeClr>
+            </a:solidFill>
+            <a:headEnd type="triangle"/>
+            <a:tailEnd type="triangle"/>
+          </a:ln>
+        </p:spPr>
+        <p:style>
+          <a:lnRef idx="1">
+            <a:schemeClr val="accent1"/>
+          </a:lnRef>
+          <a:fillRef idx="0">
+            <a:schemeClr val="accent1"/>
+          </a:fillRef>
+          <a:effectRef idx="0">
+            <a:schemeClr val="accent1"/>
+          </a:effectRef>
+          <a:fontRef idx="minor">
+            <a:schemeClr val="tx1"/>
+          </a:fontRef>
+        </p:style>
+      </p:cxnSp>
+      <p:sp>
+        <p:nvSpPr>
+          <p:cNvPr id="31" name="TextBox 30">
+            <a:extLst>
+              <a:ext uri="{FF2B5EF4-FFF2-40B4-BE49-F238E27FC236}">
+                <a16:creationId xmlns:a16="http://schemas.microsoft.com/office/drawing/2014/main" id="{BBB31043-5E6A-DA78-EF84-2ACEDC86415E}"/>
+              </a:ext>
+            </a:extLst>
+          </p:cNvPr>
+          <p:cNvSpPr txBox="1"/>
+          <p:nvPr/>
+        </p:nvSpPr>
+        <p:spPr>
+          <a:xfrm>
+            <a:off x="4133896" y="2900099"/>
+            <a:ext cx="3689637" cy="369332"/>
+          </a:xfrm>
+          <a:prstGeom prst="rect">
+            <a:avLst/>
+          </a:prstGeom>
+          <a:noFill/>
+        </p:spPr>
+        <p:txBody>
+          <a:bodyPr wrap="square" rtlCol="0">
+            <a:spAutoFit/>
+          </a:bodyPr>
+          <a:lstStyle/>
+          <a:p>
+            <a:pPr algn="ctr"/>
             <a:r>
               <a:rPr lang="ko-KR" altLang="en-US" dirty="0">
                 <a:latin typeface="D2Coding" panose="020B0609020101020101" pitchFamily="49" charset="-127"/>
                 <a:ea typeface="D2Coding" panose="020B0609020101020101" pitchFamily="49" charset="-127"/>
               </a:rPr>
-              <a:t>테이블 주도 개발 </a:t>
-            </a:r>
-            <a:r>
-              <a:rPr lang="en-US" altLang="ko-KR" dirty="0">
-                <a:latin typeface="D2Coding" panose="020B0609020101020101" pitchFamily="49" charset="-127"/>
-                <a:ea typeface="D2Coding" panose="020B0609020101020101" pitchFamily="49" charset="-127"/>
-              </a:rPr>
-              <a:t>(</a:t>
-            </a:r>
-            <a:r>
-              <a:rPr lang="ko-KR" altLang="en-US" dirty="0">
-                <a:latin typeface="D2Coding" panose="020B0609020101020101" pitchFamily="49" charset="-127"/>
-                <a:ea typeface="D2Coding" panose="020B0609020101020101" pitchFamily="49" charset="-127"/>
-              </a:rPr>
-              <a:t>뒤틀린 </a:t>
-            </a:r>
-            <a:r>
-              <a:rPr lang="en-US" altLang="ko-KR" dirty="0">
-                <a:latin typeface="D2Coding" panose="020B0609020101020101" pitchFamily="49" charset="-127"/>
-                <a:ea typeface="D2Coding" panose="020B0609020101020101" pitchFamily="49" charset="-127"/>
-              </a:rPr>
-              <a:t>TDD)</a:t>
-            </a:r>
-          </a:p>
-          <a:p>
-            <a:pPr marL="457200" indent="-457200">
-              <a:buFont typeface="Arial" panose="020B0604020202020204" pitchFamily="34" charset="0"/>
-              <a:buChar char="•"/>
-            </a:pPr>
+              <a:t>무한 반복</a:t>
+            </a:r>
             <a:endParaRPr lang="en-US" altLang="ko-KR" dirty="0">
               <a:latin typeface="D2Coding" panose="020B0609020101020101" pitchFamily="49" charset="-127"/>
               <a:ea typeface="D2Coding" panose="020B0609020101020101" pitchFamily="49" charset="-127"/>
             </a:endParaRPr>
           </a:p>
-          <a:p>
-            <a:pPr marL="457200" indent="-457200">
-              <a:buFont typeface="Arial" panose="020B0604020202020204" pitchFamily="34" charset="0"/>
-              <a:buChar char="•"/>
-            </a:pPr>
-            <a:r>
-              <a:rPr lang="ko-KR" altLang="en-US" dirty="0">
-                <a:latin typeface="D2Coding" panose="020B0609020101020101" pitchFamily="49" charset="-127"/>
-                <a:ea typeface="D2Coding" panose="020B0609020101020101" pitchFamily="49" charset="-127"/>
-              </a:rPr>
-              <a:t>도메인 주도 개발 </a:t>
-            </a:r>
-            <a:r>
-              <a:rPr lang="en-US" altLang="ko-KR" dirty="0">
-                <a:latin typeface="D2Coding" panose="020B0609020101020101" pitchFamily="49" charset="-127"/>
-                <a:ea typeface="D2Coding" panose="020B0609020101020101" pitchFamily="49" charset="-127"/>
-              </a:rPr>
-              <a:t>(DDD)</a:t>
-            </a:r>
-          </a:p>
         </p:txBody>
       </p:sp>
     </p:spTree>
     <p:extLst>
       <p:ext uri="{BB962C8B-B14F-4D97-AF65-F5344CB8AC3E}">
-        <p14:creationId xmlns:p14="http://schemas.microsoft.com/office/powerpoint/2010/main" val="4063658403"/>
+        <p14:creationId xmlns:p14="http://schemas.microsoft.com/office/powerpoint/2010/main" val="463292003"/>
       </p:ext>
     </p:extLst>
   </p:cSld>
@@ -9055,26 +9147,29 @@
                 <a:latin typeface="D2Coding" panose="020B0609020101020101" pitchFamily="49" charset="-127"/>
                 <a:ea typeface="D2Coding" panose="020B0609020101020101" pitchFamily="49" charset="-127"/>
               </a:rPr>
-              <a:t>테이블 주도 개발 </a:t>
+              <a:t>어떻게 진짜 개발 </a:t>
+            </a:r>
+            <a:r>
+              <a:rPr lang="ko-KR" altLang="en-US" sz="2500" b="1" dirty="0" err="1">
+                <a:latin typeface="D2Coding" panose="020B0609020101020101" pitchFamily="49" charset="-127"/>
+                <a:ea typeface="D2Coding" panose="020B0609020101020101" pitchFamily="49" charset="-127"/>
+              </a:rPr>
+              <a:t>하는데에</a:t>
+            </a:r>
+            <a:r>
+              <a:rPr lang="ko-KR" altLang="en-US" sz="2500" b="1" dirty="0">
+                <a:latin typeface="D2Coding" panose="020B0609020101020101" pitchFamily="49" charset="-127"/>
+                <a:ea typeface="D2Coding" panose="020B0609020101020101" pitchFamily="49" charset="-127"/>
+              </a:rPr>
+              <a:t> 적용할 수 있을까</a:t>
             </a:r>
             <a:r>
               <a:rPr lang="en-US" altLang="ko-KR" sz="2500" b="1" dirty="0">
                 <a:latin typeface="D2Coding" panose="020B0609020101020101" pitchFamily="49" charset="-127"/>
                 <a:ea typeface="D2Coding" panose="020B0609020101020101" pitchFamily="49" charset="-127"/>
               </a:rPr>
-              <a:t>– </a:t>
-            </a:r>
-            <a:r>
-              <a:rPr lang="ko-KR" altLang="en-US" sz="2500" b="1" dirty="0">
-                <a:latin typeface="D2Coding" panose="020B0609020101020101" pitchFamily="49" charset="-127"/>
-                <a:ea typeface="D2Coding" panose="020B0609020101020101" pitchFamily="49" charset="-127"/>
-              </a:rPr>
-              <a:t>개발 흐름</a:t>
-            </a:r>
-            <a:endParaRPr lang="en-US" altLang="ko-KR" sz="2500" b="1" dirty="0">
-              <a:latin typeface="D2Coding" panose="020B0609020101020101" pitchFamily="49" charset="-127"/>
-              <a:ea typeface="D2Coding" panose="020B0609020101020101" pitchFamily="49" charset="-127"/>
-            </a:endParaRPr>
+              <a:t>?</a:t>
+            </a:r>
           </a:p>
         </p:txBody>
       </p:sp>
@@ -9093,7 +9188,7 @@
         <p:spPr>
           <a:xfrm>
             <a:off x="371068" y="1382376"/>
-            <a:ext cx="7834183" cy="2031325"/>
+            <a:ext cx="7834183" cy="923330"/>
           </a:xfrm>
           <a:prstGeom prst="rect">
             <a:avLst/>
@@ -9107,28 +9202,42 @@
           <a:lstStyle/>
           <a:p>
             <a:pPr marL="457200" indent="-457200">
-              <a:buFont typeface="+mj-lt"/>
-              <a:buAutoNum type="arabicPeriod"/>
+              <a:buFont typeface="Arial" panose="020B0604020202020204" pitchFamily="34" charset="0"/>
+              <a:buChar char="•"/>
             </a:pPr>
             <a:r>
               <a:rPr lang="ko-KR" altLang="en-US" dirty="0">
                 <a:latin typeface="D2Coding" panose="020B0609020101020101" pitchFamily="49" charset="-127"/>
                 <a:ea typeface="D2Coding" panose="020B0609020101020101" pitchFamily="49" charset="-127"/>
               </a:rPr>
-              <a:t>테이블을 설계한다</a:t>
+              <a:t>테이블 주도 개발 </a:t>
             </a:r>
             <a:r>
               <a:rPr lang="en-US" altLang="ko-KR" dirty="0">
                 <a:latin typeface="D2Coding" panose="020B0609020101020101" pitchFamily="49" charset="-127"/>
                 <a:ea typeface="D2Coding" panose="020B0609020101020101" pitchFamily="49" charset="-127"/>
               </a:rPr>
-              <a:t>.</a:t>
+              <a:t>(</a:t>
+            </a:r>
+            <a:r>
+              <a:rPr lang="ko-KR" altLang="en-US" dirty="0">
+                <a:latin typeface="D2Coding" panose="020B0609020101020101" pitchFamily="49" charset="-127"/>
+                <a:ea typeface="D2Coding" panose="020B0609020101020101" pitchFamily="49" charset="-127"/>
+              </a:rPr>
+              <a:t>뒤틀린 </a:t>
+            </a:r>
+            <a:r>
+              <a:rPr lang="en-US" altLang="ko-KR" dirty="0">
+                <a:latin typeface="D2Coding" panose="020B0609020101020101" pitchFamily="49" charset="-127"/>
+                <a:ea typeface="D2Coding" panose="020B0609020101020101" pitchFamily="49" charset="-127"/>
+              </a:rPr>
+              <a:t>TDD)</a:t>
             </a:r>
           </a:p>
           <a:p>
             <a:pPr marL="457200" indent="-457200">
-              <a:buFont typeface="+mj-lt"/>
-              <a:buAutoNum type="arabicPeriod"/>
+              <a:buFont typeface="Arial" panose="020B0604020202020204" pitchFamily="34" charset="0"/>
+              <a:buChar char="•"/>
             </a:pPr>
             <a:endParaRPr lang="en-US" altLang="ko-KR" dirty="0">
               <a:latin typeface="D2Coding" panose="020B0609020101020101" pitchFamily="49" charset="-127"/>
@@ -9137,110 +9246,22 @@
           </a:p>
           <a:p>
             <a:pPr marL="457200" indent="-457200">
-              <a:buFont typeface="+mj-lt"/>
-              <a:buAutoNum type="arabicPeriod"/>
+              <a:buFont typeface="Arial" panose="020B0604020202020204" pitchFamily="34" charset="0"/>
+              <a:buChar char="•"/>
             </a:pPr>
             <a:r>
               <a:rPr lang="ko-KR" altLang="en-US" dirty="0">
                 <a:latin typeface="D2Coding" panose="020B0609020101020101" pitchFamily="49" charset="-127"/>
                 <a:ea typeface="D2Coding" panose="020B0609020101020101" pitchFamily="49" charset="-127"/>
               </a:rPr>
-              <a:t>객체와 테이블을 매핑한다</a:t>
+              <a:t>도메인 주도 개발 </a:t>
             </a:r>
             <a:r>
               <a:rPr lang="en-US" altLang="ko-KR" dirty="0">
                 <a:latin typeface="D2Coding" panose="020B0609020101020101" pitchFamily="49" charset="-127"/>
                 <a:ea typeface="D2Coding" panose="020B0609020101020101" pitchFamily="49" charset="-127"/>
               </a:rPr>
-              <a:t>.</a:t>
-            </a:r>
-          </a:p>
-          <a:p>
-            <a:pPr marL="457200" indent="-457200">
-              <a:buFont typeface="+mj-lt"/>
-              <a:buAutoNum type="arabicPeriod"/>
-            </a:pPr>
-            <a:endParaRPr lang="en-US" altLang="ko-KR" dirty="0">
-              <a:latin typeface="D2Coding" panose="020B0609020101020101" pitchFamily="49" charset="-127"/>
-              <a:ea typeface="D2Coding" panose="020B0609020101020101" pitchFamily="49" charset="-127"/>
-            </a:endParaRPr>
-          </a:p>
-          <a:p>
-            <a:pPr marL="457200" indent="-457200">
-              <a:buFont typeface="+mj-lt"/>
-              <a:buAutoNum type="arabicPeriod"/>
-            </a:pPr>
-            <a:r>
-              <a:rPr lang="ko-KR" altLang="en-US" dirty="0">
-                <a:latin typeface="D2Coding" panose="020B0609020101020101" pitchFamily="49" charset="-127"/>
-                <a:ea typeface="D2Coding" panose="020B0609020101020101" pitchFamily="49" charset="-127"/>
-              </a:rPr>
-              <a:t>해당 테이블에서 수행할 수 있는 </a:t>
-            </a:r>
-            <a:r>
-              <a:rPr lang="en-US" altLang="ko-KR" dirty="0">
-                <a:latin typeface="D2Coding" panose="020B0609020101020101" pitchFamily="49" charset="-127"/>
-                <a:ea typeface="D2Coding" panose="020B0609020101020101" pitchFamily="49" charset="-127"/>
-              </a:rPr>
-              <a:t>CRUD </a:t>
-            </a:r>
-            <a:r>
-              <a:rPr lang="ko-KR" altLang="en-US" dirty="0">
-                <a:latin typeface="D2Coding" panose="020B0609020101020101" pitchFamily="49" charset="-127"/>
-                <a:ea typeface="D2Coding" panose="020B0609020101020101" pitchFamily="49" charset="-127"/>
-              </a:rPr>
-              <a:t>및 기타 </a:t>
-            </a:r>
-            <a:r>
-              <a:rPr lang="en-US" altLang="ko-KR" dirty="0">
-                <a:latin typeface="D2Coding" panose="020B0609020101020101" pitchFamily="49" charset="-127"/>
-                <a:ea typeface="D2Coding" panose="020B0609020101020101" pitchFamily="49" charset="-127"/>
-              </a:rPr>
-              <a:t>Query</a:t>
-            </a:r>
-            <a:r>
-              <a:rPr lang="ko-KR" altLang="en-US" dirty="0">
-                <a:latin typeface="D2Coding" panose="020B0609020101020101" pitchFamily="49" charset="-127"/>
-                <a:ea typeface="D2Coding" panose="020B0609020101020101" pitchFamily="49" charset="-127"/>
-              </a:rPr>
-              <a:t>를 작성한다</a:t>
-            </a:r>
-            <a:r>
-              <a:rPr lang="en-US" altLang="ko-KR" dirty="0">
-                <a:latin typeface="D2Coding" panose="020B0609020101020101" pitchFamily="49" charset="-127"/>
-                <a:ea typeface="D2Coding" panose="020B0609020101020101" pitchFamily="49" charset="-127"/>
-              </a:rPr>
-              <a:t>.</a:t>
-            </a:r>
-          </a:p>
-          <a:p>
-            <a:pPr marL="457200" indent="-457200">
-              <a:buFont typeface="+mj-lt"/>
-              <a:buAutoNum type="arabicPeriod"/>
-            </a:pPr>
-            <a:endParaRPr lang="en-US" altLang="ko-KR" dirty="0">
-              <a:latin typeface="D2Coding" panose="020B0609020101020101" pitchFamily="49" charset="-127"/>
-              <a:ea typeface="D2Coding" panose="020B0609020101020101" pitchFamily="49" charset="-127"/>
-            </a:endParaRPr>
-          </a:p>
-          <a:p>
-            <a:pPr marL="457200" indent="-457200">
-              <a:buFont typeface="+mj-lt"/>
-              <a:buAutoNum type="arabicPeriod"/>
-            </a:pPr>
-            <a:r>
-              <a:rPr lang="ko-KR" altLang="en-US" dirty="0">
-                <a:latin typeface="D2Coding" panose="020B0609020101020101" pitchFamily="49" charset="-127"/>
-                <a:ea typeface="D2Coding" panose="020B0609020101020101" pitchFamily="49" charset="-127"/>
-              </a:rPr>
-              <a:t>비즈니스 로직을 작성한다</a:t>
-            </a:r>
-            <a:r>
-              <a:rPr lang="en-US" altLang="ko-KR" dirty="0">
-                <a:latin typeface="D2Coding" panose="020B0609020101020101" pitchFamily="49" charset="-127"/>
-                <a:ea typeface="D2Coding" panose="020B0609020101020101" pitchFamily="49" charset="-127"/>
-              </a:rPr>
-              <a:t>.</a:t>
+              <a:t>(DDD)</a:t>
             </a:r>
           </a:p>
         </p:txBody>
@@ -9248,7 +9269,7 @@
     </p:spTree>
     <p:extLst>
       <p:ext uri="{BB962C8B-B14F-4D97-AF65-F5344CB8AC3E}">
-        <p14:creationId xmlns:p14="http://schemas.microsoft.com/office/powerpoint/2010/main" val="3453796301"/>
+        <p14:creationId xmlns:p14="http://schemas.microsoft.com/office/powerpoint/2010/main" val="4063658403"/>
       </p:ext>
     </p:extLst>
   </p:cSld>
@@ -9486,36 +9507,26 @@
                 <a:latin typeface="D2Coding" panose="020B0609020101020101" pitchFamily="49" charset="-127"/>
                 <a:ea typeface="D2Coding" panose="020B0609020101020101" pitchFamily="49" charset="-127"/>
               </a:rPr>
-              <a:t>테이블 주도 개발은 </a:t>
-            </a:r>
-            <a:r>
-              <a:rPr lang="ko-KR" altLang="en-US" sz="2500" b="1" dirty="0" err="1">
-                <a:latin typeface="D2Coding" panose="020B0609020101020101" pitchFamily="49" charset="-127"/>
-                <a:ea typeface="D2Coding" panose="020B0609020101020101" pitchFamily="49" charset="-127"/>
-              </a:rPr>
-              <a:t>쪼끔</a:t>
+              <a:t>테이블 주도 개발 </a:t>
             </a:r>
             <a:r>
               <a:rPr lang="en-US" altLang="ko-KR" sz="2500" b="1" dirty="0">
                 <a:latin typeface="D2Coding" panose="020B0609020101020101" pitchFamily="49" charset="-127"/>
                 <a:ea typeface="D2Coding" panose="020B0609020101020101" pitchFamily="49" charset="-127"/>
               </a:rPr>
-              <a:t>! </a:t>
+              <a:t>– </a:t>
             </a:r>
             <a:r>
               <a:rPr lang="ko-KR" altLang="en-US" sz="2500" b="1" dirty="0">
                 <a:latin typeface="D2Coding" panose="020B0609020101020101" pitchFamily="49" charset="-127"/>
                 <a:ea typeface="D2Coding" panose="020B0609020101020101" pitchFamily="49" charset="-127"/>
               </a:rPr>
-              <a:t>아쉬운 점이 있다</a:t>
-            </a:r>
-            <a:r>
-              <a:rPr lang="en-US" altLang="ko-KR" sz="2500" b="1" dirty="0">
-                <a:latin typeface="D2Coding" panose="020B0609020101020101" pitchFamily="49" charset="-127"/>
-                <a:ea typeface="D2Coding" panose="020B0609020101020101" pitchFamily="49" charset="-127"/>
-              </a:rPr>
-              <a:t>.</a:t>
-            </a:r>
+              <a:t>개발 흐름</a:t>
+            </a:r>
+            <a:endParaRPr lang="en-US" altLang="ko-KR" sz="2500" b="1" dirty="0">
+              <a:latin typeface="D2Coding" panose="020B0609020101020101" pitchFamily="49" charset="-127"/>
+              <a:ea typeface="D2Coding" panose="020B0609020101020101" pitchFamily="49" charset="-127"/>
+            </a:endParaRPr>
           </a:p>
         </p:txBody>
       </p:sp>
@@ -9534,7 +9545,7 @@
         <p:spPr>
           <a:xfrm>
             <a:off x="371068" y="1382376"/>
-            <a:ext cx="7834183" cy="1477328"/>
+            <a:ext cx="7834183" cy="2031325"/>
           </a:xfrm>
           <a:prstGeom prst="rect">
             <a:avLst/>
@@ -9548,35 +9559,28 @@
           <a:lstStyle/>
           <a:p>
             <a:pPr marL="457200" indent="-457200">
-              <a:buFont typeface="Arial" panose="020B0604020202020204" pitchFamily="34" charset="0"/>
-              <a:buChar char="•"/>
+              <a:buFont typeface="+mj-lt"/>
+              <a:buAutoNum type="arabicPeriod"/>
             </a:pPr>
             <a:r>
+              <a:rPr lang="ko-KR" altLang="en-US" dirty="0">
+                <a:latin typeface="D2Coding" panose="020B0609020101020101" pitchFamily="49" charset="-127"/>
+                <a:ea typeface="D2Coding" panose="020B0609020101020101" pitchFamily="49" charset="-127"/>
+              </a:rPr>
+              <a:t>테이블을 설계한다</a:t>
+            </a:r>
+            <a:r>
               <a:rPr lang="en-US" altLang="ko-KR" dirty="0">
                 <a:latin typeface="D2Coding" panose="020B0609020101020101" pitchFamily="49" charset="-127"/>
                 <a:ea typeface="D2Coding" panose="020B0609020101020101" pitchFamily="49" charset="-127"/>
               </a:rPr>
-              <a:t>Entity </a:t>
-            </a:r>
-            <a:r>
-              <a:rPr lang="ko-KR" altLang="en-US" dirty="0">
-                <a:latin typeface="D2Coding" panose="020B0609020101020101" pitchFamily="49" charset="-127"/>
-                <a:ea typeface="D2Coding" panose="020B0609020101020101" pitchFamily="49" charset="-127"/>
-              </a:rPr>
-              <a:t>클래스를 테이블과 매핑하기 위해서만 사용하게 된다</a:t>
-            </a:r>
-            <a:r>
-              <a:rPr lang="en-US" altLang="ko-KR" dirty="0">
-                <a:latin typeface="D2Coding" panose="020B0609020101020101" pitchFamily="49" charset="-127"/>
-                <a:ea typeface="D2Coding" panose="020B0609020101020101" pitchFamily="49" charset="-127"/>
-              </a:rPr>
               <a:t>.</a:t>
             </a:r>
           </a:p>
           <a:p>
             <a:pPr marL="457200" indent="-457200">
-              <a:buFont typeface="Arial" panose="020B0604020202020204" pitchFamily="34" charset="0"/>
-              <a:buChar char="•"/>
+              <a:buFont typeface="+mj-lt"/>
+              <a:buAutoNum type="arabicPeriod"/>
             </a:pPr>
             <a:endParaRPr lang="en-US" altLang="ko-KR" dirty="0">
               <a:latin typeface="D2Coding" panose="020B0609020101020101" pitchFamily="49" charset="-127"/>
@@ -9585,42 +9589,28 @@
           </a:p>
           <a:p>
             <a:pPr marL="457200" indent="-457200">
-              <a:buFont typeface="Arial" panose="020B0604020202020204" pitchFamily="34" charset="0"/>
-              <a:buChar char="•"/>
+              <a:buFont typeface="+mj-lt"/>
+              <a:buAutoNum type="arabicPeriod"/>
             </a:pPr>
             <a:r>
               <a:rPr lang="ko-KR" altLang="en-US" dirty="0">
                 <a:latin typeface="D2Coding" panose="020B0609020101020101" pitchFamily="49" charset="-127"/>
                 <a:ea typeface="D2Coding" panose="020B0609020101020101" pitchFamily="49" charset="-127"/>
               </a:rPr>
-              <a:t>비즈니스 로직보다 </a:t>
+              <a:t>객체와 테이블을 매핑한다</a:t>
             </a:r>
             <a:r>
               <a:rPr lang="en-US" altLang="ko-KR" dirty="0">
                 <a:latin typeface="D2Coding" panose="020B0609020101020101" pitchFamily="49" charset="-127"/>
                 <a:ea typeface="D2Coding" panose="020B0609020101020101" pitchFamily="49" charset="-127"/>
               </a:rPr>
-              <a:t>DB </a:t>
-            </a:r>
-            <a:r>
-              <a:rPr lang="ko-KR" altLang="en-US" dirty="0">
-                <a:latin typeface="D2Coding" panose="020B0609020101020101" pitchFamily="49" charset="-127"/>
-                <a:ea typeface="D2Coding" panose="020B0609020101020101" pitchFamily="49" charset="-127"/>
-              </a:rPr>
-              <a:t>접근로직에 우선하여 개발을 진행하게 된다</a:t>
-            </a:r>
-            <a:r>
-              <a:rPr lang="en-US" altLang="ko-KR" dirty="0">
-                <a:latin typeface="D2Coding" panose="020B0609020101020101" pitchFamily="49" charset="-127"/>
-                <a:ea typeface="D2Coding" panose="020B0609020101020101" pitchFamily="49" charset="-127"/>
-              </a:rPr>
               <a:t>.</a:t>
             </a:r>
           </a:p>
           <a:p>
             <a:pPr marL="457200" indent="-457200">
-              <a:buFont typeface="Arial" panose="020B0604020202020204" pitchFamily="34" charset="0"/>
-              <a:buChar char="•"/>
+              <a:buFont typeface="+mj-lt"/>
+              <a:buAutoNum type="arabicPeriod"/>
             </a:pPr>
             <a:endParaRPr lang="en-US" altLang="ko-KR" dirty="0">
               <a:latin typeface="D2Coding" panose="020B0609020101020101" pitchFamily="49" charset="-127"/>
@@ -9629,22 +9619,73 @@
           </a:p>
           <a:p>
             <a:pPr marL="457200" indent="-457200">
-              <a:buFont typeface="Arial" panose="020B0604020202020204" pitchFamily="34" charset="0"/>
-              <a:buChar char="•"/>
+              <a:buFont typeface="+mj-lt"/>
+              <a:buAutoNum type="arabicPeriod"/>
             </a:pPr>
             <a:r>
               <a:rPr lang="ko-KR" altLang="en-US" dirty="0">
                 <a:latin typeface="D2Coding" panose="020B0609020101020101" pitchFamily="49" charset="-127"/>
                 <a:ea typeface="D2Coding" panose="020B0609020101020101" pitchFamily="49" charset="-127"/>
               </a:rPr>
-              <a:t>객체 간의 관계가 </a:t>
-            </a:r>
-            <a:r>
-              <a:rPr lang="ko-KR" altLang="en-US" dirty="0" err="1">
-                <a:latin typeface="D2Coding" panose="020B0609020101020101" pitchFamily="49" charset="-127"/>
-                <a:ea typeface="D2Coding" panose="020B0609020101020101" pitchFamily="49" charset="-127"/>
-              </a:rPr>
-              <a:t>희미해진다</a:t>
+              <a:t>해당 테이블에서 수행할 수 있는 </a:t>
+            </a:r>
+            <a:r>
+              <a:rPr lang="en-US" altLang="ko-KR" dirty="0">
+                <a:latin typeface="D2Coding" panose="020B0609020101020101" pitchFamily="49" charset="-127"/>
+                <a:ea typeface="D2Coding" panose="020B0609020101020101" pitchFamily="49" charset="-127"/>
+              </a:rPr>
+              <a:t>CRUD </a:t>
+            </a:r>
+            <a:r>
+              <a:rPr lang="ko-KR" altLang="en-US" dirty="0">
+                <a:latin typeface="D2Coding" panose="020B0609020101020101" pitchFamily="49" charset="-127"/>
+                <a:ea typeface="D2Coding" panose="020B0609020101020101" pitchFamily="49" charset="-127"/>
+              </a:rPr>
+              <a:t>및 기타 </a:t>
+            </a:r>
+            <a:r>
+              <a:rPr lang="en-US" altLang="ko-KR" dirty="0">
+                <a:latin typeface="D2Coding" panose="020B0609020101020101" pitchFamily="49" charset="-127"/>
+                <a:ea typeface="D2Coding" panose="020B0609020101020101" pitchFamily="49" charset="-127"/>
+              </a:rPr>
+              <a:t>Query</a:t>
+            </a:r>
+            <a:r>
+              <a:rPr lang="ko-KR" altLang="en-US" dirty="0">
+                <a:latin typeface="D2Coding" panose="020B0609020101020101" pitchFamily="49" charset="-127"/>
+                <a:ea typeface="D2Coding" panose="020B0609020101020101" pitchFamily="49" charset="-127"/>
+              </a:rPr>
+              <a:t>를 작성한다</a:t>
+            </a:r>
+            <a:r>
+              <a:rPr lang="en-US" altLang="ko-KR" dirty="0">
+                <a:latin typeface="D2Coding" panose="020B0609020101020101" pitchFamily="49" charset="-127"/>
+                <a:ea typeface="D2Coding" panose="020B0609020101020101" pitchFamily="49" charset="-127"/>
+              </a:rPr>
+              <a:t>.</a:t>
+            </a:r>
+          </a:p>
+          <a:p>
+            <a:pPr marL="457200" indent="-457200">
+              <a:buFont typeface="+mj-lt"/>
+              <a:buAutoNum type="arabicPeriod"/>
+            </a:pPr>
+            <a:endParaRPr lang="en-US" altLang="ko-KR" dirty="0">
+              <a:latin typeface="D2Coding" panose="020B0609020101020101" pitchFamily="49" charset="-127"/>
+              <a:ea typeface="D2Coding" panose="020B0609020101020101" pitchFamily="49" charset="-127"/>
+            </a:endParaRPr>
+          </a:p>
+          <a:p>
+            <a:pPr marL="457200" indent="-457200">
+              <a:buFont typeface="+mj-lt"/>
+              <a:buAutoNum type="arabicPeriod"/>
+            </a:pPr>
+            <a:r>
+              <a:rPr lang="ko-KR" altLang="en-US" dirty="0">
+                <a:latin typeface="D2Coding" panose="020B0609020101020101" pitchFamily="49" charset="-127"/>
+                <a:ea typeface="D2Coding" panose="020B0609020101020101" pitchFamily="49" charset="-127"/>
+              </a:rPr>
+              <a:t>비즈니스 로직을 작성한다</a:t>
             </a:r>
             <a:r>
               <a:rPr lang="en-US" altLang="ko-KR" dirty="0">
@@ -9659,7 +9700,7 @@
     </p:spTree>
     <p:extLst>
       <p:ext uri="{BB962C8B-B14F-4D97-AF65-F5344CB8AC3E}">
-        <p14:creationId xmlns:p14="http://schemas.microsoft.com/office/powerpoint/2010/main" val="1477164456"/>
+        <p14:creationId xmlns:p14="http://schemas.microsoft.com/office/powerpoint/2010/main" val="3453796301"/>
       </p:ext>
     </p:extLst>
   </p:cSld>
@@ -9719,12 +9760,36 @@
                 <a:latin typeface="D2Coding" panose="020B0609020101020101" pitchFamily="49" charset="-127"/>
                 <a:ea typeface="D2Coding" panose="020B0609020101020101" pitchFamily="49" charset="-127"/>
               </a:rPr>
-              <a:t>도메인 주도 개발</a:t>
-            </a:r>
-            <a:endParaRPr lang="en-US" altLang="ko-KR" sz="2500" b="1" dirty="0">
-              <a:latin typeface="D2Coding" panose="020B0609020101020101" pitchFamily="49" charset="-127"/>
-              <a:ea typeface="D2Coding" panose="020B0609020101020101" pitchFamily="49" charset="-127"/>
-            </a:endParaRPr>
+              <a:t>테이블 주도 개발은 </a:t>
+            </a:r>
+            <a:r>
+              <a:rPr lang="ko-KR" altLang="en-US" sz="2500" b="1" dirty="0" err="1">
+                <a:latin typeface="D2Coding" panose="020B0609020101020101" pitchFamily="49" charset="-127"/>
+                <a:ea typeface="D2Coding" panose="020B0609020101020101" pitchFamily="49" charset="-127"/>
+              </a:rPr>
+              <a:t>쪼끔</a:t>
+            </a:r>
+            <a:r>
+              <a:rPr lang="en-US" altLang="ko-KR" sz="2500" b="1" dirty="0">
+                <a:latin typeface="D2Coding" panose="020B0609020101020101" pitchFamily="49" charset="-127"/>
+                <a:ea typeface="D2Coding" panose="020B0609020101020101" pitchFamily="49" charset="-127"/>
+              </a:rPr>
+              <a:t>! </a:t>
+            </a:r>
+            <a:r>
+              <a:rPr lang="ko-KR" altLang="en-US" sz="2500" b="1" dirty="0">
+                <a:latin typeface="D2Coding" panose="020B0609020101020101" pitchFamily="49" charset="-127"/>
+                <a:ea typeface="D2Coding" panose="020B0609020101020101" pitchFamily="49" charset="-127"/>
+              </a:rPr>
+              <a:t>아쉬운 점이 있다</a:t>
+            </a:r>
+            <a:r>
+              <a:rPr lang="en-US" altLang="ko-KR" sz="2500" b="1" dirty="0">
+                <a:latin typeface="D2Coding" panose="020B0609020101020101" pitchFamily="49" charset="-127"/>
+                <a:ea typeface="D2Coding" panose="020B0609020101020101" pitchFamily="49" charset="-127"/>
+              </a:rPr>
+              <a:t>.</a:t>
+            </a:r>
           </a:p>
         </p:txBody>
       </p:sp>
@@ -9743,7 +9808,7 @@
         <p:spPr>
           <a:xfrm>
             <a:off x="371068" y="1382376"/>
-            <a:ext cx="10102421" cy="1477328"/>
+            <a:ext cx="7834183" cy="1477328"/>
           </a:xfrm>
           <a:prstGeom prst="rect">
             <a:avLst/>
@@ -9757,15 +9822,22 @@
           <a:lstStyle/>
           <a:p>
             <a:pPr marL="457200" indent="-457200">
-              <a:buFont typeface="+mj-lt"/>
-              <a:buAutoNum type="arabicPeriod"/>
+              <a:buFont typeface="Arial" panose="020B0604020202020204" pitchFamily="34" charset="0"/>
+              <a:buChar char="•"/>
             </a:pPr>
             <a:r>
+              <a:rPr lang="en-US" altLang="ko-KR" dirty="0">
+                <a:latin typeface="D2Coding" panose="020B0609020101020101" pitchFamily="49" charset="-127"/>
+                <a:ea typeface="D2Coding" panose="020B0609020101020101" pitchFamily="49" charset="-127"/>
+              </a:rPr>
+              <a:t>Entity </a:t>
+            </a:r>
+            <a:r>
               <a:rPr lang="ko-KR" altLang="en-US" dirty="0">
                 <a:latin typeface="D2Coding" panose="020B0609020101020101" pitchFamily="49" charset="-127"/>
                 <a:ea typeface="D2Coding" panose="020B0609020101020101" pitchFamily="49" charset="-127"/>
               </a:rPr>
-              <a:t>테이블 구조는 딱히 의식하지 않고 비즈니스 로직을 개발한다</a:t>
+              <a:t>클래스를 테이블과 매핑하기 위해서만 사용하게 된다</a:t>
             </a:r>
             <a:r>
               <a:rPr lang="en-US" altLang="ko-KR" dirty="0">
@@ -9777,8 +9849,8 @@
           </a:p>
           <a:p>
             <a:pPr marL="457200" indent="-457200">
-              <a:buFont typeface="+mj-lt"/>
-              <a:buAutoNum type="arabicPeriod"/>
+              <a:buFont typeface="Arial" panose="020B0604020202020204" pitchFamily="34" charset="0"/>
+              <a:buChar char="•"/>
             </a:pPr>
             <a:endParaRPr lang="en-US" altLang="ko-KR" dirty="0">
               <a:latin typeface="D2Coding" panose="020B0609020101020101" pitchFamily="49" charset="-127"/>
@@ -9787,22 +9859,29 @@
           </a:p>
           <a:p>
             <a:pPr marL="457200" indent="-457200">
-              <a:buFont typeface="+mj-lt"/>
-              <a:buAutoNum type="arabicPeriod"/>
+              <a:buFont typeface="Arial" panose="020B0604020202020204" pitchFamily="34" charset="0"/>
+              <a:buChar char="•"/>
             </a:pPr>
             <a:r>
+              <a:rPr lang="ko-KR" altLang="en-US" dirty="0">
+                <a:latin typeface="D2Coding" panose="020B0609020101020101" pitchFamily="49" charset="-127"/>
+                <a:ea typeface="D2Coding" panose="020B0609020101020101" pitchFamily="49" charset="-127"/>
+              </a:rPr>
+              <a:t>비즈니스 로직보다 </a:t>
+            </a:r>
+            <a:r>
               <a:rPr lang="en-US" altLang="ko-KR" dirty="0">
                 <a:latin typeface="D2Coding" panose="020B0609020101020101" pitchFamily="49" charset="-127"/>
                 <a:ea typeface="D2Coding" panose="020B0609020101020101" pitchFamily="49" charset="-127"/>
               </a:rPr>
-              <a:t>DB</a:t>
+              <a:t>DB </a:t>
             </a:r>
             <a:r>
               <a:rPr lang="ko-KR" altLang="en-US" dirty="0">
                 <a:latin typeface="D2Coding" panose="020B0609020101020101" pitchFamily="49" charset="-127"/>
                 <a:ea typeface="D2Coding" panose="020B0609020101020101" pitchFamily="49" charset="-127"/>
               </a:rPr>
-              <a:t>에 의존하지 않고 테스트 코드를 활용하여 비즈니스 로직을 작성하고 검증해도 좋다</a:t>
+              <a:t>접근로직에 우선하여 개발을 진행하게 된다</a:t>
             </a:r>
             <a:r>
               <a:rPr lang="en-US" altLang="ko-KR" dirty="0">
@@ -9814,8 +9893,8 @@
           </a:p>
           <a:p>
             <a:pPr marL="457200" indent="-457200">
-              <a:buFont typeface="+mj-lt"/>
-              <a:buAutoNum type="arabicPeriod"/>
+              <a:buFont typeface="Arial" panose="020B0604020202020204" pitchFamily="34" charset="0"/>
+              <a:buChar char="•"/>
             </a:pPr>
             <a:endParaRPr lang="en-US" altLang="ko-KR" dirty="0">
               <a:latin typeface="D2Coding" panose="020B0609020101020101" pitchFamily="49" charset="-127"/>
@@ -9824,15 +9903,22 @@
           </a:p>
           <a:p>
             <a:pPr marL="457200" indent="-457200">
-              <a:buFont typeface="+mj-lt"/>
-              <a:buAutoNum type="arabicPeriod"/>
+              <a:buFont typeface="Arial" panose="020B0604020202020204" pitchFamily="34" charset="0"/>
+              <a:buChar char="•"/>
             </a:pPr>
             <a:r>
               <a:rPr lang="ko-KR" altLang="en-US" dirty="0">
                 <a:latin typeface="D2Coding" panose="020B0609020101020101" pitchFamily="49" charset="-127"/>
                 <a:ea typeface="D2Coding" panose="020B0609020101020101" pitchFamily="49" charset="-127"/>
               </a:rPr>
-              <a:t>비즈니스 로직에 확신이 생길 때 객체와 테이블을 매핑한다</a:t>
+              <a:t>객체 간의 관계가 </a:t>
+            </a:r>
+            <a:r>
+              <a:rPr lang="ko-KR" altLang="en-US" dirty="0" err="1">
+                <a:latin typeface="D2Coding" panose="020B0609020101020101" pitchFamily="49" charset="-127"/>
+                <a:ea typeface="D2Coding" panose="020B0609020101020101" pitchFamily="49" charset="-127"/>
+              </a:rPr>
+              <a:t>희미해진다</a:t>
             </a:r>
             <a:r>
               <a:rPr lang="en-US" altLang="ko-KR" dirty="0">
@@ -9847,7 +9933,7 @@
     </p:spTree>
     <p:extLst>
       <p:ext uri="{BB962C8B-B14F-4D97-AF65-F5344CB8AC3E}">
-        <p14:creationId xmlns:p14="http://schemas.microsoft.com/office/powerpoint/2010/main" val="2267749635"/>
+        <p14:creationId xmlns:p14="http://schemas.microsoft.com/office/powerpoint/2010/main" val="1477164456"/>
       </p:ext>
     </p:extLst>
   </p:cSld>
@@ -9907,6 +9993,194 @@
                 <a:latin typeface="D2Coding" panose="020B0609020101020101" pitchFamily="49" charset="-127"/>
                 <a:ea typeface="D2Coding" panose="020B0609020101020101" pitchFamily="49" charset="-127"/>
               </a:rPr>
+              <a:t>도메인 주도 개발</a:t>
+            </a:r>
+            <a:endParaRPr lang="en-US" altLang="ko-KR" sz="2500" b="1" dirty="0">
+              <a:latin typeface="D2Coding" panose="020B0609020101020101" pitchFamily="49" charset="-127"/>
+              <a:ea typeface="D2Coding" panose="020B0609020101020101" pitchFamily="49" charset="-127"/>
+            </a:endParaRPr>
+          </a:p>
+        </p:txBody>
+      </p:sp>
+      <p:sp>
+        <p:nvSpPr>
+          <p:cNvPr id="2" name="TextBox 1">
+            <a:extLst>
+              <a:ext uri="{FF2B5EF4-FFF2-40B4-BE49-F238E27FC236}">
+                <a16:creationId xmlns:a16="http://schemas.microsoft.com/office/drawing/2014/main" id="{09B513B5-1CCF-6830-69A6-1FCAF718EC75}"/>
+              </a:ext>
+            </a:extLst>
+          </p:cNvPr>
+          <p:cNvSpPr txBox="1"/>
+          <p:nvPr/>
+        </p:nvSpPr>
+        <p:spPr>
+          <a:xfrm>
+            <a:off x="371068" y="1382376"/>
+            <a:ext cx="10102421" cy="1477328"/>
+          </a:xfrm>
+          <a:prstGeom prst="rect">
+            <a:avLst/>
+          </a:prstGeom>
+          <a:noFill/>
+        </p:spPr>
+        <p:txBody>
+          <a:bodyPr wrap="square" rtlCol="0">
+            <a:spAutoFit/>
+          </a:bodyPr>
+          <a:lstStyle/>
+          <a:p>
+            <a:pPr marL="457200" indent="-457200">
+              <a:buFont typeface="+mj-lt"/>
+              <a:buAutoNum type="arabicPeriod"/>
+            </a:pPr>
+            <a:r>
+              <a:rPr lang="ko-KR" altLang="en-US" dirty="0">
+                <a:latin typeface="D2Coding" panose="020B0609020101020101" pitchFamily="49" charset="-127"/>
+                <a:ea typeface="D2Coding" panose="020B0609020101020101" pitchFamily="49" charset="-127"/>
+              </a:rPr>
+              <a:t>테이블 구조는 딱히 의식하지 않고 비즈니스 로직을 개발한다</a:t>
+            </a:r>
+            <a:r>
+              <a:rPr lang="en-US" altLang="ko-KR" dirty="0">
+                <a:latin typeface="D2Coding" panose="020B0609020101020101" pitchFamily="49" charset="-127"/>
+                <a:ea typeface="D2Coding" panose="020B0609020101020101" pitchFamily="49" charset="-127"/>
+              </a:rPr>
+              <a:t>.</a:t>
+            </a:r>
+          </a:p>
+          <a:p>
+            <a:pPr marL="457200" indent="-457200">
+              <a:buFont typeface="+mj-lt"/>
+              <a:buAutoNum type="arabicPeriod"/>
+            </a:pPr>
+            <a:endParaRPr lang="en-US" altLang="ko-KR" dirty="0">
+              <a:latin typeface="D2Coding" panose="020B0609020101020101" pitchFamily="49" charset="-127"/>
+              <a:ea typeface="D2Coding" panose="020B0609020101020101" pitchFamily="49" charset="-127"/>
+            </a:endParaRPr>
+          </a:p>
+          <a:p>
+            <a:pPr marL="457200" indent="-457200">
+              <a:buFont typeface="+mj-lt"/>
+              <a:buAutoNum type="arabicPeriod"/>
+            </a:pPr>
+            <a:r>
+              <a:rPr lang="en-US" altLang="ko-KR" dirty="0">
+                <a:latin typeface="D2Coding" panose="020B0609020101020101" pitchFamily="49" charset="-127"/>
+                <a:ea typeface="D2Coding" panose="020B0609020101020101" pitchFamily="49" charset="-127"/>
+              </a:rPr>
+              <a:t>ORM</a:t>
+            </a:r>
+            <a:r>
+              <a:rPr lang="ko-KR" altLang="en-US" dirty="0">
+                <a:latin typeface="D2Coding" panose="020B0609020101020101" pitchFamily="49" charset="-127"/>
+                <a:ea typeface="D2Coding" panose="020B0609020101020101" pitchFamily="49" charset="-127"/>
+              </a:rPr>
+              <a:t>과 테스트 코드를 활용하여 비즈니스 로직을 작성한다</a:t>
+            </a:r>
+            <a:r>
+              <a:rPr lang="en-US" altLang="ko-KR" dirty="0">
+                <a:latin typeface="D2Coding" panose="020B0609020101020101" pitchFamily="49" charset="-127"/>
+                <a:ea typeface="D2Coding" panose="020B0609020101020101" pitchFamily="49" charset="-127"/>
+              </a:rPr>
+              <a:t>.</a:t>
+            </a:r>
+          </a:p>
+          <a:p>
+            <a:pPr marL="457200" indent="-457200">
+              <a:buFont typeface="+mj-lt"/>
+              <a:buAutoNum type="arabicPeriod"/>
+            </a:pPr>
+            <a:endParaRPr lang="en-US" altLang="ko-KR" dirty="0">
+              <a:latin typeface="D2Coding" panose="020B0609020101020101" pitchFamily="49" charset="-127"/>
+              <a:ea typeface="D2Coding" panose="020B0609020101020101" pitchFamily="49" charset="-127"/>
+            </a:endParaRPr>
+          </a:p>
+          <a:p>
+            <a:pPr marL="457200" indent="-457200">
+              <a:buFont typeface="+mj-lt"/>
+              <a:buAutoNum type="arabicPeriod"/>
+            </a:pPr>
+            <a:r>
+              <a:rPr lang="ko-KR" altLang="en-US" dirty="0">
+                <a:latin typeface="D2Coding" panose="020B0609020101020101" pitchFamily="49" charset="-127"/>
+                <a:ea typeface="D2Coding" panose="020B0609020101020101" pitchFamily="49" charset="-127"/>
+              </a:rPr>
+              <a:t>비즈니스 로직에 어느정도 확신이 생길 때 객체와 테이블을 매핑한다</a:t>
+            </a:r>
+            <a:r>
+              <a:rPr lang="en-US" altLang="ko-KR" dirty="0">
+                <a:latin typeface="D2Coding" panose="020B0609020101020101" pitchFamily="49" charset="-127"/>
+                <a:ea typeface="D2Coding" panose="020B0609020101020101" pitchFamily="49" charset="-127"/>
+              </a:rPr>
+              <a:t>.</a:t>
+            </a:r>
+          </a:p>
+        </p:txBody>
+      </p:sp>
+    </p:spTree>
+    <p:extLst>
+      <p:ext uri="{BB962C8B-B14F-4D97-AF65-F5344CB8AC3E}">
+        <p14:creationId xmlns:p14="http://schemas.microsoft.com/office/powerpoint/2010/main" val="2267749635"/>
+      </p:ext>
+    </p:extLst>
+  </p:cSld>
+  <p:clrMapOvr>
+    <a:masterClrMapping/>
+  </p:clrMapOvr>
+</p:sld>
+</file>
+
+<file path=ppt/slides/slide43.xml><?xml version="1.0" encoding="utf-8"?>
+<p:sld xmlns:a="http://schemas.openxmlformats.org/drawingml/2006/main" xmlns:r="http://schemas.openxmlformats.org/officeDocument/2006/relationships" xmlns:p="http://schemas.openxmlformats.org/presentationml/2006/main">
+  <p:cSld>
+    <p:spTree>
+      <p:nvGrpSpPr>
+        <p:cNvPr id="1" name=""/>
+        <p:cNvGrpSpPr/>
+        <p:nvPr/>
+      </p:nvGrpSpPr>
+      <p:grpSpPr>
+        <a:xfrm>
+          <a:off x="0" y="0"/>
+          <a:ext cx="0" cy="0"/>
+          <a:chOff x="0" y="0"/>
+          <a:chExt cx="0" cy="0"/>
+        </a:xfrm>
+      </p:grpSpPr>
+      <p:sp>
+        <p:nvSpPr>
+          <p:cNvPr id="3" name="TextBox 2">
+            <a:extLst>
+              <a:ext uri="{FF2B5EF4-FFF2-40B4-BE49-F238E27FC236}">
+                <a16:creationId xmlns:a16="http://schemas.microsoft.com/office/drawing/2014/main" id="{AA04A1C0-37DF-D426-F3E6-56FE4CFAB354}"/>
+              </a:ext>
+            </a:extLst>
+          </p:cNvPr>
+          <p:cNvSpPr txBox="1"/>
+          <p:nvPr/>
+        </p:nvSpPr>
+        <p:spPr>
+          <a:xfrm>
+            <a:off x="413464" y="385010"/>
+            <a:ext cx="8977183" cy="477054"/>
+          </a:xfrm>
+          <a:prstGeom prst="rect">
+            <a:avLst/>
+          </a:prstGeom>
+          <a:noFill/>
+        </p:spPr>
+        <p:txBody>
+          <a:bodyPr wrap="square" rtlCol="0">
+            <a:spAutoFit/>
+          </a:bodyPr>
+          <a:lstStyle/>
+          <a:p>
+            <a:r>
+              <a:rPr lang="ko-KR" altLang="en-US" sz="2500" b="1" dirty="0">
+                <a:latin typeface="D2Coding" panose="020B0609020101020101" pitchFamily="49" charset="-127"/>
+                <a:ea typeface="D2Coding" panose="020B0609020101020101" pitchFamily="49" charset="-127"/>
+              </a:rPr>
               <a:t>도메인 주도 개발은 뭐가 더 좋을까</a:t>
             </a:r>
             <a:r>
@@ -9952,18 +10226,11 @@
               <a:buChar char="•"/>
             </a:pPr>
             <a:r>
-              <a:rPr lang="ko-KR" altLang="en-US" dirty="0" err="1">
-                <a:latin typeface="D2Coding" panose="020B0609020101020101" pitchFamily="49" charset="-127"/>
-                <a:ea typeface="D2Coding" panose="020B0609020101020101" pitchFamily="49" charset="-127"/>
-              </a:rPr>
-              <a:t>백엔드</a:t>
-            </a:r>
-            <a:r>
               <a:rPr lang="ko-KR" altLang="en-US" dirty="0">
                 <a:latin typeface="D2Coding" panose="020B0609020101020101" pitchFamily="49" charset="-127"/>
                 <a:ea typeface="D2Coding" panose="020B0609020101020101" pitchFamily="49" charset="-127"/>
               </a:rPr>
-              <a:t> 엔지니어로써 가장 중요한 </a:t>
+              <a:t>개발자로서 가장 중요한 </a:t>
             </a:r>
             <a:r>
               <a:rPr lang="ko-KR" altLang="en-US" b="1" dirty="0">
@@ -10156,7 +10423,7 @@
 </p:sld>
 </file>
 
-<file path=ppt/slides/slide43.xml><?xml version="1.0" encoding="utf-8"?>
+<file path=ppt/slides/slide44.xml><?xml version="1.0" encoding="utf-8"?>
 <p:sld xmlns:a="http://schemas.openxmlformats.org/drawingml/2006/main" xmlns:r="http://schemas.openxmlformats.org/officeDocument/2006/relationships" xmlns:p="http://schemas.openxmlformats.org/presentationml/2006/main">
   <p:cSld>
     <p:spTree>
@@ -10421,190 +10688,6 @@
 </p:sld>
 </file>
 
-<file path=ppt/slides/slide44.xml><?xml version="1.0" encoding="utf-8"?>
-<p:sld xmlns:a="http://schemas.openxmlformats.org/drawingml/2006/main" xmlns:r="http://schemas.openxmlformats.org/officeDocument/2006/relationships" xmlns:p="http://schemas.openxmlformats.org/presentationml/2006/main">
-  <p:cSld>
-    <p:spTree>
-      <p:nvGrpSpPr>
-        <p:cNvPr id="1" name=""/>
-        <p:cNvGrpSpPr/>
-        <p:nvPr/>
-      </p:nvGrpSpPr>
-      <p:grpSpPr>
-        <a:xfrm>
-          <a:off x="0" y="0"/>
-          <a:ext cx="0" cy="0"/>
-          <a:chOff x="0" y="0"/>
-          <a:chExt cx="0" cy="0"/>
-        </a:xfrm>
-      </p:grpSpPr>
-      <p:sp>
-        <p:nvSpPr>
-          <p:cNvPr id="3" name="TextBox 2">
-            <a:extLst>
-              <a:ext uri="{FF2B5EF4-FFF2-40B4-BE49-F238E27FC236}">
-                <a16:creationId xmlns:a16="http://schemas.microsoft.com/office/drawing/2014/main" id="{AA04A1C0-37DF-D426-F3E6-56FE4CFAB354}"/>
-              </a:ext>
-            </a:extLst>
-          </p:cNvPr>
-          <p:cNvSpPr txBox="1"/>
-          <p:nvPr/>
-        </p:nvSpPr>
-        <p:spPr>
-          <a:xfrm>
-            <a:off x="413464" y="385010"/>
-            <a:ext cx="10505194" cy="477054"/>
-          </a:xfrm>
-          <a:prstGeom prst="rect">
-            <a:avLst/>
-          </a:prstGeom>
-          <a:noFill/>
-        </p:spPr>
-        <p:txBody>
-          <a:bodyPr wrap="square" rtlCol="0">
-            <a:spAutoFit/>
-          </a:bodyPr>
-          <a:lstStyle/>
-          <a:p>
-            <a:r>
-              <a:rPr lang="ko-KR" altLang="en-US" sz="2500" b="1" dirty="0">
-                <a:latin typeface="D2Coding" panose="020B0609020101020101" pitchFamily="49" charset="-127"/>
-                <a:ea typeface="D2Coding" panose="020B0609020101020101" pitchFamily="49" charset="-127"/>
-              </a:rPr>
-              <a:t>테이블 주도 개발 </a:t>
-            </a:r>
-            <a:r>
-              <a:rPr lang="en-US" altLang="ko-KR" sz="2500" b="1" dirty="0">
-                <a:latin typeface="D2Coding" panose="020B0609020101020101" pitchFamily="49" charset="-127"/>
-                <a:ea typeface="D2Coding" panose="020B0609020101020101" pitchFamily="49" charset="-127"/>
-              </a:rPr>
-              <a:t>vs </a:t>
-            </a:r>
-            <a:r>
-              <a:rPr lang="ko-KR" altLang="en-US" sz="2500" b="1" dirty="0">
-                <a:latin typeface="D2Coding" panose="020B0609020101020101" pitchFamily="49" charset="-127"/>
-                <a:ea typeface="D2Coding" panose="020B0609020101020101" pitchFamily="49" charset="-127"/>
-              </a:rPr>
-              <a:t>도메인 주도 개발 </a:t>
-            </a:r>
-            <a:r>
-              <a:rPr lang="en-US" altLang="ko-KR" sz="2500" b="1" dirty="0">
-                <a:latin typeface="D2Coding" panose="020B0609020101020101" pitchFamily="49" charset="-127"/>
-                <a:ea typeface="D2Coding" panose="020B0609020101020101" pitchFamily="49" charset="-127"/>
-              </a:rPr>
-              <a:t>– </a:t>
-            </a:r>
-            <a:r>
-              <a:rPr lang="ko-KR" altLang="en-US" sz="2200" b="1" dirty="0">
-                <a:latin typeface="D2Coding" panose="020B0609020101020101" pitchFamily="49" charset="-127"/>
-                <a:ea typeface="D2Coding" panose="020B0609020101020101" pitchFamily="49" charset="-127"/>
-              </a:rPr>
-              <a:t>객체지향과 더 어울리는 방식은</a:t>
-            </a:r>
-            <a:r>
-              <a:rPr lang="en-US" altLang="ko-KR" sz="2200" b="1" dirty="0">
-                <a:latin typeface="D2Coding" panose="020B0609020101020101" pitchFamily="49" charset="-127"/>
-                <a:ea typeface="D2Coding" panose="020B0609020101020101" pitchFamily="49" charset="-127"/>
-              </a:rPr>
-              <a:t>?</a:t>
-            </a:r>
-          </a:p>
-        </p:txBody>
-      </p:sp>
-      <p:sp>
-        <p:nvSpPr>
-          <p:cNvPr id="2" name="TextBox 1">
-            <a:extLst>
-              <a:ext uri="{FF2B5EF4-FFF2-40B4-BE49-F238E27FC236}">
-                <a16:creationId xmlns:a16="http://schemas.microsoft.com/office/drawing/2014/main" id="{D7EAA286-3127-6514-62EA-9879AF20AFF1}"/>
-              </a:ext>
-            </a:extLst>
-          </p:cNvPr>
-          <p:cNvSpPr txBox="1"/>
-          <p:nvPr/>
-        </p:nvSpPr>
-        <p:spPr>
-          <a:xfrm>
-            <a:off x="401242" y="3244334"/>
-            <a:ext cx="11389515" cy="923330"/>
-          </a:xfrm>
-          <a:prstGeom prst="rect">
-            <a:avLst/>
-          </a:prstGeom>
-          <a:noFill/>
-        </p:spPr>
-        <p:txBody>
-          <a:bodyPr wrap="square" rtlCol="0">
-            <a:spAutoFit/>
-          </a:bodyPr>
-          <a:lstStyle/>
-          <a:p>
-            <a:pPr algn="ctr"/>
-            <a:r>
-              <a:rPr lang="ko-KR" altLang="en-US" b="1" dirty="0">
-                <a:latin typeface="D2Coding" panose="020B0609020101020101" pitchFamily="49" charset="-127"/>
-                <a:ea typeface="D2Coding" panose="020B0609020101020101" pitchFamily="49" charset="-127"/>
-              </a:rPr>
-              <a:t>객체 간의 협력관계에 집중할 수 있고</a:t>
-            </a:r>
-            <a:r>
-              <a:rPr lang="en-US" altLang="ko-KR" b="1" dirty="0">
-                <a:latin typeface="D2Coding" panose="020B0609020101020101" pitchFamily="49" charset="-127"/>
-                <a:ea typeface="D2Coding" panose="020B0609020101020101" pitchFamily="49" charset="-127"/>
-              </a:rPr>
-              <a:t>, </a:t>
-            </a:r>
-            <a:r>
-              <a:rPr lang="ko-KR" altLang="en-US" b="1" dirty="0">
-                <a:latin typeface="D2Coding" panose="020B0609020101020101" pitchFamily="49" charset="-127"/>
-                <a:ea typeface="D2Coding" panose="020B0609020101020101" pitchFamily="49" charset="-127"/>
-              </a:rPr>
-              <a:t>비즈니스 로직에 우선하여 집중할 수 있다는 특징을 가진</a:t>
-            </a:r>
-            <a:endParaRPr lang="en-US" altLang="ko-KR" b="1" dirty="0">
-              <a:latin typeface="D2Coding" panose="020B0609020101020101" pitchFamily="49" charset="-127"/>
-              <a:ea typeface="D2Coding" panose="020B0609020101020101" pitchFamily="49" charset="-127"/>
-            </a:endParaRPr>
-          </a:p>
-          <a:p>
-            <a:pPr algn="ctr"/>
-            <a:endParaRPr lang="en-US" altLang="ko-KR" b="1" dirty="0">
-              <a:latin typeface="D2Coding" panose="020B0609020101020101" pitchFamily="49" charset="-127"/>
-              <a:ea typeface="D2Coding" panose="020B0609020101020101" pitchFamily="49" charset="-127"/>
-            </a:endParaRPr>
-          </a:p>
-          <a:p>
-            <a:pPr algn="ctr"/>
-            <a:r>
-              <a:rPr lang="ko-KR" altLang="en-US" b="1" dirty="0">
-                <a:latin typeface="D2Coding" panose="020B0609020101020101" pitchFamily="49" charset="-127"/>
-                <a:ea typeface="D2Coding" panose="020B0609020101020101" pitchFamily="49" charset="-127"/>
-              </a:rPr>
-              <a:t>도메인 주도 개발이 조금 더 적합해 보인다</a:t>
-            </a:r>
-            <a:r>
-              <a:rPr lang="en-US" altLang="ko-KR" b="1" dirty="0">
-                <a:latin typeface="D2Coding" panose="020B0609020101020101" pitchFamily="49" charset="-127"/>
-                <a:ea typeface="D2Coding" panose="020B0609020101020101" pitchFamily="49" charset="-127"/>
-              </a:rPr>
-              <a:t>!</a:t>
-            </a:r>
-          </a:p>
-        </p:txBody>
-      </p:sp>
-    </p:spTree>
-    <p:extLst>
-      <p:ext uri="{BB962C8B-B14F-4D97-AF65-F5344CB8AC3E}">
-        <p14:creationId xmlns:p14="http://schemas.microsoft.com/office/powerpoint/2010/main" val="1563258962"/>
-      </p:ext>
-    </p:extLst>
-  </p:cSld>
-  <p:clrMapOvr>
-    <a:masterClrMapping/>
-  </p:clrMapOvr>
-</p:sld>
-</file>
-
 <file path=ppt/slides/slide45.xml><?xml version="1.0" encoding="utf-8"?>
 <p:sld xmlns:a="http://schemas.openxmlformats.org/drawingml/2006/main" xmlns:r="http://schemas.openxmlformats.org/officeDocument/2006/relationships" xmlns:p="http://schemas.openxmlformats.org/presentationml/2006/main">
   <p:cSld>
@@ -10636,8 +10719,8 @@
         </p:nvSpPr>
         <p:spPr>
           <a:xfrm>
-            <a:off x="413464" y="385010"/>
-            <a:ext cx="1493541" cy="477054"/>
+            <a:off x="413463" y="385010"/>
+            <a:ext cx="11172947" cy="477054"/>
           </a:xfrm>
           <a:prstGeom prst="rect">
             <a:avLst/>
@@ -10655,14 +10738,42 @@
                 <a:latin typeface="D2Coding" panose="020B0609020101020101" pitchFamily="49" charset="-127"/>
                 <a:ea typeface="D2Coding" panose="020B0609020101020101" pitchFamily="49" charset="-127"/>
               </a:rPr>
-              <a:t>결론 </a:t>
+              <a:t>테이블 주도 개발 </a:t>
             </a:r>
             <a:r>
               <a:rPr lang="en-US" altLang="ko-KR" sz="2500" b="1" dirty="0">
                 <a:latin typeface="D2Coding" panose="020B0609020101020101" pitchFamily="49" charset="-127"/>
                 <a:ea typeface="D2Coding" panose="020B0609020101020101" pitchFamily="49" charset="-127"/>
               </a:rPr>
-              <a:t>- 1</a:t>
+              <a:t>vs </a:t>
+            </a:r>
+            <a:r>
+              <a:rPr lang="ko-KR" altLang="en-US" sz="2500" b="1" dirty="0">
+                <a:latin typeface="D2Coding" panose="020B0609020101020101" pitchFamily="49" charset="-127"/>
+                <a:ea typeface="D2Coding" panose="020B0609020101020101" pitchFamily="49" charset="-127"/>
+              </a:rPr>
+              <a:t>도메인 주도 개발 </a:t>
+            </a:r>
+            <a:r>
+              <a:rPr lang="en-US" altLang="ko-KR" sz="2500" b="1" dirty="0">
+                <a:latin typeface="D2Coding" panose="020B0609020101020101" pitchFamily="49" charset="-127"/>
+                <a:ea typeface="D2Coding" panose="020B0609020101020101" pitchFamily="49" charset="-127"/>
+              </a:rPr>
+              <a:t>– </a:t>
+            </a:r>
+            <a:r>
+              <a:rPr lang="ko-KR" altLang="en-US" sz="2200" b="1" dirty="0">
+                <a:latin typeface="D2Coding" panose="020B0609020101020101" pitchFamily="49" charset="-127"/>
+                <a:ea typeface="D2Coding" panose="020B0609020101020101" pitchFamily="49" charset="-127"/>
+              </a:rPr>
+              <a:t>객체지향과 더 어울리는 개발 방식은</a:t>
+            </a:r>
+            <a:r>
+              <a:rPr lang="en-US" altLang="ko-KR" sz="2200" b="1" dirty="0">
+                <a:latin typeface="D2Coding" panose="020B0609020101020101" pitchFamily="49" charset="-127"/>
+                <a:ea typeface="D2Coding" panose="020B0609020101020101" pitchFamily="49" charset="-127"/>
+              </a:rPr>
+              <a:t>?</a:t>
             </a:r>
           </a:p>
         </p:txBody>
@@ -10672,7 +10783,7 @@
           <p:cNvPr id="2" name="TextBox 1">
             <a:extLst>
               <a:ext uri="{FF2B5EF4-FFF2-40B4-BE49-F238E27FC236}">
-                <a16:creationId xmlns:a16="http://schemas.microsoft.com/office/drawing/2014/main" id="{F87EC3CF-2F46-28F2-3DDA-C1461163B4C6}"/>
+                <a16:creationId xmlns:a16="http://schemas.microsoft.com/office/drawing/2014/main" id="{D7EAA286-3127-6514-62EA-9879AF20AFF1}"/>
               </a:ext>
             </a:extLst>
           </p:cNvPr>
@@ -10682,7 +10793,7 @@
         <p:spPr>
           <a:xfrm>
             <a:off x="401242" y="3244334"/>
-            <a:ext cx="11389515" cy="369332"/>
+            <a:ext cx="11389515" cy="1877437"/>
           </a:xfrm>
           <a:prstGeom prst="rect">
             <a:avLst/>
@@ -10701,14 +10812,163 @@
                 <a:latin typeface="D2Coding" panose="020B0609020101020101" pitchFamily="49" charset="-127"/>
                 <a:ea typeface="D2Coding" panose="020B0609020101020101" pitchFamily="49" charset="-127"/>
               </a:rPr>
-              <a:t>객체지향이란 객체 간의 협력관계를 구축함으로써 어떤 문제를 해결하고자 하는 것이다</a:t>
+              <a:t>객체 간의 </a:t>
+            </a:r>
+            <a:r>
+              <a:rPr lang="ko-KR" altLang="en-US" b="1" dirty="0">
+                <a:solidFill>
+                  <a:srgbClr val="FF0000"/>
+                </a:solidFill>
+                <a:latin typeface="D2Coding" panose="020B0609020101020101" pitchFamily="49" charset="-127"/>
+                <a:ea typeface="D2Coding" panose="020B0609020101020101" pitchFamily="49" charset="-127"/>
+              </a:rPr>
+              <a:t>협력관계</a:t>
+            </a:r>
+            <a:r>
+              <a:rPr lang="ko-KR" altLang="en-US" b="1" dirty="0">
+                <a:latin typeface="D2Coding" panose="020B0609020101020101" pitchFamily="49" charset="-127"/>
+                <a:ea typeface="D2Coding" panose="020B0609020101020101" pitchFamily="49" charset="-127"/>
+              </a:rPr>
+              <a:t>에 </a:t>
+            </a:r>
+            <a:r>
+              <a:rPr lang="ko-KR" altLang="en-US" b="1" dirty="0">
+                <a:solidFill>
+                  <a:srgbClr val="FF0000"/>
+                </a:solidFill>
+                <a:latin typeface="D2Coding" panose="020B0609020101020101" pitchFamily="49" charset="-127"/>
+                <a:ea typeface="D2Coding" panose="020B0609020101020101" pitchFamily="49" charset="-127"/>
+              </a:rPr>
+              <a:t>집중</a:t>
+            </a:r>
+            <a:r>
+              <a:rPr lang="ko-KR" altLang="en-US" b="1" dirty="0">
+                <a:latin typeface="D2Coding" panose="020B0609020101020101" pitchFamily="49" charset="-127"/>
+                <a:ea typeface="D2Coding" panose="020B0609020101020101" pitchFamily="49" charset="-127"/>
+              </a:rPr>
+              <a:t>할 수 있고</a:t>
             </a:r>
             <a:r>
               <a:rPr lang="en-US" altLang="ko-KR" b="1" dirty="0">
                 <a:latin typeface="D2Coding" panose="020B0609020101020101" pitchFamily="49" charset="-127"/>
                 <a:ea typeface="D2Coding" panose="020B0609020101020101" pitchFamily="49" charset="-127"/>
               </a:rPr>
-              <a:t>.</a:t>
+              <a:t>, </a:t>
+            </a:r>
+            <a:br>
+              <a:rPr lang="en-US" altLang="ko-KR" b="1" dirty="0">
+                <a:latin typeface="D2Coding" panose="020B0609020101020101" pitchFamily="49" charset="-127"/>
+                <a:ea typeface="D2Coding" panose="020B0609020101020101" pitchFamily="49" charset="-127"/>
+              </a:rPr>
+            </a:br>
+            <a:br>
+              <a:rPr lang="en-US" altLang="ko-KR" b="1" dirty="0">
+                <a:latin typeface="D2Coding" panose="020B0609020101020101" pitchFamily="49" charset="-127"/>
+                <a:ea typeface="D2Coding" panose="020B0609020101020101" pitchFamily="49" charset="-127"/>
+              </a:rPr>
+            </a:br>
+            <a:r>
+              <a:rPr lang="ko-KR" altLang="en-US" b="1" dirty="0">
+                <a:solidFill>
+                  <a:srgbClr val="FF0000"/>
+                </a:solidFill>
+                <a:latin typeface="D2Coding" panose="020B0609020101020101" pitchFamily="49" charset="-127"/>
+                <a:ea typeface="D2Coding" panose="020B0609020101020101" pitchFamily="49" charset="-127"/>
+              </a:rPr>
+              <a:t>비즈니스 로직</a:t>
+            </a:r>
+            <a:r>
+              <a:rPr lang="ko-KR" altLang="en-US" b="1" dirty="0">
+                <a:latin typeface="D2Coding" panose="020B0609020101020101" pitchFamily="49" charset="-127"/>
+                <a:ea typeface="D2Coding" panose="020B0609020101020101" pitchFamily="49" charset="-127"/>
+              </a:rPr>
+              <a:t>에 우선하여 </a:t>
+            </a:r>
+            <a:r>
+              <a:rPr lang="ko-KR" altLang="en-US" b="1" dirty="0">
+                <a:solidFill>
+                  <a:srgbClr val="FF0000"/>
+                </a:solidFill>
+                <a:latin typeface="D2Coding" panose="020B0609020101020101" pitchFamily="49" charset="-127"/>
+                <a:ea typeface="D2Coding" panose="020B0609020101020101" pitchFamily="49" charset="-127"/>
+              </a:rPr>
+              <a:t>집중</a:t>
+            </a:r>
+            <a:r>
+              <a:rPr lang="ko-KR" altLang="en-US" b="1" dirty="0">
+                <a:latin typeface="D2Coding" panose="020B0609020101020101" pitchFamily="49" charset="-127"/>
+                <a:ea typeface="D2Coding" panose="020B0609020101020101" pitchFamily="49" charset="-127"/>
+              </a:rPr>
+              <a:t>할 수 있는</a:t>
+            </a:r>
+            <a:endParaRPr lang="en-US" altLang="ko-KR" b="1" dirty="0">
+              <a:latin typeface="D2Coding" panose="020B0609020101020101" pitchFamily="49" charset="-127"/>
+              <a:ea typeface="D2Coding" panose="020B0609020101020101" pitchFamily="49" charset="-127"/>
+            </a:endParaRPr>
+          </a:p>
+          <a:p>
+            <a:pPr algn="ctr"/>
+            <a:endParaRPr lang="en-US" altLang="ko-KR" b="1" dirty="0">
+              <a:latin typeface="D2Coding" panose="020B0609020101020101" pitchFamily="49" charset="-127"/>
+              <a:ea typeface="D2Coding" panose="020B0609020101020101" pitchFamily="49" charset="-127"/>
+            </a:endParaRPr>
+          </a:p>
+          <a:p>
+            <a:pPr algn="ctr"/>
+            <a:endParaRPr lang="en-US" altLang="ko-KR" b="1" dirty="0">
+              <a:latin typeface="D2Coding" panose="020B0609020101020101" pitchFamily="49" charset="-127"/>
+              <a:ea typeface="D2Coding" panose="020B0609020101020101" pitchFamily="49" charset="-127"/>
+            </a:endParaRPr>
+          </a:p>
+          <a:p>
+            <a:pPr algn="ctr"/>
+            <a:r>
+              <a:rPr lang="ko-KR" altLang="en-US" b="1" dirty="0">
+                <a:solidFill>
+                  <a:srgbClr val="FF0000"/>
+                </a:solidFill>
+                <a:latin typeface="D2Coding" panose="020B0609020101020101" pitchFamily="49" charset="-127"/>
+                <a:ea typeface="D2Coding" panose="020B0609020101020101" pitchFamily="49" charset="-127"/>
+              </a:rPr>
+              <a:t>도메인 주도 개발</a:t>
+            </a:r>
+            <a:r>
+              <a:rPr lang="ko-KR" altLang="en-US" b="1" dirty="0">
+                <a:latin typeface="D2Coding" panose="020B0609020101020101" pitchFamily="49" charset="-127"/>
+                <a:ea typeface="D2Coding" panose="020B0609020101020101" pitchFamily="49" charset="-127"/>
+              </a:rPr>
+              <a:t>이 조금 더 적합해 보인다</a:t>
+            </a:r>
+            <a:r>
+              <a:rPr lang="en-US" altLang="ko-KR" b="1" dirty="0">
+                <a:latin typeface="D2Coding" panose="020B0609020101020101" pitchFamily="49" charset="-127"/>
+                <a:ea typeface="D2Coding" panose="020B0609020101020101" pitchFamily="49" charset="-127"/>
+              </a:rPr>
+              <a:t>!</a:t>
+            </a:r>
+          </a:p>
+          <a:p>
+            <a:pPr algn="ctr"/>
+            <a:r>
+              <a:rPr lang="en-US" altLang="ko-KR" sz="800" b="1" dirty="0">
+                <a:latin typeface="D2Coding" panose="020B0609020101020101" pitchFamily="49" charset="-127"/>
+                <a:ea typeface="D2Coding" panose="020B0609020101020101" pitchFamily="49" charset="-127"/>
+              </a:rPr>
+              <a:t>(</a:t>
+            </a:r>
+            <a:r>
+              <a:rPr lang="ko-KR" altLang="en-US" sz="800" b="1" dirty="0">
+                <a:latin typeface="D2Coding" panose="020B0609020101020101" pitchFamily="49" charset="-127"/>
+                <a:ea typeface="D2Coding" panose="020B0609020101020101" pitchFamily="49" charset="-127"/>
+              </a:rPr>
+              <a:t>개인적인 생각 입니다</a:t>
+            </a:r>
+            <a:r>
+              <a:rPr lang="en-US" altLang="ko-KR" sz="800" b="1" dirty="0">
+                <a:latin typeface="D2Coding" panose="020B0609020101020101" pitchFamily="49" charset="-127"/>
+                <a:ea typeface="D2Coding" panose="020B0609020101020101" pitchFamily="49" charset="-127"/>
+              </a:rPr>
+              <a:t>…)</a:t>
             </a:r>
           </a:p>
         </p:txBody>
@@ -10716,7 +10976,7 @@
     </p:spTree>
     <p:extLst>
       <p:ext uri="{BB962C8B-B14F-4D97-AF65-F5344CB8AC3E}">
-        <p14:creationId xmlns:p14="http://schemas.microsoft.com/office/powerpoint/2010/main" val="2826093249"/>
+        <p14:creationId xmlns:p14="http://schemas.microsoft.com/office/powerpoint/2010/main" val="1563258962"/>
       </p:ext>
     </p:extLst>
   </p:cSld>
@@ -10783,7 +11043,7 @@
                 <a:latin typeface="D2Coding" panose="020B0609020101020101" pitchFamily="49" charset="-127"/>
                 <a:ea typeface="D2Coding" panose="020B0609020101020101" pitchFamily="49" charset="-127"/>
               </a:rPr>
-              <a:t>- 2</a:t>
+              <a:t>- 1</a:t>
             </a:r>
           </a:p>
         </p:txBody>
@@ -10802,7 +11062,7 @@
         </p:nvSpPr>
         <p:spPr>
           <a:xfrm>
-            <a:off x="401242" y="3429000"/>
+            <a:off x="401242" y="3244334"/>
             <a:ext cx="11389515" cy="369332"/>
           </a:xfrm>
           <a:prstGeom prst="rect">
@@ -10822,7 +11082,7 @@
                 <a:latin typeface="D2Coding" panose="020B0609020101020101" pitchFamily="49" charset="-127"/>
                 <a:ea typeface="D2Coding" panose="020B0609020101020101" pitchFamily="49" charset="-127"/>
               </a:rPr>
-              <a:t>객체 간의 협력관계를 구축하는 것은 관심사 분리를 통한 계층형 아키텍처를 기반으로 한다</a:t>
+              <a:t>객체지향이란 객체 간의 협력관계를 구축함으로써 어떤 문제를 해결하고자 하는 것이다</a:t>
             </a:r>
             <a:r>
               <a:rPr lang="en-US" altLang="ko-KR" b="1" dirty="0">
@@ -10837,7 +11097,7 @@
     </p:spTree>
     <p:extLst>
       <p:ext uri="{BB962C8B-B14F-4D97-AF65-F5344CB8AC3E}">
-        <p14:creationId xmlns:p14="http://schemas.microsoft.com/office/powerpoint/2010/main" val="1382255558"/>
+        <p14:creationId xmlns:p14="http://schemas.microsoft.com/office/powerpoint/2010/main" val="2826093249"/>
       </p:ext>
     </p:extLst>
   </p:cSld>
@@ -10904,7 +11164,7 @@
                 <a:latin typeface="D2Coding" panose="020B0609020101020101" pitchFamily="49" charset="-127"/>
                 <a:ea typeface="D2Coding" panose="020B0609020101020101" pitchFamily="49" charset="-127"/>
               </a:rPr>
-              <a:t>- 3</a:t>
+              <a:t>- 2</a:t>
             </a:r>
           </a:p>
         </p:txBody>
@@ -10943,7 +11203,7 @@
                 <a:latin typeface="D2Coding" panose="020B0609020101020101" pitchFamily="49" charset="-127"/>
                 <a:ea typeface="D2Coding" panose="020B0609020101020101" pitchFamily="49" charset="-127"/>
               </a:rPr>
-              <a:t>변경 되지 않는 것은 없다</a:t>
+              <a:t>객체 간의 협력관계를 구축하는 것은 관심사 분리를 통한 계층형 아키텍처를 기반으로 한다</a:t>
             </a:r>
             <a:r>
               <a:rPr lang="en-US" altLang="ko-KR" b="1" dirty="0">
@@ -10958,7 +11218,7 @@
     </p:spTree>
     <p:extLst>
       <p:ext uri="{BB962C8B-B14F-4D97-AF65-F5344CB8AC3E}">
-        <p14:creationId xmlns:p14="http://schemas.microsoft.com/office/powerpoint/2010/main" val="1759947235"/>
+        <p14:creationId xmlns:p14="http://schemas.microsoft.com/office/powerpoint/2010/main" val="1382255558"/>
       </p:ext>
     </p:extLst>
   </p:cSld>
@@ -11025,7 +11285,7 @@
                 <a:latin typeface="D2Coding" panose="020B0609020101020101" pitchFamily="49" charset="-127"/>
                 <a:ea typeface="D2Coding" panose="020B0609020101020101" pitchFamily="49" charset="-127"/>
               </a:rPr>
-              <a:t>- 4</a:t>
+              <a:t>- 3</a:t>
             </a:r>
           </a:p>
         </p:txBody>
@@ -11064,7 +11324,7 @@
                 <a:latin typeface="D2Coding" panose="020B0609020101020101" pitchFamily="49" charset="-127"/>
                 <a:ea typeface="D2Coding" panose="020B0609020101020101" pitchFamily="49" charset="-127"/>
               </a:rPr>
-              <a:t>변경에 대응하기 좋은 아키텍처가 장기적으로 보면 좋을 수 있다</a:t>
+              <a:t>변경 되지 않는 것은 없다</a:t>
             </a:r>
             <a:r>
               <a:rPr lang="en-US" altLang="ko-KR" b="1" dirty="0">
@@ -11079,7 +11339,7 @@
     </p:spTree>
     <p:extLst>
       <p:ext uri="{BB962C8B-B14F-4D97-AF65-F5344CB8AC3E}">
-        <p14:creationId xmlns:p14="http://schemas.microsoft.com/office/powerpoint/2010/main" val="938954606"/>
+        <p14:creationId xmlns:p14="http://schemas.microsoft.com/office/powerpoint/2010/main" val="1759947235"/>
       </p:ext>
     </p:extLst>
   </p:cSld>
@@ -11146,7 +11406,7 @@
                 <a:latin typeface="D2Coding" panose="020B0609020101020101" pitchFamily="49" charset="-127"/>
                 <a:ea typeface="D2Coding" panose="020B0609020101020101" pitchFamily="49" charset="-127"/>
               </a:rPr>
-              <a:t>- 5</a:t>
+              <a:t>- 4</a:t>
             </a:r>
           </a:p>
         </p:txBody>
@@ -11185,21 +11445,7 @@
                 <a:latin typeface="D2Coding" panose="020B0609020101020101" pitchFamily="49" charset="-127"/>
                 <a:ea typeface="D2Coding" panose="020B0609020101020101" pitchFamily="49" charset="-127"/>
               </a:rPr>
-              <a:t>변경에 조금 더 좋은 설계를 기반으로 코드를 작성해볼 수 있는 것은 </a:t>
-            </a:r>
-            <a:r>
-              <a:rPr lang="en-US" altLang="ko-KR" b="1" dirty="0">
-                <a:latin typeface="D2Coding" panose="020B0609020101020101" pitchFamily="49" charset="-127"/>
-                <a:ea typeface="D2Coding" panose="020B0609020101020101" pitchFamily="49" charset="-127"/>
-              </a:rPr>
-              <a:t>Domain Model Pattern</a:t>
-            </a:r>
-            <a:r>
-              <a:rPr lang="ko-KR" altLang="en-US" b="1" dirty="0">
-                <a:latin typeface="D2Coding" panose="020B0609020101020101" pitchFamily="49" charset="-127"/>
-                <a:ea typeface="D2Coding" panose="020B0609020101020101" pitchFamily="49" charset="-127"/>
-              </a:rPr>
-              <a:t>이다</a:t>
+              <a:t>변경에 대응하기 좋은 아키텍처가 장기적으로 보면 좋을 수 있다</a:t>
             </a:r>
             <a:r>
               <a:rPr lang="en-US" altLang="ko-KR" b="1" dirty="0">
@@ -11214,7 +11460,7 @@
     </p:spTree>
     <p:extLst>
       <p:ext uri="{BB962C8B-B14F-4D97-AF65-F5344CB8AC3E}">
-        <p14:creationId xmlns:p14="http://schemas.microsoft.com/office/powerpoint/2010/main" val="2673000460"/>
+        <p14:creationId xmlns:p14="http://schemas.microsoft.com/office/powerpoint/2010/main" val="938954606"/>
       </p:ext>
     </p:extLst>
   </p:cSld>
@@ -11496,7 +11742,7 @@
                 <a:latin typeface="D2Coding" panose="020B0609020101020101" pitchFamily="49" charset="-127"/>
                 <a:ea typeface="D2Coding" panose="020B0609020101020101" pitchFamily="49" charset="-127"/>
               </a:rPr>
-              <a:t>- 6</a:t>
+              <a:t>- 5</a:t>
             </a:r>
           </a:p>
         </p:txBody>
@@ -11531,25 +11777,18 @@
           <a:p>
             <a:pPr algn="ctr"/>
             <a:r>
+              <a:rPr lang="ko-KR" altLang="en-US" b="1" dirty="0">
+                <a:latin typeface="D2Coding" panose="020B0609020101020101" pitchFamily="49" charset="-127"/>
+                <a:ea typeface="D2Coding" panose="020B0609020101020101" pitchFamily="49" charset="-127"/>
+              </a:rPr>
+              <a:t>변경에 조금 더 좋은 설계를 기반으로 코드를 작성해볼 수 있는 것은 </a:t>
+            </a:r>
+            <a:r>
               <a:rPr lang="en-US" altLang="ko-KR" b="1" dirty="0">
                 <a:latin typeface="D2Coding" panose="020B0609020101020101" pitchFamily="49" charset="-127"/>
                 <a:ea typeface="D2Coding" panose="020B0609020101020101" pitchFamily="49" charset="-127"/>
               </a:rPr>
               <a:t>Domain Model Pattern</a:t>
-            </a:r>
-            <a:r>
-              <a:rPr lang="ko-KR" altLang="en-US" b="1" dirty="0">
-                <a:latin typeface="D2Coding" panose="020B0609020101020101" pitchFamily="49" charset="-127"/>
-                <a:ea typeface="D2Coding" panose="020B0609020101020101" pitchFamily="49" charset="-127"/>
-              </a:rPr>
-              <a:t>은 알고 보면 도메인 주도 개발</a:t>
-            </a:r>
-            <a:r>
-              <a:rPr lang="en-US" altLang="ko-KR" b="1" dirty="0">
-                <a:latin typeface="D2Coding" panose="020B0609020101020101" pitchFamily="49" charset="-127"/>
-                <a:ea typeface="D2Coding" panose="020B0609020101020101" pitchFamily="49" charset="-127"/>
-              </a:rPr>
-              <a:t>(DDD)</a:t>
             </a:r>
             <a:r>
               <a:rPr lang="ko-KR" altLang="en-US" b="1" dirty="0">
@@ -11571,7 +11810,7 @@
     </p:spTree>
     <p:extLst>
       <p:ext uri="{BB962C8B-B14F-4D97-AF65-F5344CB8AC3E}">
-        <p14:creationId xmlns:p14="http://schemas.microsoft.com/office/powerpoint/2010/main" val="462075122"/>
+        <p14:creationId xmlns:p14="http://schemas.microsoft.com/office/powerpoint/2010/main" val="2673000460"/>
       </p:ext>
     </p:extLst>
   </p:cSld>
@@ -11600,60 +11839,6 @@
       </p:grpSpPr>
       <p:sp>
         <p:nvSpPr>
-          <p:cNvPr id="22" name="직사각형 21">
-            <a:extLst>
-              <a:ext uri="{FF2B5EF4-FFF2-40B4-BE49-F238E27FC236}">
-                <a16:creationId xmlns:a16="http://schemas.microsoft.com/office/drawing/2014/main" id="{B5ECAB2B-29C9-5D69-ACC3-1774278F0243}"/>
-              </a:ext>
-            </a:extLst>
-          </p:cNvPr>
-          <p:cNvSpPr/>
-          <p:nvPr/>
-        </p:nvSpPr>
-        <p:spPr>
-          <a:xfrm>
-            <a:off x="2562727" y="1088858"/>
-            <a:ext cx="7561847" cy="5594684"/>
-          </a:xfrm>
-          <a:prstGeom prst="rect">
-            <a:avLst/>
-          </a:prstGeom>
-          <a:noFill/>
-          <a:ln w="79375">
-            <a:solidFill>
-              <a:schemeClr val="tx2">
-                <a:lumMod val="75000"/>
-              </a:schemeClr>
-            </a:solidFill>
-          </a:ln>
-        </p:spPr>
-        <p:style>
-          <a:lnRef idx="2">
-            <a:schemeClr val="accent1">
-              <a:shade val="50000"/>
-            </a:schemeClr>
-          </a:lnRef>
-          <a:fillRef idx="1">
-            <a:schemeClr val="accent1"/>
-          </a:fillRef>
-          <a:effectRef idx="0">
-            <a:schemeClr val="accent1"/>
-          </a:effectRef>
-          <a:fontRef idx="minor">
-            <a:schemeClr val="lt1"/>
-          </a:fontRef>
-        </p:style>
-        <p:txBody>
-          <a:bodyPr rtlCol="0" anchor="ctr"/>
-          <a:lstStyle/>
-          <a:p>
-            <a:pPr algn="ctr"/>
-            <a:endParaRPr lang="ko-KR" altLang="en-US"/>
-          </a:p>
-        </p:txBody>
-      </p:sp>
-      <p:sp>
-        <p:nvSpPr>
           <p:cNvPr id="3" name="TextBox 2">
             <a:extLst>
               <a:ext uri="{FF2B5EF4-FFF2-40B4-BE49-F238E27FC236}">
@@ -11666,8 +11851,8 @@
         </p:nvSpPr>
         <p:spPr>
           <a:xfrm>
-            <a:off x="413465" y="385010"/>
-            <a:ext cx="1303422" cy="477054"/>
+            <a:off x="413464" y="385010"/>
+            <a:ext cx="1493541" cy="477054"/>
           </a:xfrm>
           <a:prstGeom prst="rect">
             <a:avLst/>
@@ -11685,76 +11870,24 @@
                 <a:latin typeface="D2Coding" panose="020B0609020101020101" pitchFamily="49" charset="-127"/>
                 <a:ea typeface="D2Coding" panose="020B0609020101020101" pitchFamily="49" charset="-127"/>
               </a:rPr>
-              <a:t>결론</a:t>
-            </a:r>
-            <a:endParaRPr lang="en-US" altLang="ko-KR" sz="2500" b="1" dirty="0">
-              <a:latin typeface="D2Coding" panose="020B0609020101020101" pitchFamily="49" charset="-127"/>
-              <a:ea typeface="D2Coding" panose="020B0609020101020101" pitchFamily="49" charset="-127"/>
-            </a:endParaRPr>
-          </a:p>
-        </p:txBody>
-      </p:sp>
-      <p:sp>
-        <p:nvSpPr>
-          <p:cNvPr id="4" name="직사각형 3">
-            <a:extLst>
-              <a:ext uri="{FF2B5EF4-FFF2-40B4-BE49-F238E27FC236}">
-                <a16:creationId xmlns:a16="http://schemas.microsoft.com/office/drawing/2014/main" id="{7D36C495-9DE3-7224-07AB-02AE4CB5F1BE}"/>
-              </a:ext>
-            </a:extLst>
-          </p:cNvPr>
-          <p:cNvSpPr/>
-          <p:nvPr/>
-        </p:nvSpPr>
-        <p:spPr>
-          <a:xfrm>
-            <a:off x="2965785" y="1534026"/>
-            <a:ext cx="6689557" cy="4578015"/>
-          </a:xfrm>
-          <a:prstGeom prst="rect">
-            <a:avLst/>
-          </a:prstGeom>
-          <a:noFill/>
-          <a:ln>
-            <a:solidFill>
-              <a:schemeClr val="tx1"/>
-            </a:solidFill>
-          </a:ln>
-        </p:spPr>
-        <p:style>
-          <a:lnRef idx="2">
-            <a:schemeClr val="accent1">
-              <a:shade val="50000"/>
-            </a:schemeClr>
-          </a:lnRef>
-          <a:fillRef idx="1">
-            <a:schemeClr val="accent1"/>
-          </a:fillRef>
-          <a:effectRef idx="0">
-            <a:schemeClr val="accent1"/>
-          </a:effectRef>
-          <a:fontRef idx="minor">
-            <a:schemeClr val="lt1"/>
-          </a:fontRef>
-        </p:style>
-        <p:txBody>
-          <a:bodyPr rtlCol="0" anchor="ctr"/>
-          <a:lstStyle/>
-          <a:p>
-            <a:pPr algn="ctr"/>
-            <a:endParaRPr lang="ko-KR" altLang="en-US">
-              <a:latin typeface="D2Coding" panose="020B0609020101020101" pitchFamily="49" charset="-127"/>
-              <a:ea typeface="D2Coding" panose="020B0609020101020101" pitchFamily="49" charset="-127"/>
-            </a:endParaRPr>
-          </a:p>
-        </p:txBody>
-      </p:sp>
-      <p:sp>
-        <p:nvSpPr>
-          <p:cNvPr id="5" name="TextBox 4">
-            <a:extLst>
-              <a:ext uri="{FF2B5EF4-FFF2-40B4-BE49-F238E27FC236}">
-                <a16:creationId xmlns:a16="http://schemas.microsoft.com/office/drawing/2014/main" id="{35F00A74-9964-AAE1-DE99-24AE26BC5A50}"/>
+              <a:t>결론 </a:t>
+            </a:r>
+            <a:r>
+              <a:rPr lang="en-US" altLang="ko-KR" sz="2500" b="1" dirty="0">
+                <a:latin typeface="D2Coding" panose="020B0609020101020101" pitchFamily="49" charset="-127"/>
+                <a:ea typeface="D2Coding" panose="020B0609020101020101" pitchFamily="49" charset="-127"/>
+              </a:rPr>
+              <a:t>- 6</a:t>
+            </a:r>
+          </a:p>
+        </p:txBody>
+      </p:sp>
+      <p:sp>
+        <p:nvSpPr>
+          <p:cNvPr id="2" name="TextBox 1">
+            <a:extLst>
+              <a:ext uri="{FF2B5EF4-FFF2-40B4-BE49-F238E27FC236}">
+                <a16:creationId xmlns:a16="http://schemas.microsoft.com/office/drawing/2014/main" id="{F87EC3CF-2F46-28F2-3DDA-C1461163B4C6}"/>
               </a:ext>
             </a:extLst>
           </p:cNvPr>
@@ -11763,8 +11896,8 @@
         </p:nvSpPr>
         <p:spPr>
           <a:xfrm>
-            <a:off x="5568615" y="497434"/>
-            <a:ext cx="1303421" cy="430887"/>
+            <a:off x="401242" y="3429000"/>
+            <a:ext cx="11389515" cy="369332"/>
           </a:xfrm>
           <a:prstGeom prst="rect">
             <a:avLst/>
@@ -11777,416 +11910,49 @@
           </a:bodyPr>
           <a:lstStyle/>
           <a:p>
-            <a:r>
-              <a:rPr lang="ko-KR" altLang="en-US" sz="2200" b="1" dirty="0">
-                <a:latin typeface="D2Coding" panose="020B0609020101020101" pitchFamily="49" charset="-127"/>
-                <a:ea typeface="D2Coding" panose="020B0609020101020101" pitchFamily="49" charset="-127"/>
-              </a:rPr>
-              <a:t>객체지향</a:t>
-            </a:r>
-          </a:p>
-        </p:txBody>
-      </p:sp>
-      <p:sp>
-        <p:nvSpPr>
-          <p:cNvPr id="6" name="TextBox 5">
-            <a:extLst>
-              <a:ext uri="{FF2B5EF4-FFF2-40B4-BE49-F238E27FC236}">
-                <a16:creationId xmlns:a16="http://schemas.microsoft.com/office/drawing/2014/main" id="{CAE8C9E4-7775-11B7-B0CC-3EA8C7895ADE}"/>
-              </a:ext>
-            </a:extLst>
-          </p:cNvPr>
-          <p:cNvSpPr txBox="1"/>
-          <p:nvPr/>
-        </p:nvSpPr>
-        <p:spPr>
-          <a:xfrm>
-            <a:off x="5402180" y="4797774"/>
-            <a:ext cx="1937084" cy="369332"/>
-          </a:xfrm>
-          <a:prstGeom prst="rect">
-            <a:avLst/>
-          </a:prstGeom>
-          <a:noFill/>
-        </p:spPr>
-        <p:txBody>
-          <a:bodyPr wrap="square" rtlCol="0">
-            <a:spAutoFit/>
-          </a:bodyPr>
-          <a:lstStyle/>
-          <a:p>
-            <a:r>
-              <a:rPr lang="ko-KR" altLang="en-US" dirty="0">
-                <a:latin typeface="D2Coding" panose="020B0609020101020101" pitchFamily="49" charset="-127"/>
-                <a:ea typeface="D2Coding" panose="020B0609020101020101" pitchFamily="49" charset="-127"/>
-              </a:rPr>
-              <a:t>계층형 아키텍처</a:t>
-            </a:r>
-            <a:endParaRPr lang="en-US" altLang="ko-KR" dirty="0">
-              <a:latin typeface="D2Coding" panose="020B0609020101020101" pitchFamily="49" charset="-127"/>
-              <a:ea typeface="D2Coding" panose="020B0609020101020101" pitchFamily="49" charset="-127"/>
-            </a:endParaRPr>
-          </a:p>
-        </p:txBody>
-      </p:sp>
-      <p:sp>
-        <p:nvSpPr>
-          <p:cNvPr id="7" name="TextBox 6">
-            <a:extLst>
-              <a:ext uri="{FF2B5EF4-FFF2-40B4-BE49-F238E27FC236}">
-                <a16:creationId xmlns:a16="http://schemas.microsoft.com/office/drawing/2014/main" id="{2658EF00-F52B-F185-300C-B041556ECD2C}"/>
-              </a:ext>
-            </a:extLst>
-          </p:cNvPr>
-          <p:cNvSpPr txBox="1"/>
-          <p:nvPr/>
-        </p:nvSpPr>
-        <p:spPr>
-          <a:xfrm>
-            <a:off x="4204848" y="2363020"/>
-            <a:ext cx="4211430" cy="369332"/>
-          </a:xfrm>
-          <a:prstGeom prst="rect">
-            <a:avLst/>
-          </a:prstGeom>
-          <a:noFill/>
-        </p:spPr>
-        <p:txBody>
-          <a:bodyPr wrap="square" rtlCol="0">
-            <a:spAutoFit/>
-          </a:bodyPr>
-          <a:lstStyle/>
-          <a:p>
-            <a:r>
-              <a:rPr lang="ko-KR" altLang="en-US" dirty="0">
-                <a:latin typeface="D2Coding" panose="020B0609020101020101" pitchFamily="49" charset="-127"/>
-                <a:ea typeface="D2Coding" panose="020B0609020101020101" pitchFamily="49" charset="-127"/>
-              </a:rPr>
-              <a:t>도메인 모델 패턴</a:t>
-            </a:r>
-            <a:r>
-              <a:rPr lang="en-US" altLang="ko-KR" dirty="0">
-                <a:latin typeface="D2Coding" panose="020B0609020101020101" pitchFamily="49" charset="-127"/>
-                <a:ea typeface="D2Coding" panose="020B0609020101020101" pitchFamily="49" charset="-127"/>
-              </a:rPr>
-              <a:t>(</a:t>
-            </a:r>
-            <a:r>
-              <a:rPr lang="ko-KR" altLang="en-US" dirty="0">
-                <a:latin typeface="D2Coding" panose="020B0609020101020101" pitchFamily="49" charset="-127"/>
-                <a:ea typeface="D2Coding" panose="020B0609020101020101" pitchFamily="49" charset="-127"/>
-              </a:rPr>
-              <a:t>도메인 주도 개발</a:t>
-            </a:r>
-            <a:r>
-              <a:rPr lang="en-US" altLang="ko-KR" dirty="0">
-                <a:latin typeface="D2Coding" panose="020B0609020101020101" pitchFamily="49" charset="-127"/>
-                <a:ea typeface="D2Coding" panose="020B0609020101020101" pitchFamily="49" charset="-127"/>
-              </a:rPr>
-              <a:t>)</a:t>
-            </a:r>
-          </a:p>
-        </p:txBody>
-      </p:sp>
-      <p:sp>
-        <p:nvSpPr>
-          <p:cNvPr id="8" name="TextBox 7">
-            <a:extLst>
-              <a:ext uri="{FF2B5EF4-FFF2-40B4-BE49-F238E27FC236}">
-                <a16:creationId xmlns:a16="http://schemas.microsoft.com/office/drawing/2014/main" id="{D900D171-BF3A-FC69-B5F7-FB2A3909A205}"/>
-              </a:ext>
-            </a:extLst>
-          </p:cNvPr>
-          <p:cNvSpPr txBox="1"/>
-          <p:nvPr/>
-        </p:nvSpPr>
-        <p:spPr>
-          <a:xfrm>
-            <a:off x="6029159" y="3884975"/>
-            <a:ext cx="683126" cy="369332"/>
-          </a:xfrm>
-          <a:prstGeom prst="rect">
-            <a:avLst/>
-          </a:prstGeom>
-          <a:noFill/>
-        </p:spPr>
-        <p:txBody>
-          <a:bodyPr wrap="square" rtlCol="0">
-            <a:spAutoFit/>
-          </a:bodyPr>
-          <a:lstStyle/>
-          <a:p>
-            <a:r>
-              <a:rPr lang="en-US" altLang="ko-KR" dirty="0">
-                <a:latin typeface="D2Coding" panose="020B0609020101020101" pitchFamily="49" charset="-127"/>
-                <a:ea typeface="D2Coding" panose="020B0609020101020101" pitchFamily="49" charset="-127"/>
-              </a:rPr>
-              <a:t>ORM</a:t>
-            </a:r>
-          </a:p>
-        </p:txBody>
-      </p:sp>
-      <p:sp>
-        <p:nvSpPr>
-          <p:cNvPr id="11" name="직사각형 10">
-            <a:extLst>
-              <a:ext uri="{FF2B5EF4-FFF2-40B4-BE49-F238E27FC236}">
-                <a16:creationId xmlns:a16="http://schemas.microsoft.com/office/drawing/2014/main" id="{BA8B17B6-CF99-007B-3923-923BE671426F}"/>
-              </a:ext>
-            </a:extLst>
-          </p:cNvPr>
-          <p:cNvSpPr/>
-          <p:nvPr/>
-        </p:nvSpPr>
-        <p:spPr>
-          <a:xfrm>
-            <a:off x="2965785" y="4580749"/>
-            <a:ext cx="6689557" cy="803382"/>
-          </a:xfrm>
-          <a:prstGeom prst="rect">
-            <a:avLst/>
-          </a:prstGeom>
-          <a:noFill/>
-          <a:ln w="34925">
-            <a:solidFill>
-              <a:schemeClr val="tx1"/>
-            </a:solidFill>
-          </a:ln>
-        </p:spPr>
-        <p:style>
-          <a:lnRef idx="2">
-            <a:schemeClr val="accent1">
-              <a:shade val="50000"/>
-            </a:schemeClr>
-          </a:lnRef>
-          <a:fillRef idx="1">
-            <a:schemeClr val="accent1"/>
-          </a:fillRef>
-          <a:effectRef idx="0">
-            <a:schemeClr val="accent1"/>
-          </a:effectRef>
-          <a:fontRef idx="minor">
-            <a:schemeClr val="lt1"/>
-          </a:fontRef>
-        </p:style>
-        <p:txBody>
-          <a:bodyPr rtlCol="0" anchor="ctr"/>
-          <a:lstStyle/>
-          <a:p>
             <a:pPr algn="ctr"/>
-            <a:endParaRPr lang="ko-KR" altLang="en-US" dirty="0"/>
-          </a:p>
-        </p:txBody>
-      </p:sp>
-      <p:sp>
-        <p:nvSpPr>
-          <p:cNvPr id="15" name="직사각형 14">
-            <a:extLst>
-              <a:ext uri="{FF2B5EF4-FFF2-40B4-BE49-F238E27FC236}">
-                <a16:creationId xmlns:a16="http://schemas.microsoft.com/office/drawing/2014/main" id="{349B5F1D-0EDF-26FF-7290-F1F480CA3E26}"/>
-              </a:ext>
-            </a:extLst>
-          </p:cNvPr>
-          <p:cNvSpPr/>
-          <p:nvPr/>
-        </p:nvSpPr>
-        <p:spPr>
-          <a:xfrm>
-            <a:off x="2965785" y="3561346"/>
-            <a:ext cx="6689557" cy="1015943"/>
-          </a:xfrm>
-          <a:prstGeom prst="rect">
-            <a:avLst/>
-          </a:prstGeom>
-          <a:noFill/>
-          <a:ln w="34925">
-            <a:solidFill>
-              <a:schemeClr val="tx1"/>
-            </a:solidFill>
-          </a:ln>
-        </p:spPr>
-        <p:style>
-          <a:lnRef idx="2">
-            <a:schemeClr val="accent1">
-              <a:shade val="50000"/>
-            </a:schemeClr>
-          </a:lnRef>
-          <a:fillRef idx="1">
-            <a:schemeClr val="accent1"/>
-          </a:fillRef>
-          <a:effectRef idx="0">
-            <a:schemeClr val="accent1"/>
-          </a:effectRef>
-          <a:fontRef idx="minor">
-            <a:schemeClr val="lt1"/>
-          </a:fontRef>
-        </p:style>
-        <p:txBody>
-          <a:bodyPr rtlCol="0" anchor="ctr"/>
-          <a:lstStyle/>
-          <a:p>
-            <a:pPr algn="ctr"/>
-            <a:endParaRPr lang="ko-KR" altLang="en-US" dirty="0"/>
-          </a:p>
-        </p:txBody>
-      </p:sp>
-      <p:sp>
-        <p:nvSpPr>
-          <p:cNvPr id="17" name="TextBox 16">
-            <a:extLst>
-              <a:ext uri="{FF2B5EF4-FFF2-40B4-BE49-F238E27FC236}">
-                <a16:creationId xmlns:a16="http://schemas.microsoft.com/office/drawing/2014/main" id="{C7D85F63-D2A2-F33F-1AEB-3619FA70F7D8}"/>
-              </a:ext>
-            </a:extLst>
-          </p:cNvPr>
-          <p:cNvSpPr txBox="1"/>
-          <p:nvPr/>
-        </p:nvSpPr>
-        <p:spPr>
-          <a:xfrm>
-            <a:off x="5280359" y="5569433"/>
-            <a:ext cx="2287504" cy="369332"/>
-          </a:xfrm>
-          <a:prstGeom prst="rect">
-            <a:avLst/>
-          </a:prstGeom>
-          <a:noFill/>
-        </p:spPr>
-        <p:txBody>
-          <a:bodyPr wrap="square">
-            <a:spAutoFit/>
-          </a:bodyPr>
-          <a:lstStyle/>
-          <a:p>
-            <a:r>
-              <a:rPr lang="ko-KR" altLang="en-US" dirty="0">
-                <a:latin typeface="D2Coding" panose="020B0609020101020101" pitchFamily="49" charset="-127"/>
-                <a:ea typeface="D2Coding" panose="020B0609020101020101" pitchFamily="49" charset="-127"/>
-              </a:rPr>
-              <a:t>협력 </a:t>
-            </a:r>
-            <a:r>
-              <a:rPr lang="ko-KR" altLang="en-US">
-                <a:latin typeface="D2Coding" panose="020B0609020101020101" pitchFamily="49" charset="-127"/>
-                <a:ea typeface="D2Coding" panose="020B0609020101020101" pitchFamily="49" charset="-127"/>
-              </a:rPr>
-              <a:t>관계 설계하기</a:t>
-            </a:r>
-            <a:endParaRPr lang="ko-KR" altLang="en-US" dirty="0">
-              <a:latin typeface="D2Coding" panose="020B0609020101020101" pitchFamily="49" charset="-127"/>
-              <a:ea typeface="D2Coding" panose="020B0609020101020101" pitchFamily="49" charset="-127"/>
-            </a:endParaRPr>
-          </a:p>
-        </p:txBody>
-      </p:sp>
-      <p:sp>
-        <p:nvSpPr>
-          <p:cNvPr id="20" name="직사각형 19">
-            <a:extLst>
-              <a:ext uri="{FF2B5EF4-FFF2-40B4-BE49-F238E27FC236}">
-                <a16:creationId xmlns:a16="http://schemas.microsoft.com/office/drawing/2014/main" id="{CF366399-0489-68F5-F828-CD291B5696FF}"/>
-              </a:ext>
-            </a:extLst>
-          </p:cNvPr>
-          <p:cNvSpPr/>
-          <p:nvPr/>
-        </p:nvSpPr>
-        <p:spPr>
-          <a:xfrm>
-            <a:off x="2965785" y="5384130"/>
-            <a:ext cx="6689557" cy="727911"/>
-          </a:xfrm>
-          <a:prstGeom prst="rect">
-            <a:avLst/>
-          </a:prstGeom>
-          <a:noFill/>
-          <a:ln w="34925">
-            <a:solidFill>
-              <a:schemeClr val="tx1"/>
-            </a:solidFill>
-          </a:ln>
-        </p:spPr>
-        <p:style>
-          <a:lnRef idx="2">
-            <a:schemeClr val="accent1">
-              <a:shade val="50000"/>
-            </a:schemeClr>
-          </a:lnRef>
-          <a:fillRef idx="1">
-            <a:schemeClr val="accent1"/>
-          </a:fillRef>
-          <a:effectRef idx="0">
-            <a:schemeClr val="accent1"/>
-          </a:effectRef>
-          <a:fontRef idx="minor">
-            <a:schemeClr val="lt1"/>
-          </a:fontRef>
-        </p:style>
-        <p:txBody>
-          <a:bodyPr rtlCol="0" anchor="ctr"/>
-          <a:lstStyle/>
-          <a:p>
-            <a:pPr algn="ctr"/>
-            <a:endParaRPr lang="ko-KR" altLang="en-US" dirty="0"/>
-          </a:p>
-        </p:txBody>
-      </p:sp>
-      <p:sp>
-        <p:nvSpPr>
-          <p:cNvPr id="21" name="직사각형 20">
-            <a:extLst>
-              <a:ext uri="{FF2B5EF4-FFF2-40B4-BE49-F238E27FC236}">
-                <a16:creationId xmlns:a16="http://schemas.microsoft.com/office/drawing/2014/main" id="{45F20FB7-26CC-F922-2111-AB97AD28A51F}"/>
-              </a:ext>
-            </a:extLst>
-          </p:cNvPr>
-          <p:cNvSpPr/>
-          <p:nvPr/>
-        </p:nvSpPr>
-        <p:spPr>
-          <a:xfrm>
-            <a:off x="2965785" y="1537759"/>
-            <a:ext cx="6689557" cy="2026143"/>
-          </a:xfrm>
-          <a:prstGeom prst="rect">
-            <a:avLst/>
-          </a:prstGeom>
-          <a:noFill/>
-          <a:ln w="34925">
-            <a:solidFill>
-              <a:schemeClr val="tx1"/>
-            </a:solidFill>
-          </a:ln>
-        </p:spPr>
-        <p:style>
-          <a:lnRef idx="2">
-            <a:schemeClr val="accent1">
-              <a:shade val="50000"/>
-            </a:schemeClr>
-          </a:lnRef>
-          <a:fillRef idx="1">
-            <a:schemeClr val="accent1"/>
-          </a:fillRef>
-          <a:effectRef idx="0">
-            <a:schemeClr val="accent1"/>
-          </a:effectRef>
-          <a:fontRef idx="minor">
-            <a:schemeClr val="lt1"/>
-          </a:fontRef>
-        </p:style>
-        <p:txBody>
-          <a:bodyPr rtlCol="0" anchor="ctr"/>
-          <a:lstStyle/>
-          <a:p>
-            <a:pPr algn="ctr"/>
-            <a:endParaRPr lang="ko-KR" altLang="en-US" dirty="0"/>
+            <a:r>
+              <a:rPr lang="en-US" altLang="ko-KR" b="1" dirty="0">
+                <a:latin typeface="D2Coding" panose="020B0609020101020101" pitchFamily="49" charset="-127"/>
+                <a:ea typeface="D2Coding" panose="020B0609020101020101" pitchFamily="49" charset="-127"/>
+              </a:rPr>
+              <a:t>Domain Model Pattern</a:t>
+            </a:r>
+            <a:r>
+              <a:rPr lang="ko-KR" altLang="en-US" b="1" dirty="0">
+                <a:latin typeface="D2Coding" panose="020B0609020101020101" pitchFamily="49" charset="-127"/>
+                <a:ea typeface="D2Coding" panose="020B0609020101020101" pitchFamily="49" charset="-127"/>
+              </a:rPr>
+              <a:t>은 알고 보면 도메인 주도 개발</a:t>
+            </a:r>
+            <a:r>
+              <a:rPr lang="en-US" altLang="ko-KR" b="1" dirty="0">
+                <a:latin typeface="D2Coding" panose="020B0609020101020101" pitchFamily="49" charset="-127"/>
+                <a:ea typeface="D2Coding" panose="020B0609020101020101" pitchFamily="49" charset="-127"/>
+              </a:rPr>
+              <a:t>(DDD)</a:t>
+            </a:r>
+            <a:r>
+              <a:rPr lang="ko-KR" altLang="en-US" b="1" dirty="0">
+                <a:latin typeface="D2Coding" panose="020B0609020101020101" pitchFamily="49" charset="-127"/>
+                <a:ea typeface="D2Coding" panose="020B0609020101020101" pitchFamily="49" charset="-127"/>
+              </a:rPr>
+              <a:t>이다</a:t>
+            </a:r>
+            <a:r>
+              <a:rPr lang="en-US" altLang="ko-KR" b="1" dirty="0">
+                <a:latin typeface="D2Coding" panose="020B0609020101020101" pitchFamily="49" charset="-127"/>
+                <a:ea typeface="D2Coding" panose="020B0609020101020101" pitchFamily="49" charset="-127"/>
+              </a:rPr>
+              <a:t>.</a:t>
+            </a:r>
           </a:p>
         </p:txBody>
       </p:sp>
     </p:spTree>
     <p:extLst>
       <p:ext uri="{BB962C8B-B14F-4D97-AF65-F5344CB8AC3E}">
-        <p14:creationId xmlns:p14="http://schemas.microsoft.com/office/powerpoint/2010/main" val="798745393"/>
+        <p14:creationId xmlns:p14="http://schemas.microsoft.com/office/powerpoint/2010/main" val="462075122"/>
       </p:ext>
     </p:extLst>
   </p:cSld>
@@ -12215,6 +11981,621 @@
       </p:grpSpPr>
       <p:sp>
         <p:nvSpPr>
+          <p:cNvPr id="22" name="직사각형 21">
+            <a:extLst>
+              <a:ext uri="{FF2B5EF4-FFF2-40B4-BE49-F238E27FC236}">
+                <a16:creationId xmlns:a16="http://schemas.microsoft.com/office/drawing/2014/main" id="{B5ECAB2B-29C9-5D69-ACC3-1774278F0243}"/>
+              </a:ext>
+            </a:extLst>
+          </p:cNvPr>
+          <p:cNvSpPr/>
+          <p:nvPr/>
+        </p:nvSpPr>
+        <p:spPr>
+          <a:xfrm>
+            <a:off x="2562727" y="1088858"/>
+            <a:ext cx="7561847" cy="5594684"/>
+          </a:xfrm>
+          <a:prstGeom prst="rect">
+            <a:avLst/>
+          </a:prstGeom>
+          <a:noFill/>
+          <a:ln w="79375">
+            <a:solidFill>
+              <a:schemeClr val="tx2">
+                <a:lumMod val="75000"/>
+              </a:schemeClr>
+            </a:solidFill>
+          </a:ln>
+        </p:spPr>
+        <p:style>
+          <a:lnRef idx="2">
+            <a:schemeClr val="accent1">
+              <a:shade val="50000"/>
+            </a:schemeClr>
+          </a:lnRef>
+          <a:fillRef idx="1">
+            <a:schemeClr val="accent1"/>
+          </a:fillRef>
+          <a:effectRef idx="0">
+            <a:schemeClr val="accent1"/>
+          </a:effectRef>
+          <a:fontRef idx="minor">
+            <a:schemeClr val="lt1"/>
+          </a:fontRef>
+        </p:style>
+        <p:txBody>
+          <a:bodyPr rtlCol="0" anchor="ctr"/>
+          <a:lstStyle/>
+          <a:p>
+            <a:pPr algn="ctr"/>
+            <a:endParaRPr lang="ko-KR" altLang="en-US"/>
+          </a:p>
+        </p:txBody>
+      </p:sp>
+      <p:sp>
+        <p:nvSpPr>
+          <p:cNvPr id="3" name="TextBox 2">
+            <a:extLst>
+              <a:ext uri="{FF2B5EF4-FFF2-40B4-BE49-F238E27FC236}">
+                <a16:creationId xmlns:a16="http://schemas.microsoft.com/office/drawing/2014/main" id="{AA04A1C0-37DF-D426-F3E6-56FE4CFAB354}"/>
+              </a:ext>
+            </a:extLst>
+          </p:cNvPr>
+          <p:cNvSpPr txBox="1"/>
+          <p:nvPr/>
+        </p:nvSpPr>
+        <p:spPr>
+          <a:xfrm>
+            <a:off x="413465" y="385010"/>
+            <a:ext cx="1303422" cy="477054"/>
+          </a:xfrm>
+          <a:prstGeom prst="rect">
+            <a:avLst/>
+          </a:prstGeom>
+          <a:noFill/>
+        </p:spPr>
+        <p:txBody>
+          <a:bodyPr wrap="square" rtlCol="0">
+            <a:spAutoFit/>
+          </a:bodyPr>
+          <a:lstStyle/>
+          <a:p>
+            <a:r>
+              <a:rPr lang="ko-KR" altLang="en-US" sz="2500" b="1" dirty="0">
+                <a:latin typeface="D2Coding" panose="020B0609020101020101" pitchFamily="49" charset="-127"/>
+                <a:ea typeface="D2Coding" panose="020B0609020101020101" pitchFamily="49" charset="-127"/>
+              </a:rPr>
+              <a:t>결론</a:t>
+            </a:r>
+            <a:endParaRPr lang="en-US" altLang="ko-KR" sz="2500" b="1" dirty="0">
+              <a:latin typeface="D2Coding" panose="020B0609020101020101" pitchFamily="49" charset="-127"/>
+              <a:ea typeface="D2Coding" panose="020B0609020101020101" pitchFamily="49" charset="-127"/>
+            </a:endParaRPr>
+          </a:p>
+        </p:txBody>
+      </p:sp>
+      <p:sp>
+        <p:nvSpPr>
+          <p:cNvPr id="4" name="직사각형 3">
+            <a:extLst>
+              <a:ext uri="{FF2B5EF4-FFF2-40B4-BE49-F238E27FC236}">
+                <a16:creationId xmlns:a16="http://schemas.microsoft.com/office/drawing/2014/main" id="{7D36C495-9DE3-7224-07AB-02AE4CB5F1BE}"/>
+              </a:ext>
+            </a:extLst>
+          </p:cNvPr>
+          <p:cNvSpPr/>
+          <p:nvPr/>
+        </p:nvSpPr>
+        <p:spPr>
+          <a:xfrm>
+            <a:off x="2965785" y="1534026"/>
+            <a:ext cx="6689557" cy="4578015"/>
+          </a:xfrm>
+          <a:prstGeom prst="rect">
+            <a:avLst/>
+          </a:prstGeom>
+          <a:noFill/>
+          <a:ln>
+            <a:solidFill>
+              <a:schemeClr val="tx1"/>
+            </a:solidFill>
+          </a:ln>
+        </p:spPr>
+        <p:style>
+          <a:lnRef idx="2">
+            <a:schemeClr val="accent1">
+              <a:shade val="50000"/>
+            </a:schemeClr>
+          </a:lnRef>
+          <a:fillRef idx="1">
+            <a:schemeClr val="accent1"/>
+          </a:fillRef>
+          <a:effectRef idx="0">
+            <a:schemeClr val="accent1"/>
+          </a:effectRef>
+          <a:fontRef idx="minor">
+            <a:schemeClr val="lt1"/>
+          </a:fontRef>
+        </p:style>
+        <p:txBody>
+          <a:bodyPr rtlCol="0" anchor="ctr"/>
+          <a:lstStyle/>
+          <a:p>
+            <a:pPr algn="ctr"/>
+            <a:endParaRPr lang="ko-KR" altLang="en-US">
+              <a:latin typeface="D2Coding" panose="020B0609020101020101" pitchFamily="49" charset="-127"/>
+              <a:ea typeface="D2Coding" panose="020B0609020101020101" pitchFamily="49" charset="-127"/>
+            </a:endParaRPr>
+          </a:p>
+        </p:txBody>
+      </p:sp>
+      <p:sp>
+        <p:nvSpPr>
+          <p:cNvPr id="5" name="TextBox 4">
+            <a:extLst>
+              <a:ext uri="{FF2B5EF4-FFF2-40B4-BE49-F238E27FC236}">
+                <a16:creationId xmlns:a16="http://schemas.microsoft.com/office/drawing/2014/main" id="{35F00A74-9964-AAE1-DE99-24AE26BC5A50}"/>
+              </a:ext>
+            </a:extLst>
+          </p:cNvPr>
+          <p:cNvSpPr txBox="1"/>
+          <p:nvPr/>
+        </p:nvSpPr>
+        <p:spPr>
+          <a:xfrm>
+            <a:off x="5568615" y="497434"/>
+            <a:ext cx="1303421" cy="430887"/>
+          </a:xfrm>
+          <a:prstGeom prst="rect">
+            <a:avLst/>
+          </a:prstGeom>
+          <a:noFill/>
+        </p:spPr>
+        <p:txBody>
+          <a:bodyPr wrap="square" rtlCol="0">
+            <a:spAutoFit/>
+          </a:bodyPr>
+          <a:lstStyle/>
+          <a:p>
+            <a:r>
+              <a:rPr lang="ko-KR" altLang="en-US" sz="2200" b="1" dirty="0">
+                <a:latin typeface="D2Coding" panose="020B0609020101020101" pitchFamily="49" charset="-127"/>
+                <a:ea typeface="D2Coding" panose="020B0609020101020101" pitchFamily="49" charset="-127"/>
+              </a:rPr>
+              <a:t>객체지향</a:t>
+            </a:r>
+          </a:p>
+        </p:txBody>
+      </p:sp>
+      <p:sp>
+        <p:nvSpPr>
+          <p:cNvPr id="6" name="TextBox 5">
+            <a:extLst>
+              <a:ext uri="{FF2B5EF4-FFF2-40B4-BE49-F238E27FC236}">
+                <a16:creationId xmlns:a16="http://schemas.microsoft.com/office/drawing/2014/main" id="{CAE8C9E4-7775-11B7-B0CC-3EA8C7895ADE}"/>
+              </a:ext>
+            </a:extLst>
+          </p:cNvPr>
+          <p:cNvSpPr txBox="1"/>
+          <p:nvPr/>
+        </p:nvSpPr>
+        <p:spPr>
+          <a:xfrm>
+            <a:off x="5402180" y="4797774"/>
+            <a:ext cx="1937084" cy="369332"/>
+          </a:xfrm>
+          <a:prstGeom prst="rect">
+            <a:avLst/>
+          </a:prstGeom>
+          <a:noFill/>
+        </p:spPr>
+        <p:txBody>
+          <a:bodyPr wrap="square" rtlCol="0">
+            <a:spAutoFit/>
+          </a:bodyPr>
+          <a:lstStyle/>
+          <a:p>
+            <a:r>
+              <a:rPr lang="ko-KR" altLang="en-US" dirty="0">
+                <a:latin typeface="D2Coding" panose="020B0609020101020101" pitchFamily="49" charset="-127"/>
+                <a:ea typeface="D2Coding" panose="020B0609020101020101" pitchFamily="49" charset="-127"/>
+              </a:rPr>
+              <a:t>계층형 아키텍처</a:t>
+            </a:r>
+            <a:endParaRPr lang="en-US" altLang="ko-KR" dirty="0">
+              <a:latin typeface="D2Coding" panose="020B0609020101020101" pitchFamily="49" charset="-127"/>
+              <a:ea typeface="D2Coding" panose="020B0609020101020101" pitchFamily="49" charset="-127"/>
+            </a:endParaRPr>
+          </a:p>
+        </p:txBody>
+      </p:sp>
+      <p:sp>
+        <p:nvSpPr>
+          <p:cNvPr id="7" name="TextBox 6">
+            <a:extLst>
+              <a:ext uri="{FF2B5EF4-FFF2-40B4-BE49-F238E27FC236}">
+                <a16:creationId xmlns:a16="http://schemas.microsoft.com/office/drawing/2014/main" id="{2658EF00-F52B-F185-300C-B041556ECD2C}"/>
+              </a:ext>
+            </a:extLst>
+          </p:cNvPr>
+          <p:cNvSpPr txBox="1"/>
+          <p:nvPr/>
+        </p:nvSpPr>
+        <p:spPr>
+          <a:xfrm>
+            <a:off x="4204848" y="2363020"/>
+            <a:ext cx="4211430" cy="369332"/>
+          </a:xfrm>
+          <a:prstGeom prst="rect">
+            <a:avLst/>
+          </a:prstGeom>
+          <a:noFill/>
+        </p:spPr>
+        <p:txBody>
+          <a:bodyPr wrap="square" rtlCol="0">
+            <a:spAutoFit/>
+          </a:bodyPr>
+          <a:lstStyle/>
+          <a:p>
+            <a:r>
+              <a:rPr lang="ko-KR" altLang="en-US" dirty="0">
+                <a:latin typeface="D2Coding" panose="020B0609020101020101" pitchFamily="49" charset="-127"/>
+                <a:ea typeface="D2Coding" panose="020B0609020101020101" pitchFamily="49" charset="-127"/>
+              </a:rPr>
+              <a:t>도메인 모델 패턴</a:t>
+            </a:r>
+            <a:r>
+              <a:rPr lang="en-US" altLang="ko-KR" dirty="0">
+                <a:latin typeface="D2Coding" panose="020B0609020101020101" pitchFamily="49" charset="-127"/>
+                <a:ea typeface="D2Coding" panose="020B0609020101020101" pitchFamily="49" charset="-127"/>
+              </a:rPr>
+              <a:t>(</a:t>
+            </a:r>
+            <a:r>
+              <a:rPr lang="ko-KR" altLang="en-US" dirty="0">
+                <a:latin typeface="D2Coding" panose="020B0609020101020101" pitchFamily="49" charset="-127"/>
+                <a:ea typeface="D2Coding" panose="020B0609020101020101" pitchFamily="49" charset="-127"/>
+              </a:rPr>
+              <a:t>도메인 주도 개발</a:t>
+            </a:r>
+            <a:r>
+              <a:rPr lang="en-US" altLang="ko-KR" dirty="0">
+                <a:latin typeface="D2Coding" panose="020B0609020101020101" pitchFamily="49" charset="-127"/>
+                <a:ea typeface="D2Coding" panose="020B0609020101020101" pitchFamily="49" charset="-127"/>
+              </a:rPr>
+              <a:t>)</a:t>
+            </a:r>
+          </a:p>
+        </p:txBody>
+      </p:sp>
+      <p:sp>
+        <p:nvSpPr>
+          <p:cNvPr id="8" name="TextBox 7">
+            <a:extLst>
+              <a:ext uri="{FF2B5EF4-FFF2-40B4-BE49-F238E27FC236}">
+                <a16:creationId xmlns:a16="http://schemas.microsoft.com/office/drawing/2014/main" id="{D900D171-BF3A-FC69-B5F7-FB2A3909A205}"/>
+              </a:ext>
+            </a:extLst>
+          </p:cNvPr>
+          <p:cNvSpPr txBox="1"/>
+          <p:nvPr/>
+        </p:nvSpPr>
+        <p:spPr>
+          <a:xfrm>
+            <a:off x="6029159" y="3884975"/>
+            <a:ext cx="683126" cy="369332"/>
+          </a:xfrm>
+          <a:prstGeom prst="rect">
+            <a:avLst/>
+          </a:prstGeom>
+          <a:noFill/>
+        </p:spPr>
+        <p:txBody>
+          <a:bodyPr wrap="square" rtlCol="0">
+            <a:spAutoFit/>
+          </a:bodyPr>
+          <a:lstStyle/>
+          <a:p>
+            <a:r>
+              <a:rPr lang="en-US" altLang="ko-KR" dirty="0">
+                <a:latin typeface="D2Coding" panose="020B0609020101020101" pitchFamily="49" charset="-127"/>
+                <a:ea typeface="D2Coding" panose="020B0609020101020101" pitchFamily="49" charset="-127"/>
+              </a:rPr>
+              <a:t>ORM</a:t>
+            </a:r>
+          </a:p>
+        </p:txBody>
+      </p:sp>
+      <p:sp>
+        <p:nvSpPr>
+          <p:cNvPr id="11" name="직사각형 10">
+            <a:extLst>
+              <a:ext uri="{FF2B5EF4-FFF2-40B4-BE49-F238E27FC236}">
+                <a16:creationId xmlns:a16="http://schemas.microsoft.com/office/drawing/2014/main" id="{BA8B17B6-CF99-007B-3923-923BE671426F}"/>
+              </a:ext>
+            </a:extLst>
+          </p:cNvPr>
+          <p:cNvSpPr/>
+          <p:nvPr/>
+        </p:nvSpPr>
+        <p:spPr>
+          <a:xfrm>
+            <a:off x="2965785" y="4580749"/>
+            <a:ext cx="6689557" cy="803382"/>
+          </a:xfrm>
+          <a:prstGeom prst="rect">
+            <a:avLst/>
+          </a:prstGeom>
+          <a:noFill/>
+          <a:ln w="34925">
+            <a:solidFill>
+              <a:schemeClr val="tx1"/>
+            </a:solidFill>
+          </a:ln>
+        </p:spPr>
+        <p:style>
+          <a:lnRef idx="2">
+            <a:schemeClr val="accent1">
+              <a:shade val="50000"/>
+            </a:schemeClr>
+          </a:lnRef>
+          <a:fillRef idx="1">
+            <a:schemeClr val="accent1"/>
+          </a:fillRef>
+          <a:effectRef idx="0">
+            <a:schemeClr val="accent1"/>
+          </a:effectRef>
+          <a:fontRef idx="minor">
+            <a:schemeClr val="lt1"/>
+          </a:fontRef>
+        </p:style>
+        <p:txBody>
+          <a:bodyPr rtlCol="0" anchor="ctr"/>
+          <a:lstStyle/>
+          <a:p>
+            <a:pPr algn="ctr"/>
+            <a:endParaRPr lang="ko-KR" altLang="en-US" dirty="0"/>
+          </a:p>
+        </p:txBody>
+      </p:sp>
+      <p:sp>
+        <p:nvSpPr>
+          <p:cNvPr id="15" name="직사각형 14">
+            <a:extLst>
+              <a:ext uri="{FF2B5EF4-FFF2-40B4-BE49-F238E27FC236}">
+                <a16:creationId xmlns:a16="http://schemas.microsoft.com/office/drawing/2014/main" id="{349B5F1D-0EDF-26FF-7290-F1F480CA3E26}"/>
+              </a:ext>
+            </a:extLst>
+          </p:cNvPr>
+          <p:cNvSpPr/>
+          <p:nvPr/>
+        </p:nvSpPr>
+        <p:spPr>
+          <a:xfrm>
+            <a:off x="2965785" y="3561346"/>
+            <a:ext cx="6689557" cy="1015943"/>
+          </a:xfrm>
+          <a:prstGeom prst="rect">
+            <a:avLst/>
+          </a:prstGeom>
+          <a:noFill/>
+          <a:ln w="34925">
+            <a:solidFill>
+              <a:schemeClr val="tx1"/>
+            </a:solidFill>
+          </a:ln>
+        </p:spPr>
+        <p:style>
+          <a:lnRef idx="2">
+            <a:schemeClr val="accent1">
+              <a:shade val="50000"/>
+            </a:schemeClr>
+          </a:lnRef>
+          <a:fillRef idx="1">
+            <a:schemeClr val="accent1"/>
+          </a:fillRef>
+          <a:effectRef idx="0">
+            <a:schemeClr val="accent1"/>
+          </a:effectRef>
+          <a:fontRef idx="minor">
+            <a:schemeClr val="lt1"/>
+          </a:fontRef>
+        </p:style>
+        <p:txBody>
+          <a:bodyPr rtlCol="0" anchor="ctr"/>
+          <a:lstStyle/>
+          <a:p>
+            <a:pPr algn="ctr"/>
+            <a:endParaRPr lang="ko-KR" altLang="en-US" dirty="0"/>
+          </a:p>
+        </p:txBody>
+      </p:sp>
+      <p:sp>
+        <p:nvSpPr>
+          <p:cNvPr id="17" name="TextBox 16">
+            <a:extLst>
+              <a:ext uri="{FF2B5EF4-FFF2-40B4-BE49-F238E27FC236}">
+                <a16:creationId xmlns:a16="http://schemas.microsoft.com/office/drawing/2014/main" id="{C7D85F63-D2A2-F33F-1AEB-3619FA70F7D8}"/>
+              </a:ext>
+            </a:extLst>
+          </p:cNvPr>
+          <p:cNvSpPr txBox="1"/>
+          <p:nvPr/>
+        </p:nvSpPr>
+        <p:spPr>
+          <a:xfrm>
+            <a:off x="5280359" y="5569433"/>
+            <a:ext cx="2287504" cy="369332"/>
+          </a:xfrm>
+          <a:prstGeom prst="rect">
+            <a:avLst/>
+          </a:prstGeom>
+          <a:noFill/>
+        </p:spPr>
+        <p:txBody>
+          <a:bodyPr wrap="square">
+            <a:spAutoFit/>
+          </a:bodyPr>
+          <a:lstStyle/>
+          <a:p>
+            <a:r>
+              <a:rPr lang="ko-KR" altLang="en-US" dirty="0">
+                <a:latin typeface="D2Coding" panose="020B0609020101020101" pitchFamily="49" charset="-127"/>
+                <a:ea typeface="D2Coding" panose="020B0609020101020101" pitchFamily="49" charset="-127"/>
+              </a:rPr>
+              <a:t>협력 </a:t>
+            </a:r>
+            <a:r>
+              <a:rPr lang="ko-KR" altLang="en-US">
+                <a:latin typeface="D2Coding" panose="020B0609020101020101" pitchFamily="49" charset="-127"/>
+                <a:ea typeface="D2Coding" panose="020B0609020101020101" pitchFamily="49" charset="-127"/>
+              </a:rPr>
+              <a:t>관계 설계하기</a:t>
+            </a:r>
+            <a:endParaRPr lang="ko-KR" altLang="en-US" dirty="0">
+              <a:latin typeface="D2Coding" panose="020B0609020101020101" pitchFamily="49" charset="-127"/>
+              <a:ea typeface="D2Coding" panose="020B0609020101020101" pitchFamily="49" charset="-127"/>
+            </a:endParaRPr>
+          </a:p>
+        </p:txBody>
+      </p:sp>
+      <p:sp>
+        <p:nvSpPr>
+          <p:cNvPr id="20" name="직사각형 19">
+            <a:extLst>
+              <a:ext uri="{FF2B5EF4-FFF2-40B4-BE49-F238E27FC236}">
+                <a16:creationId xmlns:a16="http://schemas.microsoft.com/office/drawing/2014/main" id="{CF366399-0489-68F5-F828-CD291B5696FF}"/>
+              </a:ext>
+            </a:extLst>
+          </p:cNvPr>
+          <p:cNvSpPr/>
+          <p:nvPr/>
+        </p:nvSpPr>
+        <p:spPr>
+          <a:xfrm>
+            <a:off x="2965785" y="5384130"/>
+            <a:ext cx="6689557" cy="727911"/>
+          </a:xfrm>
+          <a:prstGeom prst="rect">
+            <a:avLst/>
+          </a:prstGeom>
+          <a:noFill/>
+          <a:ln w="34925">
+            <a:solidFill>
+              <a:schemeClr val="tx1"/>
+            </a:solidFill>
+          </a:ln>
+        </p:spPr>
+        <p:style>
+          <a:lnRef idx="2">
+            <a:schemeClr val="accent1">
+              <a:shade val="50000"/>
+            </a:schemeClr>
+          </a:lnRef>
+          <a:fillRef idx="1">
+            <a:schemeClr val="accent1"/>
+          </a:fillRef>
+          <a:effectRef idx="0">
+            <a:schemeClr val="accent1"/>
+          </a:effectRef>
+          <a:fontRef idx="minor">
+            <a:schemeClr val="lt1"/>
+          </a:fontRef>
+        </p:style>
+        <p:txBody>
+          <a:bodyPr rtlCol="0" anchor="ctr"/>
+          <a:lstStyle/>
+          <a:p>
+            <a:pPr algn="ctr"/>
+            <a:endParaRPr lang="ko-KR" altLang="en-US" dirty="0"/>
+          </a:p>
+        </p:txBody>
+      </p:sp>
+      <p:sp>
+        <p:nvSpPr>
+          <p:cNvPr id="21" name="직사각형 20">
+            <a:extLst>
+              <a:ext uri="{FF2B5EF4-FFF2-40B4-BE49-F238E27FC236}">
+                <a16:creationId xmlns:a16="http://schemas.microsoft.com/office/drawing/2014/main" id="{45F20FB7-26CC-F922-2111-AB97AD28A51F}"/>
+              </a:ext>
+            </a:extLst>
+          </p:cNvPr>
+          <p:cNvSpPr/>
+          <p:nvPr/>
+        </p:nvSpPr>
+        <p:spPr>
+          <a:xfrm>
+            <a:off x="2965785" y="1537759"/>
+            <a:ext cx="6689557" cy="2026143"/>
+          </a:xfrm>
+          <a:prstGeom prst="rect">
+            <a:avLst/>
+          </a:prstGeom>
+          <a:noFill/>
+          <a:ln w="34925">
+            <a:solidFill>
+              <a:schemeClr val="tx1"/>
+            </a:solidFill>
+          </a:ln>
+        </p:spPr>
+        <p:style>
+          <a:lnRef idx="2">
+            <a:schemeClr val="accent1">
+              <a:shade val="50000"/>
+            </a:schemeClr>
+          </a:lnRef>
+          <a:fillRef idx="1">
+            <a:schemeClr val="accent1"/>
+          </a:fillRef>
+          <a:effectRef idx="0">
+            <a:schemeClr val="accent1"/>
+          </a:effectRef>
+          <a:fontRef idx="minor">
+            <a:schemeClr val="lt1"/>
+          </a:fontRef>
+        </p:style>
+        <p:txBody>
+          <a:bodyPr rtlCol="0" anchor="ctr"/>
+          <a:lstStyle/>
+          <a:p>
+            <a:pPr algn="ctr"/>
+            <a:endParaRPr lang="ko-KR" altLang="en-US" dirty="0"/>
+          </a:p>
+        </p:txBody>
+      </p:sp>
+    </p:spTree>
+    <p:extLst>
+      <p:ext uri="{BB962C8B-B14F-4D97-AF65-F5344CB8AC3E}">
+        <p14:creationId xmlns:p14="http://schemas.microsoft.com/office/powerpoint/2010/main" val="798745393"/>
+      </p:ext>
+    </p:extLst>
+  </p:cSld>
+  <p:clrMapOvr>
+    <a:masterClrMapping/>
+  </p:clrMapOvr>
+</p:sld>
+</file>
+
+<file path=ppt/slides/slide53.xml><?xml version="1.0" encoding="utf-8"?>
+<p:sld xmlns:a="http://schemas.openxmlformats.org/drawingml/2006/main" xmlns:r="http://schemas.openxmlformats.org/officeDocument/2006/relationships" xmlns:p="http://schemas.openxmlformats.org/presentationml/2006/main">
+  <p:cSld>
+    <p:spTree>
+      <p:nvGrpSpPr>
+        <p:cNvPr id="1" name=""/>
+        <p:cNvGrpSpPr/>
+        <p:nvPr/>
+      </p:nvGrpSpPr>
+      <p:grpSpPr>
+        <a:xfrm>
+          <a:off x="0" y="0"/>
+          <a:ext cx="0" cy="0"/>
+          <a:chOff x="0" y="0"/>
+          <a:chExt cx="0" cy="0"/>
+        </a:xfrm>
+      </p:grpSpPr>
+      <p:sp>
+        <p:nvSpPr>
           <p:cNvPr id="3" name="TextBox 2">
             <a:extLst>
               <a:ext uri="{FF2B5EF4-FFF2-40B4-BE49-F238E27FC236}">
@@ -12447,7 +12828,7 @@
 </p:sld>
 </file>
 
-<file path=ppt/slides/slide53.xml><?xml version="1.0" encoding="utf-8"?>
+<file path=ppt/slides/slide54.xml><?xml version="1.0" encoding="utf-8"?>
 <p:sld xmlns:a="http://schemas.openxmlformats.org/drawingml/2006/main" xmlns:r="http://schemas.openxmlformats.org/officeDocument/2006/relationships" xmlns:p="http://schemas.openxmlformats.org/presentationml/2006/main">
   <p:cSld>
     <p:spTree>

--- a/RealOOP.pptx
+++ b/RealOOP.pptx
@@ -312,7 +312,7 @@
           <a:p>
             <a:fld id="{4B21B421-CE9A-4537-8EFF-FB46216091AF}" type="datetimeFigureOut">
               <a:rPr lang="ko-KR" altLang="en-US" smtClean="0"/>
-              <a:t>2023-03-23</a:t>
+              <a:t>2023-03-24</a:t>
             </a:fld>
             <a:endParaRPr lang="ko-KR" altLang="en-US"/>
           </a:p>
@@ -510,7 +510,7 @@
           <a:p>
             <a:fld id="{4B21B421-CE9A-4537-8EFF-FB46216091AF}" type="datetimeFigureOut">
               <a:rPr lang="ko-KR" altLang="en-US" smtClean="0"/>
-              <a:t>2023-03-23</a:t>
+              <a:t>2023-03-24</a:t>
             </a:fld>
             <a:endParaRPr lang="ko-KR" altLang="en-US"/>
           </a:p>
@@ -718,7 +718,7 @@
           <a:p>
             <a:fld id="{4B21B421-CE9A-4537-8EFF-FB46216091AF}" type="datetimeFigureOut">
               <a:rPr lang="ko-KR" altLang="en-US" smtClean="0"/>
-              <a:t>2023-03-23</a:t>
+              <a:t>2023-03-24</a:t>
             </a:fld>
             <a:endParaRPr lang="ko-KR" altLang="en-US"/>
           </a:p>
@@ -916,7 +916,7 @@
           <a:p>
             <a:fld id="{4B21B421-CE9A-4537-8EFF-FB46216091AF}" type="datetimeFigureOut">
               <a:rPr lang="ko-KR" altLang="en-US" smtClean="0"/>
-              <a:t>2023-03-23</a:t>
+              <a:t>2023-03-24</a:t>
             </a:fld>
             <a:endParaRPr lang="ko-KR" altLang="en-US"/>
           </a:p>
@@ -1191,7 +1191,7 @@
           <a:p>
             <a:fld id="{4B21B421-CE9A-4537-8EFF-FB46216091AF}" type="datetimeFigureOut">
               <a:rPr lang="ko-KR" altLang="en-US" smtClean="0"/>
-              <a:t>2023-03-23</a:t>
+              <a:t>2023-03-24</a:t>
             </a:fld>
             <a:endParaRPr lang="ko-KR" altLang="en-US"/>
           </a:p>
@@ -1456,7 +1456,7 @@
           <a:p>
             <a:fld id="{4B21B421-CE9A-4537-8EFF-FB46216091AF}" type="datetimeFigureOut">
               <a:rPr lang="ko-KR" altLang="en-US" smtClean="0"/>
-              <a:t>2023-03-23</a:t>
+              <a:t>2023-03-24</a:t>
             </a:fld>
             <a:endParaRPr lang="ko-KR" altLang="en-US"/>
           </a:p>
@@ -1868,7 +1868,7 @@
           <a:p>
             <a:fld id="{4B21B421-CE9A-4537-8EFF-FB46216091AF}" type="datetimeFigureOut">
               <a:rPr lang="ko-KR" altLang="en-US" smtClean="0"/>
-              <a:t>2023-03-23</a:t>
+              <a:t>2023-03-24</a:t>
             </a:fld>
             <a:endParaRPr lang="ko-KR" altLang="en-US"/>
           </a:p>
@@ -2009,7 +2009,7 @@
           <a:p>
             <a:fld id="{4B21B421-CE9A-4537-8EFF-FB46216091AF}" type="datetimeFigureOut">
               <a:rPr lang="ko-KR" altLang="en-US" smtClean="0"/>
-              <a:t>2023-03-23</a:t>
+              <a:t>2023-03-24</a:t>
             </a:fld>
             <a:endParaRPr lang="ko-KR" altLang="en-US"/>
           </a:p>
@@ -2122,7 +2122,7 @@
           <a:p>
             <a:fld id="{4B21B421-CE9A-4537-8EFF-FB46216091AF}" type="datetimeFigureOut">
               <a:rPr lang="ko-KR" altLang="en-US" smtClean="0"/>
-              <a:t>2023-03-23</a:t>
+              <a:t>2023-03-24</a:t>
             </a:fld>
             <a:endParaRPr lang="ko-KR" altLang="en-US"/>
           </a:p>
@@ -2433,7 +2433,7 @@
           <a:p>
             <a:fld id="{4B21B421-CE9A-4537-8EFF-FB46216091AF}" type="datetimeFigureOut">
               <a:rPr lang="ko-KR" altLang="en-US" smtClean="0"/>
-              <a:t>2023-03-23</a:t>
+              <a:t>2023-03-24</a:t>
             </a:fld>
             <a:endParaRPr lang="ko-KR" altLang="en-US"/>
           </a:p>
@@ -2721,7 +2721,7 @@
           <a:p>
             <a:fld id="{4B21B421-CE9A-4537-8EFF-FB46216091AF}" type="datetimeFigureOut">
               <a:rPr lang="ko-KR" altLang="en-US" smtClean="0"/>
-              <a:t>2023-03-23</a:t>
+              <a:t>2023-03-24</a:t>
             </a:fld>
             <a:endParaRPr lang="ko-KR" altLang="en-US"/>
           </a:p>
@@ -2962,7 +2962,7 @@
           <a:p>
             <a:fld id="{4B21B421-CE9A-4537-8EFF-FB46216091AF}" type="datetimeFigureOut">
               <a:rPr lang="ko-KR" altLang="en-US" smtClean="0"/>
-              <a:t>2023-03-23</a:t>
+              <a:t>2023-03-24</a:t>
             </a:fld>
             <a:endParaRPr lang="ko-KR" altLang="en-US"/>
           </a:p>
@@ -3429,8 +3429,8 @@
         </p:nvSpPr>
         <p:spPr>
           <a:xfrm>
-            <a:off x="3681665" y="1394722"/>
-            <a:ext cx="4150894" cy="707886"/>
+            <a:off x="3681664" y="1394722"/>
+            <a:ext cx="5456320" cy="707886"/>
           </a:xfrm>
           <a:prstGeom prst="rect">
             <a:avLst/>
@@ -5395,7 +5395,7 @@
         <p:spPr>
           <a:xfrm>
             <a:off x="275101" y="258679"/>
-            <a:ext cx="7431125" cy="477054"/>
+            <a:ext cx="8538031" cy="477054"/>
           </a:xfrm>
           <a:prstGeom prst="rect">
             <a:avLst/>
@@ -5409,23 +5409,33 @@
           <a:lstStyle/>
           <a:p>
             <a:r>
-              <a:rPr lang="en-US" altLang="ko-KR" sz="2500" b="1">
-                <a:latin typeface="D2Coding" panose="020B0609020101020101" pitchFamily="49" charset="-127"/>
-                <a:ea typeface="D2Coding" panose="020B0609020101020101" pitchFamily="49" charset="-127"/>
-              </a:rPr>
-              <a:t>Domain Model Pattern – Discount Strategy </a:t>
-            </a:r>
-            <a:r>
-              <a:rPr lang="ko-KR" altLang="en-US" sz="2500" b="1">
+              <a:rPr lang="en-US" altLang="ko-KR" sz="2500" b="1" dirty="0">
+                <a:latin typeface="D2Coding" panose="020B0609020101020101" pitchFamily="49" charset="-127"/>
+                <a:ea typeface="D2Coding" panose="020B0609020101020101" pitchFamily="49" charset="-127"/>
+              </a:rPr>
+              <a:t>Domain Model Pattern – </a:t>
+            </a:r>
+            <a:r>
+              <a:rPr lang="en-US" altLang="ko-KR" sz="2500" b="1" dirty="0" err="1">
+                <a:latin typeface="D2Coding" panose="020B0609020101020101" pitchFamily="49" charset="-127"/>
+                <a:ea typeface="D2Coding" panose="020B0609020101020101" pitchFamily="49" charset="-127"/>
+              </a:rPr>
+              <a:t>DiscountStrategy</a:t>
+            </a:r>
+            <a:r>
+              <a:rPr lang="en-US" altLang="ko-KR" sz="2500" b="1" dirty="0">
+                <a:latin typeface="D2Coding" panose="020B0609020101020101" pitchFamily="49" charset="-127"/>
+                <a:ea typeface="D2Coding" panose="020B0609020101020101" pitchFamily="49" charset="-127"/>
+              </a:rPr>
+              <a:t> </a:t>
+            </a:r>
+            <a:r>
+              <a:rPr lang="ko-KR" altLang="en-US" sz="2500" b="1" dirty="0">
                 <a:latin typeface="D2Coding" panose="020B0609020101020101" pitchFamily="49" charset="-127"/>
                 <a:ea typeface="D2Coding" panose="020B0609020101020101" pitchFamily="49" charset="-127"/>
               </a:rPr>
               <a:t>구현</a:t>
             </a:r>
-            <a:endParaRPr lang="ko-KR" altLang="en-US" sz="2500" b="1" dirty="0">
-              <a:latin typeface="D2Coding" panose="020B0609020101020101" pitchFamily="49" charset="-127"/>
-              <a:ea typeface="D2Coding" panose="020B0609020101020101" pitchFamily="49" charset="-127"/>
-            </a:endParaRPr>
           </a:p>
         </p:txBody>
       </p:sp>
@@ -5503,8 +5513,8 @@
         </p:nvSpPr>
         <p:spPr>
           <a:xfrm>
-            <a:off x="275101" y="258679"/>
-            <a:ext cx="8790694" cy="477054"/>
+            <a:off x="275100" y="258679"/>
+            <a:ext cx="9897599" cy="477054"/>
           </a:xfrm>
           <a:prstGeom prst="rect">
             <a:avLst/>
@@ -5518,23 +5528,26 @@
           <a:lstStyle/>
           <a:p>
             <a:r>
-              <a:rPr lang="en-US" altLang="ko-KR" sz="2500" b="1">
-                <a:latin typeface="D2Coding" panose="020B0609020101020101" pitchFamily="49" charset="-127"/>
-                <a:ea typeface="D2Coding" panose="020B0609020101020101" pitchFamily="49" charset="-127"/>
-              </a:rPr>
-              <a:t>Domain Model Pattern – Discount Strategy </a:t>
-            </a:r>
-            <a:r>
-              <a:rPr lang="ko-KR" altLang="en-US" sz="2500" b="1">
+              <a:rPr lang="en-US" altLang="ko-KR" sz="2500" b="1" dirty="0">
+                <a:latin typeface="D2Coding" panose="020B0609020101020101" pitchFamily="49" charset="-127"/>
+                <a:ea typeface="D2Coding" panose="020B0609020101020101" pitchFamily="49" charset="-127"/>
+              </a:rPr>
+              <a:t>Domain Model Pattern – </a:t>
+            </a:r>
+            <a:r>
+              <a:rPr lang="en-US" altLang="ko-KR" sz="2500" b="1" dirty="0" err="1">
+                <a:latin typeface="D2Coding" panose="020B0609020101020101" pitchFamily="49" charset="-127"/>
+                <a:ea typeface="D2Coding" panose="020B0609020101020101" pitchFamily="49" charset="-127"/>
+              </a:rPr>
+              <a:t>DiscountStrategy</a:t>
+            </a:r>
+            <a:r>
+              <a:rPr lang="ko-KR" altLang="en-US" sz="2500" b="1" dirty="0">
                 <a:latin typeface="D2Coding" panose="020B0609020101020101" pitchFamily="49" charset="-127"/>
                 <a:ea typeface="D2Coding" panose="020B0609020101020101" pitchFamily="49" charset="-127"/>
               </a:rPr>
               <a:t>의 전략 구현</a:t>
             </a:r>
-            <a:endParaRPr lang="ko-KR" altLang="en-US" sz="2500" b="1" dirty="0">
-              <a:latin typeface="D2Coding" panose="020B0609020101020101" pitchFamily="49" charset="-127"/>
-              <a:ea typeface="D2Coding" panose="020B0609020101020101" pitchFamily="49" charset="-127"/>
-            </a:endParaRPr>
           </a:p>
         </p:txBody>
       </p:sp>
@@ -7125,7 +7138,7 @@
         <p:spPr>
           <a:xfrm>
             <a:off x="2954945" y="2805752"/>
-            <a:ext cx="6282110" cy="1246495"/>
+            <a:ext cx="6282110" cy="1785104"/>
           </a:xfrm>
           <a:prstGeom prst="rect">
             <a:avLst/>
@@ -7138,6 +7151,7 @@
           </a:bodyPr>
           <a:lstStyle/>
           <a:p>
+            <a:pPr algn="ctr"/>
             <a:r>
               <a:rPr lang="ko-KR" altLang="en-US" sz="2500" dirty="0">
                 <a:latin typeface="D2Coding" panose="020B0609020101020101" pitchFamily="49" charset="-127"/>
@@ -7188,12 +7202,14 @@
             </a:endParaRPr>
           </a:p>
           <a:p>
+            <a:pPr algn="ctr"/>
             <a:endParaRPr lang="en-US" altLang="ko-KR" sz="2500" dirty="0">
               <a:latin typeface="D2Coding" panose="020B0609020101020101" pitchFamily="49" charset="-127"/>
               <a:ea typeface="D2Coding" panose="020B0609020101020101" pitchFamily="49" charset="-127"/>
             </a:endParaRPr>
           </a:p>
           <a:p>
+            <a:pPr algn="ctr"/>
             <a:r>
               <a:rPr lang="ko-KR" altLang="en-US" sz="2500" dirty="0">
                 <a:solidFill>
@@ -7227,6 +7243,40 @@
                 <a:ea typeface="D2Coding" panose="020B0609020101020101" pitchFamily="49" charset="-127"/>
               </a:rPr>
               <a:t>를 구축하는 것</a:t>
+            </a:r>
+            <a:br>
+              <a:rPr lang="en-US" altLang="ko-KR" sz="2500" dirty="0">
+                <a:latin typeface="D2Coding" panose="020B0609020101020101" pitchFamily="49" charset="-127"/>
+                <a:ea typeface="D2Coding" panose="020B0609020101020101" pitchFamily="49" charset="-127"/>
+              </a:rPr>
+            </a:br>
+            <a:endParaRPr lang="en-US" altLang="ko-KR" sz="2500" dirty="0">
+              <a:latin typeface="D2Coding" panose="020B0609020101020101" pitchFamily="49" charset="-127"/>
+              <a:ea typeface="D2Coding" panose="020B0609020101020101" pitchFamily="49" charset="-127"/>
+            </a:endParaRPr>
+          </a:p>
+          <a:p>
+            <a:pPr algn="ctr"/>
+            <a:r>
+              <a:rPr lang="ko-KR" altLang="en-US" sz="1000" dirty="0">
+                <a:latin typeface="D2Coding" panose="020B0609020101020101" pitchFamily="49" charset="-127"/>
+                <a:ea typeface="D2Coding" panose="020B0609020101020101" pitchFamily="49" charset="-127"/>
+              </a:rPr>
+              <a:t>객체지향의 사실과 오해 </a:t>
+            </a:r>
+            <a:r>
+              <a:rPr lang="en-US" altLang="ko-KR" sz="1000" dirty="0">
+                <a:latin typeface="D2Coding" panose="020B0609020101020101" pitchFamily="49" charset="-127"/>
+                <a:ea typeface="D2Coding" panose="020B0609020101020101" pitchFamily="49" charset="-127"/>
+              </a:rPr>
+              <a:t>- </a:t>
+            </a:r>
+            <a:r>
+              <a:rPr lang="ko-KR" altLang="en-US" sz="1000" dirty="0">
+                <a:latin typeface="D2Coding" panose="020B0609020101020101" pitchFamily="49" charset="-127"/>
+                <a:ea typeface="D2Coding" panose="020B0609020101020101" pitchFamily="49" charset="-127"/>
+              </a:rPr>
+              <a:t>조영호</a:t>
             </a:r>
           </a:p>
         </p:txBody>
@@ -11923,7 +11973,7 @@
                 <a:latin typeface="D2Coding" panose="020B0609020101020101" pitchFamily="49" charset="-127"/>
                 <a:ea typeface="D2Coding" panose="020B0609020101020101" pitchFamily="49" charset="-127"/>
               </a:rPr>
-              <a:t>은 알고 보면 도메인 주도 개발</a:t>
+              <a:t>은 알고 보면 도메인 주도 설계</a:t>
             </a:r>
             <a:r>
               <a:rPr lang="en-US" altLang="ko-KR" b="1" dirty="0">
@@ -12224,8 +12274,8 @@
         </p:nvSpPr>
         <p:spPr>
           <a:xfrm>
-            <a:off x="4204848" y="2363020"/>
-            <a:ext cx="4211430" cy="369332"/>
+            <a:off x="4986901" y="2458770"/>
+            <a:ext cx="5071499" cy="369332"/>
           </a:xfrm>
           <a:prstGeom prst="rect">
             <a:avLst/>
@@ -12250,21 +12300,7 @@
                 <a:latin typeface="D2Coding" panose="020B0609020101020101" pitchFamily="49" charset="-127"/>
                 <a:ea typeface="D2Coding" panose="020B0609020101020101" pitchFamily="49" charset="-127"/>
               </a:rPr>
-              <a:t>(</a:t>
-            </a:r>
-            <a:r>
-              <a:rPr lang="ko-KR" altLang="en-US" dirty="0">
-                <a:latin typeface="D2Coding" panose="020B0609020101020101" pitchFamily="49" charset="-127"/>
-                <a:ea typeface="D2Coding" panose="020B0609020101020101" pitchFamily="49" charset="-127"/>
-              </a:rPr>
-              <a:t>도메인 주도 개발</a:t>
-            </a:r>
-            <a:r>
-              <a:rPr lang="en-US" altLang="ko-KR" dirty="0">
-                <a:latin typeface="D2Coding" panose="020B0609020101020101" pitchFamily="49" charset="-127"/>
-                <a:ea typeface="D2Coding" panose="020B0609020101020101" pitchFamily="49" charset="-127"/>
-              </a:rPr>
-              <a:t>)</a:t>
+              <a:t>(DDD)</a:t>
             </a:r>
           </a:p>
         </p:txBody>
@@ -12284,7 +12320,7 @@
         <p:spPr>
           <a:xfrm>
             <a:off x="6029159" y="3884975"/>
-            <a:ext cx="683126" cy="369332"/>
+            <a:ext cx="2242552" cy="369332"/>
           </a:xfrm>
           <a:prstGeom prst="rect">
             <a:avLst/>
